--- a/Kotlin.pptx
+++ b/Kotlin.pptx
@@ -758,39 +758,172 @@
           <a:p>
             <a:r>
               <a:rPr lang="en-US" dirty="0" smtClean="0"/>
-              <a:t>Why</a:t>
-            </a:r>
+              <a:t>1) Create </a:t>
+            </a:r>
+            <a:r>
+              <a:rPr lang="en-US" dirty="0" err="1" smtClean="0"/>
+              <a:t>Example.kt</a:t>
+            </a:r>
+            <a:endParaRPr lang="en-US" dirty="0" smtClean="0"/>
+          </a:p>
+          <a:p>
             <a:r>
               <a:rPr lang="en-US" baseline="0" dirty="0" smtClean="0"/>
-              <a:t> do we need </a:t>
+              <a:t> -&gt; Click add </a:t>
             </a:r>
             <a:r>
               <a:rPr lang="en-US" baseline="0" dirty="0" err="1" smtClean="0"/>
-              <a:t>uodate</a:t>
+              <a:t>Kotlin</a:t>
             </a:r>
             <a:r>
               <a:rPr lang="en-US" baseline="0" dirty="0" smtClean="0"/>
-              <a:t> of Java:</a:t>
-            </a:r>
-          </a:p>
-          <a:p>
+              <a:t> to project</a:t>
+            </a:r>
+          </a:p>
+          <a:p>
+            <a:r>
+              <a:rPr lang="en-US" baseline="0" dirty="0" smtClean="0"/>
+              <a:t> -&gt; Show </a:t>
+            </a:r>
+            <a:r>
+              <a:rPr lang="en-US" baseline="0" dirty="0" err="1" smtClean="0"/>
+              <a:t>gradle</a:t>
+            </a:r>
+            <a:r>
+              <a:rPr lang="en-US" baseline="0" dirty="0" smtClean="0"/>
+              <a:t> file</a:t>
+            </a:r>
+          </a:p>
+          <a:p>
+            <a:r>
+              <a:rPr lang="en-US" baseline="0" dirty="0" smtClean="0"/>
+              <a:t>2) </a:t>
+            </a:r>
             <a:r>
               <a:rPr lang="en-US" dirty="0" smtClean="0"/>
-              <a:t>Try with resources</a:t>
-            </a:r>
-          </a:p>
-          <a:p>
-            <a:r>
-              <a:rPr lang="en-US" dirty="0" smtClean="0"/>
-              <a:t>Lambdas</a:t>
-            </a:r>
-          </a:p>
-          <a:p>
-            <a:r>
-              <a:rPr lang="en-US" dirty="0" smtClean="0"/>
-              <a:t>Streams</a:t>
-            </a:r>
-            <a:endParaRPr lang="en-US" dirty="0"/>
+              <a:t>Convert Activity</a:t>
+            </a:r>
+            <a:r>
+              <a:rPr lang="en-US" baseline="0" dirty="0" smtClean="0"/>
+              <a:t> to </a:t>
+            </a:r>
+            <a:r>
+              <a:rPr lang="en-US" baseline="0" dirty="0" err="1" smtClean="0"/>
+              <a:t>Kotlin</a:t>
+            </a:r>
+            <a:endParaRPr lang="en-US" baseline="0" dirty="0" smtClean="0"/>
+          </a:p>
+          <a:p>
+            <a:r>
+              <a:rPr lang="en-US" baseline="0" dirty="0" smtClean="0"/>
+              <a:t> -&gt; Show how click listener is converted to lambda</a:t>
+            </a:r>
+          </a:p>
+          <a:p>
+            <a:r>
+              <a:rPr lang="en-US" baseline="0" dirty="0" smtClean="0"/>
+              <a:t> -&gt; Remove menu code</a:t>
+            </a:r>
+          </a:p>
+          <a:p>
+            <a:r>
+              <a:rPr lang="en-US" baseline="0" dirty="0" smtClean="0"/>
+              <a:t>3) Give fab as constructor parameter and make it as a property</a:t>
+            </a:r>
+          </a:p>
+          <a:p>
+            <a:r>
+              <a:rPr lang="en-US" baseline="0" dirty="0" smtClean="0"/>
+              <a:t> -&gt; Move fab code into new method, using tooling</a:t>
+            </a:r>
+          </a:p>
+          <a:p>
+            <a:r>
+              <a:rPr lang="en-US" baseline="0" dirty="0" smtClean="0"/>
+              <a:t>4) Extract message and create extension method “</a:t>
+            </a:r>
+            <a:r>
+              <a:rPr lang="en-US" i="1" dirty="0" err="1" smtClean="0">
+                <a:effectLst/>
+              </a:rPr>
+              <a:t>showSnackBarOnClick</a:t>
+            </a:r>
+            <a:r>
+              <a:rPr lang="en-US" baseline="0" dirty="0" smtClean="0"/>
+              <a:t>”</a:t>
+            </a:r>
+          </a:p>
+          <a:p>
+            <a:r>
+              <a:rPr lang="en-US" baseline="0" dirty="0" smtClean="0"/>
+              <a:t> -&gt; Move extension method to separate class, pay attention to method signature</a:t>
+            </a:r>
+          </a:p>
+          <a:p>
+            <a:r>
+              <a:rPr lang="en-US" baseline="0" dirty="0" smtClean="0"/>
+              <a:t> -&gt; Show usage of “it” in 1 </a:t>
+            </a:r>
+            <a:r>
+              <a:rPr lang="en-US" baseline="0" dirty="0" err="1" smtClean="0"/>
+              <a:t>arg</a:t>
+            </a:r>
+            <a:r>
+              <a:rPr lang="en-US" baseline="0" dirty="0" smtClean="0"/>
+              <a:t> lambda</a:t>
+            </a:r>
+          </a:p>
+          <a:p>
+            <a:r>
+              <a:rPr lang="en-US" baseline="0" dirty="0" smtClean="0"/>
+              <a:t>5) Pass </a:t>
+            </a:r>
+            <a:r>
+              <a:rPr lang="en-US" baseline="0" dirty="0" err="1" smtClean="0"/>
+              <a:t>int</a:t>
+            </a:r>
+            <a:r>
+              <a:rPr lang="en-US" baseline="0" dirty="0" smtClean="0"/>
+              <a:t> instead of string and show string interpolation</a:t>
+            </a:r>
+          </a:p>
+          <a:p>
+            <a:r>
+              <a:rPr lang="en-US" baseline="0" dirty="0" smtClean="0"/>
+              <a:t>6) Change signature of extensions function to take two </a:t>
+            </a:r>
+            <a:r>
+              <a:rPr lang="en-US" baseline="0" dirty="0" err="1" smtClean="0"/>
+              <a:t>int</a:t>
+            </a:r>
+            <a:r>
+              <a:rPr lang="en-US" baseline="0" dirty="0" smtClean="0"/>
+              <a:t> and a higher order function</a:t>
+            </a:r>
+          </a:p>
+          <a:p>
+            <a:r>
+              <a:rPr lang="en-US" baseline="0" dirty="0" smtClean="0"/>
+              <a:t> -&gt; Then show usage of that method with ill places brackets around lambda’s</a:t>
+            </a:r>
+          </a:p>
+          <a:p>
+            <a:r>
+              <a:rPr lang="en-US" baseline="0" dirty="0" smtClean="0"/>
+              <a:t> -&gt; Then show intended use</a:t>
+            </a:r>
+          </a:p>
+          <a:p>
+            <a:r>
+              <a:rPr lang="en-US" baseline="0" dirty="0" smtClean="0"/>
+              <a:t>7) As a kicker show usage of default extensions of list with reduce</a:t>
+            </a:r>
+          </a:p>
+          <a:p>
+            <a:r>
+              <a:rPr lang="en-US" baseline="0" dirty="0" smtClean="0"/>
+              <a:t> -&gt; And extract lambda as function</a:t>
+            </a:r>
           </a:p>
         </p:txBody>
       </p:sp>
@@ -821,6 +954,90 @@
     <p:extLst>
       <p:ext uri="{BB962C8B-B14F-4D97-AF65-F5344CB8AC3E}">
         <p14:creationId xmlns:p14="http://schemas.microsoft.com/office/powerpoint/2010/main" val="1897541102"/>
+      </p:ext>
+    </p:extLst>
+  </p:cSld>
+  <p:clrMapOvr>
+    <a:masterClrMapping/>
+  </p:clrMapOvr>
+</p:notes>
+</file>
+
+<file path=ppt/notesSlides/notesSlide4.xml><?xml version="1.0" encoding="utf-8"?>
+<p:notes xmlns:a="http://schemas.openxmlformats.org/drawingml/2006/main" xmlns:r="http://schemas.openxmlformats.org/officeDocument/2006/relationships" xmlns:p="http://schemas.openxmlformats.org/presentationml/2006/main">
+  <p:cSld>
+    <p:spTree>
+      <p:nvGrpSpPr>
+        <p:cNvPr id="1" name=""/>
+        <p:cNvGrpSpPr/>
+        <p:nvPr/>
+      </p:nvGrpSpPr>
+      <p:grpSpPr>
+        <a:xfrm>
+          <a:off x="0" y="0"/>
+          <a:ext cx="0" cy="0"/>
+          <a:chOff x="0" y="0"/>
+          <a:chExt cx="0" cy="0"/>
+        </a:xfrm>
+      </p:grpSpPr>
+      <p:sp>
+        <p:nvSpPr>
+          <p:cNvPr id="2" name="Slide Image Placeholder 1"/>
+          <p:cNvSpPr>
+            <a:spLocks noGrp="1" noRot="1" noChangeAspect="1"/>
+          </p:cNvSpPr>
+          <p:nvPr>
+            <p:ph type="sldImg"/>
+          </p:nvPr>
+        </p:nvSpPr>
+        <p:spPr/>
+      </p:sp>
+      <p:sp>
+        <p:nvSpPr>
+          <p:cNvPr id="3" name="Notes Placeholder 2"/>
+          <p:cNvSpPr>
+            <a:spLocks noGrp="1"/>
+          </p:cNvSpPr>
+          <p:nvPr>
+            <p:ph type="body" idx="1"/>
+          </p:nvPr>
+        </p:nvSpPr>
+        <p:spPr/>
+        <p:txBody>
+          <a:bodyPr/>
+          <a:lstStyle/>
+          <a:p>
+            <a:endParaRPr lang="en-US" dirty="0"/>
+          </a:p>
+        </p:txBody>
+      </p:sp>
+      <p:sp>
+        <p:nvSpPr>
+          <p:cNvPr id="4" name="Slide Number Placeholder 3"/>
+          <p:cNvSpPr>
+            <a:spLocks noGrp="1"/>
+          </p:cNvSpPr>
+          <p:nvPr>
+            <p:ph type="sldNum" sz="quarter" idx="10"/>
+          </p:nvPr>
+        </p:nvSpPr>
+        <p:spPr/>
+        <p:txBody>
+          <a:bodyPr/>
+          <a:lstStyle/>
+          <a:p>
+            <a:fld id="{E478809B-5C58-FE4E-A5C2-E0F6DFD902F4}" type="slidenum">
+              <a:rPr lang="en-US" smtClean="0"/>
+              <a:t>12</a:t>
+            </a:fld>
+            <a:endParaRPr lang="en-US"/>
+          </a:p>
+        </p:txBody>
+      </p:sp>
+    </p:spTree>
+    <p:extLst>
+      <p:ext uri="{BB962C8B-B14F-4D97-AF65-F5344CB8AC3E}">
+        <p14:creationId xmlns:p14="http://schemas.microsoft.com/office/powerpoint/2010/main" val="1931088466"/>
       </p:ext>
     </p:extLst>
   </p:cSld>
@@ -7420,36 +7637,6 @@
           </a:p>
         </p:txBody>
       </p:sp>
-      <p:pic>
-        <p:nvPicPr>
-          <p:cNvPr id="4" name="Picture 3" descr="Screen Shot 2015-12-12 at 18.26.54.png"/>
-          <p:cNvPicPr>
-            <a:picLocks noChangeAspect="1"/>
-          </p:cNvPicPr>
-          <p:nvPr/>
-        </p:nvPicPr>
-        <p:blipFill>
-          <a:blip r:embed="rId3">
-            <a:extLst>
-              <a:ext uri="{28A0092B-C50C-407E-A947-70E740481C1C}">
-                <a14:useLocalDpi xmlns:a14="http://schemas.microsoft.com/office/drawing/2010/main" val="0"/>
-              </a:ext>
-            </a:extLst>
-          </a:blip>
-          <a:stretch>
-            <a:fillRect/>
-          </a:stretch>
-        </p:blipFill>
-        <p:spPr>
-          <a:xfrm>
-            <a:off x="4437277" y="2958685"/>
-            <a:ext cx="4706723" cy="4628854"/>
-          </a:xfrm>
-          <a:prstGeom prst="rect">
-            <a:avLst/>
-          </a:prstGeom>
-        </p:spPr>
-      </p:pic>
       <p:grpSp>
         <p:nvGrpSpPr>
           <p:cNvPr id="7" name="Group 6"/>
@@ -7571,6 +7758,36 @@
           </p:txBody>
         </p:sp>
       </p:grpSp>
+      <p:pic>
+        <p:nvPicPr>
+          <p:cNvPr id="10" name="Picture 9" descr="Screen Shot 2015-12-12 at 21.48.04.png"/>
+          <p:cNvPicPr>
+            <a:picLocks noChangeAspect="1"/>
+          </p:cNvPicPr>
+          <p:nvPr/>
+        </p:nvPicPr>
+        <p:blipFill>
+          <a:blip r:embed="rId3">
+            <a:extLst>
+              <a:ext uri="{28A0092B-C50C-407E-A947-70E740481C1C}">
+                <a14:useLocalDpi xmlns:a14="http://schemas.microsoft.com/office/drawing/2010/main" val="0"/>
+              </a:ext>
+            </a:extLst>
+          </a:blip>
+          <a:stretch>
+            <a:fillRect/>
+          </a:stretch>
+        </p:blipFill>
+        <p:spPr>
+          <a:xfrm>
+            <a:off x="457200" y="3629370"/>
+            <a:ext cx="9144000" cy="6149630"/>
+          </a:xfrm>
+          <a:prstGeom prst="rect">
+            <a:avLst/>
+          </a:prstGeom>
+        </p:spPr>
+      </p:pic>
     </p:spTree>
     <p:extLst>
       <p:ext uri="{BB962C8B-B14F-4D97-AF65-F5344CB8AC3E}">
@@ -9693,7 +9910,9 @@
       </p:grpSpPr>
       <p:sp>
         <p:nvSpPr>
-          <p:cNvPr id="9" name="Rectangle 8"/>
+          <p:cNvPr id="9" name="Rectangle 8">
+            <a:hlinkClick r:id="rId2"/>
+          </p:cNvPr>
           <p:cNvSpPr/>
           <p:nvPr/>
         </p:nvSpPr>
@@ -9862,7 +10081,21 @@
                 <a:latin typeface="Geneva"/>
                 <a:cs typeface="Geneva"/>
               </a:rPr>
-              <a:t>  The about box</a:t>
+              <a:t>  </a:t>
+            </a:r>
+            <a:r>
+              <a:rPr lang="en-US" sz="3200" dirty="0" smtClean="0">
+                <a:latin typeface="Geneva"/>
+                <a:cs typeface="Geneva"/>
+              </a:rPr>
+              <a:t>About </a:t>
+            </a:r>
+            <a:r>
+              <a:rPr lang="en-US" sz="3200" dirty="0" smtClean="0">
+                <a:latin typeface="Geneva"/>
+                <a:cs typeface="Geneva"/>
+              </a:rPr>
+              <a:t>box</a:t>
             </a:r>
             <a:endParaRPr lang="en-US" sz="3200" dirty="0">
               <a:latin typeface="Geneva"/>
@@ -9880,7 +10113,7 @@
           <p:nvPr/>
         </p:nvPicPr>
         <p:blipFill>
-          <a:blip r:embed="rId2"/>
+          <a:blip r:embed="rId3"/>
           <a:stretch>
             <a:fillRect/>
           </a:stretch>
@@ -9919,14 +10152,16 @@
       </p:pic>
       <p:pic>
         <p:nvPicPr>
-          <p:cNvPr id="5" name="Picture 4"/>
+          <p:cNvPr id="5" name="Picture 4">
+            <a:hlinkClick r:id="rId2"/>
+          </p:cNvPr>
           <p:cNvPicPr>
             <a:picLocks noChangeAspect="1"/>
           </p:cNvPicPr>
           <p:nvPr/>
         </p:nvPicPr>
         <p:blipFill rotWithShape="1">
-          <a:blip r:embed="rId3"/>
+          <a:blip r:embed="rId4"/>
           <a:srcRect r="71141"/>
           <a:stretch/>
         </p:blipFill>
@@ -9952,7 +10187,9 @@
       </p:pic>
       <p:sp>
         <p:nvSpPr>
-          <p:cNvPr id="10" name="Rectangle 9"/>
+          <p:cNvPr id="10" name="Rectangle 9">
+            <a:hlinkClick r:id="rId5"/>
+          </p:cNvPr>
           <p:cNvSpPr/>
           <p:nvPr/>
         </p:nvSpPr>
@@ -9998,11 +10235,11 @@
           <a:p>
             <a:pPr algn="ctr"/>
             <a:r>
-              <a:rPr lang="en-US" sz="3200" dirty="0" err="1" smtClean="0">
+              <a:rPr lang="en-US" sz="3200" dirty="0" smtClean="0">
                 <a:latin typeface="Geneva"/>
                 <a:cs typeface="Geneva"/>
               </a:rPr>
-              <a:t>www.endran.nl</a:t>
+              <a:t>www.endran.nl </a:t>
             </a:r>
             <a:endParaRPr lang="en-US" sz="3200" dirty="0">
               <a:latin typeface="Geneva"/>

--- a/Kotlin.pptx
+++ b/Kotlin.pptx
@@ -5,7 +5,7 @@
     <p:sldMasterId id="2147483648" r:id="rId1"/>
   </p:sldMasterIdLst>
   <p:notesMasterIdLst>
-    <p:notesMasterId r:id="rId19"/>
+    <p:notesMasterId r:id="rId20"/>
   </p:notesMasterIdLst>
   <p:sldIdLst>
     <p:sldId id="256" r:id="rId2"/>
@@ -20,11 +20,12 @@
     <p:sldId id="269" r:id="rId11"/>
     <p:sldId id="270" r:id="rId12"/>
     <p:sldId id="261" r:id="rId13"/>
-    <p:sldId id="271" r:id="rId14"/>
-    <p:sldId id="263" r:id="rId15"/>
-    <p:sldId id="273" r:id="rId16"/>
-    <p:sldId id="272" r:id="rId17"/>
-    <p:sldId id="264" r:id="rId18"/>
+    <p:sldId id="274" r:id="rId14"/>
+    <p:sldId id="271" r:id="rId15"/>
+    <p:sldId id="263" r:id="rId16"/>
+    <p:sldId id="273" r:id="rId17"/>
+    <p:sldId id="272" r:id="rId18"/>
+    <p:sldId id="264" r:id="rId19"/>
   </p:sldIdLst>
   <p:sldSz cx="9144000" cy="6858000" type="screen4x3"/>
   <p:notesSz cx="6858000" cy="9144000"/>
@@ -797,6 +798,77 @@
           <a:p>
             <a:r>
               <a:rPr lang="en-US" baseline="0" dirty="0" smtClean="0"/>
+              <a:t> -&gt; add: </a:t>
+            </a:r>
+            <a:r>
+              <a:rPr lang="en-US" dirty="0" err="1" smtClean="0"/>
+              <a:t>classpath</a:t>
+            </a:r>
+            <a:r>
+              <a:rPr lang="en-US" dirty="0" smtClean="0"/>
+              <a:t> </a:t>
+            </a:r>
+            <a:r>
+              <a:rPr lang="en-US" sz="1200" b="1" kern="1200" dirty="0" smtClean="0">
+                <a:solidFill>
+                  <a:schemeClr val="tx1"/>
+                </a:solidFill>
+                <a:effectLst/>
+                <a:latin typeface="+mn-lt"/>
+                <a:ea typeface="+mn-ea"/>
+                <a:cs typeface="+mn-cs"/>
+              </a:rPr>
+              <a:t>"</a:t>
+            </a:r>
+            <a:r>
+              <a:rPr lang="en-US" sz="1200" b="1" kern="1200" dirty="0" err="1" smtClean="0">
+                <a:solidFill>
+                  <a:schemeClr val="tx1"/>
+                </a:solidFill>
+                <a:effectLst/>
+                <a:latin typeface="+mn-lt"/>
+                <a:ea typeface="+mn-ea"/>
+                <a:cs typeface="+mn-cs"/>
+              </a:rPr>
+              <a:t>org.jetbrains.kotlin:kotlin-android-extensions</a:t>
+            </a:r>
+            <a:r>
+              <a:rPr lang="en-US" sz="1200" b="1" kern="1200" dirty="0" smtClean="0">
+                <a:solidFill>
+                  <a:schemeClr val="tx1"/>
+                </a:solidFill>
+                <a:effectLst/>
+                <a:latin typeface="+mn-lt"/>
+                <a:ea typeface="+mn-ea"/>
+                <a:cs typeface="+mn-cs"/>
+              </a:rPr>
+              <a:t>:</a:t>
+            </a:r>
+            <a:r>
+              <a:rPr lang="en-US" dirty="0" smtClean="0"/>
+              <a:t>$</a:t>
+            </a:r>
+            <a:r>
+              <a:rPr lang="en-US" dirty="0" err="1" smtClean="0"/>
+              <a:t>kotlin_version</a:t>
+            </a:r>
+            <a:r>
+              <a:rPr lang="en-US" sz="1200" b="1" kern="1200" dirty="0" smtClean="0">
+                <a:solidFill>
+                  <a:schemeClr val="tx1"/>
+                </a:solidFill>
+                <a:effectLst/>
+                <a:latin typeface="+mn-lt"/>
+                <a:ea typeface="+mn-ea"/>
+                <a:cs typeface="+mn-cs"/>
+              </a:rPr>
+              <a:t>"</a:t>
+            </a:r>
+            <a:endParaRPr lang="en-US" baseline="0" dirty="0" smtClean="0"/>
+          </a:p>
+          <a:p>
+            <a:r>
+              <a:rPr lang="en-US" baseline="0" dirty="0" smtClean="0"/>
               <a:t>2) </a:t>
             </a:r>
             <a:r>
@@ -816,7 +888,23 @@
           <a:p>
             <a:r>
               <a:rPr lang="en-US" baseline="0" dirty="0" smtClean="0"/>
-              <a:t> -&gt; Show how click listener is converted to lambda</a:t>
+              <a:t> -&gt; Show how click listener is converted to lambda (Explain lambda </a:t>
+            </a:r>
+            <a:r>
+              <a:rPr lang="en-US" baseline="0" dirty="0" err="1" smtClean="0"/>
+              <a:t>vs</a:t>
+            </a:r>
+            <a:r>
+              <a:rPr lang="en-US" baseline="0" dirty="0" smtClean="0"/>
+              <a:t> </a:t>
+            </a:r>
+            <a:r>
+              <a:rPr lang="en-US" baseline="0" dirty="0" err="1" smtClean="0"/>
+              <a:t>annon</a:t>
+            </a:r>
+            <a:r>
+              <a:rPr lang="en-US" baseline="0" dirty="0" smtClean="0"/>
+              <a:t> inner class and outer class reference)</a:t>
             </a:r>
           </a:p>
           <a:p>
@@ -924,6 +1012,17 @@
               <a:rPr lang="en-US" baseline="0" dirty="0" smtClean="0"/>
               <a:t> -&gt; And extract lambda as function</a:t>
             </a:r>
+          </a:p>
+          <a:p>
+            <a:r>
+              <a:rPr lang="en-US" baseline="0" dirty="0" smtClean="0"/>
+              <a:t> -&gt; Perhaps some </a:t>
+            </a:r>
+            <a:r>
+              <a:rPr lang="en-US" baseline="0" dirty="0" err="1" smtClean="0"/>
+              <a:t>inlining</a:t>
+            </a:r>
+            <a:endParaRPr lang="en-US" baseline="0" dirty="0" smtClean="0"/>
           </a:p>
         </p:txBody>
       </p:sp>
@@ -1007,6 +1106,240 @@
           <a:bodyPr/>
           <a:lstStyle/>
           <a:p>
+            <a:r>
+              <a:rPr lang="en-US" dirty="0" smtClean="0"/>
+              <a:t>The need to stuck to</a:t>
+            </a:r>
+            <a:r>
+              <a:rPr lang="en-US" baseline="0" dirty="0" smtClean="0"/>
+              <a:t> Java, since the majority of their code base (IDE’s (All of their IDE’s </a:t>
+            </a:r>
+            <a:r>
+              <a:rPr lang="en-US" baseline="0" dirty="0" err="1" smtClean="0"/>
+              <a:t>execpt</a:t>
+            </a:r>
+            <a:r>
+              <a:rPr lang="en-US" baseline="0" dirty="0" smtClean="0"/>
+              <a:t> for C# is on the JVM)) depend on Java. They needed to overcome some issues with Java.</a:t>
+            </a:r>
+          </a:p>
+          <a:p>
+            <a:r>
+              <a:rPr lang="en-US" baseline="0" dirty="0" smtClean="0"/>
+              <a:t>At the time ‘</a:t>
+            </a:r>
+            <a:r>
+              <a:rPr lang="en-US" baseline="0" dirty="0" err="1" smtClean="0"/>
+              <a:t>Scala</a:t>
+            </a:r>
+            <a:r>
+              <a:rPr lang="en-US" baseline="0" dirty="0" smtClean="0"/>
+              <a:t>’ was there, but it wasn’t for them.</a:t>
+            </a:r>
+          </a:p>
+          <a:p>
+            <a:r>
+              <a:rPr lang="en-US" baseline="0" dirty="0" smtClean="0"/>
+              <a:t>The primary reason to development was for internal use.</a:t>
+            </a:r>
+          </a:p>
+          <a:p>
+            <a:endParaRPr lang="en-US" baseline="0" dirty="0" smtClean="0"/>
+          </a:p>
+          <a:p>
+            <a:r>
+              <a:rPr lang="en-US" baseline="0" dirty="0" smtClean="0"/>
+              <a:t>Apache 2.0 licenses -&gt; open source</a:t>
+            </a:r>
+          </a:p>
+          <a:p>
+            <a:endParaRPr lang="en-US" baseline="0" dirty="0" smtClean="0"/>
+          </a:p>
+          <a:p>
+            <a:r>
+              <a:rPr lang="en-US" baseline="0" dirty="0" smtClean="0"/>
+              <a:t>Interoperation with Java was key for </a:t>
+            </a:r>
+            <a:r>
+              <a:rPr lang="en-US" baseline="0" dirty="0" err="1" smtClean="0"/>
+              <a:t>Jetbrains</a:t>
+            </a:r>
+            <a:r>
+              <a:rPr lang="en-US" baseline="0" dirty="0" smtClean="0"/>
+              <a:t>. Some of their own tools already have </a:t>
+            </a:r>
+            <a:r>
+              <a:rPr lang="en-US" baseline="0" dirty="0" err="1" smtClean="0"/>
+              <a:t>Kotlin</a:t>
+            </a:r>
+            <a:r>
+              <a:rPr lang="en-US" baseline="0" dirty="0" smtClean="0"/>
+              <a:t>, live in the field/production.</a:t>
+            </a:r>
+          </a:p>
+          <a:p>
+            <a:endParaRPr lang="en-US" baseline="0" dirty="0" smtClean="0"/>
+          </a:p>
+          <a:p>
+            <a:r>
+              <a:rPr lang="en-US" baseline="0" dirty="0" smtClean="0"/>
+              <a:t>Name comes from an island near St. Petersburg. They have a main </a:t>
+            </a:r>
+            <a:r>
+              <a:rPr lang="en-US" baseline="0" dirty="0" err="1" smtClean="0"/>
+              <a:t>RnD</a:t>
+            </a:r>
+            <a:r>
+              <a:rPr lang="en-US" baseline="0" dirty="0" smtClean="0"/>
+              <a:t> office there.</a:t>
+            </a:r>
+          </a:p>
+          <a:p>
+            <a:endParaRPr lang="en-US" baseline="0" dirty="0" smtClean="0"/>
+          </a:p>
+          <a:p>
+            <a:r>
+              <a:rPr lang="en-US" baseline="0" dirty="0" smtClean="0"/>
+              <a:t>Statically typed, like Java. Tooling for </a:t>
+            </a:r>
+            <a:r>
+              <a:rPr lang="en-US" baseline="0" dirty="0" err="1" smtClean="0"/>
+              <a:t>staitically</a:t>
+            </a:r>
+            <a:r>
+              <a:rPr lang="en-US" baseline="0" dirty="0" smtClean="0"/>
+              <a:t> </a:t>
+            </a:r>
+            <a:r>
+              <a:rPr lang="en-US" baseline="0" dirty="0" err="1" smtClean="0"/>
+              <a:t>tpyes</a:t>
+            </a:r>
+            <a:r>
+              <a:rPr lang="en-US" baseline="0" dirty="0" smtClean="0"/>
+              <a:t> languages of way easier. Also development is less complex.</a:t>
+            </a:r>
+          </a:p>
+          <a:p>
+            <a:r>
+              <a:rPr lang="en-US" baseline="0" dirty="0" err="1" smtClean="0"/>
+              <a:t>Kotlin</a:t>
+            </a:r>
+            <a:r>
+              <a:rPr lang="en-US" baseline="0" dirty="0" smtClean="0"/>
+              <a:t> has to be </a:t>
+            </a:r>
+            <a:r>
+              <a:rPr lang="en-US" baseline="0" dirty="0" err="1" smtClean="0"/>
+              <a:t>consince</a:t>
+            </a:r>
+            <a:r>
+              <a:rPr lang="en-US" baseline="0" dirty="0" smtClean="0"/>
+              <a:t>, so that</a:t>
+            </a:r>
+            <a:r>
+              <a:rPr lang="fr-FR" baseline="0" dirty="0" smtClean="0"/>
+              <a:t>’</a:t>
+            </a:r>
+            <a:r>
+              <a:rPr lang="en-US" baseline="0" dirty="0" smtClean="0"/>
+              <a:t>s why type inference comes in. So no over </a:t>
+            </a:r>
+            <a:r>
+              <a:rPr lang="en-US" baseline="0" dirty="0" err="1" smtClean="0"/>
+              <a:t>explict</a:t>
+            </a:r>
+            <a:r>
+              <a:rPr lang="en-US" baseline="0" dirty="0" smtClean="0"/>
+              <a:t> type notation. Cuts down on boilerplate code.</a:t>
+            </a:r>
+          </a:p>
+          <a:p>
+            <a:endParaRPr lang="en-US" baseline="0" dirty="0" smtClean="0"/>
+          </a:p>
+          <a:p>
+            <a:r>
+              <a:rPr lang="en-US" baseline="0" dirty="0" smtClean="0"/>
+              <a:t>By default classes are immutable, final. Which causes less inheritance and there are other paradigms to create the same functionality, in a better way.</a:t>
+            </a:r>
+          </a:p>
+          <a:p>
+            <a:endParaRPr lang="en-US" baseline="0" dirty="0" smtClean="0"/>
+          </a:p>
+          <a:p>
+            <a:r>
+              <a:rPr lang="en-US" dirty="0" err="1" smtClean="0"/>
+              <a:t>Kotlin</a:t>
+            </a:r>
+            <a:r>
+              <a:rPr lang="en-US" baseline="0" dirty="0" smtClean="0"/>
+              <a:t> is optimized for </a:t>
+            </a:r>
+            <a:r>
+              <a:rPr lang="en-US" baseline="0" dirty="0" err="1" smtClean="0"/>
+              <a:t>toolabilty</a:t>
+            </a:r>
+            <a:r>
+              <a:rPr lang="en-US" baseline="0" dirty="0" smtClean="0"/>
+              <a:t>, and less verbose, more explicit code. The compile time is slightly slower then Java, but becoming faster with every version. At run time is is the same as Java, or even faster since it compiles down to more efficient code.</a:t>
+            </a:r>
+          </a:p>
+          <a:p>
+            <a:r>
+              <a:rPr lang="en-US" baseline="0" dirty="0" err="1" smtClean="0"/>
+              <a:t>Kotlin</a:t>
+            </a:r>
+            <a:r>
+              <a:rPr lang="en-US" baseline="0" dirty="0" smtClean="0"/>
+              <a:t> does not have it’s own web framework or other basic stuff. They rely on existing (Java) libraries, often with a thin </a:t>
+            </a:r>
+            <a:r>
+              <a:rPr lang="en-US" baseline="0" dirty="0" err="1" smtClean="0"/>
+              <a:t>Kotlin</a:t>
+            </a:r>
+            <a:r>
+              <a:rPr lang="en-US" baseline="0" dirty="0" smtClean="0"/>
+              <a:t> facade. All Java libraries work for </a:t>
+            </a:r>
+            <a:r>
+              <a:rPr lang="en-US" baseline="0" dirty="0" err="1" smtClean="0"/>
+              <a:t>Kotlin</a:t>
+            </a:r>
+            <a:r>
+              <a:rPr lang="en-US" baseline="0" dirty="0" smtClean="0"/>
+              <a:t>, including annotation processors.</a:t>
+            </a:r>
+          </a:p>
+          <a:p>
+            <a:endParaRPr lang="en-US" baseline="0" dirty="0" smtClean="0"/>
+          </a:p>
+          <a:p>
+            <a:endParaRPr lang="en-US" baseline="0" dirty="0" smtClean="0"/>
+          </a:p>
+          <a:p>
+            <a:endParaRPr lang="en-US" baseline="0" dirty="0" smtClean="0"/>
+          </a:p>
+          <a:p>
+            <a:r>
+              <a:rPr lang="en-US" baseline="0" dirty="0" smtClean="0"/>
+              <a:t>The new power of </a:t>
+            </a:r>
+            <a:r>
+              <a:rPr lang="en-US" baseline="0" dirty="0" err="1" smtClean="0"/>
+              <a:t>Kotlin</a:t>
+            </a:r>
+            <a:r>
+              <a:rPr lang="en-US" baseline="0" dirty="0" smtClean="0"/>
+              <a:t> on the Java 6 JVM open a whole new world for Android developers. Enjoy all the new good stuff </a:t>
+            </a:r>
+            <a:r>
+              <a:rPr lang="en-US" baseline="0" dirty="0" smtClean="0">
+                <a:sym typeface="Wingdings"/>
+              </a:rPr>
+              <a:t></a:t>
+            </a:r>
+            <a:endParaRPr lang="en-US" baseline="0" dirty="0" smtClean="0"/>
+          </a:p>
+          <a:p>
             <a:endParaRPr lang="en-US" dirty="0"/>
           </a:p>
         </p:txBody>
@@ -1038,6 +1371,174 @@
     <p:extLst>
       <p:ext uri="{BB962C8B-B14F-4D97-AF65-F5344CB8AC3E}">
         <p14:creationId xmlns:p14="http://schemas.microsoft.com/office/powerpoint/2010/main" val="1931088466"/>
+      </p:ext>
+    </p:extLst>
+  </p:cSld>
+  <p:clrMapOvr>
+    <a:masterClrMapping/>
+  </p:clrMapOvr>
+</p:notes>
+</file>
+
+<file path=ppt/notesSlides/notesSlide5.xml><?xml version="1.0" encoding="utf-8"?>
+<p:notes xmlns:a="http://schemas.openxmlformats.org/drawingml/2006/main" xmlns:r="http://schemas.openxmlformats.org/officeDocument/2006/relationships" xmlns:p="http://schemas.openxmlformats.org/presentationml/2006/main">
+  <p:cSld>
+    <p:spTree>
+      <p:nvGrpSpPr>
+        <p:cNvPr id="1" name=""/>
+        <p:cNvGrpSpPr/>
+        <p:nvPr/>
+      </p:nvGrpSpPr>
+      <p:grpSpPr>
+        <a:xfrm>
+          <a:off x="0" y="0"/>
+          <a:ext cx="0" cy="0"/>
+          <a:chOff x="0" y="0"/>
+          <a:chExt cx="0" cy="0"/>
+        </a:xfrm>
+      </p:grpSpPr>
+      <p:sp>
+        <p:nvSpPr>
+          <p:cNvPr id="2" name="Slide Image Placeholder 1"/>
+          <p:cNvSpPr>
+            <a:spLocks noGrp="1" noRot="1" noChangeAspect="1"/>
+          </p:cNvSpPr>
+          <p:nvPr>
+            <p:ph type="sldImg"/>
+          </p:nvPr>
+        </p:nvSpPr>
+        <p:spPr/>
+      </p:sp>
+      <p:sp>
+        <p:nvSpPr>
+          <p:cNvPr id="3" name="Notes Placeholder 2"/>
+          <p:cNvSpPr>
+            <a:spLocks noGrp="1"/>
+          </p:cNvSpPr>
+          <p:nvPr>
+            <p:ph type="body" idx="1"/>
+          </p:nvPr>
+        </p:nvSpPr>
+        <p:spPr/>
+        <p:txBody>
+          <a:bodyPr/>
+          <a:lstStyle/>
+          <a:p>
+            <a:endParaRPr lang="en-US" dirty="0"/>
+          </a:p>
+        </p:txBody>
+      </p:sp>
+      <p:sp>
+        <p:nvSpPr>
+          <p:cNvPr id="4" name="Slide Number Placeholder 3"/>
+          <p:cNvSpPr>
+            <a:spLocks noGrp="1"/>
+          </p:cNvSpPr>
+          <p:nvPr>
+            <p:ph type="sldNum" sz="quarter" idx="10"/>
+          </p:nvPr>
+        </p:nvSpPr>
+        <p:spPr/>
+        <p:txBody>
+          <a:bodyPr/>
+          <a:lstStyle/>
+          <a:p>
+            <a:fld id="{E478809B-5C58-FE4E-A5C2-E0F6DFD902F4}" type="slidenum">
+              <a:rPr lang="en-US" smtClean="0"/>
+              <a:t>13</a:t>
+            </a:fld>
+            <a:endParaRPr lang="en-US"/>
+          </a:p>
+        </p:txBody>
+      </p:sp>
+    </p:spTree>
+    <p:extLst>
+      <p:ext uri="{BB962C8B-B14F-4D97-AF65-F5344CB8AC3E}">
+        <p14:creationId xmlns:p14="http://schemas.microsoft.com/office/powerpoint/2010/main" val="1931088466"/>
+      </p:ext>
+    </p:extLst>
+  </p:cSld>
+  <p:clrMapOvr>
+    <a:masterClrMapping/>
+  </p:clrMapOvr>
+</p:notes>
+</file>
+
+<file path=ppt/notesSlides/notesSlide6.xml><?xml version="1.0" encoding="utf-8"?>
+<p:notes xmlns:a="http://schemas.openxmlformats.org/drawingml/2006/main" xmlns:r="http://schemas.openxmlformats.org/officeDocument/2006/relationships" xmlns:p="http://schemas.openxmlformats.org/presentationml/2006/main">
+  <p:cSld>
+    <p:spTree>
+      <p:nvGrpSpPr>
+        <p:cNvPr id="1" name=""/>
+        <p:cNvGrpSpPr/>
+        <p:nvPr/>
+      </p:nvGrpSpPr>
+      <p:grpSpPr>
+        <a:xfrm>
+          <a:off x="0" y="0"/>
+          <a:ext cx="0" cy="0"/>
+          <a:chOff x="0" y="0"/>
+          <a:chExt cx="0" cy="0"/>
+        </a:xfrm>
+      </p:grpSpPr>
+      <p:sp>
+        <p:nvSpPr>
+          <p:cNvPr id="2" name="Slide Image Placeholder 1"/>
+          <p:cNvSpPr>
+            <a:spLocks noGrp="1" noRot="1" noChangeAspect="1"/>
+          </p:cNvSpPr>
+          <p:nvPr>
+            <p:ph type="sldImg"/>
+          </p:nvPr>
+        </p:nvSpPr>
+        <p:spPr/>
+      </p:sp>
+      <p:sp>
+        <p:nvSpPr>
+          <p:cNvPr id="3" name="Notes Placeholder 2"/>
+          <p:cNvSpPr>
+            <a:spLocks noGrp="1"/>
+          </p:cNvSpPr>
+          <p:nvPr>
+            <p:ph type="body" idx="1"/>
+          </p:nvPr>
+        </p:nvSpPr>
+        <p:spPr/>
+        <p:txBody>
+          <a:bodyPr/>
+          <a:lstStyle/>
+          <a:p>
+            <a:endParaRPr lang="en-US" dirty="0"/>
+          </a:p>
+        </p:txBody>
+      </p:sp>
+      <p:sp>
+        <p:nvSpPr>
+          <p:cNvPr id="4" name="Slide Number Placeholder 3"/>
+          <p:cNvSpPr>
+            <a:spLocks noGrp="1"/>
+          </p:cNvSpPr>
+          <p:nvPr>
+            <p:ph type="sldNum" sz="quarter" idx="10"/>
+          </p:nvPr>
+        </p:nvSpPr>
+        <p:spPr/>
+        <p:txBody>
+          <a:bodyPr/>
+          <a:lstStyle/>
+          <a:p>
+            <a:fld id="{E478809B-5C58-FE4E-A5C2-E0F6DFD902F4}" type="slidenum">
+              <a:rPr lang="en-US" smtClean="0"/>
+              <a:t>16</a:t>
+            </a:fld>
+            <a:endParaRPr lang="en-US"/>
+          </a:p>
+        </p:txBody>
+      </p:sp>
+    </p:spTree>
+    <p:extLst>
+      <p:ext uri="{BB962C8B-B14F-4D97-AF65-F5344CB8AC3E}">
+        <p14:creationId xmlns:p14="http://schemas.microsoft.com/office/powerpoint/2010/main" val="1586264394"/>
       </p:ext>
     </p:extLst>
   </p:cSld>
@@ -7259,17 +7760,15 @@
           <a:lstStyle/>
           <a:p>
             <a:r>
-              <a:rPr lang="en-US" dirty="0" smtClean="0">
+              <a:rPr lang="en-US" dirty="0" err="1" smtClean="0">
                 <a:solidFill>
                   <a:schemeClr val="bg1"/>
                 </a:solidFill>
                 <a:latin typeface="Geneva"/>
                 <a:cs typeface="Geneva"/>
               </a:rPr>
-              <a:t>Backing parties, Jake Wharton</a:t>
-            </a:r>
-          </a:p>
-          <a:p>
+              <a:t>Developped</a:t>
+            </a:r>
             <a:r>
               <a:rPr lang="en-US" dirty="0" smtClean="0">
                 <a:solidFill>
@@ -7278,8 +7777,63 @@
                 <a:latin typeface="Geneva"/>
                 <a:cs typeface="Geneva"/>
               </a:rPr>
-              <a:t>Optimized for tooling</a:t>
-            </a:r>
+              <a:t> by </a:t>
+            </a:r>
+            <a:r>
+              <a:rPr lang="en-US" dirty="0" err="1" smtClean="0">
+                <a:solidFill>
+                  <a:schemeClr val="bg1"/>
+                </a:solidFill>
+                <a:latin typeface="Geneva"/>
+                <a:cs typeface="Geneva"/>
+              </a:rPr>
+              <a:t>Jetbrains</a:t>
+            </a:r>
+            <a:endParaRPr lang="en-US" dirty="0" smtClean="0">
+              <a:solidFill>
+                <a:schemeClr val="bg1"/>
+              </a:solidFill>
+              <a:latin typeface="Geneva"/>
+              <a:cs typeface="Geneva"/>
+            </a:endParaRPr>
+          </a:p>
+          <a:p>
+            <a:r>
+              <a:rPr lang="en-US" dirty="0" smtClean="0">
+                <a:solidFill>
+                  <a:schemeClr val="bg1"/>
+                </a:solidFill>
+                <a:latin typeface="Geneva"/>
+                <a:cs typeface="Geneva"/>
+              </a:rPr>
+              <a:t>Development started 5 to 6 years ago</a:t>
+            </a:r>
+            <a:endParaRPr lang="en-US" dirty="0" smtClean="0">
+              <a:solidFill>
+                <a:schemeClr val="bg1"/>
+              </a:solidFill>
+              <a:latin typeface="Geneva"/>
+              <a:cs typeface="Geneva"/>
+            </a:endParaRPr>
+          </a:p>
+          <a:p>
+            <a:r>
+              <a:rPr lang="en-US" dirty="0" smtClean="0">
+                <a:solidFill>
+                  <a:schemeClr val="bg1"/>
+                </a:solidFill>
+                <a:latin typeface="Geneva"/>
+                <a:cs typeface="Geneva"/>
+              </a:rPr>
+              <a:t>Targets the JVM, compiles to byte code</a:t>
+            </a:r>
+            <a:endParaRPr lang="en-US" dirty="0" smtClean="0">
+              <a:solidFill>
+                <a:schemeClr val="bg1"/>
+              </a:solidFill>
+              <a:latin typeface="Geneva"/>
+              <a:cs typeface="Geneva"/>
+            </a:endParaRPr>
           </a:p>
           <a:p>
             <a:r>
@@ -7458,6 +8012,256 @@
 </file>
 
 <file path=ppt/slides/slide13.xml><?xml version="1.0" encoding="utf-8"?>
+<p:sld xmlns:a="http://schemas.openxmlformats.org/drawingml/2006/main" xmlns:r="http://schemas.openxmlformats.org/officeDocument/2006/relationships" xmlns:p="http://schemas.openxmlformats.org/presentationml/2006/main">
+  <p:cSld>
+    <p:spTree>
+      <p:nvGrpSpPr>
+        <p:cNvPr id="1" name=""/>
+        <p:cNvGrpSpPr/>
+        <p:nvPr/>
+      </p:nvGrpSpPr>
+      <p:grpSpPr>
+        <a:xfrm>
+          <a:off x="0" y="0"/>
+          <a:ext cx="0" cy="0"/>
+          <a:chOff x="0" y="0"/>
+          <a:chExt cx="0" cy="0"/>
+        </a:xfrm>
+      </p:grpSpPr>
+      <p:sp>
+        <p:nvSpPr>
+          <p:cNvPr id="2" name="Title 1"/>
+          <p:cNvSpPr>
+            <a:spLocks noGrp="1"/>
+          </p:cNvSpPr>
+          <p:nvPr>
+            <p:ph type="title"/>
+          </p:nvPr>
+        </p:nvSpPr>
+        <p:spPr/>
+        <p:txBody>
+          <a:bodyPr/>
+          <a:lstStyle/>
+          <a:p>
+            <a:endParaRPr lang="en-US"/>
+          </a:p>
+        </p:txBody>
+      </p:sp>
+      <p:sp>
+        <p:nvSpPr>
+          <p:cNvPr id="3" name="Content Placeholder 2"/>
+          <p:cNvSpPr>
+            <a:spLocks noGrp="1"/>
+          </p:cNvSpPr>
+          <p:nvPr>
+            <p:ph idx="1"/>
+          </p:nvPr>
+        </p:nvSpPr>
+        <p:spPr/>
+        <p:txBody>
+          <a:bodyPr/>
+          <a:lstStyle/>
+          <a:p>
+            <a:r>
+              <a:rPr lang="en-US" dirty="0" smtClean="0">
+                <a:solidFill>
+                  <a:schemeClr val="bg1"/>
+                </a:solidFill>
+                <a:latin typeface="Geneva"/>
+                <a:cs typeface="Geneva"/>
+              </a:rPr>
+              <a:t>Backing parties, Jake Wharton</a:t>
+            </a:r>
+          </a:p>
+          <a:p>
+            <a:r>
+              <a:rPr lang="en-US" dirty="0" smtClean="0">
+                <a:solidFill>
+                  <a:schemeClr val="bg1"/>
+                </a:solidFill>
+                <a:latin typeface="Geneva"/>
+                <a:cs typeface="Geneva"/>
+              </a:rPr>
+              <a:t>Optimized for tooling</a:t>
+            </a:r>
+          </a:p>
+          <a:p>
+            <a:r>
+              <a:rPr lang="en-US" dirty="0" err="1" smtClean="0">
+                <a:solidFill>
+                  <a:schemeClr val="bg1"/>
+                </a:solidFill>
+                <a:latin typeface="Geneva"/>
+                <a:cs typeface="Geneva"/>
+              </a:rPr>
+              <a:t>Jetbrains</a:t>
+            </a:r>
+            <a:r>
+              <a:rPr lang="en-US" dirty="0" smtClean="0">
+                <a:solidFill>
+                  <a:schemeClr val="bg1"/>
+                </a:solidFill>
+                <a:latin typeface="Geneva"/>
+                <a:cs typeface="Geneva"/>
+              </a:rPr>
+              <a:t>.. So here to stay</a:t>
+            </a:r>
+          </a:p>
+          <a:p>
+            <a:pPr lvl="1"/>
+            <a:r>
+              <a:rPr lang="en-US" dirty="0" smtClean="0">
+                <a:solidFill>
+                  <a:schemeClr val="bg1"/>
+                </a:solidFill>
+                <a:latin typeface="Geneva"/>
+                <a:cs typeface="Geneva"/>
+              </a:rPr>
+              <a:t>More than a non-profit thing, they depend on it. Selling idea’s is their business</a:t>
+            </a:r>
+          </a:p>
+          <a:p>
+            <a:pPr lvl="1"/>
+            <a:r>
+              <a:rPr lang="en-US" dirty="0" err="1" smtClean="0">
+                <a:solidFill>
+                  <a:schemeClr val="bg1"/>
+                </a:solidFill>
+                <a:latin typeface="Geneva"/>
+                <a:cs typeface="Geneva"/>
+              </a:rPr>
+              <a:t>Kotlin</a:t>
+            </a:r>
+            <a:r>
+              <a:rPr lang="en-US" dirty="0" smtClean="0">
+                <a:solidFill>
+                  <a:schemeClr val="bg1"/>
+                </a:solidFill>
+                <a:latin typeface="Geneva"/>
+                <a:cs typeface="Geneva"/>
+              </a:rPr>
+              <a:t> is optimized for </a:t>
+            </a:r>
+            <a:r>
+              <a:rPr lang="en-US" dirty="0" err="1" smtClean="0">
+                <a:solidFill>
+                  <a:schemeClr val="bg1"/>
+                </a:solidFill>
+                <a:latin typeface="Geneva"/>
+                <a:cs typeface="Geneva"/>
+              </a:rPr>
+              <a:t>toolability</a:t>
+            </a:r>
+            <a:endParaRPr lang="en-US" dirty="0" smtClean="0">
+              <a:solidFill>
+                <a:schemeClr val="bg1"/>
+              </a:solidFill>
+              <a:latin typeface="Geneva"/>
+              <a:cs typeface="Geneva"/>
+            </a:endParaRPr>
+          </a:p>
+        </p:txBody>
+      </p:sp>
+      <p:sp>
+        <p:nvSpPr>
+          <p:cNvPr id="8" name="Rectangle 7"/>
+          <p:cNvSpPr/>
+          <p:nvPr/>
+        </p:nvSpPr>
+        <p:spPr>
+          <a:xfrm>
+            <a:off x="0" y="-94570"/>
+            <a:ext cx="9144000" cy="972718"/>
+          </a:xfrm>
+          <a:prstGeom prst="rect">
+            <a:avLst/>
+          </a:prstGeom>
+          <a:solidFill>
+            <a:srgbClr val="C1285B"/>
+          </a:solidFill>
+          <a:ln>
+            <a:noFill/>
+          </a:ln>
+          <a:effectLst>
+            <a:outerShdw blurRad="40000" dist="23000" dir="2700000" rotWithShape="0">
+              <a:srgbClr val="000000">
+                <a:alpha val="35000"/>
+              </a:srgbClr>
+            </a:outerShdw>
+          </a:effectLst>
+        </p:spPr>
+        <p:style>
+          <a:lnRef idx="1">
+            <a:schemeClr val="accent1"/>
+          </a:lnRef>
+          <a:fillRef idx="3">
+            <a:schemeClr val="accent1"/>
+          </a:fillRef>
+          <a:effectRef idx="2">
+            <a:schemeClr val="accent1"/>
+          </a:effectRef>
+          <a:fontRef idx="minor">
+            <a:schemeClr val="lt1"/>
+          </a:fontRef>
+        </p:style>
+        <p:txBody>
+          <a:bodyPr rtlCol="0" anchor="ctr"/>
+          <a:lstStyle/>
+          <a:p>
+            <a:r>
+              <a:rPr lang="en-US" sz="3200" dirty="0" smtClean="0">
+                <a:latin typeface="Geneva"/>
+                <a:cs typeface="Geneva"/>
+              </a:rPr>
+              <a:t>  Why </a:t>
+            </a:r>
+            <a:r>
+              <a:rPr lang="en-US" sz="3200" dirty="0" err="1" smtClean="0">
+                <a:latin typeface="Geneva"/>
+                <a:cs typeface="Geneva"/>
+              </a:rPr>
+              <a:t>Kotlin</a:t>
+            </a:r>
+            <a:endParaRPr lang="en-US" sz="3200" dirty="0">
+              <a:latin typeface="Geneva"/>
+              <a:cs typeface="Geneva"/>
+            </a:endParaRPr>
+          </a:p>
+        </p:txBody>
+      </p:sp>
+    </p:spTree>
+    <p:extLst>
+      <p:ext uri="{BB962C8B-B14F-4D97-AF65-F5344CB8AC3E}">
+        <p14:creationId xmlns:p14="http://schemas.microsoft.com/office/powerpoint/2010/main" val="4249669190"/>
+      </p:ext>
+    </p:extLst>
+  </p:cSld>
+  <p:clrMapOvr>
+    <a:masterClrMapping/>
+  </p:clrMapOvr>
+  <mc:AlternateContent xmlns:mc="http://schemas.openxmlformats.org/markup-compatibility/2006" xmlns:p14="http://schemas.microsoft.com/office/powerpoint/2010/main">
+    <mc:Choice Requires="p14">
+      <p:transition p14:dur="400">
+        <p:wipe/>
+      </p:transition>
+    </mc:Choice>
+    <mc:Fallback xmlns="">
+      <p:transition xmlns:p14="http://schemas.microsoft.com/office/powerpoint/2010/main">
+        <p:wipe/>
+      </p:transition>
+    </mc:Fallback>
+  </mc:AlternateContent>
+  <p:timing>
+    <p:tnLst>
+      <p:par>
+        <p:cTn xmlns:p14="http://schemas.microsoft.com/office/powerpoint/2010/main" id="1" dur="indefinite" restart="never" nodeType="tmRoot"/>
+      </p:par>
+    </p:tnLst>
+  </p:timing>
+</p:sld>
+</file>
+
+<file path=ppt/slides/slide14.xml><?xml version="1.0" encoding="utf-8"?>
 <p:sld xmlns:a="http://schemas.openxmlformats.org/drawingml/2006/main" xmlns:r="http://schemas.openxmlformats.org/officeDocument/2006/relationships" xmlns:p="http://schemas.openxmlformats.org/presentationml/2006/main">
   <p:cSld>
     <p:spTree>
@@ -7937,7 +8741,7 @@
 </p:sld>
 </file>
 
-<file path=ppt/slides/slide14.xml><?xml version="1.0" encoding="utf-8"?>
+<file path=ppt/slides/slide15.xml><?xml version="1.0" encoding="utf-8"?>
 <p:sld xmlns:a="http://schemas.openxmlformats.org/drawingml/2006/main" xmlns:r="http://schemas.openxmlformats.org/officeDocument/2006/relationships" xmlns:p="http://schemas.openxmlformats.org/presentationml/2006/main">
   <p:cSld>
     <p:spTree>
@@ -8340,7 +9144,7 @@
 </p:sld>
 </file>
 
-<file path=ppt/slides/slide15.xml><?xml version="1.0" encoding="utf-8"?>
+<file path=ppt/slides/slide16.xml><?xml version="1.0" encoding="utf-8"?>
 <p:sld xmlns:a="http://schemas.openxmlformats.org/drawingml/2006/main" xmlns:r="http://schemas.openxmlformats.org/officeDocument/2006/relationships" xmlns:p="http://schemas.openxmlformats.org/presentationml/2006/main">
   <p:cSld>
     <p:spTree>
@@ -8457,17 +9261,47 @@
                 <a:latin typeface="Geneva"/>
                 <a:cs typeface="Geneva"/>
               </a:rPr>
-              <a:t>Fragmented podcast with guys from </a:t>
-            </a:r>
-            <a:r>
-              <a:rPr lang="en-US" dirty="0" err="1" smtClean="0">
+              <a:t>Fragmented podcast with </a:t>
+            </a:r>
+            <a:r>
+              <a:rPr lang="en-US" dirty="0" err="1">
                 <a:solidFill>
                   <a:schemeClr val="bg1"/>
                 </a:solidFill>
                 <a:latin typeface="Geneva"/>
                 <a:cs typeface="Geneva"/>
               </a:rPr>
-              <a:t>IntelliJ</a:t>
+              <a:t>Hadi</a:t>
+            </a:r>
+            <a:r>
+              <a:rPr lang="en-US" dirty="0">
+                <a:solidFill>
+                  <a:schemeClr val="bg1"/>
+                </a:solidFill>
+                <a:latin typeface="Geneva"/>
+                <a:cs typeface="Geneva"/>
+              </a:rPr>
+              <a:t> </a:t>
+            </a:r>
+            <a:r>
+              <a:rPr lang="en-US" dirty="0" smtClean="0">
+                <a:solidFill>
+                  <a:schemeClr val="bg1"/>
+                </a:solidFill>
+                <a:latin typeface="Geneva"/>
+                <a:cs typeface="Geneva"/>
+              </a:rPr>
+              <a:t>Hariri from </a:t>
+            </a:r>
+            <a:r>
+              <a:rPr lang="en-US" dirty="0" err="1" smtClean="0">
+                <a:solidFill>
+                  <a:schemeClr val="bg1"/>
+                </a:solidFill>
+                <a:latin typeface="Geneva"/>
+                <a:cs typeface="Geneva"/>
+              </a:rPr>
+              <a:t>Jetbrains</a:t>
             </a:r>
             <a:endParaRPr lang="en-US" dirty="0" smtClean="0">
               <a:solidFill>
@@ -8497,7 +9331,7 @@
                 </a:solidFill>
                 <a:latin typeface="Geneva"/>
                 <a:cs typeface="Geneva"/>
-                <a:hlinkClick r:id="rId2"/>
+                <a:hlinkClick r:id="rId3"/>
               </a:rPr>
               <a:t>http://fragmentedpodcast.com/episodes/20</a:t>
             </a:r>
@@ -8508,7 +9342,7 @@
                 </a:solidFill>
                 <a:latin typeface="Geneva"/>
                 <a:cs typeface="Geneva"/>
-                <a:hlinkClick r:id="rId2"/>
+                <a:hlinkClick r:id="rId3"/>
               </a:rPr>
               <a:t>/</a:t>
             </a:r>
@@ -8595,7 +9429,7 @@
       <p:sp>
         <p:nvSpPr>
           <p:cNvPr id="6" name="Oval 5">
-            <a:hlinkClick r:id="rId2"/>
+            <a:hlinkClick r:id="rId3"/>
           </p:cNvPr>
           <p:cNvSpPr/>
           <p:nvPr/>
@@ -8648,7 +9482,7 @@
       <p:sp>
         <p:nvSpPr>
           <p:cNvPr id="7" name="Right Arrow 6">
-            <a:hlinkClick r:id="rId2"/>
+            <a:hlinkClick r:id="rId3"/>
           </p:cNvPr>
           <p:cNvSpPr/>
           <p:nvPr/>
@@ -8730,7 +9564,7 @@
 </p:sld>
 </file>
 
-<file path=ppt/slides/slide16.xml><?xml version="1.0" encoding="utf-8"?>
+<file path=ppt/slides/slide17.xml><?xml version="1.0" encoding="utf-8"?>
 <p:sld xmlns:a="http://schemas.openxmlformats.org/drawingml/2006/main" xmlns:r="http://schemas.openxmlformats.org/officeDocument/2006/relationships" xmlns:p="http://schemas.openxmlformats.org/presentationml/2006/main">
   <p:cSld>
     <p:spTree>
@@ -9207,7 +10041,7 @@
 </p:sld>
 </file>
 
-<file path=ppt/slides/slide17.xml><?xml version="1.0" encoding="utf-8"?>
+<file path=ppt/slides/slide18.xml><?xml version="1.0" encoding="utf-8"?>
 <p:sld xmlns:a="http://schemas.openxmlformats.org/drawingml/2006/main" xmlns:r="http://schemas.openxmlformats.org/officeDocument/2006/relationships" xmlns:p="http://schemas.openxmlformats.org/presentationml/2006/main">
   <p:cSld>
     <p:spTree>

--- a/Kotlin.pptx
+++ b/Kotlin.pptx
@@ -5,7 +5,7 @@
     <p:sldMasterId id="2147483648" r:id="rId1"/>
   </p:sldMasterIdLst>
   <p:notesMasterIdLst>
-    <p:notesMasterId r:id="rId20"/>
+    <p:notesMasterId r:id="rId24"/>
   </p:notesMasterIdLst>
   <p:sldIdLst>
     <p:sldId id="256" r:id="rId2"/>
@@ -19,13 +19,17 @@
     <p:sldId id="268" r:id="rId10"/>
     <p:sldId id="269" r:id="rId11"/>
     <p:sldId id="270" r:id="rId12"/>
-    <p:sldId id="261" r:id="rId13"/>
-    <p:sldId id="274" r:id="rId14"/>
-    <p:sldId id="271" r:id="rId15"/>
-    <p:sldId id="263" r:id="rId16"/>
-    <p:sldId id="273" r:id="rId17"/>
-    <p:sldId id="272" r:id="rId18"/>
-    <p:sldId id="264" r:id="rId19"/>
+    <p:sldId id="275" r:id="rId13"/>
+    <p:sldId id="261" r:id="rId14"/>
+    <p:sldId id="276" r:id="rId15"/>
+    <p:sldId id="277" r:id="rId16"/>
+    <p:sldId id="274" r:id="rId17"/>
+    <p:sldId id="271" r:id="rId18"/>
+    <p:sldId id="263" r:id="rId19"/>
+    <p:sldId id="273" r:id="rId20"/>
+    <p:sldId id="272" r:id="rId21"/>
+    <p:sldId id="278" r:id="rId22"/>
+    <p:sldId id="264" r:id="rId23"/>
   </p:sldIdLst>
   <p:sldSz cx="9144000" cy="6858000" type="screen4x3"/>
   <p:notesSz cx="6858000" cy="9144000"/>
@@ -209,7 +213,7 @@
           <a:p>
             <a:fld id="{B586F8B7-B2D7-5548-953F-D46505E7F93B}" type="datetimeFigureOut">
               <a:rPr lang="en-US" smtClean="0"/>
-              <a:t>12/12/15</a:t>
+              <a:t>14/12/15</a:t>
             </a:fld>
             <a:endParaRPr lang="en-US"/>
           </a:p>
@@ -595,6 +599,174 @@
 </p:notes>
 </file>
 
+<file path=ppt/notesSlides/notesSlide10.xml><?xml version="1.0" encoding="utf-8"?>
+<p:notes xmlns:a="http://schemas.openxmlformats.org/drawingml/2006/main" xmlns:r="http://schemas.openxmlformats.org/officeDocument/2006/relationships" xmlns:p="http://schemas.openxmlformats.org/presentationml/2006/main">
+  <p:cSld>
+    <p:spTree>
+      <p:nvGrpSpPr>
+        <p:cNvPr id="1" name=""/>
+        <p:cNvGrpSpPr/>
+        <p:nvPr/>
+      </p:nvGrpSpPr>
+      <p:grpSpPr>
+        <a:xfrm>
+          <a:off x="0" y="0"/>
+          <a:ext cx="0" cy="0"/>
+          <a:chOff x="0" y="0"/>
+          <a:chExt cx="0" cy="0"/>
+        </a:xfrm>
+      </p:grpSpPr>
+      <p:sp>
+        <p:nvSpPr>
+          <p:cNvPr id="2" name="Slide Image Placeholder 1"/>
+          <p:cNvSpPr>
+            <a:spLocks noGrp="1" noRot="1" noChangeAspect="1"/>
+          </p:cNvSpPr>
+          <p:nvPr>
+            <p:ph type="sldImg"/>
+          </p:nvPr>
+        </p:nvSpPr>
+        <p:spPr/>
+      </p:sp>
+      <p:sp>
+        <p:nvSpPr>
+          <p:cNvPr id="3" name="Notes Placeholder 2"/>
+          <p:cNvSpPr>
+            <a:spLocks noGrp="1"/>
+          </p:cNvSpPr>
+          <p:nvPr>
+            <p:ph type="body" idx="1"/>
+          </p:nvPr>
+        </p:nvSpPr>
+        <p:spPr/>
+        <p:txBody>
+          <a:bodyPr/>
+          <a:lstStyle/>
+          <a:p>
+            <a:endParaRPr lang="en-US" dirty="0"/>
+          </a:p>
+        </p:txBody>
+      </p:sp>
+      <p:sp>
+        <p:nvSpPr>
+          <p:cNvPr id="4" name="Slide Number Placeholder 3"/>
+          <p:cNvSpPr>
+            <a:spLocks noGrp="1"/>
+          </p:cNvSpPr>
+          <p:nvPr>
+            <p:ph type="sldNum" sz="quarter" idx="10"/>
+          </p:nvPr>
+        </p:nvSpPr>
+        <p:spPr/>
+        <p:txBody>
+          <a:bodyPr/>
+          <a:lstStyle/>
+          <a:p>
+            <a:fld id="{E478809B-5C58-FE4E-A5C2-E0F6DFD902F4}" type="slidenum">
+              <a:rPr lang="en-US" smtClean="0"/>
+              <a:t>19</a:t>
+            </a:fld>
+            <a:endParaRPr lang="en-US"/>
+          </a:p>
+        </p:txBody>
+      </p:sp>
+    </p:spTree>
+    <p:extLst>
+      <p:ext uri="{BB962C8B-B14F-4D97-AF65-F5344CB8AC3E}">
+        <p14:creationId xmlns:p14="http://schemas.microsoft.com/office/powerpoint/2010/main" val="1586264394"/>
+      </p:ext>
+    </p:extLst>
+  </p:cSld>
+  <p:clrMapOvr>
+    <a:masterClrMapping/>
+  </p:clrMapOvr>
+</p:notes>
+</file>
+
+<file path=ppt/notesSlides/notesSlide11.xml><?xml version="1.0" encoding="utf-8"?>
+<p:notes xmlns:a="http://schemas.openxmlformats.org/drawingml/2006/main" xmlns:r="http://schemas.openxmlformats.org/officeDocument/2006/relationships" xmlns:p="http://schemas.openxmlformats.org/presentationml/2006/main">
+  <p:cSld>
+    <p:spTree>
+      <p:nvGrpSpPr>
+        <p:cNvPr id="1" name=""/>
+        <p:cNvGrpSpPr/>
+        <p:nvPr/>
+      </p:nvGrpSpPr>
+      <p:grpSpPr>
+        <a:xfrm>
+          <a:off x="0" y="0"/>
+          <a:ext cx="0" cy="0"/>
+          <a:chOff x="0" y="0"/>
+          <a:chExt cx="0" cy="0"/>
+        </a:xfrm>
+      </p:grpSpPr>
+      <p:sp>
+        <p:nvSpPr>
+          <p:cNvPr id="2" name="Slide Image Placeholder 1"/>
+          <p:cNvSpPr>
+            <a:spLocks noGrp="1" noRot="1" noChangeAspect="1"/>
+          </p:cNvSpPr>
+          <p:nvPr>
+            <p:ph type="sldImg"/>
+          </p:nvPr>
+        </p:nvSpPr>
+        <p:spPr/>
+      </p:sp>
+      <p:sp>
+        <p:nvSpPr>
+          <p:cNvPr id="3" name="Notes Placeholder 2"/>
+          <p:cNvSpPr>
+            <a:spLocks noGrp="1"/>
+          </p:cNvSpPr>
+          <p:nvPr>
+            <p:ph type="body" idx="1"/>
+          </p:nvPr>
+        </p:nvSpPr>
+        <p:spPr/>
+        <p:txBody>
+          <a:bodyPr/>
+          <a:lstStyle/>
+          <a:p>
+            <a:endParaRPr lang="en-US" dirty="0"/>
+          </a:p>
+        </p:txBody>
+      </p:sp>
+      <p:sp>
+        <p:nvSpPr>
+          <p:cNvPr id="4" name="Slide Number Placeholder 3"/>
+          <p:cNvSpPr>
+            <a:spLocks noGrp="1"/>
+          </p:cNvSpPr>
+          <p:nvPr>
+            <p:ph type="sldNum" sz="quarter" idx="10"/>
+          </p:nvPr>
+        </p:nvSpPr>
+        <p:spPr/>
+        <p:txBody>
+          <a:bodyPr/>
+          <a:lstStyle/>
+          <a:p>
+            <a:fld id="{E478809B-5C58-FE4E-A5C2-E0F6DFD902F4}" type="slidenum">
+              <a:rPr lang="en-US" smtClean="0"/>
+              <a:t>20</a:t>
+            </a:fld>
+            <a:endParaRPr lang="en-US"/>
+          </a:p>
+        </p:txBody>
+      </p:sp>
+    </p:spTree>
+    <p:extLst>
+      <p:ext uri="{BB962C8B-B14F-4D97-AF65-F5344CB8AC3E}">
+        <p14:creationId xmlns:p14="http://schemas.microsoft.com/office/powerpoint/2010/main" val="2397739580"/>
+      </p:ext>
+    </p:extLst>
+  </p:cSld>
+  <p:clrMapOvr>
+    <a:masterClrMapping/>
+  </p:clrMapOvr>
+</p:notes>
+</file>
+
 <file path=ppt/notesSlides/notesSlide2.xml><?xml version="1.0" encoding="utf-8"?>
 <p:notes xmlns:a="http://schemas.openxmlformats.org/drawingml/2006/main" xmlns:r="http://schemas.openxmlformats.org/officeDocument/2006/relationships" xmlns:p="http://schemas.openxmlformats.org/presentationml/2006/main">
   <p:cSld>
@@ -757,272 +929,19 @@
           <a:bodyPr/>
           <a:lstStyle/>
           <a:p>
-            <a:r>
-              <a:rPr lang="en-US" dirty="0" smtClean="0"/>
-              <a:t>1) Create </a:t>
-            </a:r>
-            <a:r>
-              <a:rPr lang="en-US" dirty="0" err="1" smtClean="0"/>
-              <a:t>Example.kt</a:t>
-            </a:r>
-            <a:endParaRPr lang="en-US" dirty="0" smtClean="0"/>
+            <a:endParaRPr lang="en-US" baseline="0" dirty="0" smtClean="0"/>
+          </a:p>
+          <a:p>
+            <a:endParaRPr lang="en-US" baseline="0" dirty="0" smtClean="0"/>
           </a:p>
           <a:p>
             <a:r>
               <a:rPr lang="en-US" baseline="0" dirty="0" smtClean="0"/>
-              <a:t> -&gt; Click add </a:t>
-            </a:r>
-            <a:r>
-              <a:rPr lang="en-US" baseline="0" dirty="0" err="1" smtClean="0"/>
-              <a:t>Kotlin</a:t>
-            </a:r>
-            <a:r>
-              <a:rPr lang="en-US" baseline="0" dirty="0" smtClean="0"/>
-              <a:t> to project</a:t>
-            </a:r>
-          </a:p>
-          <a:p>
-            <a:r>
-              <a:rPr lang="en-US" baseline="0" dirty="0" smtClean="0"/>
-              <a:t> -&gt; Show </a:t>
-            </a:r>
-            <a:r>
-              <a:rPr lang="en-US" baseline="0" dirty="0" err="1" smtClean="0"/>
-              <a:t>gradle</a:t>
-            </a:r>
-            <a:r>
-              <a:rPr lang="en-US" baseline="0" dirty="0" smtClean="0"/>
-              <a:t> file</a:t>
-            </a:r>
-          </a:p>
-          <a:p>
-            <a:r>
-              <a:rPr lang="en-US" baseline="0" dirty="0" smtClean="0"/>
-              <a:t> -&gt; add: </a:t>
-            </a:r>
-            <a:r>
-              <a:rPr lang="en-US" dirty="0" err="1" smtClean="0"/>
-              <a:t>classpath</a:t>
-            </a:r>
-            <a:r>
-              <a:rPr lang="en-US" dirty="0" smtClean="0"/>
-              <a:t> </a:t>
-            </a:r>
-            <a:r>
-              <a:rPr lang="en-US" sz="1200" b="1" kern="1200" dirty="0" smtClean="0">
-                <a:solidFill>
-                  <a:schemeClr val="tx1"/>
-                </a:solidFill>
-                <a:effectLst/>
-                <a:latin typeface="+mn-lt"/>
-                <a:ea typeface="+mn-ea"/>
-                <a:cs typeface="+mn-cs"/>
-              </a:rPr>
-              <a:t>"</a:t>
-            </a:r>
-            <a:r>
-              <a:rPr lang="en-US" sz="1200" b="1" kern="1200" dirty="0" err="1" smtClean="0">
-                <a:solidFill>
-                  <a:schemeClr val="tx1"/>
-                </a:solidFill>
-                <a:effectLst/>
-                <a:latin typeface="+mn-lt"/>
-                <a:ea typeface="+mn-ea"/>
-                <a:cs typeface="+mn-cs"/>
-              </a:rPr>
-              <a:t>org.jetbrains.kotlin:kotlin-android-extensions</a:t>
-            </a:r>
-            <a:r>
-              <a:rPr lang="en-US" sz="1200" b="1" kern="1200" dirty="0" smtClean="0">
-                <a:solidFill>
-                  <a:schemeClr val="tx1"/>
-                </a:solidFill>
-                <a:effectLst/>
-                <a:latin typeface="+mn-lt"/>
-                <a:ea typeface="+mn-ea"/>
-                <a:cs typeface="+mn-cs"/>
-              </a:rPr>
-              <a:t>:</a:t>
-            </a:r>
-            <a:r>
-              <a:rPr lang="en-US" dirty="0" smtClean="0"/>
-              <a:t>$</a:t>
-            </a:r>
-            <a:r>
-              <a:rPr lang="en-US" dirty="0" err="1" smtClean="0"/>
-              <a:t>kotlin_version</a:t>
-            </a:r>
-            <a:r>
-              <a:rPr lang="en-US" sz="1200" b="1" kern="1200" dirty="0" smtClean="0">
-                <a:solidFill>
-                  <a:schemeClr val="tx1"/>
-                </a:solidFill>
-                <a:effectLst/>
-                <a:latin typeface="+mn-lt"/>
-                <a:ea typeface="+mn-ea"/>
-                <a:cs typeface="+mn-cs"/>
-              </a:rPr>
-              <a:t>"</a:t>
-            </a:r>
-            <a:endParaRPr lang="en-US" baseline="0" dirty="0" smtClean="0"/>
-          </a:p>
-          <a:p>
-            <a:r>
-              <a:rPr lang="en-US" baseline="0" dirty="0" smtClean="0"/>
-              <a:t>2) </a:t>
-            </a:r>
-            <a:r>
-              <a:rPr lang="en-US" dirty="0" smtClean="0"/>
-              <a:t>Convert Activity</a:t>
-            </a:r>
-            <a:r>
-              <a:rPr lang="en-US" baseline="0" dirty="0" smtClean="0"/>
-              <a:t> to </a:t>
-            </a:r>
-            <a:r>
-              <a:rPr lang="en-US" baseline="0" dirty="0" err="1" smtClean="0"/>
-              <a:t>Kotlin</a:t>
-            </a:r>
-            <a:endParaRPr lang="en-US" baseline="0" dirty="0" smtClean="0"/>
-          </a:p>
-          <a:p>
-            <a:r>
-              <a:rPr lang="en-US" baseline="0" dirty="0" smtClean="0"/>
-              <a:t> -&gt; Show how click listener is converted to lambda (Explain lambda </a:t>
-            </a:r>
-            <a:r>
-              <a:rPr lang="en-US" baseline="0" dirty="0" err="1" smtClean="0"/>
-              <a:t>vs</a:t>
-            </a:r>
-            <a:r>
-              <a:rPr lang="en-US" baseline="0" dirty="0" smtClean="0"/>
-              <a:t> </a:t>
-            </a:r>
-            <a:r>
-              <a:rPr lang="en-US" baseline="0" dirty="0" err="1" smtClean="0"/>
-              <a:t>annon</a:t>
-            </a:r>
-            <a:r>
-              <a:rPr lang="en-US" baseline="0" dirty="0" smtClean="0"/>
-              <a:t> inner class and outer class reference)</a:t>
-            </a:r>
-          </a:p>
-          <a:p>
-            <a:r>
-              <a:rPr lang="en-US" baseline="0" dirty="0" smtClean="0"/>
-              <a:t> -&gt; Remove menu code</a:t>
-            </a:r>
-          </a:p>
-          <a:p>
-            <a:r>
-              <a:rPr lang="en-US" baseline="0" dirty="0" smtClean="0"/>
-              <a:t>3) Give fab as constructor parameter and make it as a property</a:t>
-            </a:r>
-          </a:p>
-          <a:p>
-            <a:r>
-              <a:rPr lang="en-US" baseline="0" dirty="0" smtClean="0"/>
-              <a:t> -&gt; Move fab code into new method, using tooling</a:t>
-            </a:r>
-          </a:p>
-          <a:p>
-            <a:r>
-              <a:rPr lang="en-US" baseline="0" dirty="0" smtClean="0"/>
-              <a:t>4) Extract message and create extension method “</a:t>
-            </a:r>
-            <a:r>
-              <a:rPr lang="en-US" i="1" dirty="0" err="1" smtClean="0">
-                <a:effectLst/>
-              </a:rPr>
-              <a:t>showSnackBarOnClick</a:t>
-            </a:r>
-            <a:r>
-              <a:rPr lang="en-US" baseline="0" dirty="0" smtClean="0"/>
-              <a:t>”</a:t>
-            </a:r>
-          </a:p>
-          <a:p>
-            <a:r>
-              <a:rPr lang="en-US" baseline="0" dirty="0" smtClean="0"/>
-              <a:t> -&gt; Move extension method to separate class, pay attention to method signature</a:t>
-            </a:r>
-          </a:p>
-          <a:p>
-            <a:r>
-              <a:rPr lang="en-US" baseline="0" dirty="0" smtClean="0"/>
-              <a:t> -&gt; Show usage of “it” in 1 </a:t>
-            </a:r>
-            <a:r>
-              <a:rPr lang="en-US" baseline="0" dirty="0" err="1" smtClean="0"/>
-              <a:t>arg</a:t>
-            </a:r>
-            <a:r>
-              <a:rPr lang="en-US" baseline="0" dirty="0" smtClean="0"/>
-              <a:t> lambda</a:t>
-            </a:r>
-          </a:p>
-          <a:p>
-            <a:r>
-              <a:rPr lang="en-US" baseline="0" dirty="0" smtClean="0"/>
-              <a:t>5) Pass </a:t>
-            </a:r>
-            <a:r>
-              <a:rPr lang="en-US" baseline="0" dirty="0" err="1" smtClean="0"/>
-              <a:t>int</a:t>
-            </a:r>
-            <a:r>
-              <a:rPr lang="en-US" baseline="0" dirty="0" smtClean="0"/>
-              <a:t> instead of string and show string interpolation</a:t>
-            </a:r>
-          </a:p>
-          <a:p>
-            <a:r>
-              <a:rPr lang="en-US" baseline="0" dirty="0" smtClean="0"/>
-              <a:t>6) Change signature of extensions function to take two </a:t>
-            </a:r>
-            <a:r>
-              <a:rPr lang="en-US" baseline="0" dirty="0" err="1" smtClean="0"/>
-              <a:t>int</a:t>
-            </a:r>
-            <a:r>
-              <a:rPr lang="en-US" baseline="0" dirty="0" smtClean="0"/>
-              <a:t> and a higher order function</a:t>
-            </a:r>
-          </a:p>
-          <a:p>
-            <a:r>
-              <a:rPr lang="en-US" baseline="0" dirty="0" smtClean="0"/>
-              <a:t> -&gt; Then show usage of that method with ill places brackets around lambda’s</a:t>
-            </a:r>
-          </a:p>
-          <a:p>
-            <a:r>
-              <a:rPr lang="en-US" baseline="0" dirty="0" smtClean="0"/>
-              <a:t> -&gt; Then show intended use</a:t>
-            </a:r>
-          </a:p>
-          <a:p>
-            <a:r>
-              <a:rPr lang="en-US" baseline="0" dirty="0" smtClean="0"/>
-              <a:t>7) As a kicker show usage of default extensions of list with reduce</a:t>
-            </a:r>
-          </a:p>
-          <a:p>
-            <a:r>
-              <a:rPr lang="en-US" baseline="0" dirty="0" smtClean="0"/>
-              <a:t> -&gt; And extract lambda as function</a:t>
-            </a:r>
-          </a:p>
-          <a:p>
-            <a:r>
-              <a:rPr lang="en-US" baseline="0" dirty="0" smtClean="0"/>
-              <a:t> -&gt; Perhaps some </a:t>
-            </a:r>
-            <a:r>
-              <a:rPr lang="en-US" baseline="0" dirty="0" err="1" smtClean="0"/>
-              <a:t>inlining</a:t>
-            </a:r>
-            <a:endParaRPr lang="en-US" baseline="0" dirty="0" smtClean="0"/>
+              <a:t>By default classes are immutable, final. Which causes less inheritance and there are other paradigms to create the same functionality, in a better way.</a:t>
+            </a:r>
+          </a:p>
+          <a:p>
+            <a:endParaRPr lang="en-US" dirty="0"/>
           </a:p>
         </p:txBody>
       </p:sp>
@@ -1043,7 +962,7 @@
           <a:p>
             <a:fld id="{E478809B-5C58-FE4E-A5C2-E0F6DFD902F4}" type="slidenum">
               <a:rPr lang="en-US" smtClean="0"/>
-              <a:t>11</a:t>
+              <a:t>9</a:t>
             </a:fld>
             <a:endParaRPr lang="en-US"/>
           </a:p>
@@ -1052,7 +971,7 @@
     </p:spTree>
     <p:extLst>
       <p:ext uri="{BB962C8B-B14F-4D97-AF65-F5344CB8AC3E}">
-        <p14:creationId xmlns:p14="http://schemas.microsoft.com/office/powerpoint/2010/main" val="1897541102"/>
+        <p14:creationId xmlns:p14="http://schemas.microsoft.com/office/powerpoint/2010/main" val="4104484105"/>
       </p:ext>
     </p:extLst>
   </p:cSld>
@@ -1108,65 +1027,18 @@
           <a:p>
             <a:r>
               <a:rPr lang="en-US" dirty="0" smtClean="0"/>
-              <a:t>The need to stuck to</a:t>
-            </a:r>
+              <a:t>1) Create </a:t>
+            </a:r>
+            <a:r>
+              <a:rPr lang="en-US" dirty="0" err="1" smtClean="0"/>
+              <a:t>Example.kt</a:t>
+            </a:r>
+            <a:endParaRPr lang="en-US" dirty="0" smtClean="0"/>
+          </a:p>
+          <a:p>
             <a:r>
               <a:rPr lang="en-US" baseline="0" dirty="0" smtClean="0"/>
-              <a:t> Java, since the majority of their code base (IDE’s (All of their IDE’s </a:t>
-            </a:r>
-            <a:r>
-              <a:rPr lang="en-US" baseline="0" dirty="0" err="1" smtClean="0"/>
-              <a:t>execpt</a:t>
-            </a:r>
-            <a:r>
-              <a:rPr lang="en-US" baseline="0" dirty="0" smtClean="0"/>
-              <a:t> for C# is on the JVM)) depend on Java. They needed to overcome some issues with Java.</a:t>
-            </a:r>
-          </a:p>
-          <a:p>
-            <a:r>
-              <a:rPr lang="en-US" baseline="0" dirty="0" smtClean="0"/>
-              <a:t>At the time ‘</a:t>
-            </a:r>
-            <a:r>
-              <a:rPr lang="en-US" baseline="0" dirty="0" err="1" smtClean="0"/>
-              <a:t>Scala</a:t>
-            </a:r>
-            <a:r>
-              <a:rPr lang="en-US" baseline="0" dirty="0" smtClean="0"/>
-              <a:t>’ was there, but it wasn’t for them.</a:t>
-            </a:r>
-          </a:p>
-          <a:p>
-            <a:r>
-              <a:rPr lang="en-US" baseline="0" dirty="0" smtClean="0"/>
-              <a:t>The primary reason to development was for internal use.</a:t>
-            </a:r>
-          </a:p>
-          <a:p>
-            <a:endParaRPr lang="en-US" baseline="0" dirty="0" smtClean="0"/>
-          </a:p>
-          <a:p>
-            <a:r>
-              <a:rPr lang="en-US" baseline="0" dirty="0" smtClean="0"/>
-              <a:t>Apache 2.0 licenses -&gt; open source</a:t>
-            </a:r>
-          </a:p>
-          <a:p>
-            <a:endParaRPr lang="en-US" baseline="0" dirty="0" smtClean="0"/>
-          </a:p>
-          <a:p>
-            <a:r>
-              <a:rPr lang="en-US" baseline="0" dirty="0" smtClean="0"/>
-              <a:t>Interoperation with Java was key for </a:t>
-            </a:r>
-            <a:r>
-              <a:rPr lang="en-US" baseline="0" dirty="0" err="1" smtClean="0"/>
-              <a:t>Jetbrains</a:t>
-            </a:r>
-            <a:r>
-              <a:rPr lang="en-US" baseline="0" dirty="0" smtClean="0"/>
-              <a:t>. Some of their own tools already have </a:t>
+              <a:t> -&gt; Click add </a:t>
             </a:r>
             <a:r>
               <a:rPr lang="en-US" baseline="0" dirty="0" err="1" smtClean="0"/>
@@ -1174,37 +1046,121 @@
             </a:r>
             <a:r>
               <a:rPr lang="en-US" baseline="0" dirty="0" smtClean="0"/>
-              <a:t>, live in the field/production.</a:t>
-            </a:r>
-          </a:p>
-          <a:p>
+              <a:t> to project</a:t>
+            </a:r>
+          </a:p>
+          <a:p>
+            <a:r>
+              <a:rPr lang="en-US" baseline="0" dirty="0" smtClean="0"/>
+              <a:t> -&gt; Show </a:t>
+            </a:r>
+            <a:r>
+              <a:rPr lang="en-US" baseline="0" dirty="0" err="1" smtClean="0"/>
+              <a:t>gradle</a:t>
+            </a:r>
+            <a:r>
+              <a:rPr lang="en-US" baseline="0" dirty="0" smtClean="0"/>
+              <a:t> file</a:t>
+            </a:r>
+          </a:p>
+          <a:p>
+            <a:r>
+              <a:rPr lang="en-US" baseline="0" dirty="0" smtClean="0"/>
+              <a:t> -&gt; add: </a:t>
+            </a:r>
+            <a:r>
+              <a:rPr lang="en-US" dirty="0" err="1" smtClean="0"/>
+              <a:t>classpath</a:t>
+            </a:r>
+            <a:r>
+              <a:rPr lang="en-US" dirty="0" smtClean="0"/>
+              <a:t> </a:t>
+            </a:r>
+            <a:r>
+              <a:rPr lang="en-US" sz="1200" b="1" kern="1200" dirty="0" smtClean="0">
+                <a:solidFill>
+                  <a:schemeClr val="tx1"/>
+                </a:solidFill>
+                <a:effectLst/>
+                <a:latin typeface="+mn-lt"/>
+                <a:ea typeface="+mn-ea"/>
+                <a:cs typeface="+mn-cs"/>
+              </a:rPr>
+              <a:t>"</a:t>
+            </a:r>
+            <a:r>
+              <a:rPr lang="en-US" sz="1200" b="1" kern="1200" dirty="0" err="1" smtClean="0">
+                <a:solidFill>
+                  <a:schemeClr val="tx1"/>
+                </a:solidFill>
+                <a:effectLst/>
+                <a:latin typeface="+mn-lt"/>
+                <a:ea typeface="+mn-ea"/>
+                <a:cs typeface="+mn-cs"/>
+              </a:rPr>
+              <a:t>org.jetbrains.kotlin:kotlin-android-extensions</a:t>
+            </a:r>
+            <a:r>
+              <a:rPr lang="en-US" sz="1200" b="1" kern="1200" dirty="0" smtClean="0">
+                <a:solidFill>
+                  <a:schemeClr val="tx1"/>
+                </a:solidFill>
+                <a:effectLst/>
+                <a:latin typeface="+mn-lt"/>
+                <a:ea typeface="+mn-ea"/>
+                <a:cs typeface="+mn-cs"/>
+              </a:rPr>
+              <a:t>:</a:t>
+            </a:r>
+            <a:r>
+              <a:rPr lang="en-US" dirty="0" smtClean="0"/>
+              <a:t>$</a:t>
+            </a:r>
+            <a:r>
+              <a:rPr lang="en-US" dirty="0" err="1" smtClean="0"/>
+              <a:t>kotlin_version</a:t>
+            </a:r>
+            <a:r>
+              <a:rPr lang="en-US" sz="1200" b="1" kern="1200" dirty="0" smtClean="0">
+                <a:solidFill>
+                  <a:schemeClr val="tx1"/>
+                </a:solidFill>
+                <a:effectLst/>
+                <a:latin typeface="+mn-lt"/>
+                <a:ea typeface="+mn-ea"/>
+                <a:cs typeface="+mn-cs"/>
+              </a:rPr>
+              <a:t>"</a:t>
+            </a:r>
             <a:endParaRPr lang="en-US" baseline="0" dirty="0" smtClean="0"/>
           </a:p>
           <a:p>
             <a:r>
               <a:rPr lang="en-US" baseline="0" dirty="0" smtClean="0"/>
-              <a:t>Name comes from an island near St. Petersburg. They have a main </a:t>
+              <a:t>2) </a:t>
+            </a:r>
+            <a:r>
+              <a:rPr lang="en-US" dirty="0" smtClean="0"/>
+              <a:t>Convert Activity</a:t>
+            </a:r>
+            <a:r>
+              <a:rPr lang="en-US" baseline="0" dirty="0" smtClean="0"/>
+              <a:t> to </a:t>
             </a:r>
             <a:r>
               <a:rPr lang="en-US" baseline="0" dirty="0" err="1" smtClean="0"/>
-              <a:t>RnD</a:t>
-            </a:r>
+              <a:t>Kotlin</a:t>
+            </a:r>
+            <a:endParaRPr lang="en-US" baseline="0" dirty="0" smtClean="0"/>
+          </a:p>
+          <a:p>
             <a:r>
               <a:rPr lang="en-US" baseline="0" dirty="0" smtClean="0"/>
-              <a:t> office there.</a:t>
-            </a:r>
-          </a:p>
-          <a:p>
-            <a:endParaRPr lang="en-US" baseline="0" dirty="0" smtClean="0"/>
-          </a:p>
-          <a:p>
-            <a:r>
-              <a:rPr lang="en-US" baseline="0" dirty="0" smtClean="0"/>
-              <a:t>Statically typed, like Java. Tooling for </a:t>
+              <a:t> -&gt; Show how click listener is converted to lambda (Explain lambda </a:t>
             </a:r>
             <a:r>
               <a:rPr lang="en-US" baseline="0" dirty="0" err="1" smtClean="0"/>
-              <a:t>staitically</a:t>
+              <a:t>vs</a:t>
             </a:r>
             <a:r>
               <a:rPr lang="en-US" baseline="0" dirty="0" smtClean="0"/>
@@ -1212,135 +1168,129 @@
             </a:r>
             <a:r>
               <a:rPr lang="en-US" baseline="0" dirty="0" err="1" smtClean="0"/>
-              <a:t>tpyes</a:t>
+              <a:t>annon</a:t>
             </a:r>
             <a:r>
               <a:rPr lang="en-US" baseline="0" dirty="0" smtClean="0"/>
-              <a:t> languages of way easier. Also development is less complex.</a:t>
-            </a:r>
-          </a:p>
-          <a:p>
+              <a:t> inner class and outer class reference)</a:t>
+            </a:r>
+          </a:p>
+          <a:p>
+            <a:r>
+              <a:rPr lang="en-US" baseline="0" dirty="0" smtClean="0"/>
+              <a:t> -&gt; Remove menu code</a:t>
+            </a:r>
+          </a:p>
+          <a:p>
+            <a:r>
+              <a:rPr lang="en-US" baseline="0" dirty="0" smtClean="0"/>
+              <a:t>3) Give fab as constructor parameter and make it as a property</a:t>
+            </a:r>
+          </a:p>
+          <a:p>
+            <a:r>
+              <a:rPr lang="en-US" baseline="0" dirty="0" smtClean="0"/>
+              <a:t> -&gt; Move fab code into new method, using tooling</a:t>
+            </a:r>
+          </a:p>
+          <a:p>
+            <a:r>
+              <a:rPr lang="en-US" baseline="0" dirty="0" smtClean="0"/>
+              <a:t>4) Extract message and create extension method “</a:t>
+            </a:r>
+            <a:r>
+              <a:rPr lang="en-US" i="1" dirty="0" err="1" smtClean="0">
+                <a:effectLst/>
+              </a:rPr>
+              <a:t>showSnackBarOnClick</a:t>
+            </a:r>
+            <a:r>
+              <a:rPr lang="en-US" baseline="0" dirty="0" smtClean="0"/>
+              <a:t>”</a:t>
+            </a:r>
+          </a:p>
+          <a:p>
+            <a:r>
+              <a:rPr lang="en-US" baseline="0" dirty="0" smtClean="0"/>
+              <a:t> -&gt; Move extension method to separate class, pay attention to method signature</a:t>
+            </a:r>
+          </a:p>
+          <a:p>
+            <a:r>
+              <a:rPr lang="en-US" baseline="0" dirty="0" smtClean="0"/>
+              <a:t> -&gt; Show usage of “it” in 1 </a:t>
+            </a:r>
             <a:r>
               <a:rPr lang="en-US" baseline="0" dirty="0" err="1" smtClean="0"/>
-              <a:t>Kotlin</a:t>
+              <a:t>arg</a:t>
             </a:r>
             <a:r>
               <a:rPr lang="en-US" baseline="0" dirty="0" smtClean="0"/>
-              <a:t> has to be </a:t>
+              <a:t> lambda</a:t>
+            </a:r>
+          </a:p>
+          <a:p>
+            <a:r>
+              <a:rPr lang="en-US" baseline="0" dirty="0" smtClean="0"/>
+              <a:t>5) Pass </a:t>
             </a:r>
             <a:r>
               <a:rPr lang="en-US" baseline="0" dirty="0" err="1" smtClean="0"/>
-              <a:t>consince</a:t>
+              <a:t>int</a:t>
             </a:r>
             <a:r>
               <a:rPr lang="en-US" baseline="0" dirty="0" smtClean="0"/>
-              <a:t>, so that</a:t>
-            </a:r>
-            <a:r>
-              <a:rPr lang="fr-FR" baseline="0" dirty="0" smtClean="0"/>
-              <a:t>’</a:t>
-            </a:r>
+              <a:t> instead of string and show string interpolation</a:t>
+            </a:r>
+          </a:p>
+          <a:p>
             <a:r>
               <a:rPr lang="en-US" baseline="0" dirty="0" smtClean="0"/>
-              <a:t>s why type inference comes in. So no over </a:t>
+              <a:t>6) Change signature of extensions function to take two </a:t>
             </a:r>
             <a:r>
               <a:rPr lang="en-US" baseline="0" dirty="0" err="1" smtClean="0"/>
-              <a:t>explict</a:t>
+              <a:t>int</a:t>
             </a:r>
             <a:r>
               <a:rPr lang="en-US" baseline="0" dirty="0" smtClean="0"/>
-              <a:t> type notation. Cuts down on boilerplate code.</a:t>
-            </a:r>
-          </a:p>
-          <a:p>
+              <a:t> and a higher order function</a:t>
+            </a:r>
+          </a:p>
+          <a:p>
+            <a:r>
+              <a:rPr lang="en-US" baseline="0" dirty="0" smtClean="0"/>
+              <a:t> -&gt; Then show usage of that method with ill places brackets around lambda’s</a:t>
+            </a:r>
+          </a:p>
+          <a:p>
+            <a:r>
+              <a:rPr lang="en-US" baseline="0" dirty="0" smtClean="0"/>
+              <a:t> -&gt; Then show intended use</a:t>
+            </a:r>
+          </a:p>
+          <a:p>
+            <a:r>
+              <a:rPr lang="en-US" baseline="0" dirty="0" smtClean="0"/>
+              <a:t>7) As a kicker show usage of default extensions of list with reduce</a:t>
+            </a:r>
+          </a:p>
+          <a:p>
+            <a:r>
+              <a:rPr lang="en-US" baseline="0" dirty="0" smtClean="0"/>
+              <a:t> -&gt; And extract lambda as function</a:t>
+            </a:r>
+          </a:p>
+          <a:p>
+            <a:r>
+              <a:rPr lang="en-US" baseline="0" dirty="0" smtClean="0"/>
+              <a:t> -&gt; Perhaps some </a:t>
+            </a:r>
+            <a:r>
+              <a:rPr lang="en-US" baseline="0" dirty="0" err="1" smtClean="0"/>
+              <a:t>inlining</a:t>
+            </a:r>
             <a:endParaRPr lang="en-US" baseline="0" dirty="0" smtClean="0"/>
-          </a:p>
-          <a:p>
-            <a:r>
-              <a:rPr lang="en-US" baseline="0" dirty="0" smtClean="0"/>
-              <a:t>By default classes are immutable, final. Which causes less inheritance and there are other paradigms to create the same functionality, in a better way.</a:t>
-            </a:r>
-          </a:p>
-          <a:p>
-            <a:endParaRPr lang="en-US" baseline="0" dirty="0" smtClean="0"/>
-          </a:p>
-          <a:p>
-            <a:r>
-              <a:rPr lang="en-US" dirty="0" err="1" smtClean="0"/>
-              <a:t>Kotlin</a:t>
-            </a:r>
-            <a:r>
-              <a:rPr lang="en-US" baseline="0" dirty="0" smtClean="0"/>
-              <a:t> is optimized for </a:t>
-            </a:r>
-            <a:r>
-              <a:rPr lang="en-US" baseline="0" dirty="0" err="1" smtClean="0"/>
-              <a:t>toolabilty</a:t>
-            </a:r>
-            <a:r>
-              <a:rPr lang="en-US" baseline="0" dirty="0" smtClean="0"/>
-              <a:t>, and less verbose, more explicit code. The compile time is slightly slower then Java, but becoming faster with every version. At run time is is the same as Java, or even faster since it compiles down to more efficient code.</a:t>
-            </a:r>
-          </a:p>
-          <a:p>
-            <a:r>
-              <a:rPr lang="en-US" baseline="0" dirty="0" err="1" smtClean="0"/>
-              <a:t>Kotlin</a:t>
-            </a:r>
-            <a:r>
-              <a:rPr lang="en-US" baseline="0" dirty="0" smtClean="0"/>
-              <a:t> does not have it’s own web framework or other basic stuff. They rely on existing (Java) libraries, often with a thin </a:t>
-            </a:r>
-            <a:r>
-              <a:rPr lang="en-US" baseline="0" dirty="0" err="1" smtClean="0"/>
-              <a:t>Kotlin</a:t>
-            </a:r>
-            <a:r>
-              <a:rPr lang="en-US" baseline="0" dirty="0" smtClean="0"/>
-              <a:t> facade. All Java libraries work for </a:t>
-            </a:r>
-            <a:r>
-              <a:rPr lang="en-US" baseline="0" dirty="0" err="1" smtClean="0"/>
-              <a:t>Kotlin</a:t>
-            </a:r>
-            <a:r>
-              <a:rPr lang="en-US" baseline="0" dirty="0" smtClean="0"/>
-              <a:t>, including annotation processors.</a:t>
-            </a:r>
-          </a:p>
-          <a:p>
-            <a:endParaRPr lang="en-US" baseline="0" dirty="0" smtClean="0"/>
-          </a:p>
-          <a:p>
-            <a:endParaRPr lang="en-US" baseline="0" dirty="0" smtClean="0"/>
-          </a:p>
-          <a:p>
-            <a:endParaRPr lang="en-US" baseline="0" dirty="0" smtClean="0"/>
-          </a:p>
-          <a:p>
-            <a:r>
-              <a:rPr lang="en-US" baseline="0" dirty="0" smtClean="0"/>
-              <a:t>The new power of </a:t>
-            </a:r>
-            <a:r>
-              <a:rPr lang="en-US" baseline="0" dirty="0" err="1" smtClean="0"/>
-              <a:t>Kotlin</a:t>
-            </a:r>
-            <a:r>
-              <a:rPr lang="en-US" baseline="0" dirty="0" smtClean="0"/>
-              <a:t> on the Java 6 JVM open a whole new world for Android developers. Enjoy all the new good stuff </a:t>
-            </a:r>
-            <a:r>
-              <a:rPr lang="en-US" baseline="0" dirty="0" smtClean="0">
-                <a:sym typeface="Wingdings"/>
-              </a:rPr>
-              <a:t></a:t>
-            </a:r>
-            <a:endParaRPr lang="en-US" baseline="0" dirty="0" smtClean="0"/>
-          </a:p>
-          <a:p>
-            <a:endParaRPr lang="en-US" dirty="0"/>
           </a:p>
         </p:txBody>
       </p:sp>
@@ -1361,7 +1311,7 @@
           <a:p>
             <a:fld id="{E478809B-5C58-FE4E-A5C2-E0F6DFD902F4}" type="slidenum">
               <a:rPr lang="en-US" smtClean="0"/>
-              <a:t>12</a:t>
+              <a:t>11</a:t>
             </a:fld>
             <a:endParaRPr lang="en-US"/>
           </a:p>
@@ -1370,7 +1320,7 @@
     </p:spTree>
     <p:extLst>
       <p:ext uri="{BB962C8B-B14F-4D97-AF65-F5344CB8AC3E}">
-        <p14:creationId xmlns:p14="http://schemas.microsoft.com/office/powerpoint/2010/main" val="1931088466"/>
+        <p14:creationId xmlns:p14="http://schemas.microsoft.com/office/powerpoint/2010/main" val="1897541102"/>
       </p:ext>
     </p:extLst>
   </p:cSld>
@@ -1424,7 +1374,136 @@
           <a:bodyPr/>
           <a:lstStyle/>
           <a:p>
-            <a:endParaRPr lang="en-US" dirty="0"/>
+            <a:pPr marL="0" marR="0" indent="0" algn="l" defTabSz="457200" rtl="0" eaLnBrk="1" fontAlgn="auto" latinLnBrk="0" hangingPunct="1">
+              <a:lnSpc>
+                <a:spcPct val="100000"/>
+              </a:lnSpc>
+              <a:spcBef>
+                <a:spcPts val="0"/>
+              </a:spcBef>
+              <a:spcAft>
+                <a:spcPts val="0"/>
+              </a:spcAft>
+              <a:buClrTx/>
+              <a:buSzTx/>
+              <a:buFontTx/>
+              <a:buNone/>
+              <a:tabLst/>
+              <a:defRPr/>
+            </a:pPr>
+            <a:r>
+              <a:rPr lang="en-US" baseline="0" dirty="0" smtClean="0"/>
+              <a:t>Concise, reducing the amount of code it takes for you to achieve something;</a:t>
+            </a:r>
+          </a:p>
+          <a:p>
+            <a:pPr marL="0" marR="0" indent="0" algn="l" defTabSz="457200" rtl="0" eaLnBrk="1" fontAlgn="auto" latinLnBrk="0" hangingPunct="1">
+              <a:lnSpc>
+                <a:spcPct val="100000"/>
+              </a:lnSpc>
+              <a:spcBef>
+                <a:spcPts val="0"/>
+              </a:spcBef>
+              <a:spcAft>
+                <a:spcPts val="0"/>
+              </a:spcAft>
+              <a:buClrTx/>
+              <a:buSzTx/>
+              <a:buFontTx/>
+              <a:buNone/>
+              <a:tabLst/>
+              <a:defRPr/>
+            </a:pPr>
+            <a:r>
+              <a:rPr lang="en-US" baseline="0" dirty="0" smtClean="0"/>
+              <a:t>Expressive, making your code more readable and understandable;</a:t>
+            </a:r>
+          </a:p>
+          <a:p>
+            <a:pPr marL="0" marR="0" indent="0" algn="l" defTabSz="457200" rtl="0" eaLnBrk="1" fontAlgn="auto" latinLnBrk="0" hangingPunct="1">
+              <a:lnSpc>
+                <a:spcPct val="100000"/>
+              </a:lnSpc>
+              <a:spcBef>
+                <a:spcPts val="0"/>
+              </a:spcBef>
+              <a:spcAft>
+                <a:spcPts val="0"/>
+              </a:spcAft>
+              <a:buClrTx/>
+              <a:buSzTx/>
+              <a:buFontTx/>
+              <a:buNone/>
+              <a:tabLst/>
+              <a:defRPr/>
+            </a:pPr>
+            <a:r>
+              <a:rPr lang="en-US" baseline="0" dirty="0" smtClean="0"/>
+              <a:t>Safe, removing the possibility for you to create errors;</a:t>
+            </a:r>
+          </a:p>
+          <a:p>
+            <a:pPr marL="0" marR="0" indent="0" algn="l" defTabSz="457200" rtl="0" eaLnBrk="1" fontAlgn="auto" latinLnBrk="0" hangingPunct="1">
+              <a:lnSpc>
+                <a:spcPct val="100000"/>
+              </a:lnSpc>
+              <a:spcBef>
+                <a:spcPts val="0"/>
+              </a:spcBef>
+              <a:spcAft>
+                <a:spcPts val="0"/>
+              </a:spcAft>
+              <a:buClrTx/>
+              <a:buSzTx/>
+              <a:buFontTx/>
+              <a:buNone/>
+              <a:tabLst/>
+              <a:defRPr/>
+            </a:pPr>
+            <a:r>
+              <a:rPr lang="en-US" baseline="0" dirty="0" smtClean="0"/>
+              <a:t>Versatile, targets the JVM and JavaScript you can run it in many places;</a:t>
+            </a:r>
+          </a:p>
+          <a:p>
+            <a:pPr marL="0" marR="0" indent="0" algn="l" defTabSz="457200" rtl="0" eaLnBrk="1" fontAlgn="auto" latinLnBrk="0" hangingPunct="1">
+              <a:lnSpc>
+                <a:spcPct val="100000"/>
+              </a:lnSpc>
+              <a:spcBef>
+                <a:spcPts val="0"/>
+              </a:spcBef>
+              <a:spcAft>
+                <a:spcPts val="0"/>
+              </a:spcAft>
+              <a:buClrTx/>
+              <a:buSzTx/>
+              <a:buFontTx/>
+              <a:buNone/>
+              <a:tabLst/>
+              <a:defRPr/>
+            </a:pPr>
+            <a:r>
+              <a:rPr lang="en-US" baseline="0" dirty="0" smtClean="0"/>
+              <a:t>Interoperable, what that means is you can call Java code from </a:t>
+            </a:r>
+            <a:r>
+              <a:rPr lang="en-US" baseline="0" dirty="0" err="1" smtClean="0"/>
+              <a:t>Kotlin</a:t>
+            </a:r>
+            <a:r>
+              <a:rPr lang="en-US" baseline="0" dirty="0" smtClean="0"/>
+              <a:t> and </a:t>
+            </a:r>
+            <a:r>
+              <a:rPr lang="en-US" baseline="0" dirty="0" err="1" smtClean="0"/>
+              <a:t>Kotlin</a:t>
+            </a:r>
+            <a:r>
+              <a:rPr lang="en-US" baseline="0" dirty="0" smtClean="0"/>
+              <a:t> code from Java, and they aim to be 100% interoperable.</a:t>
+            </a:r>
+            <a:endParaRPr lang="en-US" baseline="0" dirty="0" smtClean="0"/>
           </a:p>
         </p:txBody>
       </p:sp>
@@ -1445,7 +1524,7 @@
           <a:p>
             <a:fld id="{E478809B-5C58-FE4E-A5C2-E0F6DFD902F4}" type="slidenum">
               <a:rPr lang="en-US" smtClean="0"/>
-              <a:t>13</a:t>
+              <a:t>12</a:t>
             </a:fld>
             <a:endParaRPr lang="en-US"/>
           </a:p>
@@ -1454,7 +1533,7 @@
     </p:spTree>
     <p:extLst>
       <p:ext uri="{BB962C8B-B14F-4D97-AF65-F5344CB8AC3E}">
-        <p14:creationId xmlns:p14="http://schemas.microsoft.com/office/powerpoint/2010/main" val="1931088466"/>
+        <p14:creationId xmlns:p14="http://schemas.microsoft.com/office/powerpoint/2010/main" val="1897541102"/>
       </p:ext>
     </p:extLst>
   </p:cSld>
@@ -1508,6 +1587,240 @@
           <a:bodyPr/>
           <a:lstStyle/>
           <a:p>
+            <a:r>
+              <a:rPr lang="en-US" dirty="0" smtClean="0"/>
+              <a:t>The need to stuck to</a:t>
+            </a:r>
+            <a:r>
+              <a:rPr lang="en-US" baseline="0" dirty="0" smtClean="0"/>
+              <a:t> Java, since the majority of their code base (IDE’s (All of their IDE’s </a:t>
+            </a:r>
+            <a:r>
+              <a:rPr lang="en-US" baseline="0" dirty="0" err="1" smtClean="0"/>
+              <a:t>execpt</a:t>
+            </a:r>
+            <a:r>
+              <a:rPr lang="en-US" baseline="0" dirty="0" smtClean="0"/>
+              <a:t> for C# is on the JVM)) depend on Java. They needed to overcome some issues with Java.</a:t>
+            </a:r>
+          </a:p>
+          <a:p>
+            <a:r>
+              <a:rPr lang="en-US" baseline="0" dirty="0" smtClean="0"/>
+              <a:t>At the time ‘</a:t>
+            </a:r>
+            <a:r>
+              <a:rPr lang="en-US" baseline="0" dirty="0" err="1" smtClean="0"/>
+              <a:t>Scala</a:t>
+            </a:r>
+            <a:r>
+              <a:rPr lang="en-US" baseline="0" dirty="0" smtClean="0"/>
+              <a:t>’ was there, but it wasn’t for them.</a:t>
+            </a:r>
+          </a:p>
+          <a:p>
+            <a:r>
+              <a:rPr lang="en-US" baseline="0" dirty="0" smtClean="0"/>
+              <a:t>The primary reason to development was for internal use.</a:t>
+            </a:r>
+          </a:p>
+          <a:p>
+            <a:endParaRPr lang="en-US" baseline="0" dirty="0" smtClean="0"/>
+          </a:p>
+          <a:p>
+            <a:r>
+              <a:rPr lang="en-US" baseline="0" dirty="0" smtClean="0"/>
+              <a:t>Apache 2.0 licenses -&gt; open source</a:t>
+            </a:r>
+          </a:p>
+          <a:p>
+            <a:endParaRPr lang="en-US" baseline="0" dirty="0" smtClean="0"/>
+          </a:p>
+          <a:p>
+            <a:r>
+              <a:rPr lang="en-US" baseline="0" dirty="0" smtClean="0"/>
+              <a:t>Interoperation with Java was key for </a:t>
+            </a:r>
+            <a:r>
+              <a:rPr lang="en-US" baseline="0" dirty="0" err="1" smtClean="0"/>
+              <a:t>Jetbrains</a:t>
+            </a:r>
+            <a:r>
+              <a:rPr lang="en-US" baseline="0" dirty="0" smtClean="0"/>
+              <a:t>. Some of their own tools already have </a:t>
+            </a:r>
+            <a:r>
+              <a:rPr lang="en-US" baseline="0" dirty="0" err="1" smtClean="0"/>
+              <a:t>Kotlin</a:t>
+            </a:r>
+            <a:r>
+              <a:rPr lang="en-US" baseline="0" dirty="0" smtClean="0"/>
+              <a:t>, live in the field/production.</a:t>
+            </a:r>
+          </a:p>
+          <a:p>
+            <a:endParaRPr lang="en-US" baseline="0" dirty="0" smtClean="0"/>
+          </a:p>
+          <a:p>
+            <a:r>
+              <a:rPr lang="en-US" baseline="0" dirty="0" smtClean="0"/>
+              <a:t>Name comes from an island near St. Petersburg. They have a main </a:t>
+            </a:r>
+            <a:r>
+              <a:rPr lang="en-US" baseline="0" dirty="0" err="1" smtClean="0"/>
+              <a:t>RnD</a:t>
+            </a:r>
+            <a:r>
+              <a:rPr lang="en-US" baseline="0" dirty="0" smtClean="0"/>
+              <a:t> office there.</a:t>
+            </a:r>
+          </a:p>
+          <a:p>
+            <a:endParaRPr lang="en-US" baseline="0" dirty="0" smtClean="0"/>
+          </a:p>
+          <a:p>
+            <a:r>
+              <a:rPr lang="en-US" baseline="0" dirty="0" smtClean="0"/>
+              <a:t>Statically typed, like Java. Tooling for </a:t>
+            </a:r>
+            <a:r>
+              <a:rPr lang="en-US" baseline="0" dirty="0" err="1" smtClean="0"/>
+              <a:t>staitically</a:t>
+            </a:r>
+            <a:r>
+              <a:rPr lang="en-US" baseline="0" dirty="0" smtClean="0"/>
+              <a:t> </a:t>
+            </a:r>
+            <a:r>
+              <a:rPr lang="en-US" baseline="0" dirty="0" err="1" smtClean="0"/>
+              <a:t>tpyes</a:t>
+            </a:r>
+            <a:r>
+              <a:rPr lang="en-US" baseline="0" dirty="0" smtClean="0"/>
+              <a:t> languages of way easier. Also development is less complex.</a:t>
+            </a:r>
+          </a:p>
+          <a:p>
+            <a:r>
+              <a:rPr lang="en-US" baseline="0" dirty="0" err="1" smtClean="0"/>
+              <a:t>Kotlin</a:t>
+            </a:r>
+            <a:r>
+              <a:rPr lang="en-US" baseline="0" dirty="0" smtClean="0"/>
+              <a:t> has to be </a:t>
+            </a:r>
+            <a:r>
+              <a:rPr lang="en-US" baseline="0" dirty="0" err="1" smtClean="0"/>
+              <a:t>consince</a:t>
+            </a:r>
+            <a:r>
+              <a:rPr lang="en-US" baseline="0" dirty="0" smtClean="0"/>
+              <a:t>, so that</a:t>
+            </a:r>
+            <a:r>
+              <a:rPr lang="fr-FR" baseline="0" dirty="0" smtClean="0"/>
+              <a:t>’</a:t>
+            </a:r>
+            <a:r>
+              <a:rPr lang="en-US" baseline="0" dirty="0" smtClean="0"/>
+              <a:t>s why type inference comes in. So no over </a:t>
+            </a:r>
+            <a:r>
+              <a:rPr lang="en-US" baseline="0" dirty="0" err="1" smtClean="0"/>
+              <a:t>explict</a:t>
+            </a:r>
+            <a:r>
+              <a:rPr lang="en-US" baseline="0" dirty="0" smtClean="0"/>
+              <a:t> type notation. Cuts down on boilerplate code.</a:t>
+            </a:r>
+          </a:p>
+          <a:p>
+            <a:endParaRPr lang="en-US" baseline="0" dirty="0" smtClean="0"/>
+          </a:p>
+          <a:p>
+            <a:r>
+              <a:rPr lang="en-US" baseline="0" dirty="0" smtClean="0"/>
+              <a:t>By default classes are immutable, final. Which causes less inheritance and there are other paradigms to create the same functionality, in a better way.</a:t>
+            </a:r>
+          </a:p>
+          <a:p>
+            <a:endParaRPr lang="en-US" baseline="0" dirty="0" smtClean="0"/>
+          </a:p>
+          <a:p>
+            <a:r>
+              <a:rPr lang="en-US" dirty="0" err="1" smtClean="0"/>
+              <a:t>Kotlin</a:t>
+            </a:r>
+            <a:r>
+              <a:rPr lang="en-US" baseline="0" dirty="0" smtClean="0"/>
+              <a:t> is optimized for </a:t>
+            </a:r>
+            <a:r>
+              <a:rPr lang="en-US" baseline="0" dirty="0" err="1" smtClean="0"/>
+              <a:t>toolabilty</a:t>
+            </a:r>
+            <a:r>
+              <a:rPr lang="en-US" baseline="0" dirty="0" smtClean="0"/>
+              <a:t>, and less verbose, more explicit code. The compile time is slightly slower then Java, but becoming faster with every version. At run time is is the same as Java, or even faster since it compiles down to more efficient code.</a:t>
+            </a:r>
+          </a:p>
+          <a:p>
+            <a:r>
+              <a:rPr lang="en-US" baseline="0" dirty="0" err="1" smtClean="0"/>
+              <a:t>Kotlin</a:t>
+            </a:r>
+            <a:r>
+              <a:rPr lang="en-US" baseline="0" dirty="0" smtClean="0"/>
+              <a:t> does not have it’s own web framework or other basic stuff. They rely on existing (Java) libraries, often with a thin </a:t>
+            </a:r>
+            <a:r>
+              <a:rPr lang="en-US" baseline="0" dirty="0" err="1" smtClean="0"/>
+              <a:t>Kotlin</a:t>
+            </a:r>
+            <a:r>
+              <a:rPr lang="en-US" baseline="0" dirty="0" smtClean="0"/>
+              <a:t> facade. All Java libraries work for </a:t>
+            </a:r>
+            <a:r>
+              <a:rPr lang="en-US" baseline="0" dirty="0" err="1" smtClean="0"/>
+              <a:t>Kotlin</a:t>
+            </a:r>
+            <a:r>
+              <a:rPr lang="en-US" baseline="0" dirty="0" smtClean="0"/>
+              <a:t>, including annotation processors.</a:t>
+            </a:r>
+          </a:p>
+          <a:p>
+            <a:endParaRPr lang="en-US" baseline="0" dirty="0" smtClean="0"/>
+          </a:p>
+          <a:p>
+            <a:endParaRPr lang="en-US" baseline="0" dirty="0" smtClean="0"/>
+          </a:p>
+          <a:p>
+            <a:endParaRPr lang="en-US" baseline="0" dirty="0" smtClean="0"/>
+          </a:p>
+          <a:p>
+            <a:r>
+              <a:rPr lang="en-US" baseline="0" dirty="0" smtClean="0"/>
+              <a:t>The new power of </a:t>
+            </a:r>
+            <a:r>
+              <a:rPr lang="en-US" baseline="0" dirty="0" err="1" smtClean="0"/>
+              <a:t>Kotlin</a:t>
+            </a:r>
+            <a:r>
+              <a:rPr lang="en-US" baseline="0" dirty="0" smtClean="0"/>
+              <a:t> on the Java 6 JVM open a whole new world for Android developers. Enjoy all the new good stuff </a:t>
+            </a:r>
+            <a:r>
+              <a:rPr lang="en-US" baseline="0" dirty="0" smtClean="0">
+                <a:sym typeface="Wingdings"/>
+              </a:rPr>
+              <a:t></a:t>
+            </a:r>
+            <a:endParaRPr lang="en-US" baseline="0" dirty="0" smtClean="0"/>
+          </a:p>
+          <a:p>
             <a:endParaRPr lang="en-US" dirty="0"/>
           </a:p>
         </p:txBody>
@@ -1529,7 +1842,7 @@
           <a:p>
             <a:fld id="{E478809B-5C58-FE4E-A5C2-E0F6DFD902F4}" type="slidenum">
               <a:rPr lang="en-US" smtClean="0"/>
-              <a:t>16</a:t>
+              <a:t>13</a:t>
             </a:fld>
             <a:endParaRPr lang="en-US"/>
           </a:p>
@@ -1538,7 +1851,477 @@
     </p:spTree>
     <p:extLst>
       <p:ext uri="{BB962C8B-B14F-4D97-AF65-F5344CB8AC3E}">
-        <p14:creationId xmlns:p14="http://schemas.microsoft.com/office/powerpoint/2010/main" val="1586264394"/>
+        <p14:creationId xmlns:p14="http://schemas.microsoft.com/office/powerpoint/2010/main" val="1931088466"/>
+      </p:ext>
+    </p:extLst>
+  </p:cSld>
+  <p:clrMapOvr>
+    <a:masterClrMapping/>
+  </p:clrMapOvr>
+</p:notes>
+</file>
+
+<file path=ppt/notesSlides/notesSlide7.xml><?xml version="1.0" encoding="utf-8"?>
+<p:notes xmlns:a="http://schemas.openxmlformats.org/drawingml/2006/main" xmlns:r="http://schemas.openxmlformats.org/officeDocument/2006/relationships" xmlns:p="http://schemas.openxmlformats.org/presentationml/2006/main">
+  <p:cSld>
+    <p:spTree>
+      <p:nvGrpSpPr>
+        <p:cNvPr id="1" name=""/>
+        <p:cNvGrpSpPr/>
+        <p:nvPr/>
+      </p:nvGrpSpPr>
+      <p:grpSpPr>
+        <a:xfrm>
+          <a:off x="0" y="0"/>
+          <a:ext cx="0" cy="0"/>
+          <a:chOff x="0" y="0"/>
+          <a:chExt cx="0" cy="0"/>
+        </a:xfrm>
+      </p:grpSpPr>
+      <p:sp>
+        <p:nvSpPr>
+          <p:cNvPr id="2" name="Slide Image Placeholder 1"/>
+          <p:cNvSpPr>
+            <a:spLocks noGrp="1" noRot="1" noChangeAspect="1"/>
+          </p:cNvSpPr>
+          <p:nvPr>
+            <p:ph type="sldImg"/>
+          </p:nvPr>
+        </p:nvSpPr>
+        <p:spPr/>
+      </p:sp>
+      <p:sp>
+        <p:nvSpPr>
+          <p:cNvPr id="3" name="Notes Placeholder 2"/>
+          <p:cNvSpPr>
+            <a:spLocks noGrp="1"/>
+          </p:cNvSpPr>
+          <p:nvPr>
+            <p:ph type="body" idx="1"/>
+          </p:nvPr>
+        </p:nvSpPr>
+        <p:spPr/>
+        <p:txBody>
+          <a:bodyPr/>
+          <a:lstStyle/>
+          <a:p>
+            <a:r>
+              <a:rPr lang="en-US" dirty="0" smtClean="0"/>
+              <a:t>The need to stuck to</a:t>
+            </a:r>
+            <a:r>
+              <a:rPr lang="en-US" baseline="0" dirty="0" smtClean="0"/>
+              <a:t> Java, since the majority of their code base (IDE’s (All of their IDE’s </a:t>
+            </a:r>
+            <a:r>
+              <a:rPr lang="en-US" baseline="0" dirty="0" err="1" smtClean="0"/>
+              <a:t>execpt</a:t>
+            </a:r>
+            <a:r>
+              <a:rPr lang="en-US" baseline="0" dirty="0" smtClean="0"/>
+              <a:t> for C# is on the JVM)) depend on Java. They needed to overcome some issues with Java</a:t>
+            </a:r>
+            <a:r>
+              <a:rPr lang="en-US" baseline="0" dirty="0" smtClean="0"/>
+              <a:t>.</a:t>
+            </a:r>
+            <a:endParaRPr lang="en-US" dirty="0"/>
+          </a:p>
+        </p:txBody>
+      </p:sp>
+      <p:sp>
+        <p:nvSpPr>
+          <p:cNvPr id="4" name="Slide Number Placeholder 3"/>
+          <p:cNvSpPr>
+            <a:spLocks noGrp="1"/>
+          </p:cNvSpPr>
+          <p:nvPr>
+            <p:ph type="sldNum" sz="quarter" idx="10"/>
+          </p:nvPr>
+        </p:nvSpPr>
+        <p:spPr/>
+        <p:txBody>
+          <a:bodyPr/>
+          <a:lstStyle/>
+          <a:p>
+            <a:fld id="{E478809B-5C58-FE4E-A5C2-E0F6DFD902F4}" type="slidenum">
+              <a:rPr lang="en-US" smtClean="0"/>
+              <a:t>14</a:t>
+            </a:fld>
+            <a:endParaRPr lang="en-US"/>
+          </a:p>
+        </p:txBody>
+      </p:sp>
+    </p:spTree>
+    <p:extLst>
+      <p:ext uri="{BB962C8B-B14F-4D97-AF65-F5344CB8AC3E}">
+        <p14:creationId xmlns:p14="http://schemas.microsoft.com/office/powerpoint/2010/main" val="1931088466"/>
+      </p:ext>
+    </p:extLst>
+  </p:cSld>
+  <p:clrMapOvr>
+    <a:masterClrMapping/>
+  </p:clrMapOvr>
+</p:notes>
+</file>
+
+<file path=ppt/notesSlides/notesSlide8.xml><?xml version="1.0" encoding="utf-8"?>
+<p:notes xmlns:a="http://schemas.openxmlformats.org/drawingml/2006/main" xmlns:r="http://schemas.openxmlformats.org/officeDocument/2006/relationships" xmlns:p="http://schemas.openxmlformats.org/presentationml/2006/main">
+  <p:cSld>
+    <p:spTree>
+      <p:nvGrpSpPr>
+        <p:cNvPr id="1" name=""/>
+        <p:cNvGrpSpPr/>
+        <p:nvPr/>
+      </p:nvGrpSpPr>
+      <p:grpSpPr>
+        <a:xfrm>
+          <a:off x="0" y="0"/>
+          <a:ext cx="0" cy="0"/>
+          <a:chOff x="0" y="0"/>
+          <a:chExt cx="0" cy="0"/>
+        </a:xfrm>
+      </p:grpSpPr>
+      <p:sp>
+        <p:nvSpPr>
+          <p:cNvPr id="2" name="Slide Image Placeholder 1"/>
+          <p:cNvSpPr>
+            <a:spLocks noGrp="1" noRot="1" noChangeAspect="1"/>
+          </p:cNvSpPr>
+          <p:nvPr>
+            <p:ph type="sldImg"/>
+          </p:nvPr>
+        </p:nvSpPr>
+        <p:spPr/>
+      </p:sp>
+      <p:sp>
+        <p:nvSpPr>
+          <p:cNvPr id="3" name="Notes Placeholder 2"/>
+          <p:cNvSpPr>
+            <a:spLocks noGrp="1"/>
+          </p:cNvSpPr>
+          <p:nvPr>
+            <p:ph type="body" idx="1"/>
+          </p:nvPr>
+        </p:nvSpPr>
+        <p:spPr/>
+        <p:txBody>
+          <a:bodyPr/>
+          <a:lstStyle/>
+          <a:p>
+            <a:r>
+              <a:rPr lang="en-US" baseline="0" dirty="0" smtClean="0"/>
+              <a:t>At the time ‘</a:t>
+            </a:r>
+            <a:r>
+              <a:rPr lang="en-US" baseline="0" dirty="0" err="1" smtClean="0"/>
+              <a:t>Scala</a:t>
+            </a:r>
+            <a:r>
+              <a:rPr lang="en-US" baseline="0" dirty="0" smtClean="0"/>
+              <a:t>’ was there, but it wasn’t for them.</a:t>
+            </a:r>
+          </a:p>
+          <a:p>
+            <a:r>
+              <a:rPr lang="en-US" baseline="0" dirty="0" smtClean="0"/>
+              <a:t>The primary reason to development was for internal use.</a:t>
+            </a:r>
+          </a:p>
+          <a:p>
+            <a:r>
+              <a:rPr lang="en-US" baseline="0" dirty="0" smtClean="0"/>
+              <a:t>Apache 2.0 licenses -&gt; open source</a:t>
+            </a:r>
+          </a:p>
+          <a:p>
+            <a:r>
+              <a:rPr lang="en-US" baseline="0" dirty="0" smtClean="0"/>
+              <a:t>Interoperation with Java was key for </a:t>
+            </a:r>
+            <a:r>
+              <a:rPr lang="en-US" baseline="0" dirty="0" err="1" smtClean="0"/>
+              <a:t>Jetbrains</a:t>
+            </a:r>
+            <a:r>
+              <a:rPr lang="en-US" baseline="0" dirty="0" smtClean="0"/>
+              <a:t>. Some of their own tools already have </a:t>
+            </a:r>
+            <a:r>
+              <a:rPr lang="en-US" baseline="0" dirty="0" err="1" smtClean="0"/>
+              <a:t>Kotlin</a:t>
+            </a:r>
+            <a:r>
+              <a:rPr lang="en-US" baseline="0" dirty="0" smtClean="0"/>
+              <a:t>, live in the field/production.</a:t>
+            </a:r>
+          </a:p>
+          <a:p>
+            <a:r>
+              <a:rPr lang="en-US" baseline="0" dirty="0" smtClean="0"/>
+              <a:t>Name comes from an island near St. Petersburg. They have a main </a:t>
+            </a:r>
+            <a:r>
+              <a:rPr lang="en-US" baseline="0" dirty="0" err="1" smtClean="0"/>
+              <a:t>RnD</a:t>
+            </a:r>
+            <a:r>
+              <a:rPr lang="en-US" baseline="0" dirty="0" smtClean="0"/>
+              <a:t> office there.</a:t>
+            </a:r>
+          </a:p>
+          <a:p>
+            <a:endParaRPr lang="en-US" baseline="0" dirty="0" smtClean="0"/>
+          </a:p>
+          <a:p>
+            <a:r>
+              <a:rPr lang="en-US" baseline="0" dirty="0" smtClean="0"/>
+              <a:t>Statically typed, like Java. Tooling for </a:t>
+            </a:r>
+            <a:r>
+              <a:rPr lang="en-US" baseline="0" dirty="0" err="1" smtClean="0"/>
+              <a:t>staitically</a:t>
+            </a:r>
+            <a:r>
+              <a:rPr lang="en-US" baseline="0" dirty="0" smtClean="0"/>
+              <a:t> </a:t>
+            </a:r>
+            <a:r>
+              <a:rPr lang="en-US" baseline="0" dirty="0" err="1" smtClean="0"/>
+              <a:t>tpyes</a:t>
+            </a:r>
+            <a:r>
+              <a:rPr lang="en-US" baseline="0" dirty="0" smtClean="0"/>
+              <a:t> languages of way easier. Also development is less complex.</a:t>
+            </a:r>
+          </a:p>
+          <a:p>
+            <a:r>
+              <a:rPr lang="en-US" baseline="0" dirty="0" err="1" smtClean="0"/>
+              <a:t>Kotlin</a:t>
+            </a:r>
+            <a:r>
+              <a:rPr lang="en-US" baseline="0" dirty="0" smtClean="0"/>
+              <a:t> has to be </a:t>
+            </a:r>
+            <a:r>
+              <a:rPr lang="en-US" baseline="0" dirty="0" err="1" smtClean="0"/>
+              <a:t>consince</a:t>
+            </a:r>
+            <a:r>
+              <a:rPr lang="en-US" baseline="0" dirty="0" smtClean="0"/>
+              <a:t>, so that</a:t>
+            </a:r>
+            <a:r>
+              <a:rPr lang="fr-FR" baseline="0" dirty="0" smtClean="0"/>
+              <a:t>’</a:t>
+            </a:r>
+            <a:r>
+              <a:rPr lang="en-US" baseline="0" dirty="0" smtClean="0"/>
+              <a:t>s why type inference comes in. So no over </a:t>
+            </a:r>
+            <a:r>
+              <a:rPr lang="en-US" baseline="0" dirty="0" err="1" smtClean="0"/>
+              <a:t>explict</a:t>
+            </a:r>
+            <a:r>
+              <a:rPr lang="en-US" baseline="0" dirty="0" smtClean="0"/>
+              <a:t> type notation. Cuts down on boilerplate code.</a:t>
+            </a:r>
+          </a:p>
+          <a:p>
+            <a:endParaRPr lang="en-US" baseline="0" dirty="0" smtClean="0"/>
+          </a:p>
+          <a:p>
+            <a:r>
+              <a:rPr lang="en-US" dirty="0" err="1" smtClean="0"/>
+              <a:t>Kotlin</a:t>
+            </a:r>
+            <a:r>
+              <a:rPr lang="en-US" baseline="0" dirty="0" smtClean="0"/>
+              <a:t> is optimized for </a:t>
+            </a:r>
+            <a:r>
+              <a:rPr lang="en-US" baseline="0" dirty="0" err="1" smtClean="0"/>
+              <a:t>toolabilty</a:t>
+            </a:r>
+            <a:r>
+              <a:rPr lang="en-US" baseline="0" dirty="0" smtClean="0"/>
+              <a:t>, and less verbose, more explicit code. The compile time is slightly slower then Java, but becoming faster with every version. At run time is is the same as Java, or even faster since it compiles down to more efficient code.</a:t>
+            </a:r>
+          </a:p>
+          <a:p>
+            <a:r>
+              <a:rPr lang="en-US" baseline="0" dirty="0" err="1" smtClean="0"/>
+              <a:t>Kotlin</a:t>
+            </a:r>
+            <a:r>
+              <a:rPr lang="en-US" baseline="0" dirty="0" smtClean="0"/>
+              <a:t> does not have it’s own web framework or other basic stuff. They rely on existing (Java) libraries, often with a thin </a:t>
+            </a:r>
+            <a:r>
+              <a:rPr lang="en-US" baseline="0" dirty="0" err="1" smtClean="0"/>
+              <a:t>Kotlin</a:t>
+            </a:r>
+            <a:r>
+              <a:rPr lang="en-US" baseline="0" dirty="0" smtClean="0"/>
+              <a:t> facade. All Java libraries work for </a:t>
+            </a:r>
+            <a:r>
+              <a:rPr lang="en-US" baseline="0" dirty="0" err="1" smtClean="0"/>
+              <a:t>Kotlin</a:t>
+            </a:r>
+            <a:r>
+              <a:rPr lang="en-US" baseline="0" dirty="0" smtClean="0"/>
+              <a:t>, including annotation processors.</a:t>
+            </a:r>
+          </a:p>
+          <a:p>
+            <a:endParaRPr lang="en-US" baseline="0" dirty="0" smtClean="0"/>
+          </a:p>
+          <a:p>
+            <a:endParaRPr lang="en-US" baseline="0" dirty="0" smtClean="0"/>
+          </a:p>
+          <a:p>
+            <a:endParaRPr lang="en-US" baseline="0" dirty="0" smtClean="0"/>
+          </a:p>
+          <a:p>
+            <a:r>
+              <a:rPr lang="en-US" baseline="0" dirty="0" smtClean="0"/>
+              <a:t>The new power of </a:t>
+            </a:r>
+            <a:r>
+              <a:rPr lang="en-US" baseline="0" dirty="0" err="1" smtClean="0"/>
+              <a:t>Kotlin</a:t>
+            </a:r>
+            <a:r>
+              <a:rPr lang="en-US" baseline="0" dirty="0" smtClean="0"/>
+              <a:t> on the Java 6 JVM open a whole new world for Android developers. Enjoy all the new good stuff </a:t>
+            </a:r>
+            <a:r>
+              <a:rPr lang="en-US" baseline="0" dirty="0" smtClean="0">
+                <a:sym typeface="Wingdings"/>
+              </a:rPr>
+              <a:t></a:t>
+            </a:r>
+            <a:endParaRPr lang="en-US" baseline="0" dirty="0" smtClean="0"/>
+          </a:p>
+          <a:p>
+            <a:endParaRPr lang="en-US" dirty="0"/>
+          </a:p>
+        </p:txBody>
+      </p:sp>
+      <p:sp>
+        <p:nvSpPr>
+          <p:cNvPr id="4" name="Slide Number Placeholder 3"/>
+          <p:cNvSpPr>
+            <a:spLocks noGrp="1"/>
+          </p:cNvSpPr>
+          <p:nvPr>
+            <p:ph type="sldNum" sz="quarter" idx="10"/>
+          </p:nvPr>
+        </p:nvSpPr>
+        <p:spPr/>
+        <p:txBody>
+          <a:bodyPr/>
+          <a:lstStyle/>
+          <a:p>
+            <a:fld id="{E478809B-5C58-FE4E-A5C2-E0F6DFD902F4}" type="slidenum">
+              <a:rPr lang="en-US" smtClean="0"/>
+              <a:t>15</a:t>
+            </a:fld>
+            <a:endParaRPr lang="en-US"/>
+          </a:p>
+        </p:txBody>
+      </p:sp>
+    </p:spTree>
+    <p:extLst>
+      <p:ext uri="{BB962C8B-B14F-4D97-AF65-F5344CB8AC3E}">
+        <p14:creationId xmlns:p14="http://schemas.microsoft.com/office/powerpoint/2010/main" val="1931088466"/>
+      </p:ext>
+    </p:extLst>
+  </p:cSld>
+  <p:clrMapOvr>
+    <a:masterClrMapping/>
+  </p:clrMapOvr>
+</p:notes>
+</file>
+
+<file path=ppt/notesSlides/notesSlide9.xml><?xml version="1.0" encoding="utf-8"?>
+<p:notes xmlns:a="http://schemas.openxmlformats.org/drawingml/2006/main" xmlns:r="http://schemas.openxmlformats.org/officeDocument/2006/relationships" xmlns:p="http://schemas.openxmlformats.org/presentationml/2006/main">
+  <p:cSld>
+    <p:spTree>
+      <p:nvGrpSpPr>
+        <p:cNvPr id="1" name=""/>
+        <p:cNvGrpSpPr/>
+        <p:nvPr/>
+      </p:nvGrpSpPr>
+      <p:grpSpPr>
+        <a:xfrm>
+          <a:off x="0" y="0"/>
+          <a:ext cx="0" cy="0"/>
+          <a:chOff x="0" y="0"/>
+          <a:chExt cx="0" cy="0"/>
+        </a:xfrm>
+      </p:grpSpPr>
+      <p:sp>
+        <p:nvSpPr>
+          <p:cNvPr id="2" name="Slide Image Placeholder 1"/>
+          <p:cNvSpPr>
+            <a:spLocks noGrp="1" noRot="1" noChangeAspect="1"/>
+          </p:cNvSpPr>
+          <p:nvPr>
+            <p:ph type="sldImg"/>
+          </p:nvPr>
+        </p:nvSpPr>
+        <p:spPr/>
+      </p:sp>
+      <p:sp>
+        <p:nvSpPr>
+          <p:cNvPr id="3" name="Notes Placeholder 2"/>
+          <p:cNvSpPr>
+            <a:spLocks noGrp="1"/>
+          </p:cNvSpPr>
+          <p:nvPr>
+            <p:ph type="body" idx="1"/>
+          </p:nvPr>
+        </p:nvSpPr>
+        <p:spPr/>
+        <p:txBody>
+          <a:bodyPr/>
+          <a:lstStyle/>
+          <a:p>
+            <a:endParaRPr lang="en-US" dirty="0"/>
+          </a:p>
+        </p:txBody>
+      </p:sp>
+      <p:sp>
+        <p:nvSpPr>
+          <p:cNvPr id="4" name="Slide Number Placeholder 3"/>
+          <p:cNvSpPr>
+            <a:spLocks noGrp="1"/>
+          </p:cNvSpPr>
+          <p:nvPr>
+            <p:ph type="sldNum" sz="quarter" idx="10"/>
+          </p:nvPr>
+        </p:nvSpPr>
+        <p:spPr/>
+        <p:txBody>
+          <a:bodyPr/>
+          <a:lstStyle/>
+          <a:p>
+            <a:fld id="{E478809B-5C58-FE4E-A5C2-E0F6DFD902F4}" type="slidenum">
+              <a:rPr lang="en-US" smtClean="0"/>
+              <a:t>16</a:t>
+            </a:fld>
+            <a:endParaRPr lang="en-US"/>
+          </a:p>
+        </p:txBody>
+      </p:sp>
+    </p:spTree>
+    <p:extLst>
+      <p:ext uri="{BB962C8B-B14F-4D97-AF65-F5344CB8AC3E}">
+        <p14:creationId xmlns:p14="http://schemas.microsoft.com/office/powerpoint/2010/main" val="1931088466"/>
       </p:ext>
     </p:extLst>
   </p:cSld>
@@ -1729,7 +2512,7 @@
           <a:p>
             <a:fld id="{7E0452A1-EF96-1B4B-ABB5-33586D28C83C}" type="datetimeFigureOut">
               <a:rPr lang="en-US" smtClean="0"/>
-              <a:t>11/12/15</a:t>
+              <a:t>14/12/15</a:t>
             </a:fld>
             <a:endParaRPr lang="en-US"/>
           </a:p>
@@ -1911,7 +2694,7 @@
           <a:p>
             <a:fld id="{7E0452A1-EF96-1B4B-ABB5-33586D28C83C}" type="datetimeFigureOut">
               <a:rPr lang="en-US" smtClean="0"/>
-              <a:t>11/12/15</a:t>
+              <a:t>14/12/15</a:t>
             </a:fld>
             <a:endParaRPr lang="en-US"/>
           </a:p>
@@ -2103,7 +2886,7 @@
           <a:p>
             <a:fld id="{7E0452A1-EF96-1B4B-ABB5-33586D28C83C}" type="datetimeFigureOut">
               <a:rPr lang="en-US" smtClean="0"/>
-              <a:t>11/12/15</a:t>
+              <a:t>14/12/15</a:t>
             </a:fld>
             <a:endParaRPr lang="en-US"/>
           </a:p>
@@ -2285,7 +3068,7 @@
           <a:p>
             <a:fld id="{7E0452A1-EF96-1B4B-ABB5-33586D28C83C}" type="datetimeFigureOut">
               <a:rPr lang="en-US" smtClean="0"/>
-              <a:t>11/12/15</a:t>
+              <a:t>14/12/15</a:t>
             </a:fld>
             <a:endParaRPr lang="en-US"/>
           </a:p>
@@ -2543,7 +3326,7 @@
           <a:p>
             <a:fld id="{7E0452A1-EF96-1B4B-ABB5-33586D28C83C}" type="datetimeFigureOut">
               <a:rPr lang="en-US" smtClean="0"/>
-              <a:t>11/12/15</a:t>
+              <a:t>14/12/15</a:t>
             </a:fld>
             <a:endParaRPr lang="en-US"/>
           </a:p>
@@ -2843,7 +3626,7 @@
           <a:p>
             <a:fld id="{7E0452A1-EF96-1B4B-ABB5-33586D28C83C}" type="datetimeFigureOut">
               <a:rPr lang="en-US" smtClean="0"/>
-              <a:t>11/12/15</a:t>
+              <a:t>14/12/15</a:t>
             </a:fld>
             <a:endParaRPr lang="en-US"/>
           </a:p>
@@ -3277,7 +4060,7 @@
           <a:p>
             <a:fld id="{7E0452A1-EF96-1B4B-ABB5-33586D28C83C}" type="datetimeFigureOut">
               <a:rPr lang="en-US" smtClean="0"/>
-              <a:t>11/12/15</a:t>
+              <a:t>14/12/15</a:t>
             </a:fld>
             <a:endParaRPr lang="en-US"/>
           </a:p>
@@ -3407,7 +4190,7 @@
           <a:p>
             <a:fld id="{7E0452A1-EF96-1B4B-ABB5-33586D28C83C}" type="datetimeFigureOut">
               <a:rPr lang="en-US" smtClean="0"/>
-              <a:t>11/12/15</a:t>
+              <a:t>14/12/15</a:t>
             </a:fld>
             <a:endParaRPr lang="en-US"/>
           </a:p>
@@ -3514,7 +4297,7 @@
           <a:p>
             <a:fld id="{7E0452A1-EF96-1B4B-ABB5-33586D28C83C}" type="datetimeFigureOut">
               <a:rPr lang="en-US" smtClean="0"/>
-              <a:t>11/12/15</a:t>
+              <a:t>14/12/15</a:t>
             </a:fld>
             <a:endParaRPr lang="en-US"/>
           </a:p>
@@ -3803,7 +4586,7 @@
           <a:p>
             <a:fld id="{7E0452A1-EF96-1B4B-ABB5-33586D28C83C}" type="datetimeFigureOut">
               <a:rPr lang="en-US" smtClean="0"/>
-              <a:t>11/12/15</a:t>
+              <a:t>14/12/15</a:t>
             </a:fld>
             <a:endParaRPr lang="en-US"/>
           </a:p>
@@ -4068,7 +4851,7 @@
           <a:p>
             <a:fld id="{7E0452A1-EF96-1B4B-ABB5-33586D28C83C}" type="datetimeFigureOut">
               <a:rPr lang="en-US" smtClean="0"/>
-              <a:t>11/12/15</a:t>
+              <a:t>14/12/15</a:t>
             </a:fld>
             <a:endParaRPr lang="en-US"/>
           </a:p>
@@ -4296,7 +5079,7 @@
           <a:p>
             <a:fld id="{7E0452A1-EF96-1B4B-ABB5-33586D28C83C}" type="datetimeFigureOut">
               <a:rPr lang="en-US" smtClean="0"/>
-              <a:t>11/12/15</a:t>
+              <a:t>14/12/15</a:t>
             </a:fld>
             <a:endParaRPr lang="en-US"/>
           </a:p>
@@ -7592,13 +8375,6 @@
               </a:rPr>
               <a:t>Lambda’s</a:t>
             </a:r>
-            <a:endParaRPr lang="en-US" dirty="0" smtClean="0">
-              <a:solidFill>
-                <a:schemeClr val="bg1"/>
-              </a:solidFill>
-              <a:latin typeface="Geneva"/>
-              <a:cs typeface="Geneva"/>
-            </a:endParaRPr>
           </a:p>
         </p:txBody>
       </p:sp>
@@ -7760,34 +8536,14 @@
           <a:lstStyle/>
           <a:p>
             <a:r>
-              <a:rPr lang="en-US" dirty="0" err="1" smtClean="0">
+              <a:rPr lang="en-US" dirty="0" smtClean="0">
                 <a:solidFill>
                   <a:schemeClr val="bg1"/>
                 </a:solidFill>
                 <a:latin typeface="Geneva"/>
                 <a:cs typeface="Geneva"/>
               </a:rPr>
-              <a:t>Developped</a:t>
-            </a:r>
-            <a:r>
-              <a:rPr lang="en-US" dirty="0" smtClean="0">
-                <a:solidFill>
-                  <a:schemeClr val="bg1"/>
-                </a:solidFill>
-                <a:latin typeface="Geneva"/>
-                <a:cs typeface="Geneva"/>
-              </a:rPr>
-              <a:t> by </a:t>
-            </a:r>
-            <a:r>
-              <a:rPr lang="en-US" dirty="0" err="1" smtClean="0">
-                <a:solidFill>
-                  <a:schemeClr val="bg1"/>
-                </a:solidFill>
-                <a:latin typeface="Geneva"/>
-                <a:cs typeface="Geneva"/>
-              </a:rPr>
-              <a:t>Jetbrains</a:t>
+              <a:t>Concise</a:t>
             </a:r>
             <a:endParaRPr lang="en-US" dirty="0" smtClean="0">
               <a:solidFill>
@@ -7806,7 +8562,7 @@
                 <a:latin typeface="Geneva"/>
                 <a:cs typeface="Geneva"/>
               </a:rPr>
-              <a:t>Development started 5 to 6 years ago</a:t>
+              <a:t>Expressive</a:t>
             </a:r>
             <a:endParaRPr lang="en-US" dirty="0" smtClean="0">
               <a:solidFill>
@@ -7825,7 +8581,7 @@
                 <a:latin typeface="Geneva"/>
                 <a:cs typeface="Geneva"/>
               </a:rPr>
-              <a:t>Targets the JVM, compiles to byte code</a:t>
+              <a:t>Safe</a:t>
             </a:r>
             <a:endParaRPr lang="en-US" dirty="0" smtClean="0">
               <a:solidFill>
@@ -7837,15 +8593,17 @@
           </a:p>
           <a:p>
             <a:r>
-              <a:rPr lang="en-US" dirty="0" err="1" smtClean="0">
+              <a:rPr lang="en-US" dirty="0" smtClean="0">
                 <a:solidFill>
                   <a:schemeClr val="bg1"/>
                 </a:solidFill>
                 <a:latin typeface="Geneva"/>
                 <a:cs typeface="Geneva"/>
               </a:rPr>
-              <a:t>Jetbrains</a:t>
-            </a:r>
+              <a:t>Versatile</a:t>
+            </a:r>
+          </a:p>
+          <a:p>
             <a:r>
               <a:rPr lang="en-US" dirty="0" smtClean="0">
                 <a:solidFill>
@@ -7854,53 +8612,7 @@
                 <a:latin typeface="Geneva"/>
                 <a:cs typeface="Geneva"/>
               </a:rPr>
-              <a:t>.. So here to stay</a:t>
-            </a:r>
-          </a:p>
-          <a:p>
-            <a:pPr lvl="1"/>
-            <a:r>
-              <a:rPr lang="en-US" dirty="0" smtClean="0">
-                <a:solidFill>
-                  <a:schemeClr val="bg1"/>
-                </a:solidFill>
-                <a:latin typeface="Geneva"/>
-                <a:cs typeface="Geneva"/>
-              </a:rPr>
-              <a:t>More than a non-profit thing, they depend on it. Selling idea’s is their business</a:t>
-            </a:r>
-          </a:p>
-          <a:p>
-            <a:pPr lvl="1"/>
-            <a:r>
-              <a:rPr lang="en-US" dirty="0" err="1" smtClean="0">
-                <a:solidFill>
-                  <a:schemeClr val="bg1"/>
-                </a:solidFill>
-                <a:latin typeface="Geneva"/>
-                <a:cs typeface="Geneva"/>
-              </a:rPr>
-              <a:t>Kotlin</a:t>
-            </a:r>
-            <a:r>
-              <a:rPr lang="en-US" dirty="0" smtClean="0">
-                <a:solidFill>
-                  <a:schemeClr val="bg1"/>
-                </a:solidFill>
-                <a:latin typeface="Geneva"/>
-                <a:cs typeface="Geneva"/>
-              </a:rPr>
-              <a:t> is optimized for </a:t>
-            </a:r>
-            <a:r>
-              <a:rPr lang="en-US" dirty="0" err="1" smtClean="0">
-                <a:solidFill>
-                  <a:schemeClr val="bg1"/>
-                </a:solidFill>
-                <a:latin typeface="Geneva"/>
-                <a:cs typeface="Geneva"/>
-              </a:rPr>
-              <a:t>toolability</a:t>
+              <a:t>Interoperable</a:t>
             </a:r>
             <a:endParaRPr lang="en-US" dirty="0" smtClean="0">
               <a:solidFill>
@@ -7963,7 +8675,14 @@
                 <a:latin typeface="Geneva"/>
                 <a:cs typeface="Geneva"/>
               </a:rPr>
-              <a:t>  Why </a:t>
+              <a:t>  </a:t>
+            </a:r>
+            <a:r>
+              <a:rPr lang="en-US" sz="3200" dirty="0">
+                <a:latin typeface="Geneva"/>
+                <a:cs typeface="Geneva"/>
+              </a:rPr>
+              <a:t>Why </a:t>
             </a:r>
             <a:r>
               <a:rPr lang="en-US" sz="3200" dirty="0" err="1" smtClean="0">
@@ -7982,7 +8701,7 @@
     </p:spTree>
     <p:extLst>
       <p:ext uri="{BB962C8B-B14F-4D97-AF65-F5344CB8AC3E}">
-        <p14:creationId xmlns:p14="http://schemas.microsoft.com/office/powerpoint/2010/main" val="3067438595"/>
+        <p14:creationId xmlns:p14="http://schemas.microsoft.com/office/powerpoint/2010/main" val="2456350921"/>
       </p:ext>
     </p:extLst>
   </p:cSld>
@@ -8063,6 +8782,16 @@
           <a:lstStyle/>
           <a:p>
             <a:r>
+              <a:rPr lang="en-US" dirty="0" err="1" smtClean="0">
+                <a:solidFill>
+                  <a:schemeClr val="bg1"/>
+                </a:solidFill>
+                <a:latin typeface="Geneva"/>
+                <a:cs typeface="Geneva"/>
+              </a:rPr>
+              <a:t>Developped</a:t>
+            </a:r>
+            <a:r>
               <a:rPr lang="en-US" dirty="0" smtClean="0">
                 <a:solidFill>
                   <a:schemeClr val="bg1"/>
@@ -8070,8 +8799,25 @@
                 <a:latin typeface="Geneva"/>
                 <a:cs typeface="Geneva"/>
               </a:rPr>
-              <a:t>Backing parties, Jake Wharton</a:t>
-            </a:r>
+              <a:t> by </a:t>
+            </a:r>
+            <a:r>
+              <a:rPr lang="en-US" dirty="0" err="1" smtClean="0">
+                <a:solidFill>
+                  <a:schemeClr val="bg1"/>
+                </a:solidFill>
+                <a:latin typeface="Geneva"/>
+                <a:cs typeface="Geneva"/>
+              </a:rPr>
+              <a:t>Jetbrains</a:t>
+            </a:r>
+            <a:endParaRPr lang="en-US" dirty="0" smtClean="0">
+              <a:solidFill>
+                <a:schemeClr val="bg1"/>
+              </a:solidFill>
+              <a:latin typeface="Geneva"/>
+              <a:cs typeface="Geneva"/>
+            </a:endParaRPr>
           </a:p>
           <a:p>
             <a:r>
@@ -8082,7 +8828,19 @@
                 <a:latin typeface="Geneva"/>
                 <a:cs typeface="Geneva"/>
               </a:rPr>
-              <a:t>Optimized for tooling</a:t>
+              <a:t>Development started 5 to 6 years ago</a:t>
+            </a:r>
+          </a:p>
+          <a:p>
+            <a:r>
+              <a:rPr lang="en-US" dirty="0" smtClean="0">
+                <a:solidFill>
+                  <a:schemeClr val="bg1"/>
+                </a:solidFill>
+                <a:latin typeface="Geneva"/>
+                <a:cs typeface="Geneva"/>
+              </a:rPr>
+              <a:t>Targets the JVM, compiles to byte code</a:t>
             </a:r>
           </a:p>
           <a:p>
@@ -8213,14 +8971,35 @@
                 <a:latin typeface="Geneva"/>
                 <a:cs typeface="Geneva"/>
               </a:rPr>
-              <a:t>  Why </a:t>
-            </a:r>
-            <a:r>
-              <a:rPr lang="en-US" sz="3200" dirty="0" err="1" smtClean="0">
+              <a:t>  </a:t>
+            </a:r>
+            <a:r>
+              <a:rPr lang="en-US" sz="3200" dirty="0">
+                <a:latin typeface="Geneva"/>
+                <a:cs typeface="Geneva"/>
+              </a:rPr>
+              <a:t>Is </a:t>
+            </a:r>
+            <a:r>
+              <a:rPr lang="en-US" sz="3200" dirty="0" err="1">
                 <a:latin typeface="Geneva"/>
                 <a:cs typeface="Geneva"/>
               </a:rPr>
               <a:t>Kotlin</a:t>
+            </a:r>
+            <a:r>
+              <a:rPr lang="en-US" sz="3200" dirty="0">
+                <a:latin typeface="Geneva"/>
+                <a:cs typeface="Geneva"/>
+              </a:rPr>
+              <a:t> </a:t>
+            </a:r>
+            <a:r>
+              <a:rPr lang="en-US" sz="3200" dirty="0" smtClean="0">
+                <a:latin typeface="Geneva"/>
+                <a:cs typeface="Geneva"/>
+              </a:rPr>
+              <a:t>here to stay?</a:t>
             </a:r>
             <a:endParaRPr lang="en-US" sz="3200" dirty="0">
               <a:latin typeface="Geneva"/>
@@ -8232,7 +9011,7 @@
     </p:spTree>
     <p:extLst>
       <p:ext uri="{BB962C8B-B14F-4D97-AF65-F5344CB8AC3E}">
-        <p14:creationId xmlns:p14="http://schemas.microsoft.com/office/powerpoint/2010/main" val="4249669190"/>
+        <p14:creationId xmlns:p14="http://schemas.microsoft.com/office/powerpoint/2010/main" val="3067438595"/>
       </p:ext>
     </p:extLst>
   </p:cSld>
@@ -8293,7 +9072,1545 @@
           <a:bodyPr/>
           <a:lstStyle/>
           <a:p>
-            <a:endParaRPr lang="en-US" dirty="0"/>
+            <a:endParaRPr lang="en-US"/>
+          </a:p>
+        </p:txBody>
+      </p:sp>
+      <p:sp>
+        <p:nvSpPr>
+          <p:cNvPr id="3" name="Content Placeholder 2"/>
+          <p:cNvSpPr>
+            <a:spLocks noGrp="1"/>
+          </p:cNvSpPr>
+          <p:nvPr>
+            <p:ph idx="1"/>
+          </p:nvPr>
+        </p:nvSpPr>
+        <p:spPr>
+          <a:xfrm>
+            <a:off x="457200" y="1600200"/>
+            <a:ext cx="8229600" cy="5099050"/>
+          </a:xfrm>
+        </p:spPr>
+        <p:txBody>
+          <a:bodyPr>
+            <a:normAutofit/>
+          </a:bodyPr>
+          <a:lstStyle/>
+          <a:p>
+            <a:r>
+              <a:rPr lang="en-US" dirty="0" err="1" smtClean="0">
+                <a:solidFill>
+                  <a:schemeClr val="bg1"/>
+                </a:solidFill>
+                <a:latin typeface="Geneva"/>
+                <a:cs typeface="Geneva"/>
+              </a:rPr>
+              <a:t>Developped</a:t>
+            </a:r>
+            <a:r>
+              <a:rPr lang="en-US" dirty="0" smtClean="0">
+                <a:solidFill>
+                  <a:schemeClr val="bg1"/>
+                </a:solidFill>
+                <a:latin typeface="Geneva"/>
+                <a:cs typeface="Geneva"/>
+              </a:rPr>
+              <a:t> by </a:t>
+            </a:r>
+            <a:r>
+              <a:rPr lang="en-US" dirty="0" err="1" smtClean="0">
+                <a:solidFill>
+                  <a:schemeClr val="bg1"/>
+                </a:solidFill>
+                <a:latin typeface="Geneva"/>
+                <a:cs typeface="Geneva"/>
+              </a:rPr>
+              <a:t>Jetbrains</a:t>
+            </a:r>
+            <a:endParaRPr lang="en-US" dirty="0" smtClean="0">
+              <a:solidFill>
+                <a:schemeClr val="bg1"/>
+              </a:solidFill>
+              <a:latin typeface="Geneva"/>
+              <a:cs typeface="Geneva"/>
+            </a:endParaRPr>
+          </a:p>
+          <a:p>
+            <a:pPr lvl="1"/>
+            <a:r>
+              <a:rPr lang="en-US" dirty="0" err="1" smtClean="0">
+                <a:solidFill>
+                  <a:schemeClr val="bg1"/>
+                </a:solidFill>
+                <a:latin typeface="Geneva"/>
+                <a:cs typeface="Geneva"/>
+              </a:rPr>
+              <a:t>Resharper</a:t>
+            </a:r>
+            <a:endParaRPr lang="en-US" dirty="0" smtClean="0">
+              <a:solidFill>
+                <a:schemeClr val="bg1"/>
+              </a:solidFill>
+              <a:latin typeface="Geneva"/>
+              <a:cs typeface="Geneva"/>
+            </a:endParaRPr>
+          </a:p>
+          <a:p>
+            <a:pPr lvl="1"/>
+            <a:r>
+              <a:rPr lang="en-US" dirty="0" err="1" smtClean="0">
+                <a:solidFill>
+                  <a:schemeClr val="bg1"/>
+                </a:solidFill>
+                <a:latin typeface="Geneva"/>
+                <a:cs typeface="Geneva"/>
+              </a:rPr>
+              <a:t>IntelliJ</a:t>
+            </a:r>
+            <a:r>
+              <a:rPr lang="en-US" dirty="0" smtClean="0">
+                <a:solidFill>
+                  <a:schemeClr val="bg1"/>
+                </a:solidFill>
+                <a:latin typeface="Geneva"/>
+                <a:cs typeface="Geneva"/>
+              </a:rPr>
+              <a:t> IDEA</a:t>
+            </a:r>
+          </a:p>
+          <a:p>
+            <a:pPr lvl="2"/>
+            <a:r>
+              <a:rPr lang="en-US" dirty="0" smtClean="0">
+                <a:solidFill>
+                  <a:schemeClr val="bg1"/>
+                </a:solidFill>
+                <a:latin typeface="Geneva"/>
+                <a:cs typeface="Geneva"/>
+              </a:rPr>
+              <a:t>Android studio</a:t>
+            </a:r>
+          </a:p>
+          <a:p>
+            <a:pPr lvl="2"/>
+            <a:r>
+              <a:rPr lang="en-US" dirty="0" err="1" smtClean="0">
+                <a:solidFill>
+                  <a:schemeClr val="bg1"/>
+                </a:solidFill>
+                <a:latin typeface="Geneva"/>
+                <a:cs typeface="Geneva"/>
+              </a:rPr>
+              <a:t>Rubymine</a:t>
+            </a:r>
+            <a:endParaRPr lang="en-US" dirty="0" smtClean="0">
+              <a:solidFill>
+                <a:schemeClr val="bg1"/>
+              </a:solidFill>
+              <a:latin typeface="Geneva"/>
+              <a:cs typeface="Geneva"/>
+            </a:endParaRPr>
+          </a:p>
+          <a:p>
+            <a:pPr lvl="2"/>
+            <a:r>
+              <a:rPr lang="en-US" dirty="0" err="1" smtClean="0">
+                <a:solidFill>
+                  <a:schemeClr val="bg1"/>
+                </a:solidFill>
+                <a:latin typeface="Geneva"/>
+                <a:cs typeface="Geneva"/>
+              </a:rPr>
+              <a:t>Appcode</a:t>
+            </a:r>
+            <a:endParaRPr lang="en-US" dirty="0" smtClean="0">
+              <a:solidFill>
+                <a:schemeClr val="bg1"/>
+              </a:solidFill>
+              <a:latin typeface="Geneva"/>
+              <a:cs typeface="Geneva"/>
+            </a:endParaRPr>
+          </a:p>
+          <a:p>
+            <a:pPr lvl="2"/>
+            <a:r>
+              <a:rPr lang="en-US" dirty="0" err="1" smtClean="0">
+                <a:solidFill>
+                  <a:schemeClr val="bg1"/>
+                </a:solidFill>
+                <a:latin typeface="Geneva"/>
+                <a:cs typeface="Geneva"/>
+              </a:rPr>
+              <a:t>Webstorm</a:t>
+            </a:r>
+            <a:endParaRPr lang="en-US" dirty="0" smtClean="0">
+              <a:solidFill>
+                <a:schemeClr val="bg1"/>
+              </a:solidFill>
+              <a:latin typeface="Geneva"/>
+              <a:cs typeface="Geneva"/>
+            </a:endParaRPr>
+          </a:p>
+          <a:p>
+            <a:pPr lvl="2"/>
+            <a:r>
+              <a:rPr lang="en-US" dirty="0" smtClean="0">
+                <a:solidFill>
+                  <a:schemeClr val="bg1"/>
+                </a:solidFill>
+                <a:latin typeface="Geneva"/>
+                <a:cs typeface="Geneva"/>
+              </a:rPr>
+              <a:t>…</a:t>
+            </a:r>
+          </a:p>
+        </p:txBody>
+      </p:sp>
+      <p:sp>
+        <p:nvSpPr>
+          <p:cNvPr id="8" name="Rectangle 7"/>
+          <p:cNvSpPr/>
+          <p:nvPr/>
+        </p:nvSpPr>
+        <p:spPr>
+          <a:xfrm>
+            <a:off x="0" y="-94570"/>
+            <a:ext cx="9144000" cy="972718"/>
+          </a:xfrm>
+          <a:prstGeom prst="rect">
+            <a:avLst/>
+          </a:prstGeom>
+          <a:solidFill>
+            <a:srgbClr val="C1285B"/>
+          </a:solidFill>
+          <a:ln>
+            <a:noFill/>
+          </a:ln>
+          <a:effectLst>
+            <a:outerShdw blurRad="40000" dist="23000" dir="2700000" rotWithShape="0">
+              <a:srgbClr val="000000">
+                <a:alpha val="35000"/>
+              </a:srgbClr>
+            </a:outerShdw>
+          </a:effectLst>
+        </p:spPr>
+        <p:style>
+          <a:lnRef idx="1">
+            <a:schemeClr val="accent1"/>
+          </a:lnRef>
+          <a:fillRef idx="3">
+            <a:schemeClr val="accent1"/>
+          </a:fillRef>
+          <a:effectRef idx="2">
+            <a:schemeClr val="accent1"/>
+          </a:effectRef>
+          <a:fontRef idx="minor">
+            <a:schemeClr val="lt1"/>
+          </a:fontRef>
+        </p:style>
+        <p:txBody>
+          <a:bodyPr rtlCol="0" anchor="ctr"/>
+          <a:lstStyle/>
+          <a:p>
+            <a:r>
+              <a:rPr lang="en-US" sz="3200" dirty="0" smtClean="0">
+                <a:latin typeface="Geneva"/>
+                <a:cs typeface="Geneva"/>
+              </a:rPr>
+              <a:t>  </a:t>
+            </a:r>
+            <a:r>
+              <a:rPr lang="en-US" sz="3200" dirty="0">
+                <a:latin typeface="Geneva"/>
+                <a:cs typeface="Geneva"/>
+              </a:rPr>
+              <a:t>Is </a:t>
+            </a:r>
+            <a:r>
+              <a:rPr lang="en-US" sz="3200" dirty="0" err="1">
+                <a:latin typeface="Geneva"/>
+                <a:cs typeface="Geneva"/>
+              </a:rPr>
+              <a:t>Kotlin</a:t>
+            </a:r>
+            <a:r>
+              <a:rPr lang="en-US" sz="3200" dirty="0">
+                <a:latin typeface="Geneva"/>
+                <a:cs typeface="Geneva"/>
+              </a:rPr>
+              <a:t> </a:t>
+            </a:r>
+            <a:r>
+              <a:rPr lang="en-US" sz="3200" dirty="0" smtClean="0">
+                <a:latin typeface="Geneva"/>
+                <a:cs typeface="Geneva"/>
+              </a:rPr>
+              <a:t>here to stay?</a:t>
+            </a:r>
+            <a:endParaRPr lang="en-US" sz="3200" dirty="0">
+              <a:latin typeface="Geneva"/>
+              <a:cs typeface="Geneva"/>
+            </a:endParaRPr>
+          </a:p>
+        </p:txBody>
+      </p:sp>
+    </p:spTree>
+    <p:extLst>
+      <p:ext uri="{BB962C8B-B14F-4D97-AF65-F5344CB8AC3E}">
+        <p14:creationId xmlns:p14="http://schemas.microsoft.com/office/powerpoint/2010/main" val="3913046339"/>
+      </p:ext>
+    </p:extLst>
+  </p:cSld>
+  <p:clrMapOvr>
+    <a:masterClrMapping/>
+  </p:clrMapOvr>
+  <mc:AlternateContent xmlns:mc="http://schemas.openxmlformats.org/markup-compatibility/2006" xmlns:p14="http://schemas.microsoft.com/office/powerpoint/2010/main">
+    <mc:Choice Requires="p14">
+      <p:transition p14:dur="400">
+        <p:wipe/>
+      </p:transition>
+    </mc:Choice>
+    <mc:Fallback xmlns="">
+      <p:transition xmlns:p14="http://schemas.microsoft.com/office/powerpoint/2010/main">
+        <p:wipe/>
+      </p:transition>
+    </mc:Fallback>
+  </mc:AlternateContent>
+  <p:timing>
+    <p:tnLst>
+      <p:par>
+        <p:cTn xmlns:p14="http://schemas.microsoft.com/office/powerpoint/2010/main" id="1" dur="indefinite" restart="never" nodeType="tmRoot">
+          <p:childTnLst>
+            <p:seq concurrent="1" nextAc="seek">
+              <p:cTn id="2" dur="indefinite" nodeType="mainSeq">
+                <p:childTnLst>
+                  <p:par>
+                    <p:cTn id="3" fill="hold">
+                      <p:stCondLst>
+                        <p:cond delay="indefinite"/>
+                      </p:stCondLst>
+                      <p:childTnLst>
+                        <p:par>
+                          <p:cTn id="4" fill="hold">
+                            <p:stCondLst>
+                              <p:cond delay="0"/>
+                            </p:stCondLst>
+                            <p:childTnLst>
+                              <p:par>
+                                <p:cTn id="5" presetID="42" presetClass="entr" presetSubtype="0" fill="hold" nodeType="clickEffect">
+                                  <p:stCondLst>
+                                    <p:cond delay="0"/>
+                                  </p:stCondLst>
+                                  <p:childTnLst>
+                                    <p:set>
+                                      <p:cBhvr>
+                                        <p:cTn id="6" dur="1" fill="hold">
+                                          <p:stCondLst>
+                                            <p:cond delay="0"/>
+                                          </p:stCondLst>
+                                        </p:cTn>
+                                        <p:tgtEl>
+                                          <p:spTgt spid="3">
+                                            <p:txEl>
+                                              <p:pRg st="1" end="1"/>
+                                            </p:txEl>
+                                          </p:spTgt>
+                                        </p:tgtEl>
+                                        <p:attrNameLst>
+                                          <p:attrName>style.visibility</p:attrName>
+                                        </p:attrNameLst>
+                                      </p:cBhvr>
+                                      <p:to>
+                                        <p:strVal val="visible"/>
+                                      </p:to>
+                                    </p:set>
+                                    <p:animEffect transition="in" filter="fade">
+                                      <p:cBhvr>
+                                        <p:cTn id="7" dur="200"/>
+                                        <p:tgtEl>
+                                          <p:spTgt spid="3">
+                                            <p:txEl>
+                                              <p:pRg st="1" end="1"/>
+                                            </p:txEl>
+                                          </p:spTgt>
+                                        </p:tgtEl>
+                                      </p:cBhvr>
+                                    </p:animEffect>
+                                    <p:anim calcmode="lin" valueType="num">
+                                      <p:cBhvr>
+                                        <p:cTn id="8" dur="200" fill="hold"/>
+                                        <p:tgtEl>
+                                          <p:spTgt spid="3">
+                                            <p:txEl>
+                                              <p:pRg st="1" end="1"/>
+                                            </p:txEl>
+                                          </p:spTgt>
+                                        </p:tgtEl>
+                                        <p:attrNameLst>
+                                          <p:attrName>ppt_x</p:attrName>
+                                        </p:attrNameLst>
+                                      </p:cBhvr>
+                                      <p:tavLst>
+                                        <p:tav tm="0">
+                                          <p:val>
+                                            <p:strVal val="#ppt_x"/>
+                                          </p:val>
+                                        </p:tav>
+                                        <p:tav tm="100000">
+                                          <p:val>
+                                            <p:strVal val="#ppt_x"/>
+                                          </p:val>
+                                        </p:tav>
+                                      </p:tavLst>
+                                    </p:anim>
+                                    <p:anim calcmode="lin" valueType="num">
+                                      <p:cBhvr>
+                                        <p:cTn id="9" dur="200" fill="hold"/>
+                                        <p:tgtEl>
+                                          <p:spTgt spid="3">
+                                            <p:txEl>
+                                              <p:pRg st="1" end="1"/>
+                                            </p:txEl>
+                                          </p:spTgt>
+                                        </p:tgtEl>
+                                        <p:attrNameLst>
+                                          <p:attrName>ppt_y</p:attrName>
+                                        </p:attrNameLst>
+                                      </p:cBhvr>
+                                      <p:tavLst>
+                                        <p:tav tm="0">
+                                          <p:val>
+                                            <p:strVal val="#ppt_y+.1"/>
+                                          </p:val>
+                                        </p:tav>
+                                        <p:tav tm="100000">
+                                          <p:val>
+                                            <p:strVal val="#ppt_y"/>
+                                          </p:val>
+                                        </p:tav>
+                                      </p:tavLst>
+                                    </p:anim>
+                                  </p:childTnLst>
+                                </p:cTn>
+                              </p:par>
+                              <p:par>
+                                <p:cTn id="10" presetID="42" presetClass="entr" presetSubtype="0" fill="hold" nodeType="withEffect">
+                                  <p:stCondLst>
+                                    <p:cond delay="0"/>
+                                  </p:stCondLst>
+                                  <p:childTnLst>
+                                    <p:set>
+                                      <p:cBhvr>
+                                        <p:cTn id="11" dur="1" fill="hold">
+                                          <p:stCondLst>
+                                            <p:cond delay="0"/>
+                                          </p:stCondLst>
+                                        </p:cTn>
+                                        <p:tgtEl>
+                                          <p:spTgt spid="3">
+                                            <p:txEl>
+                                              <p:pRg st="2" end="2"/>
+                                            </p:txEl>
+                                          </p:spTgt>
+                                        </p:tgtEl>
+                                        <p:attrNameLst>
+                                          <p:attrName>style.visibility</p:attrName>
+                                        </p:attrNameLst>
+                                      </p:cBhvr>
+                                      <p:to>
+                                        <p:strVal val="visible"/>
+                                      </p:to>
+                                    </p:set>
+                                    <p:animEffect transition="in" filter="fade">
+                                      <p:cBhvr>
+                                        <p:cTn id="12" dur="200"/>
+                                        <p:tgtEl>
+                                          <p:spTgt spid="3">
+                                            <p:txEl>
+                                              <p:pRg st="2" end="2"/>
+                                            </p:txEl>
+                                          </p:spTgt>
+                                        </p:tgtEl>
+                                      </p:cBhvr>
+                                    </p:animEffect>
+                                    <p:anim calcmode="lin" valueType="num">
+                                      <p:cBhvr>
+                                        <p:cTn id="13" dur="200" fill="hold"/>
+                                        <p:tgtEl>
+                                          <p:spTgt spid="3">
+                                            <p:txEl>
+                                              <p:pRg st="2" end="2"/>
+                                            </p:txEl>
+                                          </p:spTgt>
+                                        </p:tgtEl>
+                                        <p:attrNameLst>
+                                          <p:attrName>ppt_x</p:attrName>
+                                        </p:attrNameLst>
+                                      </p:cBhvr>
+                                      <p:tavLst>
+                                        <p:tav tm="0">
+                                          <p:val>
+                                            <p:strVal val="#ppt_x"/>
+                                          </p:val>
+                                        </p:tav>
+                                        <p:tav tm="100000">
+                                          <p:val>
+                                            <p:strVal val="#ppt_x"/>
+                                          </p:val>
+                                        </p:tav>
+                                      </p:tavLst>
+                                    </p:anim>
+                                    <p:anim calcmode="lin" valueType="num">
+                                      <p:cBhvr>
+                                        <p:cTn id="14" dur="200" fill="hold"/>
+                                        <p:tgtEl>
+                                          <p:spTgt spid="3">
+                                            <p:txEl>
+                                              <p:pRg st="2" end="2"/>
+                                            </p:txEl>
+                                          </p:spTgt>
+                                        </p:tgtEl>
+                                        <p:attrNameLst>
+                                          <p:attrName>ppt_y</p:attrName>
+                                        </p:attrNameLst>
+                                      </p:cBhvr>
+                                      <p:tavLst>
+                                        <p:tav tm="0">
+                                          <p:val>
+                                            <p:strVal val="#ppt_y+.1"/>
+                                          </p:val>
+                                        </p:tav>
+                                        <p:tav tm="100000">
+                                          <p:val>
+                                            <p:strVal val="#ppt_y"/>
+                                          </p:val>
+                                        </p:tav>
+                                      </p:tavLst>
+                                    </p:anim>
+                                  </p:childTnLst>
+                                </p:cTn>
+                              </p:par>
+                              <p:par>
+                                <p:cTn id="15" presetID="42" presetClass="entr" presetSubtype="0" fill="hold" nodeType="withEffect">
+                                  <p:stCondLst>
+                                    <p:cond delay="0"/>
+                                  </p:stCondLst>
+                                  <p:childTnLst>
+                                    <p:set>
+                                      <p:cBhvr>
+                                        <p:cTn id="16" dur="1" fill="hold">
+                                          <p:stCondLst>
+                                            <p:cond delay="0"/>
+                                          </p:stCondLst>
+                                        </p:cTn>
+                                        <p:tgtEl>
+                                          <p:spTgt spid="3">
+                                            <p:txEl>
+                                              <p:pRg st="3" end="3"/>
+                                            </p:txEl>
+                                          </p:spTgt>
+                                        </p:tgtEl>
+                                        <p:attrNameLst>
+                                          <p:attrName>style.visibility</p:attrName>
+                                        </p:attrNameLst>
+                                      </p:cBhvr>
+                                      <p:to>
+                                        <p:strVal val="visible"/>
+                                      </p:to>
+                                    </p:set>
+                                    <p:animEffect transition="in" filter="fade">
+                                      <p:cBhvr>
+                                        <p:cTn id="17" dur="200"/>
+                                        <p:tgtEl>
+                                          <p:spTgt spid="3">
+                                            <p:txEl>
+                                              <p:pRg st="3" end="3"/>
+                                            </p:txEl>
+                                          </p:spTgt>
+                                        </p:tgtEl>
+                                      </p:cBhvr>
+                                    </p:animEffect>
+                                    <p:anim calcmode="lin" valueType="num">
+                                      <p:cBhvr>
+                                        <p:cTn id="18" dur="200" fill="hold"/>
+                                        <p:tgtEl>
+                                          <p:spTgt spid="3">
+                                            <p:txEl>
+                                              <p:pRg st="3" end="3"/>
+                                            </p:txEl>
+                                          </p:spTgt>
+                                        </p:tgtEl>
+                                        <p:attrNameLst>
+                                          <p:attrName>ppt_x</p:attrName>
+                                        </p:attrNameLst>
+                                      </p:cBhvr>
+                                      <p:tavLst>
+                                        <p:tav tm="0">
+                                          <p:val>
+                                            <p:strVal val="#ppt_x"/>
+                                          </p:val>
+                                        </p:tav>
+                                        <p:tav tm="100000">
+                                          <p:val>
+                                            <p:strVal val="#ppt_x"/>
+                                          </p:val>
+                                        </p:tav>
+                                      </p:tavLst>
+                                    </p:anim>
+                                    <p:anim calcmode="lin" valueType="num">
+                                      <p:cBhvr>
+                                        <p:cTn id="19" dur="200" fill="hold"/>
+                                        <p:tgtEl>
+                                          <p:spTgt spid="3">
+                                            <p:txEl>
+                                              <p:pRg st="3" end="3"/>
+                                            </p:txEl>
+                                          </p:spTgt>
+                                        </p:tgtEl>
+                                        <p:attrNameLst>
+                                          <p:attrName>ppt_y</p:attrName>
+                                        </p:attrNameLst>
+                                      </p:cBhvr>
+                                      <p:tavLst>
+                                        <p:tav tm="0">
+                                          <p:val>
+                                            <p:strVal val="#ppt_y+.1"/>
+                                          </p:val>
+                                        </p:tav>
+                                        <p:tav tm="100000">
+                                          <p:val>
+                                            <p:strVal val="#ppt_y"/>
+                                          </p:val>
+                                        </p:tav>
+                                      </p:tavLst>
+                                    </p:anim>
+                                  </p:childTnLst>
+                                </p:cTn>
+                              </p:par>
+                              <p:par>
+                                <p:cTn id="20" presetID="42" presetClass="entr" presetSubtype="0" fill="hold" nodeType="withEffect">
+                                  <p:stCondLst>
+                                    <p:cond delay="0"/>
+                                  </p:stCondLst>
+                                  <p:childTnLst>
+                                    <p:set>
+                                      <p:cBhvr>
+                                        <p:cTn id="21" dur="1" fill="hold">
+                                          <p:stCondLst>
+                                            <p:cond delay="0"/>
+                                          </p:stCondLst>
+                                        </p:cTn>
+                                        <p:tgtEl>
+                                          <p:spTgt spid="3">
+                                            <p:txEl>
+                                              <p:pRg st="4" end="4"/>
+                                            </p:txEl>
+                                          </p:spTgt>
+                                        </p:tgtEl>
+                                        <p:attrNameLst>
+                                          <p:attrName>style.visibility</p:attrName>
+                                        </p:attrNameLst>
+                                      </p:cBhvr>
+                                      <p:to>
+                                        <p:strVal val="visible"/>
+                                      </p:to>
+                                    </p:set>
+                                    <p:animEffect transition="in" filter="fade">
+                                      <p:cBhvr>
+                                        <p:cTn id="22" dur="200"/>
+                                        <p:tgtEl>
+                                          <p:spTgt spid="3">
+                                            <p:txEl>
+                                              <p:pRg st="4" end="4"/>
+                                            </p:txEl>
+                                          </p:spTgt>
+                                        </p:tgtEl>
+                                      </p:cBhvr>
+                                    </p:animEffect>
+                                    <p:anim calcmode="lin" valueType="num">
+                                      <p:cBhvr>
+                                        <p:cTn id="23" dur="200" fill="hold"/>
+                                        <p:tgtEl>
+                                          <p:spTgt spid="3">
+                                            <p:txEl>
+                                              <p:pRg st="4" end="4"/>
+                                            </p:txEl>
+                                          </p:spTgt>
+                                        </p:tgtEl>
+                                        <p:attrNameLst>
+                                          <p:attrName>ppt_x</p:attrName>
+                                        </p:attrNameLst>
+                                      </p:cBhvr>
+                                      <p:tavLst>
+                                        <p:tav tm="0">
+                                          <p:val>
+                                            <p:strVal val="#ppt_x"/>
+                                          </p:val>
+                                        </p:tav>
+                                        <p:tav tm="100000">
+                                          <p:val>
+                                            <p:strVal val="#ppt_x"/>
+                                          </p:val>
+                                        </p:tav>
+                                      </p:tavLst>
+                                    </p:anim>
+                                    <p:anim calcmode="lin" valueType="num">
+                                      <p:cBhvr>
+                                        <p:cTn id="24" dur="200" fill="hold"/>
+                                        <p:tgtEl>
+                                          <p:spTgt spid="3">
+                                            <p:txEl>
+                                              <p:pRg st="4" end="4"/>
+                                            </p:txEl>
+                                          </p:spTgt>
+                                        </p:tgtEl>
+                                        <p:attrNameLst>
+                                          <p:attrName>ppt_y</p:attrName>
+                                        </p:attrNameLst>
+                                      </p:cBhvr>
+                                      <p:tavLst>
+                                        <p:tav tm="0">
+                                          <p:val>
+                                            <p:strVal val="#ppt_y+.1"/>
+                                          </p:val>
+                                        </p:tav>
+                                        <p:tav tm="100000">
+                                          <p:val>
+                                            <p:strVal val="#ppt_y"/>
+                                          </p:val>
+                                        </p:tav>
+                                      </p:tavLst>
+                                    </p:anim>
+                                  </p:childTnLst>
+                                </p:cTn>
+                              </p:par>
+                              <p:par>
+                                <p:cTn id="25" presetID="42" presetClass="entr" presetSubtype="0" fill="hold" nodeType="withEffect">
+                                  <p:stCondLst>
+                                    <p:cond delay="0"/>
+                                  </p:stCondLst>
+                                  <p:childTnLst>
+                                    <p:set>
+                                      <p:cBhvr>
+                                        <p:cTn id="26" dur="1" fill="hold">
+                                          <p:stCondLst>
+                                            <p:cond delay="0"/>
+                                          </p:stCondLst>
+                                        </p:cTn>
+                                        <p:tgtEl>
+                                          <p:spTgt spid="3">
+                                            <p:txEl>
+                                              <p:pRg st="5" end="5"/>
+                                            </p:txEl>
+                                          </p:spTgt>
+                                        </p:tgtEl>
+                                        <p:attrNameLst>
+                                          <p:attrName>style.visibility</p:attrName>
+                                        </p:attrNameLst>
+                                      </p:cBhvr>
+                                      <p:to>
+                                        <p:strVal val="visible"/>
+                                      </p:to>
+                                    </p:set>
+                                    <p:animEffect transition="in" filter="fade">
+                                      <p:cBhvr>
+                                        <p:cTn id="27" dur="200"/>
+                                        <p:tgtEl>
+                                          <p:spTgt spid="3">
+                                            <p:txEl>
+                                              <p:pRg st="5" end="5"/>
+                                            </p:txEl>
+                                          </p:spTgt>
+                                        </p:tgtEl>
+                                      </p:cBhvr>
+                                    </p:animEffect>
+                                    <p:anim calcmode="lin" valueType="num">
+                                      <p:cBhvr>
+                                        <p:cTn id="28" dur="200" fill="hold"/>
+                                        <p:tgtEl>
+                                          <p:spTgt spid="3">
+                                            <p:txEl>
+                                              <p:pRg st="5" end="5"/>
+                                            </p:txEl>
+                                          </p:spTgt>
+                                        </p:tgtEl>
+                                        <p:attrNameLst>
+                                          <p:attrName>ppt_x</p:attrName>
+                                        </p:attrNameLst>
+                                      </p:cBhvr>
+                                      <p:tavLst>
+                                        <p:tav tm="0">
+                                          <p:val>
+                                            <p:strVal val="#ppt_x"/>
+                                          </p:val>
+                                        </p:tav>
+                                        <p:tav tm="100000">
+                                          <p:val>
+                                            <p:strVal val="#ppt_x"/>
+                                          </p:val>
+                                        </p:tav>
+                                      </p:tavLst>
+                                    </p:anim>
+                                    <p:anim calcmode="lin" valueType="num">
+                                      <p:cBhvr>
+                                        <p:cTn id="29" dur="200" fill="hold"/>
+                                        <p:tgtEl>
+                                          <p:spTgt spid="3">
+                                            <p:txEl>
+                                              <p:pRg st="5" end="5"/>
+                                            </p:txEl>
+                                          </p:spTgt>
+                                        </p:tgtEl>
+                                        <p:attrNameLst>
+                                          <p:attrName>ppt_y</p:attrName>
+                                        </p:attrNameLst>
+                                      </p:cBhvr>
+                                      <p:tavLst>
+                                        <p:tav tm="0">
+                                          <p:val>
+                                            <p:strVal val="#ppt_y+.1"/>
+                                          </p:val>
+                                        </p:tav>
+                                        <p:tav tm="100000">
+                                          <p:val>
+                                            <p:strVal val="#ppt_y"/>
+                                          </p:val>
+                                        </p:tav>
+                                      </p:tavLst>
+                                    </p:anim>
+                                  </p:childTnLst>
+                                </p:cTn>
+                              </p:par>
+                              <p:par>
+                                <p:cTn id="30" presetID="42" presetClass="entr" presetSubtype="0" fill="hold" nodeType="withEffect">
+                                  <p:stCondLst>
+                                    <p:cond delay="0"/>
+                                  </p:stCondLst>
+                                  <p:childTnLst>
+                                    <p:set>
+                                      <p:cBhvr>
+                                        <p:cTn id="31" dur="1" fill="hold">
+                                          <p:stCondLst>
+                                            <p:cond delay="0"/>
+                                          </p:stCondLst>
+                                        </p:cTn>
+                                        <p:tgtEl>
+                                          <p:spTgt spid="3">
+                                            <p:txEl>
+                                              <p:pRg st="6" end="6"/>
+                                            </p:txEl>
+                                          </p:spTgt>
+                                        </p:tgtEl>
+                                        <p:attrNameLst>
+                                          <p:attrName>style.visibility</p:attrName>
+                                        </p:attrNameLst>
+                                      </p:cBhvr>
+                                      <p:to>
+                                        <p:strVal val="visible"/>
+                                      </p:to>
+                                    </p:set>
+                                    <p:animEffect transition="in" filter="fade">
+                                      <p:cBhvr>
+                                        <p:cTn id="32" dur="200"/>
+                                        <p:tgtEl>
+                                          <p:spTgt spid="3">
+                                            <p:txEl>
+                                              <p:pRg st="6" end="6"/>
+                                            </p:txEl>
+                                          </p:spTgt>
+                                        </p:tgtEl>
+                                      </p:cBhvr>
+                                    </p:animEffect>
+                                    <p:anim calcmode="lin" valueType="num">
+                                      <p:cBhvr>
+                                        <p:cTn id="33" dur="200" fill="hold"/>
+                                        <p:tgtEl>
+                                          <p:spTgt spid="3">
+                                            <p:txEl>
+                                              <p:pRg st="6" end="6"/>
+                                            </p:txEl>
+                                          </p:spTgt>
+                                        </p:tgtEl>
+                                        <p:attrNameLst>
+                                          <p:attrName>ppt_x</p:attrName>
+                                        </p:attrNameLst>
+                                      </p:cBhvr>
+                                      <p:tavLst>
+                                        <p:tav tm="0">
+                                          <p:val>
+                                            <p:strVal val="#ppt_x"/>
+                                          </p:val>
+                                        </p:tav>
+                                        <p:tav tm="100000">
+                                          <p:val>
+                                            <p:strVal val="#ppt_x"/>
+                                          </p:val>
+                                        </p:tav>
+                                      </p:tavLst>
+                                    </p:anim>
+                                    <p:anim calcmode="lin" valueType="num">
+                                      <p:cBhvr>
+                                        <p:cTn id="34" dur="200" fill="hold"/>
+                                        <p:tgtEl>
+                                          <p:spTgt spid="3">
+                                            <p:txEl>
+                                              <p:pRg st="6" end="6"/>
+                                            </p:txEl>
+                                          </p:spTgt>
+                                        </p:tgtEl>
+                                        <p:attrNameLst>
+                                          <p:attrName>ppt_y</p:attrName>
+                                        </p:attrNameLst>
+                                      </p:cBhvr>
+                                      <p:tavLst>
+                                        <p:tav tm="0">
+                                          <p:val>
+                                            <p:strVal val="#ppt_y+.1"/>
+                                          </p:val>
+                                        </p:tav>
+                                        <p:tav tm="100000">
+                                          <p:val>
+                                            <p:strVal val="#ppt_y"/>
+                                          </p:val>
+                                        </p:tav>
+                                      </p:tavLst>
+                                    </p:anim>
+                                  </p:childTnLst>
+                                </p:cTn>
+                              </p:par>
+                              <p:par>
+                                <p:cTn id="35" presetID="42" presetClass="entr" presetSubtype="0" fill="hold" nodeType="withEffect">
+                                  <p:stCondLst>
+                                    <p:cond delay="0"/>
+                                  </p:stCondLst>
+                                  <p:childTnLst>
+                                    <p:set>
+                                      <p:cBhvr>
+                                        <p:cTn id="36" dur="1" fill="hold">
+                                          <p:stCondLst>
+                                            <p:cond delay="0"/>
+                                          </p:stCondLst>
+                                        </p:cTn>
+                                        <p:tgtEl>
+                                          <p:spTgt spid="3">
+                                            <p:txEl>
+                                              <p:pRg st="7" end="7"/>
+                                            </p:txEl>
+                                          </p:spTgt>
+                                        </p:tgtEl>
+                                        <p:attrNameLst>
+                                          <p:attrName>style.visibility</p:attrName>
+                                        </p:attrNameLst>
+                                      </p:cBhvr>
+                                      <p:to>
+                                        <p:strVal val="visible"/>
+                                      </p:to>
+                                    </p:set>
+                                    <p:animEffect transition="in" filter="fade">
+                                      <p:cBhvr>
+                                        <p:cTn id="37" dur="200"/>
+                                        <p:tgtEl>
+                                          <p:spTgt spid="3">
+                                            <p:txEl>
+                                              <p:pRg st="7" end="7"/>
+                                            </p:txEl>
+                                          </p:spTgt>
+                                        </p:tgtEl>
+                                      </p:cBhvr>
+                                    </p:animEffect>
+                                    <p:anim calcmode="lin" valueType="num">
+                                      <p:cBhvr>
+                                        <p:cTn id="38" dur="200" fill="hold"/>
+                                        <p:tgtEl>
+                                          <p:spTgt spid="3">
+                                            <p:txEl>
+                                              <p:pRg st="7" end="7"/>
+                                            </p:txEl>
+                                          </p:spTgt>
+                                        </p:tgtEl>
+                                        <p:attrNameLst>
+                                          <p:attrName>ppt_x</p:attrName>
+                                        </p:attrNameLst>
+                                      </p:cBhvr>
+                                      <p:tavLst>
+                                        <p:tav tm="0">
+                                          <p:val>
+                                            <p:strVal val="#ppt_x"/>
+                                          </p:val>
+                                        </p:tav>
+                                        <p:tav tm="100000">
+                                          <p:val>
+                                            <p:strVal val="#ppt_x"/>
+                                          </p:val>
+                                        </p:tav>
+                                      </p:tavLst>
+                                    </p:anim>
+                                    <p:anim calcmode="lin" valueType="num">
+                                      <p:cBhvr>
+                                        <p:cTn id="39" dur="200" fill="hold"/>
+                                        <p:tgtEl>
+                                          <p:spTgt spid="3">
+                                            <p:txEl>
+                                              <p:pRg st="7" end="7"/>
+                                            </p:txEl>
+                                          </p:spTgt>
+                                        </p:tgtEl>
+                                        <p:attrNameLst>
+                                          <p:attrName>ppt_y</p:attrName>
+                                        </p:attrNameLst>
+                                      </p:cBhvr>
+                                      <p:tavLst>
+                                        <p:tav tm="0">
+                                          <p:val>
+                                            <p:strVal val="#ppt_y+.1"/>
+                                          </p:val>
+                                        </p:tav>
+                                        <p:tav tm="100000">
+                                          <p:val>
+                                            <p:strVal val="#ppt_y"/>
+                                          </p:val>
+                                        </p:tav>
+                                      </p:tavLst>
+                                    </p:anim>
+                                  </p:childTnLst>
+                                </p:cTn>
+                              </p:par>
+                            </p:childTnLst>
+                          </p:cTn>
+                        </p:par>
+                      </p:childTnLst>
+                    </p:cTn>
+                  </p:par>
+                </p:childTnLst>
+              </p:cTn>
+              <p:prevCondLst>
+                <p:cond evt="onPrev" delay="0">
+                  <p:tgtEl>
+                    <p:sldTgt/>
+                  </p:tgtEl>
+                </p:cond>
+              </p:prevCondLst>
+              <p:nextCondLst>
+                <p:cond evt="onNext" delay="0">
+                  <p:tgtEl>
+                    <p:sldTgt/>
+                  </p:tgtEl>
+                </p:cond>
+              </p:nextCondLst>
+            </p:seq>
+          </p:childTnLst>
+        </p:cTn>
+      </p:par>
+    </p:tnLst>
+  </p:timing>
+</p:sld>
+</file>
+
+<file path=ppt/slides/slide15.xml><?xml version="1.0" encoding="utf-8"?>
+<p:sld xmlns:a="http://schemas.openxmlformats.org/drawingml/2006/main" xmlns:r="http://schemas.openxmlformats.org/officeDocument/2006/relationships" xmlns:p="http://schemas.openxmlformats.org/presentationml/2006/main">
+  <p:cSld>
+    <p:spTree>
+      <p:nvGrpSpPr>
+        <p:cNvPr id="1" name=""/>
+        <p:cNvGrpSpPr/>
+        <p:nvPr/>
+      </p:nvGrpSpPr>
+      <p:grpSpPr>
+        <a:xfrm>
+          <a:off x="0" y="0"/>
+          <a:ext cx="0" cy="0"/>
+          <a:chOff x="0" y="0"/>
+          <a:chExt cx="0" cy="0"/>
+        </a:xfrm>
+      </p:grpSpPr>
+      <p:sp>
+        <p:nvSpPr>
+          <p:cNvPr id="2" name="Title 1"/>
+          <p:cNvSpPr>
+            <a:spLocks noGrp="1"/>
+          </p:cNvSpPr>
+          <p:nvPr>
+            <p:ph type="title"/>
+          </p:nvPr>
+        </p:nvSpPr>
+        <p:spPr/>
+        <p:txBody>
+          <a:bodyPr/>
+          <a:lstStyle/>
+          <a:p>
+            <a:endParaRPr lang="en-US"/>
+          </a:p>
+        </p:txBody>
+      </p:sp>
+      <p:sp>
+        <p:nvSpPr>
+          <p:cNvPr id="3" name="Content Placeholder 2"/>
+          <p:cNvSpPr>
+            <a:spLocks noGrp="1"/>
+          </p:cNvSpPr>
+          <p:nvPr>
+            <p:ph idx="1"/>
+          </p:nvPr>
+        </p:nvSpPr>
+        <p:spPr>
+          <a:xfrm>
+            <a:off x="457200" y="1600200"/>
+            <a:ext cx="8229600" cy="5099050"/>
+          </a:xfrm>
+        </p:spPr>
+        <p:txBody>
+          <a:bodyPr>
+            <a:normAutofit/>
+          </a:bodyPr>
+          <a:lstStyle/>
+          <a:p>
+            <a:r>
+              <a:rPr lang="en-US" dirty="0" err="1" smtClean="0">
+                <a:solidFill>
+                  <a:schemeClr val="bg1"/>
+                </a:solidFill>
+                <a:latin typeface="Geneva"/>
+                <a:cs typeface="Geneva"/>
+              </a:rPr>
+              <a:t>Developped</a:t>
+            </a:r>
+            <a:r>
+              <a:rPr lang="en-US" dirty="0" smtClean="0">
+                <a:solidFill>
+                  <a:schemeClr val="bg1"/>
+                </a:solidFill>
+                <a:latin typeface="Geneva"/>
+                <a:cs typeface="Geneva"/>
+              </a:rPr>
+              <a:t> by </a:t>
+            </a:r>
+            <a:r>
+              <a:rPr lang="en-US" dirty="0" err="1" smtClean="0">
+                <a:solidFill>
+                  <a:schemeClr val="bg1"/>
+                </a:solidFill>
+                <a:latin typeface="Geneva"/>
+                <a:cs typeface="Geneva"/>
+              </a:rPr>
+              <a:t>Jetbrains</a:t>
+            </a:r>
+            <a:endParaRPr lang="en-US" dirty="0">
+              <a:solidFill>
+                <a:schemeClr val="bg1"/>
+              </a:solidFill>
+              <a:latin typeface="Geneva"/>
+              <a:cs typeface="Geneva"/>
+            </a:endParaRPr>
+          </a:p>
+          <a:p>
+            <a:r>
+              <a:rPr lang="en-US" dirty="0">
+                <a:solidFill>
+                  <a:schemeClr val="bg1"/>
+                </a:solidFill>
+                <a:latin typeface="Geneva"/>
+                <a:cs typeface="Geneva"/>
+              </a:rPr>
+              <a:t>Reasoning</a:t>
+            </a:r>
+          </a:p>
+          <a:p>
+            <a:pPr lvl="1"/>
+            <a:r>
+              <a:rPr lang="en-US" dirty="0">
+                <a:solidFill>
+                  <a:schemeClr val="bg1"/>
+                </a:solidFill>
+                <a:latin typeface="Geneva"/>
+                <a:cs typeface="Geneva"/>
+              </a:rPr>
+              <a:t>Need for richer code, compatible with Java</a:t>
+            </a:r>
+          </a:p>
+          <a:p>
+            <a:pPr lvl="1"/>
+            <a:r>
+              <a:rPr lang="en-US" dirty="0">
+                <a:solidFill>
+                  <a:schemeClr val="bg1"/>
+                </a:solidFill>
+                <a:latin typeface="Geneva"/>
+                <a:cs typeface="Geneva"/>
+              </a:rPr>
+              <a:t>Internal use</a:t>
+            </a:r>
+          </a:p>
+          <a:p>
+            <a:pPr lvl="1"/>
+            <a:r>
+              <a:rPr lang="en-US" dirty="0" err="1">
+                <a:solidFill>
+                  <a:schemeClr val="bg1"/>
+                </a:solidFill>
+                <a:latin typeface="Geneva"/>
+                <a:cs typeface="Geneva"/>
+              </a:rPr>
+              <a:t>Toolability</a:t>
+            </a:r>
+            <a:endParaRPr lang="en-US" dirty="0">
+              <a:solidFill>
+                <a:schemeClr val="bg1"/>
+              </a:solidFill>
+              <a:latin typeface="Geneva"/>
+              <a:cs typeface="Geneva"/>
+            </a:endParaRPr>
+          </a:p>
+          <a:p>
+            <a:pPr marL="457200" lvl="1" indent="0">
+              <a:buNone/>
+            </a:pPr>
+            <a:endParaRPr lang="en-US" dirty="0">
+              <a:solidFill>
+                <a:schemeClr val="bg1"/>
+              </a:solidFill>
+              <a:latin typeface="Geneva"/>
+              <a:cs typeface="Geneva"/>
+            </a:endParaRPr>
+          </a:p>
+          <a:p>
+            <a:pPr marL="457200" lvl="1" indent="0">
+              <a:buNone/>
+            </a:pPr>
+            <a:r>
+              <a:rPr lang="en-US" dirty="0">
+                <a:solidFill>
+                  <a:schemeClr val="bg1"/>
+                </a:solidFill>
+                <a:latin typeface="Geneva"/>
+                <a:cs typeface="Geneva"/>
+              </a:rPr>
+              <a:t>More than a non-profit thing, they depend on it. Selling IDE’s </a:t>
+            </a:r>
+            <a:r>
+              <a:rPr lang="en-US" i="1" dirty="0">
+                <a:solidFill>
+                  <a:schemeClr val="bg1"/>
+                </a:solidFill>
+                <a:latin typeface="Geneva"/>
+                <a:cs typeface="Geneva"/>
+              </a:rPr>
+              <a:t>is</a:t>
+            </a:r>
+            <a:r>
+              <a:rPr lang="en-US" dirty="0">
+                <a:solidFill>
+                  <a:schemeClr val="bg1"/>
+                </a:solidFill>
+                <a:latin typeface="Geneva"/>
+                <a:cs typeface="Geneva"/>
+              </a:rPr>
+              <a:t> their business</a:t>
+            </a:r>
+          </a:p>
+          <a:p>
+            <a:pPr lvl="1"/>
+            <a:endParaRPr lang="en-US" dirty="0" smtClean="0">
+              <a:solidFill>
+                <a:schemeClr val="bg1"/>
+              </a:solidFill>
+              <a:latin typeface="Geneva"/>
+              <a:cs typeface="Geneva"/>
+            </a:endParaRPr>
+          </a:p>
+        </p:txBody>
+      </p:sp>
+      <p:sp>
+        <p:nvSpPr>
+          <p:cNvPr id="8" name="Rectangle 7"/>
+          <p:cNvSpPr/>
+          <p:nvPr/>
+        </p:nvSpPr>
+        <p:spPr>
+          <a:xfrm>
+            <a:off x="0" y="-94570"/>
+            <a:ext cx="9144000" cy="972718"/>
+          </a:xfrm>
+          <a:prstGeom prst="rect">
+            <a:avLst/>
+          </a:prstGeom>
+          <a:solidFill>
+            <a:srgbClr val="C1285B"/>
+          </a:solidFill>
+          <a:ln>
+            <a:noFill/>
+          </a:ln>
+          <a:effectLst>
+            <a:outerShdw blurRad="40000" dist="23000" dir="2700000" rotWithShape="0">
+              <a:srgbClr val="000000">
+                <a:alpha val="35000"/>
+              </a:srgbClr>
+            </a:outerShdw>
+          </a:effectLst>
+        </p:spPr>
+        <p:style>
+          <a:lnRef idx="1">
+            <a:schemeClr val="accent1"/>
+          </a:lnRef>
+          <a:fillRef idx="3">
+            <a:schemeClr val="accent1"/>
+          </a:fillRef>
+          <a:effectRef idx="2">
+            <a:schemeClr val="accent1"/>
+          </a:effectRef>
+          <a:fontRef idx="minor">
+            <a:schemeClr val="lt1"/>
+          </a:fontRef>
+        </p:style>
+        <p:txBody>
+          <a:bodyPr rtlCol="0" anchor="ctr"/>
+          <a:lstStyle/>
+          <a:p>
+            <a:r>
+              <a:rPr lang="en-US" sz="3200" dirty="0" smtClean="0">
+                <a:latin typeface="Geneva"/>
+                <a:cs typeface="Geneva"/>
+              </a:rPr>
+              <a:t>  </a:t>
+            </a:r>
+            <a:r>
+              <a:rPr lang="en-US" sz="3200" dirty="0">
+                <a:latin typeface="Geneva"/>
+                <a:cs typeface="Geneva"/>
+              </a:rPr>
+              <a:t>Is </a:t>
+            </a:r>
+            <a:r>
+              <a:rPr lang="en-US" sz="3200" dirty="0" err="1">
+                <a:latin typeface="Geneva"/>
+                <a:cs typeface="Geneva"/>
+              </a:rPr>
+              <a:t>Kotlin</a:t>
+            </a:r>
+            <a:r>
+              <a:rPr lang="en-US" sz="3200" dirty="0">
+                <a:latin typeface="Geneva"/>
+                <a:cs typeface="Geneva"/>
+              </a:rPr>
+              <a:t> </a:t>
+            </a:r>
+            <a:r>
+              <a:rPr lang="en-US" sz="3200" dirty="0" smtClean="0">
+                <a:latin typeface="Geneva"/>
+                <a:cs typeface="Geneva"/>
+              </a:rPr>
+              <a:t>here to stay?</a:t>
+            </a:r>
+            <a:endParaRPr lang="en-US" sz="3200" dirty="0">
+              <a:latin typeface="Geneva"/>
+              <a:cs typeface="Geneva"/>
+            </a:endParaRPr>
+          </a:p>
+        </p:txBody>
+      </p:sp>
+    </p:spTree>
+    <p:extLst>
+      <p:ext uri="{BB962C8B-B14F-4D97-AF65-F5344CB8AC3E}">
+        <p14:creationId xmlns:p14="http://schemas.microsoft.com/office/powerpoint/2010/main" val="2922274051"/>
+      </p:ext>
+    </p:extLst>
+  </p:cSld>
+  <p:clrMapOvr>
+    <a:masterClrMapping/>
+  </p:clrMapOvr>
+  <mc:AlternateContent xmlns:mc="http://schemas.openxmlformats.org/markup-compatibility/2006" xmlns:p14="http://schemas.microsoft.com/office/powerpoint/2010/main">
+    <mc:Choice Requires="p14">
+      <p:transition p14:dur="400">
+        <p:wipe/>
+      </p:transition>
+    </mc:Choice>
+    <mc:Fallback xmlns="">
+      <p:transition xmlns:p14="http://schemas.microsoft.com/office/powerpoint/2010/main">
+        <p:wipe/>
+      </p:transition>
+    </mc:Fallback>
+  </mc:AlternateContent>
+  <p:timing>
+    <p:tnLst>
+      <p:par>
+        <p:cTn xmlns:p14="http://schemas.microsoft.com/office/powerpoint/2010/main" id="1" dur="indefinite" restart="never" nodeType="tmRoot">
+          <p:childTnLst>
+            <p:seq concurrent="1" nextAc="seek">
+              <p:cTn id="2" dur="indefinite" nodeType="mainSeq">
+                <p:childTnLst>
+                  <p:par>
+                    <p:cTn id="3" fill="hold">
+                      <p:stCondLst>
+                        <p:cond delay="indefinite"/>
+                      </p:stCondLst>
+                      <p:childTnLst>
+                        <p:par>
+                          <p:cTn id="4" fill="hold">
+                            <p:stCondLst>
+                              <p:cond delay="0"/>
+                            </p:stCondLst>
+                            <p:childTnLst>
+                              <p:par>
+                                <p:cTn id="5" presetID="42" presetClass="entr" presetSubtype="0" fill="hold" nodeType="clickEffect">
+                                  <p:stCondLst>
+                                    <p:cond delay="0"/>
+                                  </p:stCondLst>
+                                  <p:childTnLst>
+                                    <p:set>
+                                      <p:cBhvr>
+                                        <p:cTn id="6" dur="1" fill="hold">
+                                          <p:stCondLst>
+                                            <p:cond delay="0"/>
+                                          </p:stCondLst>
+                                        </p:cTn>
+                                        <p:tgtEl>
+                                          <p:spTgt spid="3">
+                                            <p:txEl>
+                                              <p:pRg st="6" end="6"/>
+                                            </p:txEl>
+                                          </p:spTgt>
+                                        </p:tgtEl>
+                                        <p:attrNameLst>
+                                          <p:attrName>style.visibility</p:attrName>
+                                        </p:attrNameLst>
+                                      </p:cBhvr>
+                                      <p:to>
+                                        <p:strVal val="visible"/>
+                                      </p:to>
+                                    </p:set>
+                                    <p:animEffect transition="in" filter="fade">
+                                      <p:cBhvr>
+                                        <p:cTn id="7" dur="200"/>
+                                        <p:tgtEl>
+                                          <p:spTgt spid="3">
+                                            <p:txEl>
+                                              <p:pRg st="6" end="6"/>
+                                            </p:txEl>
+                                          </p:spTgt>
+                                        </p:tgtEl>
+                                      </p:cBhvr>
+                                    </p:animEffect>
+                                    <p:anim calcmode="lin" valueType="num">
+                                      <p:cBhvr>
+                                        <p:cTn id="8" dur="200" fill="hold"/>
+                                        <p:tgtEl>
+                                          <p:spTgt spid="3">
+                                            <p:txEl>
+                                              <p:pRg st="6" end="6"/>
+                                            </p:txEl>
+                                          </p:spTgt>
+                                        </p:tgtEl>
+                                        <p:attrNameLst>
+                                          <p:attrName>ppt_x</p:attrName>
+                                        </p:attrNameLst>
+                                      </p:cBhvr>
+                                      <p:tavLst>
+                                        <p:tav tm="0">
+                                          <p:val>
+                                            <p:strVal val="#ppt_x"/>
+                                          </p:val>
+                                        </p:tav>
+                                        <p:tav tm="100000">
+                                          <p:val>
+                                            <p:strVal val="#ppt_x"/>
+                                          </p:val>
+                                        </p:tav>
+                                      </p:tavLst>
+                                    </p:anim>
+                                    <p:anim calcmode="lin" valueType="num">
+                                      <p:cBhvr>
+                                        <p:cTn id="9" dur="200" fill="hold"/>
+                                        <p:tgtEl>
+                                          <p:spTgt spid="3">
+                                            <p:txEl>
+                                              <p:pRg st="6" end="6"/>
+                                            </p:txEl>
+                                          </p:spTgt>
+                                        </p:tgtEl>
+                                        <p:attrNameLst>
+                                          <p:attrName>ppt_y</p:attrName>
+                                        </p:attrNameLst>
+                                      </p:cBhvr>
+                                      <p:tavLst>
+                                        <p:tav tm="0">
+                                          <p:val>
+                                            <p:strVal val="#ppt_y+.1"/>
+                                          </p:val>
+                                        </p:tav>
+                                        <p:tav tm="100000">
+                                          <p:val>
+                                            <p:strVal val="#ppt_y"/>
+                                          </p:val>
+                                        </p:tav>
+                                      </p:tavLst>
+                                    </p:anim>
+                                  </p:childTnLst>
+                                </p:cTn>
+                              </p:par>
+                            </p:childTnLst>
+                          </p:cTn>
+                        </p:par>
+                      </p:childTnLst>
+                    </p:cTn>
+                  </p:par>
+                </p:childTnLst>
+              </p:cTn>
+              <p:prevCondLst>
+                <p:cond evt="onPrev" delay="0">
+                  <p:tgtEl>
+                    <p:sldTgt/>
+                  </p:tgtEl>
+                </p:cond>
+              </p:prevCondLst>
+              <p:nextCondLst>
+                <p:cond evt="onNext" delay="0">
+                  <p:tgtEl>
+                    <p:sldTgt/>
+                  </p:tgtEl>
+                </p:cond>
+              </p:nextCondLst>
+            </p:seq>
+          </p:childTnLst>
+        </p:cTn>
+      </p:par>
+    </p:tnLst>
+  </p:timing>
+</p:sld>
+</file>
+
+<file path=ppt/slides/slide16.xml><?xml version="1.0" encoding="utf-8"?>
+<p:sld xmlns:a="http://schemas.openxmlformats.org/drawingml/2006/main" xmlns:r="http://schemas.openxmlformats.org/officeDocument/2006/relationships" xmlns:p="http://schemas.openxmlformats.org/presentationml/2006/main">
+  <p:cSld>
+    <p:spTree>
+      <p:nvGrpSpPr>
+        <p:cNvPr id="1" name=""/>
+        <p:cNvGrpSpPr/>
+        <p:nvPr/>
+      </p:nvGrpSpPr>
+      <p:grpSpPr>
+        <a:xfrm>
+          <a:off x="0" y="0"/>
+          <a:ext cx="0" cy="0"/>
+          <a:chOff x="0" y="0"/>
+          <a:chExt cx="0" cy="0"/>
+        </a:xfrm>
+      </p:grpSpPr>
+      <p:sp>
+        <p:nvSpPr>
+          <p:cNvPr id="2" name="Title 1"/>
+          <p:cNvSpPr>
+            <a:spLocks noGrp="1"/>
+          </p:cNvSpPr>
+          <p:nvPr>
+            <p:ph type="title"/>
+          </p:nvPr>
+        </p:nvSpPr>
+        <p:spPr/>
+        <p:txBody>
+          <a:bodyPr/>
+          <a:lstStyle/>
+          <a:p>
+            <a:endParaRPr lang="en-US"/>
           </a:p>
         </p:txBody>
       </p:sp>
@@ -8320,7 +10637,7 @@
                 <a:latin typeface="Geneva"/>
                 <a:cs typeface="Geneva"/>
               </a:rPr>
-              <a:t>Documentation </a:t>
+              <a:t>Jake </a:t>
             </a:r>
             <a:r>
               <a:rPr lang="en-US" dirty="0" smtClean="0">
@@ -8330,7 +10647,288 @@
                 <a:latin typeface="Geneva"/>
                 <a:cs typeface="Geneva"/>
               </a:rPr>
-              <a:t>at official website</a:t>
+              <a:t>Wharton</a:t>
+            </a:r>
+          </a:p>
+          <a:p>
+            <a:r>
+              <a:rPr lang="en-US" dirty="0" err="1" smtClean="0">
+                <a:solidFill>
+                  <a:schemeClr val="bg1"/>
+                </a:solidFill>
+                <a:latin typeface="Geneva"/>
+                <a:cs typeface="Geneva"/>
+              </a:rPr>
+              <a:t>Micheal</a:t>
+            </a:r>
+            <a:r>
+              <a:rPr lang="en-US" dirty="0" smtClean="0">
+                <a:solidFill>
+                  <a:schemeClr val="bg1"/>
+                </a:solidFill>
+                <a:latin typeface="Geneva"/>
+                <a:cs typeface="Geneva"/>
+              </a:rPr>
+              <a:t> Prado</a:t>
+            </a:r>
+            <a:endParaRPr lang="en-US" dirty="0" smtClean="0">
+              <a:solidFill>
+                <a:schemeClr val="bg1"/>
+              </a:solidFill>
+              <a:latin typeface="Geneva"/>
+              <a:cs typeface="Geneva"/>
+            </a:endParaRPr>
+          </a:p>
+          <a:p>
+            <a:r>
+              <a:rPr lang="en-US" dirty="0" err="1" smtClean="0">
+                <a:solidFill>
+                  <a:schemeClr val="bg1"/>
+                </a:solidFill>
+                <a:latin typeface="Geneva"/>
+                <a:cs typeface="Geneva"/>
+              </a:rPr>
+              <a:t>Jetbrains</a:t>
+            </a:r>
+            <a:r>
+              <a:rPr lang="en-US" dirty="0" smtClean="0">
+                <a:solidFill>
+                  <a:schemeClr val="bg1"/>
+                </a:solidFill>
+                <a:latin typeface="Geneva"/>
+                <a:cs typeface="Geneva"/>
+              </a:rPr>
+              <a:t>.. So here to stay</a:t>
+            </a:r>
+          </a:p>
+          <a:p>
+            <a:pPr lvl="1"/>
+            <a:r>
+              <a:rPr lang="en-US" dirty="0" smtClean="0">
+                <a:solidFill>
+                  <a:schemeClr val="bg1"/>
+                </a:solidFill>
+                <a:latin typeface="Geneva"/>
+                <a:cs typeface="Geneva"/>
+              </a:rPr>
+              <a:t>More than a non-profit thing, they depend on it. Selling idea’s is their business</a:t>
+            </a:r>
+          </a:p>
+          <a:p>
+            <a:pPr lvl="1"/>
+            <a:r>
+              <a:rPr lang="en-US" dirty="0" err="1" smtClean="0">
+                <a:solidFill>
+                  <a:schemeClr val="bg1"/>
+                </a:solidFill>
+                <a:latin typeface="Geneva"/>
+                <a:cs typeface="Geneva"/>
+              </a:rPr>
+              <a:t>Kotlin</a:t>
+            </a:r>
+            <a:r>
+              <a:rPr lang="en-US" dirty="0" smtClean="0">
+                <a:solidFill>
+                  <a:schemeClr val="bg1"/>
+                </a:solidFill>
+                <a:latin typeface="Geneva"/>
+                <a:cs typeface="Geneva"/>
+              </a:rPr>
+              <a:t> is optimized for </a:t>
+            </a:r>
+            <a:r>
+              <a:rPr lang="en-US" dirty="0" err="1" smtClean="0">
+                <a:solidFill>
+                  <a:schemeClr val="bg1"/>
+                </a:solidFill>
+                <a:latin typeface="Geneva"/>
+                <a:cs typeface="Geneva"/>
+              </a:rPr>
+              <a:t>toolability</a:t>
+            </a:r>
+            <a:endParaRPr lang="en-US" dirty="0" smtClean="0">
+              <a:solidFill>
+                <a:schemeClr val="bg1"/>
+              </a:solidFill>
+              <a:latin typeface="Geneva"/>
+              <a:cs typeface="Geneva"/>
+            </a:endParaRPr>
+          </a:p>
+        </p:txBody>
+      </p:sp>
+      <p:sp>
+        <p:nvSpPr>
+          <p:cNvPr id="8" name="Rectangle 7"/>
+          <p:cNvSpPr/>
+          <p:nvPr/>
+        </p:nvSpPr>
+        <p:spPr>
+          <a:xfrm>
+            <a:off x="0" y="-94570"/>
+            <a:ext cx="9144000" cy="972718"/>
+          </a:xfrm>
+          <a:prstGeom prst="rect">
+            <a:avLst/>
+          </a:prstGeom>
+          <a:solidFill>
+            <a:srgbClr val="C1285B"/>
+          </a:solidFill>
+          <a:ln>
+            <a:noFill/>
+          </a:ln>
+          <a:effectLst>
+            <a:outerShdw blurRad="40000" dist="23000" dir="2700000" rotWithShape="0">
+              <a:srgbClr val="000000">
+                <a:alpha val="35000"/>
+              </a:srgbClr>
+            </a:outerShdw>
+          </a:effectLst>
+        </p:spPr>
+        <p:style>
+          <a:lnRef idx="1">
+            <a:schemeClr val="accent1"/>
+          </a:lnRef>
+          <a:fillRef idx="3">
+            <a:schemeClr val="accent1"/>
+          </a:fillRef>
+          <a:effectRef idx="2">
+            <a:schemeClr val="accent1"/>
+          </a:effectRef>
+          <a:fontRef idx="minor">
+            <a:schemeClr val="lt1"/>
+          </a:fontRef>
+        </p:style>
+        <p:txBody>
+          <a:bodyPr rtlCol="0" anchor="ctr"/>
+          <a:lstStyle/>
+          <a:p>
+            <a:r>
+              <a:rPr lang="en-US" sz="3200" dirty="0" smtClean="0">
+                <a:latin typeface="Geneva"/>
+                <a:cs typeface="Geneva"/>
+              </a:rPr>
+              <a:t> </a:t>
+            </a:r>
+            <a:r>
+              <a:rPr lang="en-US" sz="3200" dirty="0" smtClean="0">
+                <a:latin typeface="Geneva"/>
+                <a:cs typeface="Geneva"/>
+              </a:rPr>
+              <a:t> </a:t>
+            </a:r>
+            <a:r>
+              <a:rPr lang="en-US" sz="3200" dirty="0" err="1" smtClean="0">
+                <a:latin typeface="Geneva"/>
+                <a:cs typeface="Geneva"/>
+              </a:rPr>
+              <a:t>Kotlin</a:t>
+            </a:r>
+            <a:r>
+              <a:rPr lang="en-US" sz="3200" dirty="0" smtClean="0">
+                <a:latin typeface="Geneva"/>
+                <a:cs typeface="Geneva"/>
+              </a:rPr>
+              <a:t> advocates</a:t>
+            </a:r>
+            <a:endParaRPr lang="en-US" sz="3200" dirty="0">
+              <a:latin typeface="Geneva"/>
+              <a:cs typeface="Geneva"/>
+            </a:endParaRPr>
+          </a:p>
+        </p:txBody>
+      </p:sp>
+    </p:spTree>
+    <p:extLst>
+      <p:ext uri="{BB962C8B-B14F-4D97-AF65-F5344CB8AC3E}">
+        <p14:creationId xmlns:p14="http://schemas.microsoft.com/office/powerpoint/2010/main" val="4249669190"/>
+      </p:ext>
+    </p:extLst>
+  </p:cSld>
+  <p:clrMapOvr>
+    <a:masterClrMapping/>
+  </p:clrMapOvr>
+  <mc:AlternateContent xmlns:mc="http://schemas.openxmlformats.org/markup-compatibility/2006" xmlns:p14="http://schemas.microsoft.com/office/powerpoint/2010/main">
+    <mc:Choice Requires="p14">
+      <p:transition p14:dur="400">
+        <p:wipe/>
+      </p:transition>
+    </mc:Choice>
+    <mc:Fallback xmlns="">
+      <p:transition xmlns:p14="http://schemas.microsoft.com/office/powerpoint/2010/main">
+        <p:wipe/>
+      </p:transition>
+    </mc:Fallback>
+  </mc:AlternateContent>
+  <p:timing>
+    <p:tnLst>
+      <p:par>
+        <p:cTn xmlns:p14="http://schemas.microsoft.com/office/powerpoint/2010/main" id="1" dur="indefinite" restart="never" nodeType="tmRoot"/>
+      </p:par>
+    </p:tnLst>
+  </p:timing>
+</p:sld>
+</file>
+
+<file path=ppt/slides/slide17.xml><?xml version="1.0" encoding="utf-8"?>
+<p:sld xmlns:a="http://schemas.openxmlformats.org/drawingml/2006/main" xmlns:r="http://schemas.openxmlformats.org/officeDocument/2006/relationships" xmlns:p="http://schemas.openxmlformats.org/presentationml/2006/main">
+  <p:cSld>
+    <p:spTree>
+      <p:nvGrpSpPr>
+        <p:cNvPr id="1" name=""/>
+        <p:cNvGrpSpPr/>
+        <p:nvPr/>
+      </p:nvGrpSpPr>
+      <p:grpSpPr>
+        <a:xfrm>
+          <a:off x="0" y="0"/>
+          <a:ext cx="0" cy="0"/>
+          <a:chOff x="0" y="0"/>
+          <a:chExt cx="0" cy="0"/>
+        </a:xfrm>
+      </p:grpSpPr>
+      <p:sp>
+        <p:nvSpPr>
+          <p:cNvPr id="2" name="Title 1"/>
+          <p:cNvSpPr>
+            <a:spLocks noGrp="1"/>
+          </p:cNvSpPr>
+          <p:nvPr>
+            <p:ph type="title"/>
+          </p:nvPr>
+        </p:nvSpPr>
+        <p:spPr/>
+        <p:txBody>
+          <a:bodyPr/>
+          <a:lstStyle/>
+          <a:p>
+            <a:endParaRPr lang="en-US" dirty="0"/>
+          </a:p>
+        </p:txBody>
+      </p:sp>
+      <p:sp>
+        <p:nvSpPr>
+          <p:cNvPr id="3" name="Content Placeholder 2"/>
+          <p:cNvSpPr>
+            <a:spLocks noGrp="1"/>
+          </p:cNvSpPr>
+          <p:nvPr>
+            <p:ph idx="1"/>
+          </p:nvPr>
+        </p:nvSpPr>
+        <p:spPr/>
+        <p:txBody>
+          <a:bodyPr/>
+          <a:lstStyle/>
+          <a:p>
+            <a:r>
+              <a:rPr lang="en-US" dirty="0" smtClean="0">
+                <a:solidFill>
+                  <a:schemeClr val="bg1"/>
+                </a:solidFill>
+                <a:latin typeface="Geneva"/>
+                <a:cs typeface="Geneva"/>
+              </a:rPr>
+              <a:t>Documentation at official website</a:t>
             </a:r>
           </a:p>
           <a:p>
@@ -8371,13 +10969,6 @@
               </a:rPr>
               <a:t> </a:t>
             </a:r>
-            <a:endParaRPr lang="en-US" dirty="0" smtClean="0">
-              <a:solidFill>
-                <a:schemeClr val="bg1"/>
-              </a:solidFill>
-              <a:latin typeface="Geneva"/>
-              <a:cs typeface="Geneva"/>
-            </a:endParaRPr>
           </a:p>
         </p:txBody>
       </p:sp>
@@ -8741,7 +11332,7 @@
 </p:sld>
 </file>
 
-<file path=ppt/slides/slide15.xml><?xml version="1.0" encoding="utf-8"?>
+<file path=ppt/slides/slide18.xml><?xml version="1.0" encoding="utf-8"?>
 <p:sld xmlns:a="http://schemas.openxmlformats.org/drawingml/2006/main" xmlns:r="http://schemas.openxmlformats.org/officeDocument/2006/relationships" xmlns:p="http://schemas.openxmlformats.org/presentationml/2006/main">
   <p:cSld>
     <p:spTree>
@@ -8815,7 +11406,7 @@
           </a:p>
           <a:p>
             <a:r>
-              <a:rPr lang="en-US" dirty="0" err="1" smtClean="0">
+              <a:rPr lang="en-US" dirty="0" err="1">
                 <a:solidFill>
                   <a:schemeClr val="bg1"/>
                 </a:solidFill>
@@ -8825,54 +11416,34 @@
               <a:t>Skillscast</a:t>
             </a:r>
             <a:r>
-              <a:rPr lang="en-US" dirty="0" smtClean="0">
+              <a:rPr lang="en-US" dirty="0">
                 <a:solidFill>
                   <a:schemeClr val="bg1"/>
                 </a:solidFill>
                 <a:latin typeface="Geneva"/>
                 <a:cs typeface="Geneva"/>
               </a:rPr>
-              <a:t> </a:t>
-            </a:r>
-            <a:r>
-              <a:rPr lang="en-US" dirty="0" smtClean="0">
+              <a:t> recording of Jake Wharton at </a:t>
+            </a:r>
+            <a:r>
+              <a:rPr lang="en-US" dirty="0" err="1">
                 <a:solidFill>
                   <a:schemeClr val="bg1"/>
                 </a:solidFill>
                 <a:latin typeface="Geneva"/>
                 <a:cs typeface="Geneva"/>
               </a:rPr>
-              <a:t>recording </a:t>
-            </a:r>
-            <a:r>
-              <a:rPr lang="en-US" dirty="0" smtClean="0">
+              <a:t>DroidCon</a:t>
+            </a:r>
+            <a:r>
+              <a:rPr lang="en-US" dirty="0">
                 <a:solidFill>
                   <a:schemeClr val="bg1"/>
                 </a:solidFill>
                 <a:latin typeface="Geneva"/>
                 <a:cs typeface="Geneva"/>
               </a:rPr>
-              <a:t>of </a:t>
-            </a:r>
-            <a:r>
-              <a:rPr lang="en-US" dirty="0" smtClean="0">
-                <a:solidFill>
-                  <a:schemeClr val="bg1"/>
-                </a:solidFill>
-                <a:latin typeface="Geneva"/>
-                <a:cs typeface="Geneva"/>
-              </a:rPr>
-              <a:t>Jake </a:t>
-            </a:r>
-            <a:r>
-              <a:rPr lang="en-US" dirty="0" smtClean="0">
-                <a:solidFill>
-                  <a:schemeClr val="bg1"/>
-                </a:solidFill>
-                <a:latin typeface="Geneva"/>
-                <a:cs typeface="Geneva"/>
-              </a:rPr>
-              <a:t>Wharton</a:t>
+              <a:t> UK</a:t>
             </a:r>
           </a:p>
           <a:p>
@@ -9144,7 +11715,7 @@
 </p:sld>
 </file>
 
-<file path=ppt/slides/slide16.xml><?xml version="1.0" encoding="utf-8"?>
+<file path=ppt/slides/slide19.xml><?xml version="1.0" encoding="utf-8"?>
 <p:sld xmlns:a="http://schemas.openxmlformats.org/drawingml/2006/main" xmlns:r="http://schemas.openxmlformats.org/officeDocument/2006/relationships" xmlns:p="http://schemas.openxmlformats.org/presentationml/2006/main">
   <p:cSld>
     <p:spTree>
@@ -9244,6 +11815,75 @@
               </a:rPr>
               <a:t>Wharton</a:t>
             </a:r>
+            <a:endParaRPr lang="en-US" dirty="0">
+              <a:solidFill>
+                <a:schemeClr val="bg1"/>
+              </a:solidFill>
+              <a:latin typeface="Geneva"/>
+              <a:cs typeface="Geneva"/>
+            </a:endParaRPr>
+          </a:p>
+          <a:p>
+            <a:r>
+              <a:rPr lang="en-US" dirty="0" smtClean="0">
+                <a:solidFill>
+                  <a:schemeClr val="bg1"/>
+                </a:solidFill>
+                <a:latin typeface="Geneva"/>
+                <a:cs typeface="Geneva"/>
+              </a:rPr>
+              <a:t>Fragmented </a:t>
+            </a:r>
+            <a:r>
+              <a:rPr lang="en-US" dirty="0" smtClean="0">
+                <a:solidFill>
+                  <a:schemeClr val="bg1"/>
+                </a:solidFill>
+                <a:latin typeface="Geneva"/>
+                <a:cs typeface="Geneva"/>
+              </a:rPr>
+              <a:t>podcast with </a:t>
+            </a:r>
+            <a:r>
+              <a:rPr lang="en-US" dirty="0" err="1">
+                <a:solidFill>
+                  <a:schemeClr val="bg1"/>
+                </a:solidFill>
+                <a:latin typeface="Geneva"/>
+                <a:cs typeface="Geneva"/>
+              </a:rPr>
+              <a:t>Hadi</a:t>
+            </a:r>
+            <a:r>
+              <a:rPr lang="en-US" dirty="0">
+                <a:solidFill>
+                  <a:schemeClr val="bg1"/>
+                </a:solidFill>
+                <a:latin typeface="Geneva"/>
+                <a:cs typeface="Geneva"/>
+              </a:rPr>
+              <a:t> </a:t>
+            </a:r>
+            <a:r>
+              <a:rPr lang="en-US" dirty="0" smtClean="0">
+                <a:solidFill>
+                  <a:schemeClr val="bg1"/>
+                </a:solidFill>
+                <a:latin typeface="Geneva"/>
+                <a:cs typeface="Geneva"/>
+              </a:rPr>
+              <a:t>Hariri from </a:t>
+            </a:r>
+            <a:r>
+              <a:rPr lang="en-US" dirty="0" err="1" smtClean="0">
+                <a:solidFill>
+                  <a:schemeClr val="bg1"/>
+                </a:solidFill>
+                <a:latin typeface="Geneva"/>
+                <a:cs typeface="Geneva"/>
+              </a:rPr>
+              <a:t>Jetbrains</a:t>
+            </a:r>
             <a:endParaRPr lang="en-US" dirty="0" smtClean="0">
               <a:solidFill>
                 <a:schemeClr val="bg1"/>
@@ -9253,56 +11893,6 @@
             </a:endParaRPr>
           </a:p>
           <a:p>
-            <a:r>
-              <a:rPr lang="en-US" dirty="0" smtClean="0">
-                <a:solidFill>
-                  <a:schemeClr val="bg1"/>
-                </a:solidFill>
-                <a:latin typeface="Geneva"/>
-                <a:cs typeface="Geneva"/>
-              </a:rPr>
-              <a:t>Fragmented podcast with </a:t>
-            </a:r>
-            <a:r>
-              <a:rPr lang="en-US" dirty="0" err="1">
-                <a:solidFill>
-                  <a:schemeClr val="bg1"/>
-                </a:solidFill>
-                <a:latin typeface="Geneva"/>
-                <a:cs typeface="Geneva"/>
-              </a:rPr>
-              <a:t>Hadi</a:t>
-            </a:r>
-            <a:r>
-              <a:rPr lang="en-US" dirty="0">
-                <a:solidFill>
-                  <a:schemeClr val="bg1"/>
-                </a:solidFill>
-                <a:latin typeface="Geneva"/>
-                <a:cs typeface="Geneva"/>
-              </a:rPr>
-              <a:t> </a:t>
-            </a:r>
-            <a:r>
-              <a:rPr lang="en-US" dirty="0" smtClean="0">
-                <a:solidFill>
-                  <a:schemeClr val="bg1"/>
-                </a:solidFill>
-                <a:latin typeface="Geneva"/>
-                <a:cs typeface="Geneva"/>
-              </a:rPr>
-              <a:t>Hariri from </a:t>
-            </a:r>
-            <a:r>
-              <a:rPr lang="en-US" dirty="0" err="1" smtClean="0">
-                <a:solidFill>
-                  <a:schemeClr val="bg1"/>
-                </a:solidFill>
-                <a:latin typeface="Geneva"/>
-                <a:cs typeface="Geneva"/>
-              </a:rPr>
-              <a:t>Jetbrains</a:t>
-            </a:r>
             <a:endParaRPr lang="en-US" dirty="0" smtClean="0">
               <a:solidFill>
                 <a:schemeClr val="bg1"/>
@@ -9312,15 +11902,6 @@
             </a:endParaRPr>
           </a:p>
           <a:p>
-            <a:endParaRPr lang="en-US" dirty="0" smtClean="0">
-              <a:solidFill>
-                <a:schemeClr val="bg1"/>
-              </a:solidFill>
-              <a:latin typeface="Geneva"/>
-              <a:cs typeface="Geneva"/>
-            </a:endParaRPr>
-          </a:p>
-          <a:p>
             <a:pPr marL="400050" lvl="1" indent="0">
               <a:buNone/>
             </a:pPr>
@@ -9356,13 +11937,6 @@
               </a:rPr>
               <a:t> </a:t>
             </a:r>
-            <a:endParaRPr lang="en-US" dirty="0" smtClean="0">
-              <a:solidFill>
-                <a:schemeClr val="bg1"/>
-              </a:solidFill>
-              <a:latin typeface="Geneva"/>
-              <a:cs typeface="Geneva"/>
-            </a:endParaRPr>
           </a:p>
         </p:txBody>
       </p:sp>
@@ -9564,8 +12138,8 @@
 </p:sld>
 </file>
 
-<file path=ppt/slides/slide17.xml><?xml version="1.0" encoding="utf-8"?>
-<p:sld xmlns:a="http://schemas.openxmlformats.org/drawingml/2006/main" xmlns:r="http://schemas.openxmlformats.org/officeDocument/2006/relationships" xmlns:p="http://schemas.openxmlformats.org/presentationml/2006/main">
+<file path=ppt/slides/slide2.xml><?xml version="1.0" encoding="utf-8"?>
+<p:sld xmlns:a="http://schemas.openxmlformats.org/drawingml/2006/main" xmlns:r="http://schemas.openxmlformats.org/officeDocument/2006/relationships" xmlns:p="http://schemas.openxmlformats.org/presentationml/2006/main" showMasterSp="0">
   <p:cSld>
     <p:spTree>
       <p:nvGrpSpPr>
@@ -9616,43 +12190,36 @@
           <a:lstStyle/>
           <a:p>
             <a:r>
-              <a:rPr lang="en-US" dirty="0">
+              <a:rPr lang="en-US" dirty="0" smtClean="0">
                 <a:solidFill>
                   <a:schemeClr val="bg1"/>
                 </a:solidFill>
                 <a:latin typeface="Geneva"/>
                 <a:cs typeface="Geneva"/>
               </a:rPr>
-              <a:t>Documentation at official website</a:t>
-            </a:r>
-            <a:endParaRPr lang="en-US" dirty="0" smtClean="0">
-              <a:solidFill>
-                <a:schemeClr val="bg1"/>
-              </a:solidFill>
-              <a:latin typeface="Geneva"/>
-              <a:cs typeface="Geneva"/>
-            </a:endParaRPr>
-          </a:p>
-          <a:p>
-            <a:r>
-              <a:rPr lang="en-US" dirty="0" err="1">
+              <a:t>Who am I listening to?</a:t>
+            </a:r>
+          </a:p>
+          <a:p>
+            <a:r>
+              <a:rPr lang="en-US" dirty="0" smtClean="0">
                 <a:solidFill>
                   <a:schemeClr val="bg1"/>
                 </a:solidFill>
                 <a:latin typeface="Geneva"/>
                 <a:cs typeface="Geneva"/>
               </a:rPr>
-              <a:t>Skillscast</a:t>
-            </a:r>
-            <a:r>
-              <a:rPr lang="en-US" dirty="0">
+              <a:t>Why should I care about </a:t>
+            </a:r>
+            <a:r>
+              <a:rPr lang="en-US" dirty="0" err="1" smtClean="0">
                 <a:solidFill>
                   <a:schemeClr val="bg1"/>
                 </a:solidFill>
                 <a:latin typeface="Geneva"/>
                 <a:cs typeface="Geneva"/>
               </a:rPr>
-              <a:t> recording of Jake </a:t>
+              <a:t>Kotlin</a:t>
             </a:r>
             <a:r>
               <a:rPr lang="en-US" dirty="0" smtClean="0">
@@ -9662,17 +12229,11 @@
                 <a:latin typeface="Geneva"/>
                 <a:cs typeface="Geneva"/>
               </a:rPr>
-              <a:t>Wharton</a:t>
-            </a:r>
-            <a:endParaRPr lang="en-US" dirty="0" smtClean="0">
-              <a:solidFill>
-                <a:schemeClr val="bg1"/>
-              </a:solidFill>
-              <a:latin typeface="Geneva"/>
-              <a:cs typeface="Geneva"/>
-            </a:endParaRPr>
-          </a:p>
-          <a:p>
+              <a:t>?</a:t>
+            </a:r>
+          </a:p>
+          <a:p>
+            <a:pPr lvl="1"/>
             <a:r>
               <a:rPr lang="en-US" dirty="0" smtClean="0">
                 <a:solidFill>
@@ -9681,8 +12242,35 @@
                 <a:latin typeface="Geneva"/>
                 <a:cs typeface="Geneva"/>
               </a:rPr>
-              <a:t>Fragmented podcast with guys from </a:t>
-            </a:r>
+              <a:t>The basics</a:t>
+            </a:r>
+          </a:p>
+          <a:p>
+            <a:pPr lvl="1"/>
+            <a:r>
+              <a:rPr lang="en-US" dirty="0" smtClean="0">
+                <a:solidFill>
+                  <a:schemeClr val="bg1"/>
+                </a:solidFill>
+                <a:latin typeface="Geneva"/>
+                <a:cs typeface="Geneva"/>
+              </a:rPr>
+              <a:t>The cool stuff</a:t>
+            </a:r>
+          </a:p>
+          <a:p>
+            <a:r>
+              <a:rPr lang="en-US" dirty="0" smtClean="0">
+                <a:solidFill>
+                  <a:schemeClr val="bg1"/>
+                </a:solidFill>
+                <a:latin typeface="Geneva"/>
+                <a:cs typeface="Geneva"/>
+              </a:rPr>
+              <a:t>How do I get my hands on it?</a:t>
+            </a:r>
+          </a:p>
+          <a:p>
             <a:r>
               <a:rPr lang="en-US" dirty="0" err="1" smtClean="0">
                 <a:solidFill>
@@ -9691,17 +12279,8 @@
                 <a:latin typeface="Geneva"/>
                 <a:cs typeface="Geneva"/>
               </a:rPr>
-              <a:t>IntelliJ</a:t>
-            </a:r>
-            <a:endParaRPr lang="en-US" dirty="0" smtClean="0">
-              <a:solidFill>
-                <a:schemeClr val="bg1"/>
-              </a:solidFill>
-              <a:latin typeface="Geneva"/>
-              <a:cs typeface="Geneva"/>
-            </a:endParaRPr>
-          </a:p>
-          <a:p>
+              <a:t>Uhmmm</a:t>
+            </a:r>
             <a:r>
               <a:rPr lang="en-US" dirty="0" smtClean="0">
                 <a:solidFill>
@@ -9710,7 +12289,19 @@
                 <a:latin typeface="Geneva"/>
                 <a:cs typeface="Geneva"/>
               </a:rPr>
-              <a:t>Ask me, I have like 1 month of experience, so that’s about 33% of the lifetime of version 1.0.0 beta</a:t>
+              <a:t>.. I might need some help on this</a:t>
+            </a:r>
+          </a:p>
+          <a:p>
+            <a:r>
+              <a:rPr lang="en-US" dirty="0" smtClean="0">
+                <a:solidFill>
+                  <a:schemeClr val="bg1"/>
+                </a:solidFill>
+                <a:latin typeface="Geneva"/>
+                <a:cs typeface="Geneva"/>
+              </a:rPr>
+              <a:t>Awe and applause</a:t>
             </a:r>
           </a:p>
         </p:txBody>
@@ -9766,6 +12357,514 @@
                 <a:latin typeface="Geneva"/>
                 <a:cs typeface="Geneva"/>
               </a:rPr>
+              <a:t>  What are we about to witness</a:t>
+            </a:r>
+            <a:endParaRPr lang="en-US" sz="3200" dirty="0">
+              <a:latin typeface="Geneva"/>
+              <a:cs typeface="Geneva"/>
+            </a:endParaRPr>
+          </a:p>
+        </p:txBody>
+      </p:sp>
+      <p:sp>
+        <p:nvSpPr>
+          <p:cNvPr id="6" name="Oval 5"/>
+          <p:cNvSpPr/>
+          <p:nvPr/>
+        </p:nvSpPr>
+        <p:spPr>
+          <a:xfrm>
+            <a:off x="7938087" y="390762"/>
+            <a:ext cx="959326" cy="959326"/>
+          </a:xfrm>
+          <a:prstGeom prst="ellipse">
+            <a:avLst/>
+          </a:prstGeom>
+          <a:solidFill>
+            <a:srgbClr val="8BC34A"/>
+          </a:solidFill>
+          <a:ln>
+            <a:noFill/>
+          </a:ln>
+          <a:effectLst>
+            <a:outerShdw blurRad="40000" dist="23000" dir="2700000" rotWithShape="0">
+              <a:srgbClr val="000000">
+                <a:alpha val="35000"/>
+              </a:srgbClr>
+            </a:outerShdw>
+          </a:effectLst>
+        </p:spPr>
+        <p:style>
+          <a:lnRef idx="1">
+            <a:schemeClr val="accent1"/>
+          </a:lnRef>
+          <a:fillRef idx="3">
+            <a:schemeClr val="accent1"/>
+          </a:fillRef>
+          <a:effectRef idx="2">
+            <a:schemeClr val="accent1"/>
+          </a:effectRef>
+          <a:fontRef idx="minor">
+            <a:schemeClr val="lt1"/>
+          </a:fontRef>
+        </p:style>
+        <p:txBody>
+          <a:bodyPr rtlCol="0" anchor="ctr"/>
+          <a:lstStyle/>
+          <a:p>
+            <a:pPr algn="ctr"/>
+            <a:r>
+              <a:rPr lang="en-US" sz="2800" dirty="0" smtClean="0"/>
+              <a:t>?</a:t>
+            </a:r>
+            <a:endParaRPr lang="en-US" sz="2800" dirty="0"/>
+          </a:p>
+        </p:txBody>
+      </p:sp>
+    </p:spTree>
+    <p:extLst>
+      <p:ext uri="{BB962C8B-B14F-4D97-AF65-F5344CB8AC3E}">
+        <p14:creationId xmlns:p14="http://schemas.microsoft.com/office/powerpoint/2010/main" val="4092739723"/>
+      </p:ext>
+    </p:extLst>
+  </p:cSld>
+  <p:clrMapOvr>
+    <a:masterClrMapping/>
+  </p:clrMapOvr>
+  <mc:AlternateContent xmlns:mc="http://schemas.openxmlformats.org/markup-compatibility/2006" xmlns:p14="http://schemas.microsoft.com/office/powerpoint/2010/main">
+    <mc:Choice Requires="p14">
+      <p:transition p14:dur="400">
+        <p14:flythrough dir="out"/>
+      </p:transition>
+    </mc:Choice>
+    <mc:Fallback xmlns="">
+      <p:transition xmlns:p14="http://schemas.microsoft.com/office/powerpoint/2010/main">
+        <p:fade/>
+      </p:transition>
+    </mc:Fallback>
+  </mc:AlternateContent>
+  <p:timing>
+    <p:tnLst>
+      <p:par>
+        <p:cTn xmlns:p14="http://schemas.microsoft.com/office/powerpoint/2010/main" id="1" dur="indefinite" restart="never" nodeType="tmRoot">
+          <p:childTnLst>
+            <p:seq concurrent="1" nextAc="seek">
+              <p:cTn id="2" dur="indefinite" nodeType="mainSeq">
+                <p:childTnLst>
+                  <p:par>
+                    <p:cTn id="3" fill="hold">
+                      <p:stCondLst>
+                        <p:cond delay="indefinite"/>
+                      </p:stCondLst>
+                      <p:childTnLst>
+                        <p:par>
+                          <p:cTn id="4" fill="hold">
+                            <p:stCondLst>
+                              <p:cond delay="0"/>
+                            </p:stCondLst>
+                            <p:childTnLst>
+                              <p:par>
+                                <p:cTn id="5" presetID="23" presetClass="entr" presetSubtype="16" fill="hold" grpId="0" nodeType="clickEffect">
+                                  <p:stCondLst>
+                                    <p:cond delay="0"/>
+                                  </p:stCondLst>
+                                  <p:childTnLst>
+                                    <p:set>
+                                      <p:cBhvr>
+                                        <p:cTn id="6" dur="1" fill="hold">
+                                          <p:stCondLst>
+                                            <p:cond delay="0"/>
+                                          </p:stCondLst>
+                                        </p:cTn>
+                                        <p:tgtEl>
+                                          <p:spTgt spid="6"/>
+                                        </p:tgtEl>
+                                        <p:attrNameLst>
+                                          <p:attrName>style.visibility</p:attrName>
+                                        </p:attrNameLst>
+                                      </p:cBhvr>
+                                      <p:to>
+                                        <p:strVal val="visible"/>
+                                      </p:to>
+                                    </p:set>
+                                    <p:anim calcmode="lin" valueType="num">
+                                      <p:cBhvr>
+                                        <p:cTn id="7" dur="200" fill="hold"/>
+                                        <p:tgtEl>
+                                          <p:spTgt spid="6"/>
+                                        </p:tgtEl>
+                                        <p:attrNameLst>
+                                          <p:attrName>ppt_w</p:attrName>
+                                        </p:attrNameLst>
+                                      </p:cBhvr>
+                                      <p:tavLst>
+                                        <p:tav tm="0">
+                                          <p:val>
+                                            <p:fltVal val="0"/>
+                                          </p:val>
+                                        </p:tav>
+                                        <p:tav tm="100000">
+                                          <p:val>
+                                            <p:strVal val="#ppt_w"/>
+                                          </p:val>
+                                        </p:tav>
+                                      </p:tavLst>
+                                    </p:anim>
+                                    <p:anim calcmode="lin" valueType="num">
+                                      <p:cBhvr>
+                                        <p:cTn id="8" dur="200" fill="hold"/>
+                                        <p:tgtEl>
+                                          <p:spTgt spid="6"/>
+                                        </p:tgtEl>
+                                        <p:attrNameLst>
+                                          <p:attrName>ppt_h</p:attrName>
+                                        </p:attrNameLst>
+                                      </p:cBhvr>
+                                      <p:tavLst>
+                                        <p:tav tm="0">
+                                          <p:val>
+                                            <p:fltVal val="0"/>
+                                          </p:val>
+                                        </p:tav>
+                                        <p:tav tm="100000">
+                                          <p:val>
+                                            <p:strVal val="#ppt_h"/>
+                                          </p:val>
+                                        </p:tav>
+                                      </p:tavLst>
+                                    </p:anim>
+                                  </p:childTnLst>
+                                </p:cTn>
+                              </p:par>
+                            </p:childTnLst>
+                          </p:cTn>
+                        </p:par>
+                      </p:childTnLst>
+                    </p:cTn>
+                  </p:par>
+                </p:childTnLst>
+              </p:cTn>
+              <p:prevCondLst>
+                <p:cond evt="onPrev" delay="0">
+                  <p:tgtEl>
+                    <p:sldTgt/>
+                  </p:tgtEl>
+                </p:cond>
+              </p:prevCondLst>
+              <p:nextCondLst>
+                <p:cond evt="onNext" delay="0">
+                  <p:tgtEl>
+                    <p:sldTgt/>
+                  </p:tgtEl>
+                </p:cond>
+              </p:nextCondLst>
+            </p:seq>
+          </p:childTnLst>
+        </p:cTn>
+      </p:par>
+    </p:tnLst>
+    <p:bldLst>
+      <p:bldP spid="6" grpId="0" animBg="1"/>
+    </p:bldLst>
+  </p:timing>
+</p:sld>
+</file>
+
+<file path=ppt/slides/slide20.xml><?xml version="1.0" encoding="utf-8"?>
+<p:sld xmlns:a="http://schemas.openxmlformats.org/drawingml/2006/main" xmlns:r="http://schemas.openxmlformats.org/officeDocument/2006/relationships" xmlns:p="http://schemas.openxmlformats.org/presentationml/2006/main">
+  <p:cSld>
+    <p:spTree>
+      <p:nvGrpSpPr>
+        <p:cNvPr id="1" name=""/>
+        <p:cNvGrpSpPr/>
+        <p:nvPr/>
+      </p:nvGrpSpPr>
+      <p:grpSpPr>
+        <a:xfrm>
+          <a:off x="0" y="0"/>
+          <a:ext cx="0" cy="0"/>
+          <a:chOff x="0" y="0"/>
+          <a:chExt cx="0" cy="0"/>
+        </a:xfrm>
+      </p:grpSpPr>
+      <p:sp>
+        <p:nvSpPr>
+          <p:cNvPr id="2" name="Title 1"/>
+          <p:cNvSpPr>
+            <a:spLocks noGrp="1"/>
+          </p:cNvSpPr>
+          <p:nvPr>
+            <p:ph type="title"/>
+          </p:nvPr>
+        </p:nvSpPr>
+        <p:spPr/>
+        <p:txBody>
+          <a:bodyPr/>
+          <a:lstStyle/>
+          <a:p>
+            <a:endParaRPr lang="en-US"/>
+          </a:p>
+        </p:txBody>
+      </p:sp>
+      <p:sp>
+        <p:nvSpPr>
+          <p:cNvPr id="3" name="Content Placeholder 2"/>
+          <p:cNvSpPr>
+            <a:spLocks noGrp="1"/>
+          </p:cNvSpPr>
+          <p:nvPr>
+            <p:ph idx="1"/>
+          </p:nvPr>
+        </p:nvSpPr>
+        <p:spPr/>
+        <p:txBody>
+          <a:bodyPr/>
+          <a:lstStyle/>
+          <a:p>
+            <a:r>
+              <a:rPr lang="en-US" dirty="0">
+                <a:solidFill>
+                  <a:schemeClr val="bg1"/>
+                </a:solidFill>
+                <a:latin typeface="Geneva"/>
+                <a:cs typeface="Geneva"/>
+              </a:rPr>
+              <a:t>Documentation at official website</a:t>
+            </a:r>
+            <a:endParaRPr lang="en-US" dirty="0" smtClean="0">
+              <a:solidFill>
+                <a:schemeClr val="bg1"/>
+              </a:solidFill>
+              <a:latin typeface="Geneva"/>
+              <a:cs typeface="Geneva"/>
+            </a:endParaRPr>
+          </a:p>
+          <a:p>
+            <a:r>
+              <a:rPr lang="en-US" dirty="0" err="1">
+                <a:solidFill>
+                  <a:schemeClr val="bg1"/>
+                </a:solidFill>
+                <a:latin typeface="Geneva"/>
+                <a:cs typeface="Geneva"/>
+              </a:rPr>
+              <a:t>Skillscast</a:t>
+            </a:r>
+            <a:r>
+              <a:rPr lang="en-US" dirty="0">
+                <a:solidFill>
+                  <a:schemeClr val="bg1"/>
+                </a:solidFill>
+                <a:latin typeface="Geneva"/>
+                <a:cs typeface="Geneva"/>
+              </a:rPr>
+              <a:t> recording of Jake </a:t>
+            </a:r>
+            <a:r>
+              <a:rPr lang="en-US" dirty="0" smtClean="0">
+                <a:solidFill>
+                  <a:schemeClr val="bg1"/>
+                </a:solidFill>
+                <a:latin typeface="Geneva"/>
+                <a:cs typeface="Geneva"/>
+              </a:rPr>
+              <a:t>Wharton</a:t>
+            </a:r>
+            <a:endParaRPr lang="en-US" dirty="0" smtClean="0">
+              <a:solidFill>
+                <a:schemeClr val="bg1"/>
+              </a:solidFill>
+              <a:latin typeface="Geneva"/>
+              <a:cs typeface="Geneva"/>
+            </a:endParaRPr>
+          </a:p>
+          <a:p>
+            <a:r>
+              <a:rPr lang="en-US" dirty="0" smtClean="0">
+                <a:solidFill>
+                  <a:schemeClr val="bg1"/>
+                </a:solidFill>
+                <a:latin typeface="Geneva"/>
+                <a:cs typeface="Geneva"/>
+              </a:rPr>
+              <a:t>Fragmented podcast with </a:t>
+            </a:r>
+            <a:r>
+              <a:rPr lang="en-US" dirty="0" err="1">
+                <a:solidFill>
+                  <a:schemeClr val="bg1"/>
+                </a:solidFill>
+                <a:latin typeface="Geneva"/>
+                <a:cs typeface="Geneva"/>
+              </a:rPr>
+              <a:t>Hadi</a:t>
+            </a:r>
+            <a:r>
+              <a:rPr lang="en-US" dirty="0">
+                <a:solidFill>
+                  <a:schemeClr val="bg1"/>
+                </a:solidFill>
+                <a:latin typeface="Geneva"/>
+                <a:cs typeface="Geneva"/>
+              </a:rPr>
+              <a:t> </a:t>
+            </a:r>
+            <a:r>
+              <a:rPr lang="en-US" dirty="0" smtClean="0">
+                <a:solidFill>
+                  <a:schemeClr val="bg1"/>
+                </a:solidFill>
+                <a:latin typeface="Geneva"/>
+                <a:cs typeface="Geneva"/>
+              </a:rPr>
+              <a:t>Hariri</a:t>
+            </a:r>
+            <a:endParaRPr lang="en-US" dirty="0">
+              <a:solidFill>
+                <a:schemeClr val="bg1"/>
+              </a:solidFill>
+              <a:latin typeface="Geneva"/>
+              <a:cs typeface="Geneva"/>
+            </a:endParaRPr>
+          </a:p>
+          <a:p>
+            <a:r>
+              <a:rPr lang="en-US" dirty="0" smtClean="0">
+                <a:solidFill>
+                  <a:schemeClr val="bg1"/>
+                </a:solidFill>
+                <a:latin typeface="Geneva"/>
+                <a:cs typeface="Geneva"/>
+              </a:rPr>
+              <a:t>Talk of Michael Prado at </a:t>
+            </a:r>
+            <a:r>
+              <a:rPr lang="en-US" dirty="0" err="1" smtClean="0">
+                <a:solidFill>
+                  <a:schemeClr val="bg1"/>
+                </a:solidFill>
+                <a:latin typeface="Geneva"/>
+                <a:cs typeface="Geneva"/>
+              </a:rPr>
+              <a:t>DroidCon</a:t>
+            </a:r>
+            <a:r>
+              <a:rPr lang="en-US" dirty="0" smtClean="0">
+                <a:solidFill>
+                  <a:schemeClr val="bg1"/>
+                </a:solidFill>
+                <a:latin typeface="Geneva"/>
+                <a:cs typeface="Geneva"/>
+              </a:rPr>
+              <a:t> New York</a:t>
+            </a:r>
+          </a:p>
+          <a:p>
+            <a:endParaRPr lang="en-US" dirty="0">
+              <a:solidFill>
+                <a:schemeClr val="bg1"/>
+              </a:solidFill>
+              <a:latin typeface="Geneva"/>
+              <a:cs typeface="Geneva"/>
+            </a:endParaRPr>
+          </a:p>
+          <a:p>
+            <a:pPr marL="457200" lvl="1" indent="0">
+              <a:buNone/>
+            </a:pPr>
+            <a:r>
+              <a:rPr lang="en-US" dirty="0">
+                <a:solidFill>
+                  <a:schemeClr val="bg1"/>
+                </a:solidFill>
+                <a:latin typeface="Geneva"/>
+                <a:cs typeface="Geneva"/>
+                <a:hlinkClick r:id="rId3"/>
+              </a:rPr>
+              <a:t>https://realm.io/news/droidcon-michael-pardo-kotlin</a:t>
+            </a:r>
+            <a:r>
+              <a:rPr lang="en-US" dirty="0" smtClean="0">
+                <a:solidFill>
+                  <a:schemeClr val="bg1"/>
+                </a:solidFill>
+                <a:latin typeface="Geneva"/>
+                <a:cs typeface="Geneva"/>
+                <a:hlinkClick r:id="rId3"/>
+              </a:rPr>
+              <a:t>/</a:t>
+            </a:r>
+            <a:r>
+              <a:rPr lang="en-US" dirty="0" smtClean="0">
+                <a:solidFill>
+                  <a:schemeClr val="bg1"/>
+                </a:solidFill>
+                <a:latin typeface="Geneva"/>
+                <a:cs typeface="Geneva"/>
+              </a:rPr>
+              <a:t> </a:t>
+            </a:r>
+            <a:endParaRPr lang="en-US" dirty="0" smtClean="0">
+              <a:solidFill>
+                <a:schemeClr val="bg1"/>
+              </a:solidFill>
+              <a:latin typeface="Geneva"/>
+              <a:cs typeface="Geneva"/>
+            </a:endParaRPr>
+          </a:p>
+        </p:txBody>
+      </p:sp>
+      <p:sp>
+        <p:nvSpPr>
+          <p:cNvPr id="8" name="Rectangle 7"/>
+          <p:cNvSpPr/>
+          <p:nvPr/>
+        </p:nvSpPr>
+        <p:spPr>
+          <a:xfrm>
+            <a:off x="0" y="-94570"/>
+            <a:ext cx="9144000" cy="972718"/>
+          </a:xfrm>
+          <a:prstGeom prst="rect">
+            <a:avLst/>
+          </a:prstGeom>
+          <a:solidFill>
+            <a:srgbClr val="C1285B"/>
+          </a:solidFill>
+          <a:ln>
+            <a:noFill/>
+          </a:ln>
+          <a:effectLst>
+            <a:outerShdw blurRad="40000" dist="23000" dir="2700000" rotWithShape="0">
+              <a:srgbClr val="000000">
+                <a:alpha val="35000"/>
+              </a:srgbClr>
+            </a:outerShdw>
+          </a:effectLst>
+        </p:spPr>
+        <p:style>
+          <a:lnRef idx="1">
+            <a:schemeClr val="accent1"/>
+          </a:lnRef>
+          <a:fillRef idx="3">
+            <a:schemeClr val="accent1"/>
+          </a:fillRef>
+          <a:effectRef idx="2">
+            <a:schemeClr val="accent1"/>
+          </a:effectRef>
+          <a:fontRef idx="minor">
+            <a:schemeClr val="lt1"/>
+          </a:fontRef>
+        </p:style>
+        <p:txBody>
+          <a:bodyPr rtlCol="0" anchor="ctr"/>
+          <a:lstStyle/>
+          <a:p>
+            <a:r>
+              <a:rPr lang="en-US" sz="3200" dirty="0" smtClean="0">
+                <a:latin typeface="Geneva"/>
+                <a:cs typeface="Geneva"/>
+              </a:rPr>
               <a:t>  It works… but how do I make it work</a:t>
             </a:r>
             <a:endParaRPr lang="en-US" sz="3200" dirty="0">
@@ -9791,7 +12890,9 @@
         </p:grpSpPr>
         <p:sp>
           <p:nvSpPr>
-            <p:cNvPr id="6" name="Oval 5"/>
+            <p:cNvPr id="6" name="Oval 5">
+              <a:hlinkClick r:id="rId3"/>
+            </p:cNvPr>
             <p:cNvSpPr/>
             <p:nvPr/>
           </p:nvSpPr>
@@ -9842,7 +12943,9 @@
         </p:sp>
         <p:sp>
           <p:nvSpPr>
-            <p:cNvPr id="7" name="Right Arrow 6"/>
+            <p:cNvPr id="7" name="Right Arrow 6">
+              <a:hlinkClick r:id="rId3"/>
+            </p:cNvPr>
             <p:cNvSpPr/>
             <p:nvPr/>
           </p:nvSpPr>
@@ -10041,7 +13144,543 @@
 </p:sld>
 </file>
 
-<file path=ppt/slides/slide18.xml><?xml version="1.0" encoding="utf-8"?>
+<file path=ppt/slides/slide21.xml><?xml version="1.0" encoding="utf-8"?>
+<p:sld xmlns:a="http://schemas.openxmlformats.org/drawingml/2006/main" xmlns:r="http://schemas.openxmlformats.org/officeDocument/2006/relationships" xmlns:p="http://schemas.openxmlformats.org/presentationml/2006/main">
+  <p:cSld>
+    <p:spTree>
+      <p:nvGrpSpPr>
+        <p:cNvPr id="1" name=""/>
+        <p:cNvGrpSpPr/>
+        <p:nvPr/>
+      </p:nvGrpSpPr>
+      <p:grpSpPr>
+        <a:xfrm>
+          <a:off x="0" y="0"/>
+          <a:ext cx="0" cy="0"/>
+          <a:chOff x="0" y="0"/>
+          <a:chExt cx="0" cy="0"/>
+        </a:xfrm>
+      </p:grpSpPr>
+      <p:sp>
+        <p:nvSpPr>
+          <p:cNvPr id="2" name="Title 1"/>
+          <p:cNvSpPr>
+            <a:spLocks noGrp="1"/>
+          </p:cNvSpPr>
+          <p:nvPr>
+            <p:ph type="title"/>
+          </p:nvPr>
+        </p:nvSpPr>
+        <p:spPr/>
+        <p:txBody>
+          <a:bodyPr/>
+          <a:lstStyle/>
+          <a:p>
+            <a:endParaRPr lang="en-US"/>
+          </a:p>
+        </p:txBody>
+      </p:sp>
+      <p:sp>
+        <p:nvSpPr>
+          <p:cNvPr id="3" name="Content Placeholder 2"/>
+          <p:cNvSpPr>
+            <a:spLocks noGrp="1"/>
+          </p:cNvSpPr>
+          <p:nvPr>
+            <p:ph idx="1"/>
+          </p:nvPr>
+        </p:nvSpPr>
+        <p:spPr/>
+        <p:txBody>
+          <a:bodyPr/>
+          <a:lstStyle/>
+          <a:p>
+            <a:r>
+              <a:rPr lang="en-US" dirty="0">
+                <a:solidFill>
+                  <a:schemeClr val="bg1"/>
+                </a:solidFill>
+                <a:latin typeface="Geneva"/>
+                <a:cs typeface="Geneva"/>
+              </a:rPr>
+              <a:t>Documentation at official website</a:t>
+            </a:r>
+            <a:endParaRPr lang="en-US" dirty="0" smtClean="0">
+              <a:solidFill>
+                <a:schemeClr val="bg1"/>
+              </a:solidFill>
+              <a:latin typeface="Geneva"/>
+              <a:cs typeface="Geneva"/>
+            </a:endParaRPr>
+          </a:p>
+          <a:p>
+            <a:r>
+              <a:rPr lang="en-US" dirty="0" err="1">
+                <a:solidFill>
+                  <a:schemeClr val="bg1"/>
+                </a:solidFill>
+                <a:latin typeface="Geneva"/>
+                <a:cs typeface="Geneva"/>
+              </a:rPr>
+              <a:t>Skillscast</a:t>
+            </a:r>
+            <a:r>
+              <a:rPr lang="en-US" dirty="0">
+                <a:solidFill>
+                  <a:schemeClr val="bg1"/>
+                </a:solidFill>
+                <a:latin typeface="Geneva"/>
+                <a:cs typeface="Geneva"/>
+              </a:rPr>
+              <a:t> recording of Jake </a:t>
+            </a:r>
+            <a:r>
+              <a:rPr lang="en-US" dirty="0" smtClean="0">
+                <a:solidFill>
+                  <a:schemeClr val="bg1"/>
+                </a:solidFill>
+                <a:latin typeface="Geneva"/>
+                <a:cs typeface="Geneva"/>
+              </a:rPr>
+              <a:t>Wharton</a:t>
+            </a:r>
+            <a:endParaRPr lang="en-US" dirty="0" smtClean="0">
+              <a:solidFill>
+                <a:schemeClr val="bg1"/>
+              </a:solidFill>
+              <a:latin typeface="Geneva"/>
+              <a:cs typeface="Geneva"/>
+            </a:endParaRPr>
+          </a:p>
+          <a:p>
+            <a:r>
+              <a:rPr lang="en-US" dirty="0" smtClean="0">
+                <a:solidFill>
+                  <a:schemeClr val="bg1"/>
+                </a:solidFill>
+                <a:latin typeface="Geneva"/>
+                <a:cs typeface="Geneva"/>
+              </a:rPr>
+              <a:t>Fragmented podcast with </a:t>
+            </a:r>
+            <a:r>
+              <a:rPr lang="en-US" dirty="0" err="1">
+                <a:solidFill>
+                  <a:schemeClr val="bg1"/>
+                </a:solidFill>
+                <a:latin typeface="Geneva"/>
+                <a:cs typeface="Geneva"/>
+              </a:rPr>
+              <a:t>Hadi</a:t>
+            </a:r>
+            <a:r>
+              <a:rPr lang="en-US" dirty="0">
+                <a:solidFill>
+                  <a:schemeClr val="bg1"/>
+                </a:solidFill>
+                <a:latin typeface="Geneva"/>
+                <a:cs typeface="Geneva"/>
+              </a:rPr>
+              <a:t> </a:t>
+            </a:r>
+            <a:r>
+              <a:rPr lang="en-US" dirty="0" smtClean="0">
+                <a:solidFill>
+                  <a:schemeClr val="bg1"/>
+                </a:solidFill>
+                <a:latin typeface="Geneva"/>
+                <a:cs typeface="Geneva"/>
+              </a:rPr>
+              <a:t>Hariri</a:t>
+            </a:r>
+            <a:endParaRPr lang="en-US" dirty="0">
+              <a:solidFill>
+                <a:schemeClr val="bg1"/>
+              </a:solidFill>
+              <a:latin typeface="Geneva"/>
+              <a:cs typeface="Geneva"/>
+            </a:endParaRPr>
+          </a:p>
+          <a:p>
+            <a:r>
+              <a:rPr lang="en-US" dirty="0">
+                <a:solidFill>
+                  <a:schemeClr val="bg1"/>
+                </a:solidFill>
+                <a:latin typeface="Geneva"/>
+                <a:cs typeface="Geneva"/>
+              </a:rPr>
+              <a:t>Talk of Michael </a:t>
+            </a:r>
+            <a:r>
+              <a:rPr lang="en-US" dirty="0" smtClean="0">
+                <a:solidFill>
+                  <a:schemeClr val="bg1"/>
+                </a:solidFill>
+                <a:latin typeface="Geneva"/>
+                <a:cs typeface="Geneva"/>
+              </a:rPr>
+              <a:t>Prado</a:t>
+            </a:r>
+            <a:endParaRPr lang="en-US" dirty="0">
+              <a:solidFill>
+                <a:schemeClr val="bg1"/>
+              </a:solidFill>
+              <a:latin typeface="Geneva"/>
+              <a:cs typeface="Geneva"/>
+            </a:endParaRPr>
+          </a:p>
+          <a:p>
+            <a:r>
+              <a:rPr lang="en-US" dirty="0" smtClean="0">
+                <a:solidFill>
+                  <a:schemeClr val="bg1"/>
+                </a:solidFill>
+                <a:latin typeface="Geneva"/>
+                <a:cs typeface="Geneva"/>
+              </a:rPr>
+              <a:t>Ask </a:t>
+            </a:r>
+            <a:r>
+              <a:rPr lang="en-US" dirty="0" smtClean="0">
+                <a:solidFill>
+                  <a:schemeClr val="bg1"/>
+                </a:solidFill>
+                <a:latin typeface="Geneva"/>
+                <a:cs typeface="Geneva"/>
+              </a:rPr>
+              <a:t>me, I have like 1 month of experience, so that’s about 33% of the lifetime of version 1.0.0 beta</a:t>
+            </a:r>
+          </a:p>
+        </p:txBody>
+      </p:sp>
+      <p:sp>
+        <p:nvSpPr>
+          <p:cNvPr id="8" name="Rectangle 7"/>
+          <p:cNvSpPr/>
+          <p:nvPr/>
+        </p:nvSpPr>
+        <p:spPr>
+          <a:xfrm>
+            <a:off x="0" y="-94570"/>
+            <a:ext cx="9144000" cy="972718"/>
+          </a:xfrm>
+          <a:prstGeom prst="rect">
+            <a:avLst/>
+          </a:prstGeom>
+          <a:solidFill>
+            <a:srgbClr val="C1285B"/>
+          </a:solidFill>
+          <a:ln>
+            <a:noFill/>
+          </a:ln>
+          <a:effectLst>
+            <a:outerShdw blurRad="40000" dist="23000" dir="2700000" rotWithShape="0">
+              <a:srgbClr val="000000">
+                <a:alpha val="35000"/>
+              </a:srgbClr>
+            </a:outerShdw>
+          </a:effectLst>
+        </p:spPr>
+        <p:style>
+          <a:lnRef idx="1">
+            <a:schemeClr val="accent1"/>
+          </a:lnRef>
+          <a:fillRef idx="3">
+            <a:schemeClr val="accent1"/>
+          </a:fillRef>
+          <a:effectRef idx="2">
+            <a:schemeClr val="accent1"/>
+          </a:effectRef>
+          <a:fontRef idx="minor">
+            <a:schemeClr val="lt1"/>
+          </a:fontRef>
+        </p:style>
+        <p:txBody>
+          <a:bodyPr rtlCol="0" anchor="ctr"/>
+          <a:lstStyle/>
+          <a:p>
+            <a:r>
+              <a:rPr lang="en-US" sz="3200" dirty="0" smtClean="0">
+                <a:latin typeface="Geneva"/>
+                <a:cs typeface="Geneva"/>
+              </a:rPr>
+              <a:t>  It works… but how do I make it work</a:t>
+            </a:r>
+            <a:endParaRPr lang="en-US" sz="3200" dirty="0">
+              <a:latin typeface="Geneva"/>
+              <a:cs typeface="Geneva"/>
+            </a:endParaRPr>
+          </a:p>
+        </p:txBody>
+      </p:sp>
+      <p:grpSp>
+        <p:nvGrpSpPr>
+          <p:cNvPr id="4" name="Group 3"/>
+          <p:cNvGrpSpPr/>
+          <p:nvPr/>
+        </p:nvGrpSpPr>
+        <p:grpSpPr>
+          <a:xfrm>
+            <a:off x="7938087" y="390762"/>
+            <a:ext cx="959326" cy="959326"/>
+            <a:chOff x="7938087" y="390762"/>
+            <a:chExt cx="959326" cy="959326"/>
+          </a:xfrm>
+        </p:grpSpPr>
+        <p:sp>
+          <p:nvSpPr>
+            <p:cNvPr id="6" name="Oval 5"/>
+            <p:cNvSpPr/>
+            <p:nvPr/>
+          </p:nvSpPr>
+          <p:spPr>
+            <a:xfrm>
+              <a:off x="7938087" y="390762"/>
+              <a:ext cx="959326" cy="959326"/>
+            </a:xfrm>
+            <a:prstGeom prst="ellipse">
+              <a:avLst/>
+            </a:prstGeom>
+            <a:solidFill>
+              <a:srgbClr val="8BC34A"/>
+            </a:solidFill>
+            <a:ln>
+              <a:noFill/>
+            </a:ln>
+            <a:effectLst>
+              <a:outerShdw blurRad="40000" dist="23000" dir="2700000" rotWithShape="0">
+                <a:srgbClr val="000000">
+                  <a:alpha val="35000"/>
+                </a:srgbClr>
+              </a:outerShdw>
+            </a:effectLst>
+          </p:spPr>
+          <p:style>
+            <a:lnRef idx="1">
+              <a:schemeClr val="accent1"/>
+            </a:lnRef>
+            <a:fillRef idx="3">
+              <a:schemeClr val="accent1"/>
+            </a:fillRef>
+            <a:effectRef idx="2">
+              <a:schemeClr val="accent1"/>
+            </a:effectRef>
+            <a:fontRef idx="minor">
+              <a:schemeClr val="lt1"/>
+            </a:fontRef>
+          </p:style>
+          <p:txBody>
+            <a:bodyPr rtlCol="0" anchor="ctr"/>
+            <a:lstStyle/>
+            <a:p>
+              <a:pPr algn="ctr"/>
+              <a:endParaRPr lang="en-US" sz="2800" dirty="0"/>
+            </a:p>
+          </p:txBody>
+        </p:sp>
+        <p:sp>
+          <p:nvSpPr>
+            <p:cNvPr id="7" name="Right Arrow 6"/>
+            <p:cNvSpPr/>
+            <p:nvPr/>
+          </p:nvSpPr>
+          <p:spPr>
+            <a:xfrm>
+              <a:off x="8188051" y="716029"/>
+              <a:ext cx="485237" cy="310729"/>
+            </a:xfrm>
+            <a:prstGeom prst="rightArrow">
+              <a:avLst/>
+            </a:prstGeom>
+            <a:solidFill>
+              <a:schemeClr val="bg1"/>
+            </a:solidFill>
+            <a:ln>
+              <a:noFill/>
+            </a:ln>
+            <a:effectLst>
+              <a:outerShdw blurRad="40000" dist="23000" dir="2700000" rotWithShape="0">
+                <a:srgbClr val="000000">
+                  <a:alpha val="35000"/>
+                </a:srgbClr>
+              </a:outerShdw>
+            </a:effectLst>
+          </p:spPr>
+          <p:style>
+            <a:lnRef idx="1">
+              <a:schemeClr val="accent1"/>
+            </a:lnRef>
+            <a:fillRef idx="3">
+              <a:schemeClr val="accent1"/>
+            </a:fillRef>
+            <a:effectRef idx="2">
+              <a:schemeClr val="accent1"/>
+            </a:effectRef>
+            <a:fontRef idx="minor">
+              <a:schemeClr val="lt1"/>
+            </a:fontRef>
+          </p:style>
+          <p:txBody>
+            <a:bodyPr rtlCol="0" anchor="ctr"/>
+            <a:lstStyle/>
+            <a:p>
+              <a:pPr algn="ctr"/>
+              <a:endParaRPr lang="en-US"/>
+            </a:p>
+          </p:txBody>
+        </p:sp>
+      </p:grpSp>
+    </p:spTree>
+    <p:extLst>
+      <p:ext uri="{BB962C8B-B14F-4D97-AF65-F5344CB8AC3E}">
+        <p14:creationId xmlns:p14="http://schemas.microsoft.com/office/powerpoint/2010/main" val="811651774"/>
+      </p:ext>
+    </p:extLst>
+  </p:cSld>
+  <p:clrMapOvr>
+    <a:masterClrMapping/>
+  </p:clrMapOvr>
+  <mc:AlternateContent xmlns:mc="http://schemas.openxmlformats.org/markup-compatibility/2006" xmlns:p14="http://schemas.microsoft.com/office/powerpoint/2010/main">
+    <mc:Choice Requires="p14">
+      <p:transition p14:dur="400">
+        <p:wipe/>
+      </p:transition>
+    </mc:Choice>
+    <mc:Fallback xmlns="">
+      <p:transition xmlns:p14="http://schemas.microsoft.com/office/powerpoint/2010/main">
+        <p:wipe/>
+      </p:transition>
+    </mc:Fallback>
+  </mc:AlternateContent>
+  <p:timing>
+    <p:tnLst>
+      <p:par>
+        <p:cTn xmlns:p14="http://schemas.microsoft.com/office/powerpoint/2010/main" id="1" dur="indefinite" restart="never" nodeType="tmRoot">
+          <p:childTnLst>
+            <p:seq concurrent="1" nextAc="seek">
+              <p:cTn id="2" dur="indefinite" nodeType="mainSeq">
+                <p:childTnLst>
+                  <p:par>
+                    <p:cTn id="3" fill="hold">
+                      <p:stCondLst>
+                        <p:cond delay="indefinite"/>
+                        <p:cond evt="onBegin" delay="0">
+                          <p:tn val="2"/>
+                        </p:cond>
+                      </p:stCondLst>
+                      <p:childTnLst>
+                        <p:par>
+                          <p:cTn id="4" fill="hold">
+                            <p:stCondLst>
+                              <p:cond delay="0"/>
+                            </p:stCondLst>
+                            <p:childTnLst>
+                              <p:par>
+                                <p:cTn id="5" presetID="23" presetClass="exit" presetSubtype="32" fill="hold" nodeType="withEffect">
+                                  <p:stCondLst>
+                                    <p:cond delay="0"/>
+                                  </p:stCondLst>
+                                  <p:childTnLst>
+                                    <p:anim calcmode="lin" valueType="num">
+                                      <p:cBhvr>
+                                        <p:cTn id="6" dur="200"/>
+                                        <p:tgtEl>
+                                          <p:spTgt spid="4"/>
+                                        </p:tgtEl>
+                                        <p:attrNameLst>
+                                          <p:attrName>ppt_w</p:attrName>
+                                        </p:attrNameLst>
+                                      </p:cBhvr>
+                                      <p:tavLst>
+                                        <p:tav tm="0">
+                                          <p:val>
+                                            <p:strVal val="ppt_w"/>
+                                          </p:val>
+                                        </p:tav>
+                                        <p:tav tm="100000">
+                                          <p:val>
+                                            <p:fltVal val="0"/>
+                                          </p:val>
+                                        </p:tav>
+                                      </p:tavLst>
+                                    </p:anim>
+                                    <p:anim calcmode="lin" valueType="num">
+                                      <p:cBhvr>
+                                        <p:cTn id="7" dur="200"/>
+                                        <p:tgtEl>
+                                          <p:spTgt spid="4"/>
+                                        </p:tgtEl>
+                                        <p:attrNameLst>
+                                          <p:attrName>ppt_h</p:attrName>
+                                        </p:attrNameLst>
+                                      </p:cBhvr>
+                                      <p:tavLst>
+                                        <p:tav tm="0">
+                                          <p:val>
+                                            <p:strVal val="ppt_h"/>
+                                          </p:val>
+                                        </p:tav>
+                                        <p:tav tm="100000">
+                                          <p:val>
+                                            <p:fltVal val="0"/>
+                                          </p:val>
+                                        </p:tav>
+                                      </p:tavLst>
+                                    </p:anim>
+                                    <p:set>
+                                      <p:cBhvr>
+                                        <p:cTn id="8" dur="1" fill="hold">
+                                          <p:stCondLst>
+                                            <p:cond delay="199"/>
+                                          </p:stCondLst>
+                                        </p:cTn>
+                                        <p:tgtEl>
+                                          <p:spTgt spid="4"/>
+                                        </p:tgtEl>
+                                        <p:attrNameLst>
+                                          <p:attrName>style.visibility</p:attrName>
+                                        </p:attrNameLst>
+                                      </p:cBhvr>
+                                      <p:to>
+                                        <p:strVal val="hidden"/>
+                                      </p:to>
+                                    </p:set>
+                                  </p:childTnLst>
+                                </p:cTn>
+                              </p:par>
+                            </p:childTnLst>
+                          </p:cTn>
+                        </p:par>
+                      </p:childTnLst>
+                    </p:cTn>
+                  </p:par>
+                </p:childTnLst>
+              </p:cTn>
+              <p:prevCondLst>
+                <p:cond evt="onPrev" delay="0">
+                  <p:tgtEl>
+                    <p:sldTgt/>
+                  </p:tgtEl>
+                </p:cond>
+              </p:prevCondLst>
+              <p:nextCondLst>
+                <p:cond evt="onNext" delay="0">
+                  <p:tgtEl>
+                    <p:sldTgt/>
+                  </p:tgtEl>
+                </p:cond>
+              </p:nextCondLst>
+            </p:seq>
+          </p:childTnLst>
+        </p:cTn>
+      </p:par>
+    </p:tnLst>
+  </p:timing>
+</p:sld>
+</file>
+
+<file path=ppt/slides/slide22.xml><?xml version="1.0" encoding="utf-8"?>
 <p:sld xmlns:a="http://schemas.openxmlformats.org/drawingml/2006/main" xmlns:r="http://schemas.openxmlformats.org/officeDocument/2006/relationships" xmlns:p="http://schemas.openxmlformats.org/presentationml/2006/main">
   <p:cSld>
     <p:spTree>
@@ -10272,455 +13911,6 @@
         <p:cTn xmlns:p14="http://schemas.microsoft.com/office/powerpoint/2010/main" id="1" dur="indefinite" restart="never" nodeType="tmRoot"/>
       </p:par>
     </p:tnLst>
-  </p:timing>
-</p:sld>
-</file>
-
-<file path=ppt/slides/slide2.xml><?xml version="1.0" encoding="utf-8"?>
-<p:sld xmlns:a="http://schemas.openxmlformats.org/drawingml/2006/main" xmlns:r="http://schemas.openxmlformats.org/officeDocument/2006/relationships" xmlns:p="http://schemas.openxmlformats.org/presentationml/2006/main" showMasterSp="0">
-  <p:cSld>
-    <p:spTree>
-      <p:nvGrpSpPr>
-        <p:cNvPr id="1" name=""/>
-        <p:cNvGrpSpPr/>
-        <p:nvPr/>
-      </p:nvGrpSpPr>
-      <p:grpSpPr>
-        <a:xfrm>
-          <a:off x="0" y="0"/>
-          <a:ext cx="0" cy="0"/>
-          <a:chOff x="0" y="0"/>
-          <a:chExt cx="0" cy="0"/>
-        </a:xfrm>
-      </p:grpSpPr>
-      <p:sp>
-        <p:nvSpPr>
-          <p:cNvPr id="2" name="Title 1"/>
-          <p:cNvSpPr>
-            <a:spLocks noGrp="1"/>
-          </p:cNvSpPr>
-          <p:nvPr>
-            <p:ph type="title"/>
-          </p:nvPr>
-        </p:nvSpPr>
-        <p:spPr/>
-        <p:txBody>
-          <a:bodyPr/>
-          <a:lstStyle/>
-          <a:p>
-            <a:endParaRPr lang="en-US"/>
-          </a:p>
-        </p:txBody>
-      </p:sp>
-      <p:sp>
-        <p:nvSpPr>
-          <p:cNvPr id="3" name="Content Placeholder 2"/>
-          <p:cNvSpPr>
-            <a:spLocks noGrp="1"/>
-          </p:cNvSpPr>
-          <p:nvPr>
-            <p:ph idx="1"/>
-          </p:nvPr>
-        </p:nvSpPr>
-        <p:spPr/>
-        <p:txBody>
-          <a:bodyPr/>
-          <a:lstStyle/>
-          <a:p>
-            <a:r>
-              <a:rPr lang="en-US" dirty="0" smtClean="0">
-                <a:solidFill>
-                  <a:schemeClr val="bg1"/>
-                </a:solidFill>
-                <a:latin typeface="Geneva"/>
-                <a:cs typeface="Geneva"/>
-              </a:rPr>
-              <a:t>Who am I listening to?</a:t>
-            </a:r>
-          </a:p>
-          <a:p>
-            <a:r>
-              <a:rPr lang="en-US" dirty="0" smtClean="0">
-                <a:solidFill>
-                  <a:schemeClr val="bg1"/>
-                </a:solidFill>
-                <a:latin typeface="Geneva"/>
-                <a:cs typeface="Geneva"/>
-              </a:rPr>
-              <a:t>Why should I care about </a:t>
-            </a:r>
-            <a:r>
-              <a:rPr lang="en-US" dirty="0" err="1" smtClean="0">
-                <a:solidFill>
-                  <a:schemeClr val="bg1"/>
-                </a:solidFill>
-                <a:latin typeface="Geneva"/>
-                <a:cs typeface="Geneva"/>
-              </a:rPr>
-              <a:t>Kotlin</a:t>
-            </a:r>
-            <a:r>
-              <a:rPr lang="en-US" dirty="0" smtClean="0">
-                <a:solidFill>
-                  <a:schemeClr val="bg1"/>
-                </a:solidFill>
-                <a:latin typeface="Geneva"/>
-                <a:cs typeface="Geneva"/>
-              </a:rPr>
-              <a:t>?</a:t>
-            </a:r>
-          </a:p>
-          <a:p>
-            <a:pPr lvl="1"/>
-            <a:r>
-              <a:rPr lang="en-US" dirty="0" smtClean="0">
-                <a:solidFill>
-                  <a:schemeClr val="bg1"/>
-                </a:solidFill>
-                <a:latin typeface="Geneva"/>
-                <a:cs typeface="Geneva"/>
-              </a:rPr>
-              <a:t>The basics</a:t>
-            </a:r>
-          </a:p>
-          <a:p>
-            <a:pPr lvl="1"/>
-            <a:r>
-              <a:rPr lang="en-US" dirty="0" smtClean="0">
-                <a:solidFill>
-                  <a:schemeClr val="bg1"/>
-                </a:solidFill>
-                <a:latin typeface="Geneva"/>
-                <a:cs typeface="Geneva"/>
-              </a:rPr>
-              <a:t>The cool stuff</a:t>
-            </a:r>
-            <a:endParaRPr lang="en-US" dirty="0" smtClean="0">
-              <a:solidFill>
-                <a:schemeClr val="bg1"/>
-              </a:solidFill>
-              <a:latin typeface="Geneva"/>
-              <a:cs typeface="Geneva"/>
-            </a:endParaRPr>
-          </a:p>
-          <a:p>
-            <a:r>
-              <a:rPr lang="en-US" dirty="0" smtClean="0">
-                <a:solidFill>
-                  <a:schemeClr val="bg1"/>
-                </a:solidFill>
-                <a:latin typeface="Geneva"/>
-                <a:cs typeface="Geneva"/>
-              </a:rPr>
-              <a:t>How </a:t>
-            </a:r>
-            <a:r>
-              <a:rPr lang="en-US" dirty="0" smtClean="0">
-                <a:solidFill>
-                  <a:schemeClr val="bg1"/>
-                </a:solidFill>
-                <a:latin typeface="Geneva"/>
-                <a:cs typeface="Geneva"/>
-              </a:rPr>
-              <a:t>do I get my hands on it?</a:t>
-            </a:r>
-          </a:p>
-          <a:p>
-            <a:r>
-              <a:rPr lang="en-US" dirty="0" err="1" smtClean="0">
-                <a:solidFill>
-                  <a:schemeClr val="bg1"/>
-                </a:solidFill>
-                <a:latin typeface="Geneva"/>
-                <a:cs typeface="Geneva"/>
-              </a:rPr>
-              <a:t>Uhmmm</a:t>
-            </a:r>
-            <a:r>
-              <a:rPr lang="en-US" dirty="0" smtClean="0">
-                <a:solidFill>
-                  <a:schemeClr val="bg1"/>
-                </a:solidFill>
-                <a:latin typeface="Geneva"/>
-                <a:cs typeface="Geneva"/>
-              </a:rPr>
-              <a:t>.. I might need some help on this</a:t>
-            </a:r>
-          </a:p>
-          <a:p>
-            <a:r>
-              <a:rPr lang="en-US" dirty="0" smtClean="0">
-                <a:solidFill>
-                  <a:schemeClr val="bg1"/>
-                </a:solidFill>
-                <a:latin typeface="Geneva"/>
-                <a:cs typeface="Geneva"/>
-              </a:rPr>
-              <a:t>Awe and applause</a:t>
-            </a:r>
-          </a:p>
-        </p:txBody>
-      </p:sp>
-      <p:sp>
-        <p:nvSpPr>
-          <p:cNvPr id="8" name="Rectangle 7"/>
-          <p:cNvSpPr/>
-          <p:nvPr/>
-        </p:nvSpPr>
-        <p:spPr>
-          <a:xfrm>
-            <a:off x="0" y="-94570"/>
-            <a:ext cx="9144000" cy="972718"/>
-          </a:xfrm>
-          <a:prstGeom prst="rect">
-            <a:avLst/>
-          </a:prstGeom>
-          <a:solidFill>
-            <a:srgbClr val="C1285B"/>
-          </a:solidFill>
-          <a:ln>
-            <a:noFill/>
-          </a:ln>
-          <a:effectLst>
-            <a:outerShdw blurRad="40000" dist="23000" dir="2700000" rotWithShape="0">
-              <a:srgbClr val="000000">
-                <a:alpha val="35000"/>
-              </a:srgbClr>
-            </a:outerShdw>
-          </a:effectLst>
-        </p:spPr>
-        <p:style>
-          <a:lnRef idx="1">
-            <a:schemeClr val="accent1"/>
-          </a:lnRef>
-          <a:fillRef idx="3">
-            <a:schemeClr val="accent1"/>
-          </a:fillRef>
-          <a:effectRef idx="2">
-            <a:schemeClr val="accent1"/>
-          </a:effectRef>
-          <a:fontRef idx="minor">
-            <a:schemeClr val="lt1"/>
-          </a:fontRef>
-        </p:style>
-        <p:txBody>
-          <a:bodyPr rtlCol="0" anchor="ctr"/>
-          <a:lstStyle/>
-          <a:p>
-            <a:r>
-              <a:rPr lang="en-US" sz="3200" dirty="0" smtClean="0">
-                <a:latin typeface="Geneva"/>
-                <a:cs typeface="Geneva"/>
-              </a:rPr>
-              <a:t>  What are we about to witness</a:t>
-            </a:r>
-            <a:endParaRPr lang="en-US" sz="3200" dirty="0">
-              <a:latin typeface="Geneva"/>
-              <a:cs typeface="Geneva"/>
-            </a:endParaRPr>
-          </a:p>
-        </p:txBody>
-      </p:sp>
-      <p:sp>
-        <p:nvSpPr>
-          <p:cNvPr id="6" name="Oval 5"/>
-          <p:cNvSpPr/>
-          <p:nvPr/>
-        </p:nvSpPr>
-        <p:spPr>
-          <a:xfrm>
-            <a:off x="7938087" y="390762"/>
-            <a:ext cx="959326" cy="959326"/>
-          </a:xfrm>
-          <a:prstGeom prst="ellipse">
-            <a:avLst/>
-          </a:prstGeom>
-          <a:solidFill>
-            <a:srgbClr val="8BC34A"/>
-          </a:solidFill>
-          <a:ln>
-            <a:noFill/>
-          </a:ln>
-          <a:effectLst>
-            <a:outerShdw blurRad="40000" dist="23000" dir="2700000" rotWithShape="0">
-              <a:srgbClr val="000000">
-                <a:alpha val="35000"/>
-              </a:srgbClr>
-            </a:outerShdw>
-          </a:effectLst>
-        </p:spPr>
-        <p:style>
-          <a:lnRef idx="1">
-            <a:schemeClr val="accent1"/>
-          </a:lnRef>
-          <a:fillRef idx="3">
-            <a:schemeClr val="accent1"/>
-          </a:fillRef>
-          <a:effectRef idx="2">
-            <a:schemeClr val="accent1"/>
-          </a:effectRef>
-          <a:fontRef idx="minor">
-            <a:schemeClr val="lt1"/>
-          </a:fontRef>
-        </p:style>
-        <p:txBody>
-          <a:bodyPr rtlCol="0" anchor="ctr"/>
-          <a:lstStyle/>
-          <a:p>
-            <a:pPr algn="ctr"/>
-            <a:r>
-              <a:rPr lang="en-US" sz="2800" dirty="0" smtClean="0"/>
-              <a:t>?</a:t>
-            </a:r>
-            <a:endParaRPr lang="en-US" sz="2800" dirty="0"/>
-          </a:p>
-        </p:txBody>
-      </p:sp>
-    </p:spTree>
-    <p:extLst>
-      <p:ext uri="{BB962C8B-B14F-4D97-AF65-F5344CB8AC3E}">
-        <p14:creationId xmlns:p14="http://schemas.microsoft.com/office/powerpoint/2010/main" val="4092739723"/>
-      </p:ext>
-    </p:extLst>
-  </p:cSld>
-  <p:clrMapOvr>
-    <a:masterClrMapping/>
-  </p:clrMapOvr>
-  <mc:AlternateContent xmlns:mc="http://schemas.openxmlformats.org/markup-compatibility/2006" xmlns:p14="http://schemas.microsoft.com/office/powerpoint/2010/main">
-    <mc:Choice Requires="p14">
-      <p:transition p14:dur="400">
-        <p14:flythrough dir="out"/>
-      </p:transition>
-    </mc:Choice>
-    <mc:Fallback xmlns="">
-      <p:transition xmlns:p14="http://schemas.microsoft.com/office/powerpoint/2010/main">
-        <p:fade/>
-      </p:transition>
-    </mc:Fallback>
-  </mc:AlternateContent>
-  <p:timing>
-    <p:tnLst>
-      <p:par>
-        <p:cTn xmlns:p14="http://schemas.microsoft.com/office/powerpoint/2010/main" id="1" dur="indefinite" restart="never" nodeType="tmRoot">
-          <p:childTnLst>
-            <p:seq concurrent="1" nextAc="seek">
-              <p:cTn id="2" dur="indefinite" nodeType="mainSeq">
-                <p:childTnLst>
-                  <p:par>
-                    <p:cTn id="3" fill="hold">
-                      <p:stCondLst>
-                        <p:cond delay="indefinite"/>
-                      </p:stCondLst>
-                      <p:childTnLst>
-                        <p:par>
-                          <p:cTn id="4" fill="hold">
-                            <p:stCondLst>
-                              <p:cond delay="0"/>
-                            </p:stCondLst>
-                            <p:childTnLst>
-                              <p:par>
-                                <p:cTn id="5" presetID="23" presetClass="entr" presetSubtype="16" fill="hold" grpId="0" nodeType="clickEffect">
-                                  <p:stCondLst>
-                                    <p:cond delay="0"/>
-                                  </p:stCondLst>
-                                  <p:childTnLst>
-                                    <p:set>
-                                      <p:cBhvr>
-                                        <p:cTn id="6" dur="1" fill="hold">
-                                          <p:stCondLst>
-                                            <p:cond delay="0"/>
-                                          </p:stCondLst>
-                                        </p:cTn>
-                                        <p:tgtEl>
-                                          <p:spTgt spid="6"/>
-                                        </p:tgtEl>
-                                        <p:attrNameLst>
-                                          <p:attrName>style.visibility</p:attrName>
-                                        </p:attrNameLst>
-                                      </p:cBhvr>
-                                      <p:to>
-                                        <p:strVal val="visible"/>
-                                      </p:to>
-                                    </p:set>
-                                    <p:anim calcmode="lin" valueType="num">
-                                      <p:cBhvr>
-                                        <p:cTn id="7" dur="200" fill="hold"/>
-                                        <p:tgtEl>
-                                          <p:spTgt spid="6"/>
-                                        </p:tgtEl>
-                                        <p:attrNameLst>
-                                          <p:attrName>ppt_w</p:attrName>
-                                        </p:attrNameLst>
-                                      </p:cBhvr>
-                                      <p:tavLst>
-                                        <p:tav tm="0">
-                                          <p:val>
-                                            <p:fltVal val="0"/>
-                                          </p:val>
-                                        </p:tav>
-                                        <p:tav tm="100000">
-                                          <p:val>
-                                            <p:strVal val="#ppt_w"/>
-                                          </p:val>
-                                        </p:tav>
-                                      </p:tavLst>
-                                    </p:anim>
-                                    <p:anim calcmode="lin" valueType="num">
-                                      <p:cBhvr>
-                                        <p:cTn id="8" dur="200" fill="hold"/>
-                                        <p:tgtEl>
-                                          <p:spTgt spid="6"/>
-                                        </p:tgtEl>
-                                        <p:attrNameLst>
-                                          <p:attrName>ppt_h</p:attrName>
-                                        </p:attrNameLst>
-                                      </p:cBhvr>
-                                      <p:tavLst>
-                                        <p:tav tm="0">
-                                          <p:val>
-                                            <p:fltVal val="0"/>
-                                          </p:val>
-                                        </p:tav>
-                                        <p:tav tm="100000">
-                                          <p:val>
-                                            <p:strVal val="#ppt_h"/>
-                                          </p:val>
-                                        </p:tav>
-                                      </p:tavLst>
-                                    </p:anim>
-                                  </p:childTnLst>
-                                </p:cTn>
-                              </p:par>
-                            </p:childTnLst>
-                          </p:cTn>
-                        </p:par>
-                      </p:childTnLst>
-                    </p:cTn>
-                  </p:par>
-                </p:childTnLst>
-              </p:cTn>
-              <p:prevCondLst>
-                <p:cond evt="onPrev" delay="0">
-                  <p:tgtEl>
-                    <p:sldTgt/>
-                  </p:tgtEl>
-                </p:cond>
-              </p:prevCondLst>
-              <p:nextCondLst>
-                <p:cond evt="onNext" delay="0">
-                  <p:tgtEl>
-                    <p:sldTgt/>
-                  </p:tgtEl>
-                </p:cond>
-              </p:nextCondLst>
-            </p:seq>
-          </p:childTnLst>
-        </p:cTn>
-      </p:par>
-    </p:tnLst>
-    <p:bldLst>
-      <p:bldP spid="6" grpId="0" animBg="1"/>
-    </p:bldLst>
   </p:timing>
 </p:sld>
 </file>
@@ -10915,21 +14105,7 @@
                 <a:latin typeface="Geneva"/>
                 <a:cs typeface="Geneva"/>
               </a:rPr>
-              <a:t>  </a:t>
-            </a:r>
-            <a:r>
-              <a:rPr lang="en-US" sz="3200" dirty="0" smtClean="0">
-                <a:latin typeface="Geneva"/>
-                <a:cs typeface="Geneva"/>
-              </a:rPr>
-              <a:t>About </a:t>
-            </a:r>
-            <a:r>
-              <a:rPr lang="en-US" sz="3200" dirty="0" smtClean="0">
-                <a:latin typeface="Geneva"/>
-                <a:cs typeface="Geneva"/>
-              </a:rPr>
-              <a:t>box</a:t>
+              <a:t>  About box</a:t>
             </a:r>
             <a:endParaRPr lang="en-US" sz="3200" dirty="0">
               <a:latin typeface="Geneva"/>
@@ -11173,8 +14349,10 @@
                 <a:latin typeface="Geneva"/>
                 <a:cs typeface="Geneva"/>
               </a:rPr>
-              <a:t>Android </a:t>
-            </a:r>
+              <a:t>Android stuck on Java 6.. Or 7.. Or 8</a:t>
+            </a:r>
+          </a:p>
+          <a:p>
             <a:r>
               <a:rPr lang="en-US" dirty="0" smtClean="0">
                 <a:solidFill>
@@ -11183,8 +14361,11 @@
                 <a:latin typeface="Geneva"/>
                 <a:cs typeface="Geneva"/>
               </a:rPr>
-              <a:t>stuck </a:t>
-            </a:r>
+              <a:t>Java can be way to verbose</a:t>
+            </a:r>
+          </a:p>
+          <a:p>
+            <a:pPr lvl="1"/>
             <a:r>
               <a:rPr lang="en-US" dirty="0" smtClean="0">
                 <a:solidFill>
@@ -11193,7 +14374,7 @@
                 <a:latin typeface="Geneva"/>
                 <a:cs typeface="Geneva"/>
               </a:rPr>
-              <a:t>on Java 6.. Or 7.. Or 8</a:t>
+              <a:t>Ceremonies and red tape</a:t>
             </a:r>
           </a:p>
           <a:p>
@@ -11205,11 +14386,10 @@
                 <a:latin typeface="Geneva"/>
                 <a:cs typeface="Geneva"/>
               </a:rPr>
-              <a:t>Java can be way to verbose</a:t>
-            </a:r>
-          </a:p>
-          <a:p>
-            <a:pPr lvl="1"/>
+              <a:t>Non capturing anon inner classes</a:t>
+            </a:r>
+          </a:p>
+          <a:p>
             <a:r>
               <a:rPr lang="en-US" dirty="0" smtClean="0">
                 <a:solidFill>
@@ -11218,39 +14398,8 @@
                 <a:latin typeface="Geneva"/>
                 <a:cs typeface="Geneva"/>
               </a:rPr>
-              <a:t>Ceremonies and red tape</a:t>
-            </a:r>
-          </a:p>
-          <a:p>
-            <a:r>
-              <a:rPr lang="en-US" dirty="0" smtClean="0">
-                <a:solidFill>
-                  <a:schemeClr val="bg1"/>
-                </a:solidFill>
-                <a:latin typeface="Geneva"/>
-                <a:cs typeface="Geneva"/>
-              </a:rPr>
-              <a:t>Non capturing anon inner classes</a:t>
-            </a:r>
-          </a:p>
-          <a:p>
-            <a:r>
-              <a:rPr lang="en-US" dirty="0" smtClean="0">
-                <a:solidFill>
-                  <a:schemeClr val="bg1"/>
-                </a:solidFill>
-                <a:latin typeface="Geneva"/>
-                <a:cs typeface="Geneva"/>
-              </a:rPr>
               <a:t>Lambda’s, Streams, try with resources</a:t>
             </a:r>
-            <a:endParaRPr lang="en-US" dirty="0" smtClean="0">
-              <a:solidFill>
-                <a:schemeClr val="bg1"/>
-              </a:solidFill>
-              <a:latin typeface="Geneva"/>
-              <a:cs typeface="Geneva"/>
-            </a:endParaRPr>
           </a:p>
         </p:txBody>
       </p:sp>
@@ -11551,13 +14700,6 @@
               </a:rPr>
               <a:t>stuff</a:t>
             </a:r>
-            <a:endParaRPr lang="en-US" dirty="0" smtClean="0">
-              <a:solidFill>
-                <a:schemeClr val="bg1"/>
-              </a:solidFill>
-              <a:latin typeface="Geneva"/>
-              <a:cs typeface="Geneva"/>
-            </a:endParaRPr>
           </a:p>
         </p:txBody>
       </p:sp>
@@ -12133,13 +15275,6 @@
               </a:rPr>
               <a:t>Return type on the end</a:t>
             </a:r>
-            <a:endParaRPr lang="en-US" sz="1400" dirty="0" smtClean="0">
-              <a:solidFill>
-                <a:schemeClr val="bg1"/>
-              </a:solidFill>
-              <a:latin typeface="Geneva"/>
-              <a:cs typeface="Geneva"/>
-            </a:endParaRPr>
           </a:p>
         </p:txBody>
       </p:sp>
@@ -12525,13 +15660,6 @@
               </a:rPr>
               <a:t>Return type inferred</a:t>
             </a:r>
-            <a:endParaRPr lang="en-US" sz="1400" dirty="0" smtClean="0">
-              <a:solidFill>
-                <a:schemeClr val="bg1"/>
-              </a:solidFill>
-              <a:latin typeface="Geneva"/>
-              <a:cs typeface="Geneva"/>
-            </a:endParaRPr>
           </a:p>
         </p:txBody>
       </p:sp>
@@ -13620,13 +16748,6 @@
               </a:rPr>
               <a:t> a = 1;’</a:t>
             </a:r>
-            <a:endParaRPr lang="en-US" sz="1000" dirty="0" smtClean="0">
-              <a:solidFill>
-                <a:schemeClr val="bg1"/>
-              </a:solidFill>
-              <a:latin typeface="Geneva"/>
-              <a:cs typeface="Geneva"/>
-            </a:endParaRPr>
           </a:p>
         </p:txBody>
       </p:sp>
@@ -16911,7 +20032,7 @@
           <p:nvPr/>
         </p:nvPicPr>
         <p:blipFill>
-          <a:blip r:embed="rId2">
+          <a:blip r:embed="rId3">
             <a:extLst>
               <a:ext uri="{28A0092B-C50C-407E-A947-70E740481C1C}">
                 <a14:useLocalDpi xmlns:a14="http://schemas.microsoft.com/office/drawing/2010/main" val="0"/>
@@ -16941,7 +20062,7 @@
           <p:nvPr/>
         </p:nvPicPr>
         <p:blipFill>
-          <a:blip r:embed="rId3">
+          <a:blip r:embed="rId4">
             <a:extLst>
               <a:ext uri="{28A0092B-C50C-407E-A947-70E740481C1C}">
                 <a14:useLocalDpi xmlns:a14="http://schemas.microsoft.com/office/drawing/2010/main" val="0"/>
@@ -16971,7 +20092,7 @@
           <p:nvPr/>
         </p:nvPicPr>
         <p:blipFill rotWithShape="1">
-          <a:blip r:embed="rId4">
+          <a:blip r:embed="rId5">
             <a:extLst>
               <a:ext uri="{28A0092B-C50C-407E-A947-70E740481C1C}">
                 <a14:useLocalDpi xmlns:a14="http://schemas.microsoft.com/office/drawing/2010/main" val="0"/>

--- a/Kotlin.pptx
+++ b/Kotlin.pptx
@@ -5,7 +5,7 @@
     <p:sldMasterId id="2147483648" r:id="rId1"/>
   </p:sldMasterIdLst>
   <p:notesMasterIdLst>
-    <p:notesMasterId r:id="rId24"/>
+    <p:notesMasterId r:id="rId23"/>
   </p:notesMasterIdLst>
   <p:sldIdLst>
     <p:sldId id="256" r:id="rId2"/>
@@ -23,13 +23,12 @@
     <p:sldId id="261" r:id="rId14"/>
     <p:sldId id="276" r:id="rId15"/>
     <p:sldId id="277" r:id="rId16"/>
-    <p:sldId id="274" r:id="rId17"/>
-    <p:sldId id="271" r:id="rId18"/>
-    <p:sldId id="263" r:id="rId19"/>
-    <p:sldId id="273" r:id="rId20"/>
-    <p:sldId id="272" r:id="rId21"/>
-    <p:sldId id="278" r:id="rId22"/>
-    <p:sldId id="264" r:id="rId23"/>
+    <p:sldId id="271" r:id="rId17"/>
+    <p:sldId id="263" r:id="rId18"/>
+    <p:sldId id="273" r:id="rId19"/>
+    <p:sldId id="272" r:id="rId20"/>
+    <p:sldId id="278" r:id="rId21"/>
+    <p:sldId id="264" r:id="rId22"/>
   </p:sldIdLst>
   <p:sldSz cx="9144000" cy="6858000" type="screen4x3"/>
   <p:notesSz cx="6858000" cy="9144000"/>
@@ -213,7 +212,7 @@
           <a:p>
             <a:fld id="{B586F8B7-B2D7-5548-953F-D46505E7F93B}" type="datetimeFigureOut">
               <a:rPr lang="en-US" smtClean="0"/>
-              <a:t>14/12/15</a:t>
+              <a:t>14/01/16</a:t>
             </a:fld>
             <a:endParaRPr lang="en-US"/>
           </a:p>
@@ -673,90 +672,6 @@
     </p:spTree>
     <p:extLst>
       <p:ext uri="{BB962C8B-B14F-4D97-AF65-F5344CB8AC3E}">
-        <p14:creationId xmlns:p14="http://schemas.microsoft.com/office/powerpoint/2010/main" val="1586264394"/>
-      </p:ext>
-    </p:extLst>
-  </p:cSld>
-  <p:clrMapOvr>
-    <a:masterClrMapping/>
-  </p:clrMapOvr>
-</p:notes>
-</file>
-
-<file path=ppt/notesSlides/notesSlide11.xml><?xml version="1.0" encoding="utf-8"?>
-<p:notes xmlns:a="http://schemas.openxmlformats.org/drawingml/2006/main" xmlns:r="http://schemas.openxmlformats.org/officeDocument/2006/relationships" xmlns:p="http://schemas.openxmlformats.org/presentationml/2006/main">
-  <p:cSld>
-    <p:spTree>
-      <p:nvGrpSpPr>
-        <p:cNvPr id="1" name=""/>
-        <p:cNvGrpSpPr/>
-        <p:nvPr/>
-      </p:nvGrpSpPr>
-      <p:grpSpPr>
-        <a:xfrm>
-          <a:off x="0" y="0"/>
-          <a:ext cx="0" cy="0"/>
-          <a:chOff x="0" y="0"/>
-          <a:chExt cx="0" cy="0"/>
-        </a:xfrm>
-      </p:grpSpPr>
-      <p:sp>
-        <p:nvSpPr>
-          <p:cNvPr id="2" name="Slide Image Placeholder 1"/>
-          <p:cNvSpPr>
-            <a:spLocks noGrp="1" noRot="1" noChangeAspect="1"/>
-          </p:cNvSpPr>
-          <p:nvPr>
-            <p:ph type="sldImg"/>
-          </p:nvPr>
-        </p:nvSpPr>
-        <p:spPr/>
-      </p:sp>
-      <p:sp>
-        <p:nvSpPr>
-          <p:cNvPr id="3" name="Notes Placeholder 2"/>
-          <p:cNvSpPr>
-            <a:spLocks noGrp="1"/>
-          </p:cNvSpPr>
-          <p:nvPr>
-            <p:ph type="body" idx="1"/>
-          </p:nvPr>
-        </p:nvSpPr>
-        <p:spPr/>
-        <p:txBody>
-          <a:bodyPr/>
-          <a:lstStyle/>
-          <a:p>
-            <a:endParaRPr lang="en-US" dirty="0"/>
-          </a:p>
-        </p:txBody>
-      </p:sp>
-      <p:sp>
-        <p:nvSpPr>
-          <p:cNvPr id="4" name="Slide Number Placeholder 3"/>
-          <p:cNvSpPr>
-            <a:spLocks noGrp="1"/>
-          </p:cNvSpPr>
-          <p:nvPr>
-            <p:ph type="sldNum" sz="quarter" idx="10"/>
-          </p:nvPr>
-        </p:nvSpPr>
-        <p:spPr/>
-        <p:txBody>
-          <a:bodyPr/>
-          <a:lstStyle/>
-          <a:p>
-            <a:fld id="{E478809B-5C58-FE4E-A5C2-E0F6DFD902F4}" type="slidenum">
-              <a:rPr lang="en-US" smtClean="0"/>
-              <a:t>20</a:t>
-            </a:fld>
-            <a:endParaRPr lang="en-US"/>
-          </a:p>
-        </p:txBody>
-      </p:sp>
-    </p:spTree>
-    <p:extLst>
-      <p:ext uri="{BB962C8B-B14F-4D97-AF65-F5344CB8AC3E}">
         <p14:creationId xmlns:p14="http://schemas.microsoft.com/office/powerpoint/2010/main" val="2397739580"/>
       </p:ext>
     </p:extLst>
@@ -1503,7 +1418,6 @@
               <a:rPr lang="en-US" baseline="0" dirty="0" smtClean="0"/>
               <a:t> code from Java, and they aim to be 100% interoperable.</a:t>
             </a:r>
-            <a:endParaRPr lang="en-US" baseline="0" dirty="0" smtClean="0"/>
           </a:p>
         </p:txBody>
       </p:sp>
@@ -1919,11 +1833,7 @@
             </a:r>
             <a:r>
               <a:rPr lang="en-US" baseline="0" dirty="0" smtClean="0"/>
-              <a:t> for C# is on the JVM)) depend on Java. They needed to overcome some issues with Java</a:t>
-            </a:r>
-            <a:r>
-              <a:rPr lang="en-US" baseline="0" dirty="0" smtClean="0"/>
-              <a:t>.</a:t>
+              <a:t> for C# is on the JVM)) depend on Java. They needed to overcome some issues with Java.</a:t>
             </a:r>
             <a:endParaRPr lang="en-US" dirty="0"/>
           </a:p>
@@ -2312,7 +2222,7 @@
           <a:p>
             <a:fld id="{E478809B-5C58-FE4E-A5C2-E0F6DFD902F4}" type="slidenum">
               <a:rPr lang="en-US" smtClean="0"/>
-              <a:t>16</a:t>
+              <a:t>18</a:t>
             </a:fld>
             <a:endParaRPr lang="en-US"/>
           </a:p>
@@ -2321,7 +2231,7 @@
     </p:spTree>
     <p:extLst>
       <p:ext uri="{BB962C8B-B14F-4D97-AF65-F5344CB8AC3E}">
-        <p14:creationId xmlns:p14="http://schemas.microsoft.com/office/powerpoint/2010/main" val="1931088466"/>
+        <p14:creationId xmlns:p14="http://schemas.microsoft.com/office/powerpoint/2010/main" val="1586264394"/>
       </p:ext>
     </p:extLst>
   </p:cSld>
@@ -2512,7 +2422,7 @@
           <a:p>
             <a:fld id="{7E0452A1-EF96-1B4B-ABB5-33586D28C83C}" type="datetimeFigureOut">
               <a:rPr lang="en-US" smtClean="0"/>
-              <a:t>14/12/15</a:t>
+              <a:t>14/01/16</a:t>
             </a:fld>
             <a:endParaRPr lang="en-US"/>
           </a:p>
@@ -2694,7 +2604,7 @@
           <a:p>
             <a:fld id="{7E0452A1-EF96-1B4B-ABB5-33586D28C83C}" type="datetimeFigureOut">
               <a:rPr lang="en-US" smtClean="0"/>
-              <a:t>14/12/15</a:t>
+              <a:t>14/01/16</a:t>
             </a:fld>
             <a:endParaRPr lang="en-US"/>
           </a:p>
@@ -2886,7 +2796,7 @@
           <a:p>
             <a:fld id="{7E0452A1-EF96-1B4B-ABB5-33586D28C83C}" type="datetimeFigureOut">
               <a:rPr lang="en-US" smtClean="0"/>
-              <a:t>14/12/15</a:t>
+              <a:t>14/01/16</a:t>
             </a:fld>
             <a:endParaRPr lang="en-US"/>
           </a:p>
@@ -3068,7 +2978,7 @@
           <a:p>
             <a:fld id="{7E0452A1-EF96-1B4B-ABB5-33586D28C83C}" type="datetimeFigureOut">
               <a:rPr lang="en-US" smtClean="0"/>
-              <a:t>14/12/15</a:t>
+              <a:t>14/01/16</a:t>
             </a:fld>
             <a:endParaRPr lang="en-US"/>
           </a:p>
@@ -3326,7 +3236,7 @@
           <a:p>
             <a:fld id="{7E0452A1-EF96-1B4B-ABB5-33586D28C83C}" type="datetimeFigureOut">
               <a:rPr lang="en-US" smtClean="0"/>
-              <a:t>14/12/15</a:t>
+              <a:t>14/01/16</a:t>
             </a:fld>
             <a:endParaRPr lang="en-US"/>
           </a:p>
@@ -3626,7 +3536,7 @@
           <a:p>
             <a:fld id="{7E0452A1-EF96-1B4B-ABB5-33586D28C83C}" type="datetimeFigureOut">
               <a:rPr lang="en-US" smtClean="0"/>
-              <a:t>14/12/15</a:t>
+              <a:t>14/01/16</a:t>
             </a:fld>
             <a:endParaRPr lang="en-US"/>
           </a:p>
@@ -4060,7 +3970,7 @@
           <a:p>
             <a:fld id="{7E0452A1-EF96-1B4B-ABB5-33586D28C83C}" type="datetimeFigureOut">
               <a:rPr lang="en-US" smtClean="0"/>
-              <a:t>14/12/15</a:t>
+              <a:t>14/01/16</a:t>
             </a:fld>
             <a:endParaRPr lang="en-US"/>
           </a:p>
@@ -4190,7 +4100,7 @@
           <a:p>
             <a:fld id="{7E0452A1-EF96-1B4B-ABB5-33586D28C83C}" type="datetimeFigureOut">
               <a:rPr lang="en-US" smtClean="0"/>
-              <a:t>14/12/15</a:t>
+              <a:t>14/01/16</a:t>
             </a:fld>
             <a:endParaRPr lang="en-US"/>
           </a:p>
@@ -4297,7 +4207,7 @@
           <a:p>
             <a:fld id="{7E0452A1-EF96-1B4B-ABB5-33586D28C83C}" type="datetimeFigureOut">
               <a:rPr lang="en-US" smtClean="0"/>
-              <a:t>14/12/15</a:t>
+              <a:t>14/01/16</a:t>
             </a:fld>
             <a:endParaRPr lang="en-US"/>
           </a:p>
@@ -4586,7 +4496,7 @@
           <a:p>
             <a:fld id="{7E0452A1-EF96-1B4B-ABB5-33586D28C83C}" type="datetimeFigureOut">
               <a:rPr lang="en-US" smtClean="0"/>
-              <a:t>14/12/15</a:t>
+              <a:t>14/01/16</a:t>
             </a:fld>
             <a:endParaRPr lang="en-US"/>
           </a:p>
@@ -4851,7 +4761,7 @@
           <a:p>
             <a:fld id="{7E0452A1-EF96-1B4B-ABB5-33586D28C83C}" type="datetimeFigureOut">
               <a:rPr lang="en-US" smtClean="0"/>
-              <a:t>14/12/15</a:t>
+              <a:t>14/01/16</a:t>
             </a:fld>
             <a:endParaRPr lang="en-US"/>
           </a:p>
@@ -5079,7 +4989,7 @@
           <a:p>
             <a:fld id="{7E0452A1-EF96-1B4B-ABB5-33586D28C83C}" type="datetimeFigureOut">
               <a:rPr lang="en-US" smtClean="0"/>
-              <a:t>14/12/15</a:t>
+              <a:t>14/01/16</a:t>
             </a:fld>
             <a:endParaRPr lang="en-US"/>
           </a:p>
@@ -8545,13 +8455,6 @@
               </a:rPr>
               <a:t>Concise</a:t>
             </a:r>
-            <a:endParaRPr lang="en-US" dirty="0" smtClean="0">
-              <a:solidFill>
-                <a:schemeClr val="bg1"/>
-              </a:solidFill>
-              <a:latin typeface="Geneva"/>
-              <a:cs typeface="Geneva"/>
-            </a:endParaRPr>
           </a:p>
           <a:p>
             <a:r>
@@ -8564,13 +8467,6 @@
               </a:rPr>
               <a:t>Expressive</a:t>
             </a:r>
-            <a:endParaRPr lang="en-US" dirty="0" smtClean="0">
-              <a:solidFill>
-                <a:schemeClr val="bg1"/>
-              </a:solidFill>
-              <a:latin typeface="Geneva"/>
-              <a:cs typeface="Geneva"/>
-            </a:endParaRPr>
           </a:p>
           <a:p>
             <a:r>
@@ -8583,13 +8479,6 @@
               </a:rPr>
               <a:t>Safe</a:t>
             </a:r>
-            <a:endParaRPr lang="en-US" dirty="0" smtClean="0">
-              <a:solidFill>
-                <a:schemeClr val="bg1"/>
-              </a:solidFill>
-              <a:latin typeface="Geneva"/>
-              <a:cs typeface="Geneva"/>
-            </a:endParaRPr>
           </a:p>
           <a:p>
             <a:r>
@@ -8614,13 +8503,6 @@
               </a:rPr>
               <a:t>Interoperable</a:t>
             </a:r>
-            <a:endParaRPr lang="en-US" dirty="0" smtClean="0">
-              <a:solidFill>
-                <a:schemeClr val="bg1"/>
-              </a:solidFill>
-              <a:latin typeface="Geneva"/>
-              <a:cs typeface="Geneva"/>
-            </a:endParaRPr>
           </a:p>
         </p:txBody>
       </p:sp>
@@ -10579,297 +10461,6 @@
 </file>
 
 <file path=ppt/slides/slide16.xml><?xml version="1.0" encoding="utf-8"?>
-<p:sld xmlns:a="http://schemas.openxmlformats.org/drawingml/2006/main" xmlns:r="http://schemas.openxmlformats.org/officeDocument/2006/relationships" xmlns:p="http://schemas.openxmlformats.org/presentationml/2006/main">
-  <p:cSld>
-    <p:spTree>
-      <p:nvGrpSpPr>
-        <p:cNvPr id="1" name=""/>
-        <p:cNvGrpSpPr/>
-        <p:nvPr/>
-      </p:nvGrpSpPr>
-      <p:grpSpPr>
-        <a:xfrm>
-          <a:off x="0" y="0"/>
-          <a:ext cx="0" cy="0"/>
-          <a:chOff x="0" y="0"/>
-          <a:chExt cx="0" cy="0"/>
-        </a:xfrm>
-      </p:grpSpPr>
-      <p:sp>
-        <p:nvSpPr>
-          <p:cNvPr id="2" name="Title 1"/>
-          <p:cNvSpPr>
-            <a:spLocks noGrp="1"/>
-          </p:cNvSpPr>
-          <p:nvPr>
-            <p:ph type="title"/>
-          </p:nvPr>
-        </p:nvSpPr>
-        <p:spPr/>
-        <p:txBody>
-          <a:bodyPr/>
-          <a:lstStyle/>
-          <a:p>
-            <a:endParaRPr lang="en-US"/>
-          </a:p>
-        </p:txBody>
-      </p:sp>
-      <p:sp>
-        <p:nvSpPr>
-          <p:cNvPr id="3" name="Content Placeholder 2"/>
-          <p:cNvSpPr>
-            <a:spLocks noGrp="1"/>
-          </p:cNvSpPr>
-          <p:nvPr>
-            <p:ph idx="1"/>
-          </p:nvPr>
-        </p:nvSpPr>
-        <p:spPr/>
-        <p:txBody>
-          <a:bodyPr/>
-          <a:lstStyle/>
-          <a:p>
-            <a:r>
-              <a:rPr lang="en-US" dirty="0" smtClean="0">
-                <a:solidFill>
-                  <a:schemeClr val="bg1"/>
-                </a:solidFill>
-                <a:latin typeface="Geneva"/>
-                <a:cs typeface="Geneva"/>
-              </a:rPr>
-              <a:t>Jake </a:t>
-            </a:r>
-            <a:r>
-              <a:rPr lang="en-US" dirty="0" smtClean="0">
-                <a:solidFill>
-                  <a:schemeClr val="bg1"/>
-                </a:solidFill>
-                <a:latin typeface="Geneva"/>
-                <a:cs typeface="Geneva"/>
-              </a:rPr>
-              <a:t>Wharton</a:t>
-            </a:r>
-          </a:p>
-          <a:p>
-            <a:r>
-              <a:rPr lang="en-US" dirty="0" err="1" smtClean="0">
-                <a:solidFill>
-                  <a:schemeClr val="bg1"/>
-                </a:solidFill>
-                <a:latin typeface="Geneva"/>
-                <a:cs typeface="Geneva"/>
-              </a:rPr>
-              <a:t>Micheal</a:t>
-            </a:r>
-            <a:r>
-              <a:rPr lang="en-US" dirty="0" smtClean="0">
-                <a:solidFill>
-                  <a:schemeClr val="bg1"/>
-                </a:solidFill>
-                <a:latin typeface="Geneva"/>
-                <a:cs typeface="Geneva"/>
-              </a:rPr>
-              <a:t> Prado</a:t>
-            </a:r>
-            <a:endParaRPr lang="en-US" dirty="0" smtClean="0">
-              <a:solidFill>
-                <a:schemeClr val="bg1"/>
-              </a:solidFill>
-              <a:latin typeface="Geneva"/>
-              <a:cs typeface="Geneva"/>
-            </a:endParaRPr>
-          </a:p>
-          <a:p>
-            <a:r>
-              <a:rPr lang="en-US" dirty="0" err="1" smtClean="0">
-                <a:solidFill>
-                  <a:schemeClr val="bg1"/>
-                </a:solidFill>
-                <a:latin typeface="Geneva"/>
-                <a:cs typeface="Geneva"/>
-              </a:rPr>
-              <a:t>Jetbrains</a:t>
-            </a:r>
-            <a:r>
-              <a:rPr lang="en-US" dirty="0" smtClean="0">
-                <a:solidFill>
-                  <a:schemeClr val="bg1"/>
-                </a:solidFill>
-                <a:latin typeface="Geneva"/>
-                <a:cs typeface="Geneva"/>
-              </a:rPr>
-              <a:t>.. So here to stay</a:t>
-            </a:r>
-          </a:p>
-          <a:p>
-            <a:pPr lvl="1"/>
-            <a:r>
-              <a:rPr lang="en-US" dirty="0" smtClean="0">
-                <a:solidFill>
-                  <a:schemeClr val="bg1"/>
-                </a:solidFill>
-                <a:latin typeface="Geneva"/>
-                <a:cs typeface="Geneva"/>
-              </a:rPr>
-              <a:t>More than a non-profit thing, they depend on it. Selling idea’s is their business</a:t>
-            </a:r>
-          </a:p>
-          <a:p>
-            <a:pPr lvl="1"/>
-            <a:r>
-              <a:rPr lang="en-US" dirty="0" err="1" smtClean="0">
-                <a:solidFill>
-                  <a:schemeClr val="bg1"/>
-                </a:solidFill>
-                <a:latin typeface="Geneva"/>
-                <a:cs typeface="Geneva"/>
-              </a:rPr>
-              <a:t>Kotlin</a:t>
-            </a:r>
-            <a:r>
-              <a:rPr lang="en-US" dirty="0" smtClean="0">
-                <a:solidFill>
-                  <a:schemeClr val="bg1"/>
-                </a:solidFill>
-                <a:latin typeface="Geneva"/>
-                <a:cs typeface="Geneva"/>
-              </a:rPr>
-              <a:t> is optimized for </a:t>
-            </a:r>
-            <a:r>
-              <a:rPr lang="en-US" dirty="0" err="1" smtClean="0">
-                <a:solidFill>
-                  <a:schemeClr val="bg1"/>
-                </a:solidFill>
-                <a:latin typeface="Geneva"/>
-                <a:cs typeface="Geneva"/>
-              </a:rPr>
-              <a:t>toolability</a:t>
-            </a:r>
-            <a:endParaRPr lang="en-US" dirty="0" smtClean="0">
-              <a:solidFill>
-                <a:schemeClr val="bg1"/>
-              </a:solidFill>
-              <a:latin typeface="Geneva"/>
-              <a:cs typeface="Geneva"/>
-            </a:endParaRPr>
-          </a:p>
-        </p:txBody>
-      </p:sp>
-      <p:sp>
-        <p:nvSpPr>
-          <p:cNvPr id="8" name="Rectangle 7"/>
-          <p:cNvSpPr/>
-          <p:nvPr/>
-        </p:nvSpPr>
-        <p:spPr>
-          <a:xfrm>
-            <a:off x="0" y="-94570"/>
-            <a:ext cx="9144000" cy="972718"/>
-          </a:xfrm>
-          <a:prstGeom prst="rect">
-            <a:avLst/>
-          </a:prstGeom>
-          <a:solidFill>
-            <a:srgbClr val="C1285B"/>
-          </a:solidFill>
-          <a:ln>
-            <a:noFill/>
-          </a:ln>
-          <a:effectLst>
-            <a:outerShdw blurRad="40000" dist="23000" dir="2700000" rotWithShape="0">
-              <a:srgbClr val="000000">
-                <a:alpha val="35000"/>
-              </a:srgbClr>
-            </a:outerShdw>
-          </a:effectLst>
-        </p:spPr>
-        <p:style>
-          <a:lnRef idx="1">
-            <a:schemeClr val="accent1"/>
-          </a:lnRef>
-          <a:fillRef idx="3">
-            <a:schemeClr val="accent1"/>
-          </a:fillRef>
-          <a:effectRef idx="2">
-            <a:schemeClr val="accent1"/>
-          </a:effectRef>
-          <a:fontRef idx="minor">
-            <a:schemeClr val="lt1"/>
-          </a:fontRef>
-        </p:style>
-        <p:txBody>
-          <a:bodyPr rtlCol="0" anchor="ctr"/>
-          <a:lstStyle/>
-          <a:p>
-            <a:r>
-              <a:rPr lang="en-US" sz="3200" dirty="0" smtClean="0">
-                <a:latin typeface="Geneva"/>
-                <a:cs typeface="Geneva"/>
-              </a:rPr>
-              <a:t> </a:t>
-            </a:r>
-            <a:r>
-              <a:rPr lang="en-US" sz="3200" dirty="0" smtClean="0">
-                <a:latin typeface="Geneva"/>
-                <a:cs typeface="Geneva"/>
-              </a:rPr>
-              <a:t> </a:t>
-            </a:r>
-            <a:r>
-              <a:rPr lang="en-US" sz="3200" dirty="0" err="1" smtClean="0">
-                <a:latin typeface="Geneva"/>
-                <a:cs typeface="Geneva"/>
-              </a:rPr>
-              <a:t>Kotlin</a:t>
-            </a:r>
-            <a:r>
-              <a:rPr lang="en-US" sz="3200" dirty="0" smtClean="0">
-                <a:latin typeface="Geneva"/>
-                <a:cs typeface="Geneva"/>
-              </a:rPr>
-              <a:t> advocates</a:t>
-            </a:r>
-            <a:endParaRPr lang="en-US" sz="3200" dirty="0">
-              <a:latin typeface="Geneva"/>
-              <a:cs typeface="Geneva"/>
-            </a:endParaRPr>
-          </a:p>
-        </p:txBody>
-      </p:sp>
-    </p:spTree>
-    <p:extLst>
-      <p:ext uri="{BB962C8B-B14F-4D97-AF65-F5344CB8AC3E}">
-        <p14:creationId xmlns:p14="http://schemas.microsoft.com/office/powerpoint/2010/main" val="4249669190"/>
-      </p:ext>
-    </p:extLst>
-  </p:cSld>
-  <p:clrMapOvr>
-    <a:masterClrMapping/>
-  </p:clrMapOvr>
-  <mc:AlternateContent xmlns:mc="http://schemas.openxmlformats.org/markup-compatibility/2006" xmlns:p14="http://schemas.microsoft.com/office/powerpoint/2010/main">
-    <mc:Choice Requires="p14">
-      <p:transition p14:dur="400">
-        <p:wipe/>
-      </p:transition>
-    </mc:Choice>
-    <mc:Fallback xmlns="">
-      <p:transition xmlns:p14="http://schemas.microsoft.com/office/powerpoint/2010/main">
-        <p:wipe/>
-      </p:transition>
-    </mc:Fallback>
-  </mc:AlternateContent>
-  <p:timing>
-    <p:tnLst>
-      <p:par>
-        <p:cTn xmlns:p14="http://schemas.microsoft.com/office/powerpoint/2010/main" id="1" dur="indefinite" restart="never" nodeType="tmRoot"/>
-      </p:par>
-    </p:tnLst>
-  </p:timing>
-</p:sld>
-</file>
-
-<file path=ppt/slides/slide17.xml><?xml version="1.0" encoding="utf-8"?>
 <p:sld xmlns:a="http://schemas.openxmlformats.org/drawingml/2006/main" xmlns:r="http://schemas.openxmlformats.org/officeDocument/2006/relationships" xmlns:p="http://schemas.openxmlformats.org/presentationml/2006/main">
   <p:cSld>
     <p:spTree>
@@ -11332,7 +10923,7 @@
 </p:sld>
 </file>
 
-<file path=ppt/slides/slide18.xml><?xml version="1.0" encoding="utf-8"?>
+<file path=ppt/slides/slide17.xml><?xml version="1.0" encoding="utf-8"?>
 <p:sld xmlns:a="http://schemas.openxmlformats.org/drawingml/2006/main" xmlns:r="http://schemas.openxmlformats.org/officeDocument/2006/relationships" xmlns:p="http://schemas.openxmlformats.org/presentationml/2006/main">
   <p:cSld>
     <p:spTree>
@@ -11687,6 +11278,419 @@
     <p:extLst>
       <p:ext uri="{BB962C8B-B14F-4D97-AF65-F5344CB8AC3E}">
         <p14:creationId xmlns:p14="http://schemas.microsoft.com/office/powerpoint/2010/main" val="3748416876"/>
+      </p:ext>
+    </p:extLst>
+  </p:cSld>
+  <p:clrMapOvr>
+    <a:masterClrMapping/>
+  </p:clrMapOvr>
+  <mc:AlternateContent xmlns:mc="http://schemas.openxmlformats.org/markup-compatibility/2006" xmlns:p14="http://schemas.microsoft.com/office/powerpoint/2010/main">
+    <mc:Choice Requires="p14">
+      <p:transition p14:dur="400">
+        <p:wipe/>
+      </p:transition>
+    </mc:Choice>
+    <mc:Fallback xmlns="">
+      <p:transition xmlns:p14="http://schemas.microsoft.com/office/powerpoint/2010/main">
+        <p:wipe/>
+      </p:transition>
+    </mc:Fallback>
+  </mc:AlternateContent>
+  <p:timing>
+    <p:tnLst>
+      <p:par>
+        <p:cTn xmlns:p14="http://schemas.microsoft.com/office/powerpoint/2010/main" id="1" dur="indefinite" restart="never" nodeType="tmRoot"/>
+      </p:par>
+    </p:tnLst>
+  </p:timing>
+</p:sld>
+</file>
+
+<file path=ppt/slides/slide18.xml><?xml version="1.0" encoding="utf-8"?>
+<p:sld xmlns:a="http://schemas.openxmlformats.org/drawingml/2006/main" xmlns:r="http://schemas.openxmlformats.org/officeDocument/2006/relationships" xmlns:p="http://schemas.openxmlformats.org/presentationml/2006/main">
+  <p:cSld>
+    <p:spTree>
+      <p:nvGrpSpPr>
+        <p:cNvPr id="1" name=""/>
+        <p:cNvGrpSpPr/>
+        <p:nvPr/>
+      </p:nvGrpSpPr>
+      <p:grpSpPr>
+        <a:xfrm>
+          <a:off x="0" y="0"/>
+          <a:ext cx="0" cy="0"/>
+          <a:chOff x="0" y="0"/>
+          <a:chExt cx="0" cy="0"/>
+        </a:xfrm>
+      </p:grpSpPr>
+      <p:sp>
+        <p:nvSpPr>
+          <p:cNvPr id="2" name="Title 1"/>
+          <p:cNvSpPr>
+            <a:spLocks noGrp="1"/>
+          </p:cNvSpPr>
+          <p:nvPr>
+            <p:ph type="title"/>
+          </p:nvPr>
+        </p:nvSpPr>
+        <p:spPr/>
+        <p:txBody>
+          <a:bodyPr/>
+          <a:lstStyle/>
+          <a:p>
+            <a:endParaRPr lang="en-US"/>
+          </a:p>
+        </p:txBody>
+      </p:sp>
+      <p:sp>
+        <p:nvSpPr>
+          <p:cNvPr id="3" name="Content Placeholder 2"/>
+          <p:cNvSpPr>
+            <a:spLocks noGrp="1"/>
+          </p:cNvSpPr>
+          <p:nvPr>
+            <p:ph idx="1"/>
+          </p:nvPr>
+        </p:nvSpPr>
+        <p:spPr/>
+        <p:txBody>
+          <a:bodyPr/>
+          <a:lstStyle/>
+          <a:p>
+            <a:r>
+              <a:rPr lang="en-US" dirty="0">
+                <a:solidFill>
+                  <a:schemeClr val="bg1"/>
+                </a:solidFill>
+                <a:latin typeface="Geneva"/>
+                <a:cs typeface="Geneva"/>
+              </a:rPr>
+              <a:t>Documentation at official website</a:t>
+            </a:r>
+            <a:endParaRPr lang="en-US" dirty="0" smtClean="0">
+              <a:solidFill>
+                <a:schemeClr val="bg1"/>
+              </a:solidFill>
+              <a:latin typeface="Geneva"/>
+              <a:cs typeface="Geneva"/>
+            </a:endParaRPr>
+          </a:p>
+          <a:p>
+            <a:r>
+              <a:rPr lang="en-US" dirty="0" err="1">
+                <a:solidFill>
+                  <a:schemeClr val="bg1"/>
+                </a:solidFill>
+                <a:latin typeface="Geneva"/>
+                <a:cs typeface="Geneva"/>
+              </a:rPr>
+              <a:t>Skillscast</a:t>
+            </a:r>
+            <a:r>
+              <a:rPr lang="en-US" dirty="0">
+                <a:solidFill>
+                  <a:schemeClr val="bg1"/>
+                </a:solidFill>
+                <a:latin typeface="Geneva"/>
+                <a:cs typeface="Geneva"/>
+              </a:rPr>
+              <a:t> recording of Jake </a:t>
+            </a:r>
+            <a:r>
+              <a:rPr lang="en-US" dirty="0" smtClean="0">
+                <a:solidFill>
+                  <a:schemeClr val="bg1"/>
+                </a:solidFill>
+                <a:latin typeface="Geneva"/>
+                <a:cs typeface="Geneva"/>
+              </a:rPr>
+              <a:t>Wharton</a:t>
+            </a:r>
+            <a:endParaRPr lang="en-US" dirty="0">
+              <a:solidFill>
+                <a:schemeClr val="bg1"/>
+              </a:solidFill>
+              <a:latin typeface="Geneva"/>
+              <a:cs typeface="Geneva"/>
+            </a:endParaRPr>
+          </a:p>
+          <a:p>
+            <a:r>
+              <a:rPr lang="en-US" dirty="0" smtClean="0">
+                <a:solidFill>
+                  <a:schemeClr val="bg1"/>
+                </a:solidFill>
+                <a:latin typeface="Geneva"/>
+                <a:cs typeface="Geneva"/>
+              </a:rPr>
+              <a:t>Fragmented podcast with </a:t>
+            </a:r>
+            <a:r>
+              <a:rPr lang="en-US" dirty="0" err="1">
+                <a:solidFill>
+                  <a:schemeClr val="bg1"/>
+                </a:solidFill>
+                <a:latin typeface="Geneva"/>
+                <a:cs typeface="Geneva"/>
+              </a:rPr>
+              <a:t>Hadi</a:t>
+            </a:r>
+            <a:r>
+              <a:rPr lang="en-US" dirty="0">
+                <a:solidFill>
+                  <a:schemeClr val="bg1"/>
+                </a:solidFill>
+                <a:latin typeface="Geneva"/>
+                <a:cs typeface="Geneva"/>
+              </a:rPr>
+              <a:t> </a:t>
+            </a:r>
+            <a:r>
+              <a:rPr lang="en-US" dirty="0" smtClean="0">
+                <a:solidFill>
+                  <a:schemeClr val="bg1"/>
+                </a:solidFill>
+                <a:latin typeface="Geneva"/>
+                <a:cs typeface="Geneva"/>
+              </a:rPr>
+              <a:t>Hariri from </a:t>
+            </a:r>
+            <a:r>
+              <a:rPr lang="en-US" dirty="0" err="1" smtClean="0">
+                <a:solidFill>
+                  <a:schemeClr val="bg1"/>
+                </a:solidFill>
+                <a:latin typeface="Geneva"/>
+                <a:cs typeface="Geneva"/>
+              </a:rPr>
+              <a:t>Jetbrains</a:t>
+            </a:r>
+            <a:endParaRPr lang="en-US" dirty="0" smtClean="0">
+              <a:solidFill>
+                <a:schemeClr val="bg1"/>
+              </a:solidFill>
+              <a:latin typeface="Geneva"/>
+              <a:cs typeface="Geneva"/>
+            </a:endParaRPr>
+          </a:p>
+          <a:p>
+            <a:endParaRPr lang="en-US" dirty="0" smtClean="0">
+              <a:solidFill>
+                <a:schemeClr val="bg1"/>
+              </a:solidFill>
+              <a:latin typeface="Geneva"/>
+              <a:cs typeface="Geneva"/>
+            </a:endParaRPr>
+          </a:p>
+          <a:p>
+            <a:pPr marL="400050" lvl="1" indent="0">
+              <a:buNone/>
+            </a:pPr>
+            <a:r>
+              <a:rPr lang="en-US" dirty="0">
+                <a:solidFill>
+                  <a:schemeClr val="bg1"/>
+                </a:solidFill>
+                <a:latin typeface="Geneva"/>
+                <a:cs typeface="Geneva"/>
+                <a:hlinkClick r:id="rId3"/>
+              </a:rPr>
+              <a:t>http://fragmentedpodcast.com/episodes/20</a:t>
+            </a:r>
+            <a:r>
+              <a:rPr lang="en-US" dirty="0" smtClean="0">
+                <a:solidFill>
+                  <a:schemeClr val="bg1"/>
+                </a:solidFill>
+                <a:latin typeface="Geneva"/>
+                <a:cs typeface="Geneva"/>
+                <a:hlinkClick r:id="rId3"/>
+              </a:rPr>
+              <a:t>/</a:t>
+            </a:r>
+            <a:r>
+              <a:rPr lang="en-US" dirty="0" smtClean="0">
+                <a:solidFill>
+                  <a:schemeClr val="bg1"/>
+                </a:solidFill>
+                <a:latin typeface="Geneva"/>
+                <a:cs typeface="Geneva"/>
+              </a:rPr>
+              <a:t> </a:t>
+            </a:r>
+          </a:p>
+        </p:txBody>
+      </p:sp>
+      <p:sp>
+        <p:nvSpPr>
+          <p:cNvPr id="8" name="Rectangle 7"/>
+          <p:cNvSpPr/>
+          <p:nvPr/>
+        </p:nvSpPr>
+        <p:spPr>
+          <a:xfrm>
+            <a:off x="0" y="-94570"/>
+            <a:ext cx="9144000" cy="972718"/>
+          </a:xfrm>
+          <a:prstGeom prst="rect">
+            <a:avLst/>
+          </a:prstGeom>
+          <a:solidFill>
+            <a:srgbClr val="C1285B"/>
+          </a:solidFill>
+          <a:ln>
+            <a:noFill/>
+          </a:ln>
+          <a:effectLst>
+            <a:outerShdw blurRad="40000" dist="23000" dir="2700000" rotWithShape="0">
+              <a:srgbClr val="000000">
+                <a:alpha val="35000"/>
+              </a:srgbClr>
+            </a:outerShdw>
+          </a:effectLst>
+        </p:spPr>
+        <p:style>
+          <a:lnRef idx="1">
+            <a:schemeClr val="accent1"/>
+          </a:lnRef>
+          <a:fillRef idx="3">
+            <a:schemeClr val="accent1"/>
+          </a:fillRef>
+          <a:effectRef idx="2">
+            <a:schemeClr val="accent1"/>
+          </a:effectRef>
+          <a:fontRef idx="minor">
+            <a:schemeClr val="lt1"/>
+          </a:fontRef>
+        </p:style>
+        <p:txBody>
+          <a:bodyPr rtlCol="0" anchor="ctr"/>
+          <a:lstStyle/>
+          <a:p>
+            <a:r>
+              <a:rPr lang="en-US" sz="3200" dirty="0" smtClean="0">
+                <a:latin typeface="Geneva"/>
+                <a:cs typeface="Geneva"/>
+              </a:rPr>
+              <a:t>  It works… but how do I make it work</a:t>
+            </a:r>
+            <a:endParaRPr lang="en-US" sz="3200" dirty="0">
+              <a:latin typeface="Geneva"/>
+              <a:cs typeface="Geneva"/>
+            </a:endParaRPr>
+          </a:p>
+        </p:txBody>
+      </p:sp>
+      <p:sp>
+        <p:nvSpPr>
+          <p:cNvPr id="6" name="Oval 5">
+            <a:hlinkClick r:id="rId3"/>
+          </p:cNvPr>
+          <p:cNvSpPr/>
+          <p:nvPr/>
+        </p:nvSpPr>
+        <p:spPr>
+          <a:xfrm>
+            <a:off x="7938087" y="390762"/>
+            <a:ext cx="959326" cy="959326"/>
+          </a:xfrm>
+          <a:prstGeom prst="ellipse">
+            <a:avLst/>
+          </a:prstGeom>
+          <a:solidFill>
+            <a:srgbClr val="8BC34A"/>
+          </a:solidFill>
+          <a:ln>
+            <a:noFill/>
+          </a:ln>
+          <a:effectLst>
+            <a:outerShdw blurRad="40000" dist="23000" dir="2700000" rotWithShape="0">
+              <a:srgbClr val="000000">
+                <a:alpha val="35000"/>
+              </a:srgbClr>
+            </a:outerShdw>
+          </a:effectLst>
+        </p:spPr>
+        <p:style>
+          <a:lnRef idx="1">
+            <a:schemeClr val="accent1"/>
+          </a:lnRef>
+          <a:fillRef idx="3">
+            <a:schemeClr val="accent1"/>
+          </a:fillRef>
+          <a:effectRef idx="2">
+            <a:schemeClr val="accent1"/>
+          </a:effectRef>
+          <a:fontRef idx="minor">
+            <a:schemeClr val="lt1"/>
+          </a:fontRef>
+        </p:style>
+        <p:txBody>
+          <a:bodyPr rtlCol="0" anchor="ctr"/>
+          <a:lstStyle/>
+          <a:p>
+            <a:pPr algn="ctr"/>
+            <a:endParaRPr lang="en-US" sz="2800" dirty="0"/>
+          </a:p>
+        </p:txBody>
+      </p:sp>
+      <p:sp>
+        <p:nvSpPr>
+          <p:cNvPr id="7" name="Right Arrow 6">
+            <a:hlinkClick r:id="rId3"/>
+          </p:cNvPr>
+          <p:cNvSpPr/>
+          <p:nvPr/>
+        </p:nvSpPr>
+        <p:spPr>
+          <a:xfrm>
+            <a:off x="8188051" y="716029"/>
+            <a:ext cx="485237" cy="310729"/>
+          </a:xfrm>
+          <a:prstGeom prst="rightArrow">
+            <a:avLst/>
+          </a:prstGeom>
+          <a:solidFill>
+            <a:schemeClr val="bg1"/>
+          </a:solidFill>
+          <a:ln>
+            <a:noFill/>
+          </a:ln>
+          <a:effectLst>
+            <a:outerShdw blurRad="40000" dist="23000" dir="2700000" rotWithShape="0">
+              <a:srgbClr val="000000">
+                <a:alpha val="35000"/>
+              </a:srgbClr>
+            </a:outerShdw>
+          </a:effectLst>
+        </p:spPr>
+        <p:style>
+          <a:lnRef idx="1">
+            <a:schemeClr val="accent1"/>
+          </a:lnRef>
+          <a:fillRef idx="3">
+            <a:schemeClr val="accent1"/>
+          </a:fillRef>
+          <a:effectRef idx="2">
+            <a:schemeClr val="accent1"/>
+          </a:effectRef>
+          <a:fontRef idx="minor">
+            <a:schemeClr val="lt1"/>
+          </a:fontRef>
+        </p:style>
+        <p:txBody>
+          <a:bodyPr rtlCol="0" anchor="ctr"/>
+          <a:lstStyle/>
+          <a:p>
+            <a:pPr algn="ctr"/>
+            <a:endParaRPr lang="en-US"/>
+          </a:p>
+        </p:txBody>
+      </p:sp>
+    </p:spTree>
+    <p:extLst>
+      <p:ext uri="{BB962C8B-B14F-4D97-AF65-F5344CB8AC3E}">
+        <p14:creationId xmlns:p14="http://schemas.microsoft.com/office/powerpoint/2010/main" val="813094835"/>
       </p:ext>
     </p:extLst>
   </p:cSld>
@@ -11815,6 +11819,48 @@
               </a:rPr>
               <a:t>Wharton</a:t>
             </a:r>
+          </a:p>
+          <a:p>
+            <a:r>
+              <a:rPr lang="en-US" dirty="0" smtClean="0">
+                <a:solidFill>
+                  <a:schemeClr val="bg1"/>
+                </a:solidFill>
+                <a:latin typeface="Geneva"/>
+                <a:cs typeface="Geneva"/>
+              </a:rPr>
+              <a:t>Fragmented podcast with </a:t>
+            </a:r>
+            <a:r>
+              <a:rPr lang="en-US" dirty="0" err="1">
+                <a:solidFill>
+                  <a:schemeClr val="bg1"/>
+                </a:solidFill>
+                <a:latin typeface="Geneva"/>
+                <a:cs typeface="Geneva"/>
+              </a:rPr>
+              <a:t>Hadi</a:t>
+            </a:r>
+            <a:r>
+              <a:rPr lang="en-US" dirty="0">
+                <a:solidFill>
+                  <a:schemeClr val="bg1"/>
+                </a:solidFill>
+                <a:latin typeface="Geneva"/>
+                <a:cs typeface="Geneva"/>
+              </a:rPr>
+              <a:t> </a:t>
+            </a:r>
+            <a:r>
+              <a:rPr lang="en-US" dirty="0" smtClean="0">
+                <a:solidFill>
+                  <a:schemeClr val="bg1"/>
+                </a:solidFill>
+                <a:latin typeface="Geneva"/>
+                <a:cs typeface="Geneva"/>
+              </a:rPr>
+              <a:t>Hariri</a:t>
+            </a:r>
             <a:endParaRPr lang="en-US" dirty="0">
               <a:solidFill>
                 <a:schemeClr val="bg1"/>
@@ -11832,893 +11878,30 @@
                 <a:latin typeface="Geneva"/>
                 <a:cs typeface="Geneva"/>
               </a:rPr>
-              <a:t>Fragmented </a:t>
-            </a:r>
-            <a:r>
-              <a:rPr lang="en-US" dirty="0" smtClean="0">
+              <a:t>Talk of Michael Prado at </a:t>
+            </a:r>
+            <a:r>
+              <a:rPr lang="en-US" dirty="0" err="1" smtClean="0">
                 <a:solidFill>
                   <a:schemeClr val="bg1"/>
                 </a:solidFill>
                 <a:latin typeface="Geneva"/>
                 <a:cs typeface="Geneva"/>
               </a:rPr>
-              <a:t>podcast with </a:t>
-            </a:r>
-            <a:r>
-              <a:rPr lang="en-US" dirty="0" err="1">
+              <a:t>DroidCon</a:t>
+            </a:r>
+            <a:r>
+              <a:rPr lang="en-US" dirty="0" smtClean="0">
                 <a:solidFill>
                   <a:schemeClr val="bg1"/>
                 </a:solidFill>
                 <a:latin typeface="Geneva"/>
                 <a:cs typeface="Geneva"/>
               </a:rPr>
-              <a:t>Hadi</a:t>
-            </a:r>
-            <a:r>
-              <a:rPr lang="en-US" dirty="0">
-                <a:solidFill>
-                  <a:schemeClr val="bg1"/>
-                </a:solidFill>
-                <a:latin typeface="Geneva"/>
-                <a:cs typeface="Geneva"/>
-              </a:rPr>
-              <a:t> </a:t>
-            </a:r>
-            <a:r>
-              <a:rPr lang="en-US" dirty="0" smtClean="0">
-                <a:solidFill>
-                  <a:schemeClr val="bg1"/>
-                </a:solidFill>
-                <a:latin typeface="Geneva"/>
-                <a:cs typeface="Geneva"/>
-              </a:rPr>
-              <a:t>Hariri from </a:t>
-            </a:r>
-            <a:r>
-              <a:rPr lang="en-US" dirty="0" err="1" smtClean="0">
-                <a:solidFill>
-                  <a:schemeClr val="bg1"/>
-                </a:solidFill>
-                <a:latin typeface="Geneva"/>
-                <a:cs typeface="Geneva"/>
-              </a:rPr>
-              <a:t>Jetbrains</a:t>
-            </a:r>
-            <a:endParaRPr lang="en-US" dirty="0" smtClean="0">
-              <a:solidFill>
-                <a:schemeClr val="bg1"/>
-              </a:solidFill>
-              <a:latin typeface="Geneva"/>
-              <a:cs typeface="Geneva"/>
-            </a:endParaRPr>
-          </a:p>
-          <a:p>
-            <a:endParaRPr lang="en-US" dirty="0" smtClean="0">
-              <a:solidFill>
-                <a:schemeClr val="bg1"/>
-              </a:solidFill>
-              <a:latin typeface="Geneva"/>
-              <a:cs typeface="Geneva"/>
-            </a:endParaRPr>
-          </a:p>
-          <a:p>
-            <a:pPr marL="400050" lvl="1" indent="0">
-              <a:buNone/>
-            </a:pPr>
-            <a:r>
-              <a:rPr lang="en-US" dirty="0">
-                <a:solidFill>
-                  <a:schemeClr val="bg1"/>
-                </a:solidFill>
-                <a:latin typeface="Geneva"/>
-                <a:cs typeface="Geneva"/>
-                <a:hlinkClick r:id="rId3"/>
-              </a:rPr>
-              <a:t>http://fragmentedpodcast.com/episodes/20</a:t>
-            </a:r>
-            <a:r>
-              <a:rPr lang="en-US" dirty="0" smtClean="0">
-                <a:solidFill>
-                  <a:schemeClr val="bg1"/>
-                </a:solidFill>
-                <a:latin typeface="Geneva"/>
-                <a:cs typeface="Geneva"/>
-                <a:hlinkClick r:id="rId3"/>
-              </a:rPr>
-              <a:t>/</a:t>
-            </a:r>
-            <a:r>
-              <a:rPr lang="en-US" dirty="0" smtClean="0">
-                <a:solidFill>
-                  <a:schemeClr val="bg1"/>
-                </a:solidFill>
-                <a:latin typeface="Geneva"/>
-                <a:cs typeface="Geneva"/>
-              </a:rPr>
-              <a:t> </a:t>
-            </a:r>
-          </a:p>
-        </p:txBody>
-      </p:sp>
-      <p:sp>
-        <p:nvSpPr>
-          <p:cNvPr id="8" name="Rectangle 7"/>
-          <p:cNvSpPr/>
-          <p:nvPr/>
-        </p:nvSpPr>
-        <p:spPr>
-          <a:xfrm>
-            <a:off x="0" y="-94570"/>
-            <a:ext cx="9144000" cy="972718"/>
-          </a:xfrm>
-          <a:prstGeom prst="rect">
-            <a:avLst/>
-          </a:prstGeom>
-          <a:solidFill>
-            <a:srgbClr val="C1285B"/>
-          </a:solidFill>
-          <a:ln>
-            <a:noFill/>
-          </a:ln>
-          <a:effectLst>
-            <a:outerShdw blurRad="40000" dist="23000" dir="2700000" rotWithShape="0">
-              <a:srgbClr val="000000">
-                <a:alpha val="35000"/>
-              </a:srgbClr>
-            </a:outerShdw>
-          </a:effectLst>
-        </p:spPr>
-        <p:style>
-          <a:lnRef idx="1">
-            <a:schemeClr val="accent1"/>
-          </a:lnRef>
-          <a:fillRef idx="3">
-            <a:schemeClr val="accent1"/>
-          </a:fillRef>
-          <a:effectRef idx="2">
-            <a:schemeClr val="accent1"/>
-          </a:effectRef>
-          <a:fontRef idx="minor">
-            <a:schemeClr val="lt1"/>
-          </a:fontRef>
-        </p:style>
-        <p:txBody>
-          <a:bodyPr rtlCol="0" anchor="ctr"/>
-          <a:lstStyle/>
-          <a:p>
-            <a:r>
-              <a:rPr lang="en-US" sz="3200" dirty="0" smtClean="0">
-                <a:latin typeface="Geneva"/>
-                <a:cs typeface="Geneva"/>
-              </a:rPr>
-              <a:t>  It works… but how do I make it work</a:t>
-            </a:r>
-            <a:endParaRPr lang="en-US" sz="3200" dirty="0">
-              <a:latin typeface="Geneva"/>
-              <a:cs typeface="Geneva"/>
-            </a:endParaRPr>
-          </a:p>
-        </p:txBody>
-      </p:sp>
-      <p:sp>
-        <p:nvSpPr>
-          <p:cNvPr id="6" name="Oval 5">
-            <a:hlinkClick r:id="rId3"/>
-          </p:cNvPr>
-          <p:cNvSpPr/>
-          <p:nvPr/>
-        </p:nvSpPr>
-        <p:spPr>
-          <a:xfrm>
-            <a:off x="7938087" y="390762"/>
-            <a:ext cx="959326" cy="959326"/>
-          </a:xfrm>
-          <a:prstGeom prst="ellipse">
-            <a:avLst/>
-          </a:prstGeom>
-          <a:solidFill>
-            <a:srgbClr val="8BC34A"/>
-          </a:solidFill>
-          <a:ln>
-            <a:noFill/>
-          </a:ln>
-          <a:effectLst>
-            <a:outerShdw blurRad="40000" dist="23000" dir="2700000" rotWithShape="0">
-              <a:srgbClr val="000000">
-                <a:alpha val="35000"/>
-              </a:srgbClr>
-            </a:outerShdw>
-          </a:effectLst>
-        </p:spPr>
-        <p:style>
-          <a:lnRef idx="1">
-            <a:schemeClr val="accent1"/>
-          </a:lnRef>
-          <a:fillRef idx="3">
-            <a:schemeClr val="accent1"/>
-          </a:fillRef>
-          <a:effectRef idx="2">
-            <a:schemeClr val="accent1"/>
-          </a:effectRef>
-          <a:fontRef idx="minor">
-            <a:schemeClr val="lt1"/>
-          </a:fontRef>
-        </p:style>
-        <p:txBody>
-          <a:bodyPr rtlCol="0" anchor="ctr"/>
-          <a:lstStyle/>
-          <a:p>
-            <a:pPr algn="ctr"/>
-            <a:endParaRPr lang="en-US" sz="2800" dirty="0"/>
-          </a:p>
-        </p:txBody>
-      </p:sp>
-      <p:sp>
-        <p:nvSpPr>
-          <p:cNvPr id="7" name="Right Arrow 6">
-            <a:hlinkClick r:id="rId3"/>
-          </p:cNvPr>
-          <p:cNvSpPr/>
-          <p:nvPr/>
-        </p:nvSpPr>
-        <p:spPr>
-          <a:xfrm>
-            <a:off x="8188051" y="716029"/>
-            <a:ext cx="485237" cy="310729"/>
-          </a:xfrm>
-          <a:prstGeom prst="rightArrow">
-            <a:avLst/>
-          </a:prstGeom>
-          <a:solidFill>
-            <a:schemeClr val="bg1"/>
-          </a:solidFill>
-          <a:ln>
-            <a:noFill/>
-          </a:ln>
-          <a:effectLst>
-            <a:outerShdw blurRad="40000" dist="23000" dir="2700000" rotWithShape="0">
-              <a:srgbClr val="000000">
-                <a:alpha val="35000"/>
-              </a:srgbClr>
-            </a:outerShdw>
-          </a:effectLst>
-        </p:spPr>
-        <p:style>
-          <a:lnRef idx="1">
-            <a:schemeClr val="accent1"/>
-          </a:lnRef>
-          <a:fillRef idx="3">
-            <a:schemeClr val="accent1"/>
-          </a:fillRef>
-          <a:effectRef idx="2">
-            <a:schemeClr val="accent1"/>
-          </a:effectRef>
-          <a:fontRef idx="minor">
-            <a:schemeClr val="lt1"/>
-          </a:fontRef>
-        </p:style>
-        <p:txBody>
-          <a:bodyPr rtlCol="0" anchor="ctr"/>
-          <a:lstStyle/>
-          <a:p>
-            <a:pPr algn="ctr"/>
-            <a:endParaRPr lang="en-US"/>
-          </a:p>
-        </p:txBody>
-      </p:sp>
-    </p:spTree>
-    <p:extLst>
-      <p:ext uri="{BB962C8B-B14F-4D97-AF65-F5344CB8AC3E}">
-        <p14:creationId xmlns:p14="http://schemas.microsoft.com/office/powerpoint/2010/main" val="813094835"/>
-      </p:ext>
-    </p:extLst>
-  </p:cSld>
-  <p:clrMapOvr>
-    <a:masterClrMapping/>
-  </p:clrMapOvr>
-  <mc:AlternateContent xmlns:mc="http://schemas.openxmlformats.org/markup-compatibility/2006" xmlns:p14="http://schemas.microsoft.com/office/powerpoint/2010/main">
-    <mc:Choice Requires="p14">
-      <p:transition p14:dur="400">
-        <p:wipe/>
-      </p:transition>
-    </mc:Choice>
-    <mc:Fallback xmlns="">
-      <p:transition xmlns:p14="http://schemas.microsoft.com/office/powerpoint/2010/main">
-        <p:wipe/>
-      </p:transition>
-    </mc:Fallback>
-  </mc:AlternateContent>
-  <p:timing>
-    <p:tnLst>
-      <p:par>
-        <p:cTn xmlns:p14="http://schemas.microsoft.com/office/powerpoint/2010/main" id="1" dur="indefinite" restart="never" nodeType="tmRoot"/>
-      </p:par>
-    </p:tnLst>
-  </p:timing>
-</p:sld>
-</file>
-
-<file path=ppt/slides/slide2.xml><?xml version="1.0" encoding="utf-8"?>
-<p:sld xmlns:a="http://schemas.openxmlformats.org/drawingml/2006/main" xmlns:r="http://schemas.openxmlformats.org/officeDocument/2006/relationships" xmlns:p="http://schemas.openxmlformats.org/presentationml/2006/main" showMasterSp="0">
-  <p:cSld>
-    <p:spTree>
-      <p:nvGrpSpPr>
-        <p:cNvPr id="1" name=""/>
-        <p:cNvGrpSpPr/>
-        <p:nvPr/>
-      </p:nvGrpSpPr>
-      <p:grpSpPr>
-        <a:xfrm>
-          <a:off x="0" y="0"/>
-          <a:ext cx="0" cy="0"/>
-          <a:chOff x="0" y="0"/>
-          <a:chExt cx="0" cy="0"/>
-        </a:xfrm>
-      </p:grpSpPr>
-      <p:sp>
-        <p:nvSpPr>
-          <p:cNvPr id="2" name="Title 1"/>
-          <p:cNvSpPr>
-            <a:spLocks noGrp="1"/>
-          </p:cNvSpPr>
-          <p:nvPr>
-            <p:ph type="title"/>
-          </p:nvPr>
-        </p:nvSpPr>
-        <p:spPr/>
-        <p:txBody>
-          <a:bodyPr/>
-          <a:lstStyle/>
-          <a:p>
-            <a:endParaRPr lang="en-US"/>
-          </a:p>
-        </p:txBody>
-      </p:sp>
-      <p:sp>
-        <p:nvSpPr>
-          <p:cNvPr id="3" name="Content Placeholder 2"/>
-          <p:cNvSpPr>
-            <a:spLocks noGrp="1"/>
-          </p:cNvSpPr>
-          <p:nvPr>
-            <p:ph idx="1"/>
-          </p:nvPr>
-        </p:nvSpPr>
-        <p:spPr/>
-        <p:txBody>
-          <a:bodyPr/>
-          <a:lstStyle/>
-          <a:p>
-            <a:r>
-              <a:rPr lang="en-US" dirty="0" smtClean="0">
-                <a:solidFill>
-                  <a:schemeClr val="bg1"/>
-                </a:solidFill>
-                <a:latin typeface="Geneva"/>
-                <a:cs typeface="Geneva"/>
-              </a:rPr>
-              <a:t>Who am I listening to?</a:t>
-            </a:r>
-          </a:p>
-          <a:p>
-            <a:r>
-              <a:rPr lang="en-US" dirty="0" smtClean="0">
-                <a:solidFill>
-                  <a:schemeClr val="bg1"/>
-                </a:solidFill>
-                <a:latin typeface="Geneva"/>
-                <a:cs typeface="Geneva"/>
-              </a:rPr>
-              <a:t>Why should I care about </a:t>
-            </a:r>
-            <a:r>
-              <a:rPr lang="en-US" dirty="0" err="1" smtClean="0">
-                <a:solidFill>
-                  <a:schemeClr val="bg1"/>
-                </a:solidFill>
-                <a:latin typeface="Geneva"/>
-                <a:cs typeface="Geneva"/>
-              </a:rPr>
-              <a:t>Kotlin</a:t>
-            </a:r>
-            <a:r>
-              <a:rPr lang="en-US" dirty="0" smtClean="0">
-                <a:solidFill>
-                  <a:schemeClr val="bg1"/>
-                </a:solidFill>
-                <a:latin typeface="Geneva"/>
-                <a:cs typeface="Geneva"/>
-              </a:rPr>
-              <a:t>?</a:t>
-            </a:r>
-          </a:p>
-          <a:p>
-            <a:pPr lvl="1"/>
-            <a:r>
-              <a:rPr lang="en-US" dirty="0" smtClean="0">
-                <a:solidFill>
-                  <a:schemeClr val="bg1"/>
-                </a:solidFill>
-                <a:latin typeface="Geneva"/>
-                <a:cs typeface="Geneva"/>
-              </a:rPr>
-              <a:t>The basics</a:t>
-            </a:r>
-          </a:p>
-          <a:p>
-            <a:pPr lvl="1"/>
-            <a:r>
-              <a:rPr lang="en-US" dirty="0" smtClean="0">
-                <a:solidFill>
-                  <a:schemeClr val="bg1"/>
-                </a:solidFill>
-                <a:latin typeface="Geneva"/>
-                <a:cs typeface="Geneva"/>
-              </a:rPr>
-              <a:t>The cool stuff</a:t>
-            </a:r>
-          </a:p>
-          <a:p>
-            <a:r>
-              <a:rPr lang="en-US" dirty="0" smtClean="0">
-                <a:solidFill>
-                  <a:schemeClr val="bg1"/>
-                </a:solidFill>
-                <a:latin typeface="Geneva"/>
-                <a:cs typeface="Geneva"/>
-              </a:rPr>
-              <a:t>How do I get my hands on it?</a:t>
-            </a:r>
-          </a:p>
-          <a:p>
-            <a:r>
-              <a:rPr lang="en-US" dirty="0" err="1" smtClean="0">
-                <a:solidFill>
-                  <a:schemeClr val="bg1"/>
-                </a:solidFill>
-                <a:latin typeface="Geneva"/>
-                <a:cs typeface="Geneva"/>
-              </a:rPr>
-              <a:t>Uhmmm</a:t>
-            </a:r>
-            <a:r>
-              <a:rPr lang="en-US" dirty="0" smtClean="0">
-                <a:solidFill>
-                  <a:schemeClr val="bg1"/>
-                </a:solidFill>
-                <a:latin typeface="Geneva"/>
-                <a:cs typeface="Geneva"/>
-              </a:rPr>
-              <a:t>.. I might need some help on this</a:t>
-            </a:r>
-          </a:p>
-          <a:p>
-            <a:r>
-              <a:rPr lang="en-US" dirty="0" smtClean="0">
-                <a:solidFill>
-                  <a:schemeClr val="bg1"/>
-                </a:solidFill>
-                <a:latin typeface="Geneva"/>
-                <a:cs typeface="Geneva"/>
-              </a:rPr>
-              <a:t>Awe and applause</a:t>
-            </a:r>
-          </a:p>
-        </p:txBody>
-      </p:sp>
-      <p:sp>
-        <p:nvSpPr>
-          <p:cNvPr id="8" name="Rectangle 7"/>
-          <p:cNvSpPr/>
-          <p:nvPr/>
-        </p:nvSpPr>
-        <p:spPr>
-          <a:xfrm>
-            <a:off x="0" y="-94570"/>
-            <a:ext cx="9144000" cy="972718"/>
-          </a:xfrm>
-          <a:prstGeom prst="rect">
-            <a:avLst/>
-          </a:prstGeom>
-          <a:solidFill>
-            <a:srgbClr val="C1285B"/>
-          </a:solidFill>
-          <a:ln>
-            <a:noFill/>
-          </a:ln>
-          <a:effectLst>
-            <a:outerShdw blurRad="40000" dist="23000" dir="2700000" rotWithShape="0">
-              <a:srgbClr val="000000">
-                <a:alpha val="35000"/>
-              </a:srgbClr>
-            </a:outerShdw>
-          </a:effectLst>
-        </p:spPr>
-        <p:style>
-          <a:lnRef idx="1">
-            <a:schemeClr val="accent1"/>
-          </a:lnRef>
-          <a:fillRef idx="3">
-            <a:schemeClr val="accent1"/>
-          </a:fillRef>
-          <a:effectRef idx="2">
-            <a:schemeClr val="accent1"/>
-          </a:effectRef>
-          <a:fontRef idx="minor">
-            <a:schemeClr val="lt1"/>
-          </a:fontRef>
-        </p:style>
-        <p:txBody>
-          <a:bodyPr rtlCol="0" anchor="ctr"/>
-          <a:lstStyle/>
-          <a:p>
-            <a:r>
-              <a:rPr lang="en-US" sz="3200" dirty="0" smtClean="0">
-                <a:latin typeface="Geneva"/>
-                <a:cs typeface="Geneva"/>
-              </a:rPr>
-              <a:t>  What are we about to witness</a:t>
-            </a:r>
-            <a:endParaRPr lang="en-US" sz="3200" dirty="0">
-              <a:latin typeface="Geneva"/>
-              <a:cs typeface="Geneva"/>
-            </a:endParaRPr>
-          </a:p>
-        </p:txBody>
-      </p:sp>
-      <p:sp>
-        <p:nvSpPr>
-          <p:cNvPr id="6" name="Oval 5"/>
-          <p:cNvSpPr/>
-          <p:nvPr/>
-        </p:nvSpPr>
-        <p:spPr>
-          <a:xfrm>
-            <a:off x="7938087" y="390762"/>
-            <a:ext cx="959326" cy="959326"/>
-          </a:xfrm>
-          <a:prstGeom prst="ellipse">
-            <a:avLst/>
-          </a:prstGeom>
-          <a:solidFill>
-            <a:srgbClr val="8BC34A"/>
-          </a:solidFill>
-          <a:ln>
-            <a:noFill/>
-          </a:ln>
-          <a:effectLst>
-            <a:outerShdw blurRad="40000" dist="23000" dir="2700000" rotWithShape="0">
-              <a:srgbClr val="000000">
-                <a:alpha val="35000"/>
-              </a:srgbClr>
-            </a:outerShdw>
-          </a:effectLst>
-        </p:spPr>
-        <p:style>
-          <a:lnRef idx="1">
-            <a:schemeClr val="accent1"/>
-          </a:lnRef>
-          <a:fillRef idx="3">
-            <a:schemeClr val="accent1"/>
-          </a:fillRef>
-          <a:effectRef idx="2">
-            <a:schemeClr val="accent1"/>
-          </a:effectRef>
-          <a:fontRef idx="minor">
-            <a:schemeClr val="lt1"/>
-          </a:fontRef>
-        </p:style>
-        <p:txBody>
-          <a:bodyPr rtlCol="0" anchor="ctr"/>
-          <a:lstStyle/>
-          <a:p>
-            <a:pPr algn="ctr"/>
-            <a:r>
-              <a:rPr lang="en-US" sz="2800" dirty="0" smtClean="0"/>
-              <a:t>?</a:t>
-            </a:r>
-            <a:endParaRPr lang="en-US" sz="2800" dirty="0"/>
-          </a:p>
-        </p:txBody>
-      </p:sp>
-    </p:spTree>
-    <p:extLst>
-      <p:ext uri="{BB962C8B-B14F-4D97-AF65-F5344CB8AC3E}">
-        <p14:creationId xmlns:p14="http://schemas.microsoft.com/office/powerpoint/2010/main" val="4092739723"/>
-      </p:ext>
-    </p:extLst>
-  </p:cSld>
-  <p:clrMapOvr>
-    <a:masterClrMapping/>
-  </p:clrMapOvr>
-  <mc:AlternateContent xmlns:mc="http://schemas.openxmlformats.org/markup-compatibility/2006" xmlns:p14="http://schemas.microsoft.com/office/powerpoint/2010/main">
-    <mc:Choice Requires="p14">
-      <p:transition p14:dur="400">
-        <p14:flythrough dir="out"/>
-      </p:transition>
-    </mc:Choice>
-    <mc:Fallback xmlns="">
-      <p:transition xmlns:p14="http://schemas.microsoft.com/office/powerpoint/2010/main">
-        <p:fade/>
-      </p:transition>
-    </mc:Fallback>
-  </mc:AlternateContent>
-  <p:timing>
-    <p:tnLst>
-      <p:par>
-        <p:cTn xmlns:p14="http://schemas.microsoft.com/office/powerpoint/2010/main" id="1" dur="indefinite" restart="never" nodeType="tmRoot">
-          <p:childTnLst>
-            <p:seq concurrent="1" nextAc="seek">
-              <p:cTn id="2" dur="indefinite" nodeType="mainSeq">
-                <p:childTnLst>
-                  <p:par>
-                    <p:cTn id="3" fill="hold">
-                      <p:stCondLst>
-                        <p:cond delay="indefinite"/>
-                      </p:stCondLst>
-                      <p:childTnLst>
-                        <p:par>
-                          <p:cTn id="4" fill="hold">
-                            <p:stCondLst>
-                              <p:cond delay="0"/>
-                            </p:stCondLst>
-                            <p:childTnLst>
-                              <p:par>
-                                <p:cTn id="5" presetID="23" presetClass="entr" presetSubtype="16" fill="hold" grpId="0" nodeType="clickEffect">
-                                  <p:stCondLst>
-                                    <p:cond delay="0"/>
-                                  </p:stCondLst>
-                                  <p:childTnLst>
-                                    <p:set>
-                                      <p:cBhvr>
-                                        <p:cTn id="6" dur="1" fill="hold">
-                                          <p:stCondLst>
-                                            <p:cond delay="0"/>
-                                          </p:stCondLst>
-                                        </p:cTn>
-                                        <p:tgtEl>
-                                          <p:spTgt spid="6"/>
-                                        </p:tgtEl>
-                                        <p:attrNameLst>
-                                          <p:attrName>style.visibility</p:attrName>
-                                        </p:attrNameLst>
-                                      </p:cBhvr>
-                                      <p:to>
-                                        <p:strVal val="visible"/>
-                                      </p:to>
-                                    </p:set>
-                                    <p:anim calcmode="lin" valueType="num">
-                                      <p:cBhvr>
-                                        <p:cTn id="7" dur="200" fill="hold"/>
-                                        <p:tgtEl>
-                                          <p:spTgt spid="6"/>
-                                        </p:tgtEl>
-                                        <p:attrNameLst>
-                                          <p:attrName>ppt_w</p:attrName>
-                                        </p:attrNameLst>
-                                      </p:cBhvr>
-                                      <p:tavLst>
-                                        <p:tav tm="0">
-                                          <p:val>
-                                            <p:fltVal val="0"/>
-                                          </p:val>
-                                        </p:tav>
-                                        <p:tav tm="100000">
-                                          <p:val>
-                                            <p:strVal val="#ppt_w"/>
-                                          </p:val>
-                                        </p:tav>
-                                      </p:tavLst>
-                                    </p:anim>
-                                    <p:anim calcmode="lin" valueType="num">
-                                      <p:cBhvr>
-                                        <p:cTn id="8" dur="200" fill="hold"/>
-                                        <p:tgtEl>
-                                          <p:spTgt spid="6"/>
-                                        </p:tgtEl>
-                                        <p:attrNameLst>
-                                          <p:attrName>ppt_h</p:attrName>
-                                        </p:attrNameLst>
-                                      </p:cBhvr>
-                                      <p:tavLst>
-                                        <p:tav tm="0">
-                                          <p:val>
-                                            <p:fltVal val="0"/>
-                                          </p:val>
-                                        </p:tav>
-                                        <p:tav tm="100000">
-                                          <p:val>
-                                            <p:strVal val="#ppt_h"/>
-                                          </p:val>
-                                        </p:tav>
-                                      </p:tavLst>
-                                    </p:anim>
-                                  </p:childTnLst>
-                                </p:cTn>
-                              </p:par>
-                            </p:childTnLst>
-                          </p:cTn>
-                        </p:par>
-                      </p:childTnLst>
-                    </p:cTn>
-                  </p:par>
-                </p:childTnLst>
-              </p:cTn>
-              <p:prevCondLst>
-                <p:cond evt="onPrev" delay="0">
-                  <p:tgtEl>
-                    <p:sldTgt/>
-                  </p:tgtEl>
-                </p:cond>
-              </p:prevCondLst>
-              <p:nextCondLst>
-                <p:cond evt="onNext" delay="0">
-                  <p:tgtEl>
-                    <p:sldTgt/>
-                  </p:tgtEl>
-                </p:cond>
-              </p:nextCondLst>
-            </p:seq>
-          </p:childTnLst>
-        </p:cTn>
-      </p:par>
-    </p:tnLst>
-    <p:bldLst>
-      <p:bldP spid="6" grpId="0" animBg="1"/>
-    </p:bldLst>
-  </p:timing>
-</p:sld>
-</file>
-
-<file path=ppt/slides/slide20.xml><?xml version="1.0" encoding="utf-8"?>
-<p:sld xmlns:a="http://schemas.openxmlformats.org/drawingml/2006/main" xmlns:r="http://schemas.openxmlformats.org/officeDocument/2006/relationships" xmlns:p="http://schemas.openxmlformats.org/presentationml/2006/main">
-  <p:cSld>
-    <p:spTree>
-      <p:nvGrpSpPr>
-        <p:cNvPr id="1" name=""/>
-        <p:cNvGrpSpPr/>
-        <p:nvPr/>
-      </p:nvGrpSpPr>
-      <p:grpSpPr>
-        <a:xfrm>
-          <a:off x="0" y="0"/>
-          <a:ext cx="0" cy="0"/>
-          <a:chOff x="0" y="0"/>
-          <a:chExt cx="0" cy="0"/>
-        </a:xfrm>
-      </p:grpSpPr>
-      <p:sp>
-        <p:nvSpPr>
-          <p:cNvPr id="2" name="Title 1"/>
-          <p:cNvSpPr>
-            <a:spLocks noGrp="1"/>
-          </p:cNvSpPr>
-          <p:nvPr>
-            <p:ph type="title"/>
-          </p:nvPr>
-        </p:nvSpPr>
-        <p:spPr/>
-        <p:txBody>
-          <a:bodyPr/>
-          <a:lstStyle/>
-          <a:p>
-            <a:endParaRPr lang="en-US"/>
-          </a:p>
-        </p:txBody>
-      </p:sp>
-      <p:sp>
-        <p:nvSpPr>
-          <p:cNvPr id="3" name="Content Placeholder 2"/>
-          <p:cNvSpPr>
-            <a:spLocks noGrp="1"/>
-          </p:cNvSpPr>
-          <p:nvPr>
-            <p:ph idx="1"/>
-          </p:nvPr>
-        </p:nvSpPr>
-        <p:spPr/>
-        <p:txBody>
-          <a:bodyPr/>
-          <a:lstStyle/>
-          <a:p>
-            <a:r>
-              <a:rPr lang="en-US" dirty="0">
-                <a:solidFill>
-                  <a:schemeClr val="bg1"/>
-                </a:solidFill>
-                <a:latin typeface="Geneva"/>
-                <a:cs typeface="Geneva"/>
-              </a:rPr>
-              <a:t>Documentation at official website</a:t>
-            </a:r>
-            <a:endParaRPr lang="en-US" dirty="0" smtClean="0">
-              <a:solidFill>
-                <a:schemeClr val="bg1"/>
-              </a:solidFill>
-              <a:latin typeface="Geneva"/>
-              <a:cs typeface="Geneva"/>
-            </a:endParaRPr>
-          </a:p>
-          <a:p>
-            <a:r>
-              <a:rPr lang="en-US" dirty="0" err="1">
-                <a:solidFill>
-                  <a:schemeClr val="bg1"/>
-                </a:solidFill>
-                <a:latin typeface="Geneva"/>
-                <a:cs typeface="Geneva"/>
-              </a:rPr>
-              <a:t>Skillscast</a:t>
-            </a:r>
-            <a:r>
-              <a:rPr lang="en-US" dirty="0">
-                <a:solidFill>
-                  <a:schemeClr val="bg1"/>
-                </a:solidFill>
-                <a:latin typeface="Geneva"/>
-                <a:cs typeface="Geneva"/>
-              </a:rPr>
-              <a:t> recording of Jake </a:t>
-            </a:r>
-            <a:r>
-              <a:rPr lang="en-US" dirty="0" smtClean="0">
-                <a:solidFill>
-                  <a:schemeClr val="bg1"/>
-                </a:solidFill>
-                <a:latin typeface="Geneva"/>
-                <a:cs typeface="Geneva"/>
-              </a:rPr>
-              <a:t>Wharton</a:t>
-            </a:r>
-            <a:endParaRPr lang="en-US" dirty="0" smtClean="0">
-              <a:solidFill>
-                <a:schemeClr val="bg1"/>
-              </a:solidFill>
-              <a:latin typeface="Geneva"/>
-              <a:cs typeface="Geneva"/>
-            </a:endParaRPr>
-          </a:p>
-          <a:p>
-            <a:r>
-              <a:rPr lang="en-US" dirty="0" smtClean="0">
-                <a:solidFill>
-                  <a:schemeClr val="bg1"/>
-                </a:solidFill>
-                <a:latin typeface="Geneva"/>
-                <a:cs typeface="Geneva"/>
-              </a:rPr>
-              <a:t>Fragmented podcast with </a:t>
-            </a:r>
-            <a:r>
-              <a:rPr lang="en-US" dirty="0" err="1">
-                <a:solidFill>
-                  <a:schemeClr val="bg1"/>
-                </a:solidFill>
-                <a:latin typeface="Geneva"/>
-                <a:cs typeface="Geneva"/>
-              </a:rPr>
-              <a:t>Hadi</a:t>
-            </a:r>
-            <a:r>
-              <a:rPr lang="en-US" dirty="0">
-                <a:solidFill>
-                  <a:schemeClr val="bg1"/>
-                </a:solidFill>
-                <a:latin typeface="Geneva"/>
-                <a:cs typeface="Geneva"/>
-              </a:rPr>
-              <a:t> </a:t>
-            </a:r>
-            <a:r>
-              <a:rPr lang="en-US" dirty="0" smtClean="0">
-                <a:solidFill>
-                  <a:schemeClr val="bg1"/>
-                </a:solidFill>
-                <a:latin typeface="Geneva"/>
-                <a:cs typeface="Geneva"/>
-              </a:rPr>
-              <a:t>Hariri</a:t>
-            </a:r>
+              <a:t> New York</a:t>
+            </a:r>
+          </a:p>
+          <a:p>
             <a:endParaRPr lang="en-US" dirty="0">
               <a:solidFill>
                 <a:schemeClr val="bg1"/>
@@ -12728,47 +11911,6 @@
             </a:endParaRPr>
           </a:p>
           <a:p>
-            <a:r>
-              <a:rPr lang="en-US" dirty="0" smtClean="0">
-                <a:solidFill>
-                  <a:schemeClr val="bg1"/>
-                </a:solidFill>
-                <a:latin typeface="Geneva"/>
-                <a:cs typeface="Geneva"/>
-              </a:rPr>
-              <a:t>Talk of Michael Prado at </a:t>
-            </a:r>
-            <a:r>
-              <a:rPr lang="en-US" dirty="0" err="1" smtClean="0">
-                <a:solidFill>
-                  <a:schemeClr val="bg1"/>
-                </a:solidFill>
-                <a:latin typeface="Geneva"/>
-                <a:cs typeface="Geneva"/>
-              </a:rPr>
-              <a:t>DroidCon</a:t>
-            </a:r>
-            <a:r>
-              <a:rPr lang="en-US" dirty="0" smtClean="0">
-                <a:solidFill>
-                  <a:schemeClr val="bg1"/>
-                </a:solidFill>
-                <a:latin typeface="Geneva"/>
-                <a:cs typeface="Geneva"/>
-              </a:rPr>
-              <a:t> New York</a:t>
-            </a:r>
-          </a:p>
-          <a:p>
-            <a:endParaRPr lang="en-US" dirty="0">
-              <a:solidFill>
-                <a:schemeClr val="bg1"/>
-              </a:solidFill>
-              <a:latin typeface="Geneva"/>
-              <a:cs typeface="Geneva"/>
-            </a:endParaRPr>
-          </a:p>
-          <a:p>
             <a:pPr marL="457200" lvl="1" indent="0">
               <a:buNone/>
             </a:pPr>
@@ -12804,13 +11946,6 @@
               </a:rPr>
               <a:t> </a:t>
             </a:r>
-            <a:endParaRPr lang="en-US" dirty="0" smtClean="0">
-              <a:solidFill>
-                <a:schemeClr val="bg1"/>
-              </a:solidFill>
-              <a:latin typeface="Geneva"/>
-              <a:cs typeface="Geneva"/>
-            </a:endParaRPr>
           </a:p>
         </p:txBody>
       </p:sp>
@@ -13020,6 +12155,321 @@
   <p:timing>
     <p:tnLst>
       <p:par>
+        <p:cTn xmlns:p14="http://schemas.microsoft.com/office/powerpoint/2010/main" id="1" dur="indefinite" restart="never" nodeType="tmRoot"/>
+      </p:par>
+    </p:tnLst>
+  </p:timing>
+</p:sld>
+</file>
+
+<file path=ppt/slides/slide2.xml><?xml version="1.0" encoding="utf-8"?>
+<p:sld xmlns:a="http://schemas.openxmlformats.org/drawingml/2006/main" xmlns:r="http://schemas.openxmlformats.org/officeDocument/2006/relationships" xmlns:p="http://schemas.openxmlformats.org/presentationml/2006/main" showMasterSp="0">
+  <p:cSld>
+    <p:spTree>
+      <p:nvGrpSpPr>
+        <p:cNvPr id="1" name=""/>
+        <p:cNvGrpSpPr/>
+        <p:nvPr/>
+      </p:nvGrpSpPr>
+      <p:grpSpPr>
+        <a:xfrm>
+          <a:off x="0" y="0"/>
+          <a:ext cx="0" cy="0"/>
+          <a:chOff x="0" y="0"/>
+          <a:chExt cx="0" cy="0"/>
+        </a:xfrm>
+      </p:grpSpPr>
+      <p:sp>
+        <p:nvSpPr>
+          <p:cNvPr id="2" name="Title 1"/>
+          <p:cNvSpPr>
+            <a:spLocks noGrp="1"/>
+          </p:cNvSpPr>
+          <p:nvPr>
+            <p:ph type="title"/>
+          </p:nvPr>
+        </p:nvSpPr>
+        <p:spPr/>
+        <p:txBody>
+          <a:bodyPr/>
+          <a:lstStyle/>
+          <a:p>
+            <a:endParaRPr lang="en-US"/>
+          </a:p>
+        </p:txBody>
+      </p:sp>
+      <p:sp>
+        <p:nvSpPr>
+          <p:cNvPr id="3" name="Content Placeholder 2"/>
+          <p:cNvSpPr>
+            <a:spLocks noGrp="1"/>
+          </p:cNvSpPr>
+          <p:nvPr>
+            <p:ph idx="1"/>
+          </p:nvPr>
+        </p:nvSpPr>
+        <p:spPr/>
+        <p:txBody>
+          <a:bodyPr/>
+          <a:lstStyle/>
+          <a:p>
+            <a:r>
+              <a:rPr lang="en-US" dirty="0" smtClean="0">
+                <a:solidFill>
+                  <a:schemeClr val="bg1"/>
+                </a:solidFill>
+                <a:latin typeface="Geneva"/>
+                <a:cs typeface="Geneva"/>
+              </a:rPr>
+              <a:t>Who am I listening to?</a:t>
+            </a:r>
+          </a:p>
+          <a:p>
+            <a:r>
+              <a:rPr lang="en-US" dirty="0" smtClean="0">
+                <a:solidFill>
+                  <a:schemeClr val="bg1"/>
+                </a:solidFill>
+                <a:latin typeface="Geneva"/>
+                <a:cs typeface="Geneva"/>
+              </a:rPr>
+              <a:t>Why should I care about </a:t>
+            </a:r>
+            <a:r>
+              <a:rPr lang="en-US" dirty="0" err="1" smtClean="0">
+                <a:solidFill>
+                  <a:schemeClr val="bg1"/>
+                </a:solidFill>
+                <a:latin typeface="Geneva"/>
+                <a:cs typeface="Geneva"/>
+              </a:rPr>
+              <a:t>Kotlin</a:t>
+            </a:r>
+            <a:r>
+              <a:rPr lang="en-US" dirty="0" smtClean="0">
+                <a:solidFill>
+                  <a:schemeClr val="bg1"/>
+                </a:solidFill>
+                <a:latin typeface="Geneva"/>
+                <a:cs typeface="Geneva"/>
+              </a:rPr>
+              <a:t>?</a:t>
+            </a:r>
+          </a:p>
+          <a:p>
+            <a:pPr lvl="1"/>
+            <a:r>
+              <a:rPr lang="en-US" dirty="0" smtClean="0">
+                <a:solidFill>
+                  <a:schemeClr val="bg1"/>
+                </a:solidFill>
+                <a:latin typeface="Geneva"/>
+                <a:cs typeface="Geneva"/>
+              </a:rPr>
+              <a:t>The basics</a:t>
+            </a:r>
+          </a:p>
+          <a:p>
+            <a:pPr lvl="1"/>
+            <a:r>
+              <a:rPr lang="en-US" dirty="0" smtClean="0">
+                <a:solidFill>
+                  <a:schemeClr val="bg1"/>
+                </a:solidFill>
+                <a:latin typeface="Geneva"/>
+                <a:cs typeface="Geneva"/>
+              </a:rPr>
+              <a:t>The cool stuff</a:t>
+            </a:r>
+          </a:p>
+          <a:p>
+            <a:r>
+              <a:rPr lang="en-US" dirty="0" smtClean="0">
+                <a:solidFill>
+                  <a:schemeClr val="bg1"/>
+                </a:solidFill>
+                <a:latin typeface="Geneva"/>
+                <a:cs typeface="Geneva"/>
+              </a:rPr>
+              <a:t>How do I get my hands on it?</a:t>
+            </a:r>
+          </a:p>
+          <a:p>
+            <a:r>
+              <a:rPr lang="en-US" dirty="0" err="1" smtClean="0">
+                <a:solidFill>
+                  <a:schemeClr val="bg1"/>
+                </a:solidFill>
+                <a:latin typeface="Geneva"/>
+                <a:cs typeface="Geneva"/>
+              </a:rPr>
+              <a:t>Uhmmm</a:t>
+            </a:r>
+            <a:r>
+              <a:rPr lang="en-US" dirty="0" smtClean="0">
+                <a:solidFill>
+                  <a:schemeClr val="bg1"/>
+                </a:solidFill>
+                <a:latin typeface="Geneva"/>
+                <a:cs typeface="Geneva"/>
+              </a:rPr>
+              <a:t>.. I might need some help on this</a:t>
+            </a:r>
+          </a:p>
+          <a:p>
+            <a:r>
+              <a:rPr lang="en-US" dirty="0" smtClean="0">
+                <a:solidFill>
+                  <a:schemeClr val="bg1"/>
+                </a:solidFill>
+                <a:latin typeface="Geneva"/>
+                <a:cs typeface="Geneva"/>
+              </a:rPr>
+              <a:t>Awe and applause</a:t>
+            </a:r>
+          </a:p>
+        </p:txBody>
+      </p:sp>
+      <p:sp>
+        <p:nvSpPr>
+          <p:cNvPr id="8" name="Rectangle 7"/>
+          <p:cNvSpPr/>
+          <p:nvPr/>
+        </p:nvSpPr>
+        <p:spPr>
+          <a:xfrm>
+            <a:off x="0" y="-94570"/>
+            <a:ext cx="9144000" cy="972718"/>
+          </a:xfrm>
+          <a:prstGeom prst="rect">
+            <a:avLst/>
+          </a:prstGeom>
+          <a:solidFill>
+            <a:srgbClr val="C1285B"/>
+          </a:solidFill>
+          <a:ln>
+            <a:noFill/>
+          </a:ln>
+          <a:effectLst>
+            <a:outerShdw blurRad="40000" dist="23000" dir="2700000" rotWithShape="0">
+              <a:srgbClr val="000000">
+                <a:alpha val="35000"/>
+              </a:srgbClr>
+            </a:outerShdw>
+          </a:effectLst>
+        </p:spPr>
+        <p:style>
+          <a:lnRef idx="1">
+            <a:schemeClr val="accent1"/>
+          </a:lnRef>
+          <a:fillRef idx="3">
+            <a:schemeClr val="accent1"/>
+          </a:fillRef>
+          <a:effectRef idx="2">
+            <a:schemeClr val="accent1"/>
+          </a:effectRef>
+          <a:fontRef idx="minor">
+            <a:schemeClr val="lt1"/>
+          </a:fontRef>
+        </p:style>
+        <p:txBody>
+          <a:bodyPr rtlCol="0" anchor="ctr"/>
+          <a:lstStyle/>
+          <a:p>
+            <a:r>
+              <a:rPr lang="en-US" sz="3200" dirty="0" smtClean="0">
+                <a:latin typeface="Geneva"/>
+                <a:cs typeface="Geneva"/>
+              </a:rPr>
+              <a:t>  What are we about to witness</a:t>
+            </a:r>
+            <a:endParaRPr lang="en-US" sz="3200" dirty="0">
+              <a:latin typeface="Geneva"/>
+              <a:cs typeface="Geneva"/>
+            </a:endParaRPr>
+          </a:p>
+        </p:txBody>
+      </p:sp>
+      <p:sp>
+        <p:nvSpPr>
+          <p:cNvPr id="6" name="Oval 5"/>
+          <p:cNvSpPr/>
+          <p:nvPr/>
+        </p:nvSpPr>
+        <p:spPr>
+          <a:xfrm>
+            <a:off x="7938087" y="390762"/>
+            <a:ext cx="959326" cy="959326"/>
+          </a:xfrm>
+          <a:prstGeom prst="ellipse">
+            <a:avLst/>
+          </a:prstGeom>
+          <a:solidFill>
+            <a:srgbClr val="8BC34A"/>
+          </a:solidFill>
+          <a:ln>
+            <a:noFill/>
+          </a:ln>
+          <a:effectLst>
+            <a:outerShdw blurRad="40000" dist="23000" dir="2700000" rotWithShape="0">
+              <a:srgbClr val="000000">
+                <a:alpha val="35000"/>
+              </a:srgbClr>
+            </a:outerShdw>
+          </a:effectLst>
+        </p:spPr>
+        <p:style>
+          <a:lnRef idx="1">
+            <a:schemeClr val="accent1"/>
+          </a:lnRef>
+          <a:fillRef idx="3">
+            <a:schemeClr val="accent1"/>
+          </a:fillRef>
+          <a:effectRef idx="2">
+            <a:schemeClr val="accent1"/>
+          </a:effectRef>
+          <a:fontRef idx="minor">
+            <a:schemeClr val="lt1"/>
+          </a:fontRef>
+        </p:style>
+        <p:txBody>
+          <a:bodyPr rtlCol="0" anchor="ctr"/>
+          <a:lstStyle/>
+          <a:p>
+            <a:pPr algn="ctr"/>
+            <a:r>
+              <a:rPr lang="en-US" sz="2800" dirty="0" smtClean="0"/>
+              <a:t>?</a:t>
+            </a:r>
+            <a:endParaRPr lang="en-US" sz="2800" dirty="0"/>
+          </a:p>
+        </p:txBody>
+      </p:sp>
+    </p:spTree>
+    <p:extLst>
+      <p:ext uri="{BB962C8B-B14F-4D97-AF65-F5344CB8AC3E}">
+        <p14:creationId xmlns:p14="http://schemas.microsoft.com/office/powerpoint/2010/main" val="4092739723"/>
+      </p:ext>
+    </p:extLst>
+  </p:cSld>
+  <p:clrMapOvr>
+    <a:masterClrMapping/>
+  </p:clrMapOvr>
+  <mc:AlternateContent xmlns:mc="http://schemas.openxmlformats.org/markup-compatibility/2006" xmlns:p14="http://schemas.microsoft.com/office/powerpoint/2010/main">
+    <mc:Choice Requires="p14">
+      <p:transition p14:dur="400">
+        <p14:flythrough dir="out"/>
+      </p:transition>
+    </mc:Choice>
+    <mc:Fallback xmlns="">
+      <p:transition xmlns:p14="http://schemas.microsoft.com/office/powerpoint/2010/main">
+        <p:fade/>
+      </p:transition>
+    </mc:Fallback>
+  </mc:AlternateContent>
+  <p:timing>
+    <p:tnLst>
+      <p:par>
         <p:cTn xmlns:p14="http://schemas.microsoft.com/office/powerpoint/2010/main" id="1" dur="indefinite" restart="never" nodeType="tmRoot">
           <p:childTnLst>
             <p:seq concurrent="1" nextAc="seek">
@@ -13029,9 +12479,6 @@
                     <p:cTn id="3" fill="hold">
                       <p:stCondLst>
                         <p:cond delay="indefinite"/>
-                        <p:cond evt="onBegin" delay="0">
-                          <p:tn val="2"/>
-                        </p:cond>
                       </p:stCondLst>
                       <p:childTnLst>
                         <p:par>
@@ -13041,16 +12488,34 @@
                             </p:stCondLst>
                             <p:childTnLst>
                               <p:par>
-                                <p:cTn id="5" presetID="23" presetClass="exit" presetSubtype="32" fill="hold" nodeType="withEffect">
+                                <p:cTn id="5" presetID="23" presetClass="entr" presetSubtype="16" fill="hold" grpId="0" nodeType="clickEffect">
                                   <p:stCondLst>
                                     <p:cond delay="0"/>
                                   </p:stCondLst>
                                   <p:childTnLst>
+                                    <p:set>
+                                      <p:cBhvr>
+                                        <p:cTn id="6" dur="1" fill="hold">
+                                          <p:stCondLst>
+                                            <p:cond delay="0"/>
+                                          </p:stCondLst>
+                                        </p:cTn>
+                                        <p:tgtEl>
+                                          <p:spTgt spid="6"/>
+                                        </p:tgtEl>
+                                        <p:attrNameLst>
+                                          <p:attrName>style.visibility</p:attrName>
+                                        </p:attrNameLst>
+                                      </p:cBhvr>
+                                      <p:to>
+                                        <p:strVal val="visible"/>
+                                      </p:to>
+                                    </p:set>
                                     <p:anim calcmode="lin" valueType="num">
                                       <p:cBhvr>
-                                        <p:cTn id="6" dur="200"/>
+                                        <p:cTn id="7" dur="200" fill="hold"/>
                                         <p:tgtEl>
-                                          <p:spTgt spid="4"/>
+                                          <p:spTgt spid="6"/>
                                         </p:tgtEl>
                                         <p:attrNameLst>
                                           <p:attrName>ppt_w</p:attrName>
@@ -13059,21 +12524,21 @@
                                       <p:tavLst>
                                         <p:tav tm="0">
                                           <p:val>
-                                            <p:strVal val="ppt_w"/>
+                                            <p:fltVal val="0"/>
                                           </p:val>
                                         </p:tav>
                                         <p:tav tm="100000">
                                           <p:val>
-                                            <p:fltVal val="0"/>
+                                            <p:strVal val="#ppt_w"/>
                                           </p:val>
                                         </p:tav>
                                       </p:tavLst>
                                     </p:anim>
                                     <p:anim calcmode="lin" valueType="num">
                                       <p:cBhvr>
-                                        <p:cTn id="7" dur="200"/>
+                                        <p:cTn id="8" dur="200" fill="hold"/>
                                         <p:tgtEl>
-                                          <p:spTgt spid="4"/>
+                                          <p:spTgt spid="6"/>
                                         </p:tgtEl>
                                         <p:attrNameLst>
                                           <p:attrName>ppt_h</p:attrName>
@@ -13082,34 +12547,16 @@
                                       <p:tavLst>
                                         <p:tav tm="0">
                                           <p:val>
-                                            <p:strVal val="ppt_h"/>
+                                            <p:fltVal val="0"/>
                                           </p:val>
                                         </p:tav>
                                         <p:tav tm="100000">
                                           <p:val>
-                                            <p:fltVal val="0"/>
+                                            <p:strVal val="#ppt_h"/>
                                           </p:val>
                                         </p:tav>
                                       </p:tavLst>
                                     </p:anim>
-                                    <p:set>
-                                      <p:cBhvr>
-                                        <p:cTn id="8" dur="1" fill="hold">
-                                          <p:stCondLst>
-                                            <p:cond delay="199"/>
-                                          </p:stCondLst>
-                                        </p:cTn>
-                                        <p:tgtEl>
-                                          <p:spTgt spid="4"/>
-                                        </p:tgtEl>
-                                        <p:attrNameLst>
-                                          <p:attrName>style.visibility</p:attrName>
-                                        </p:attrNameLst>
-                                      </p:cBhvr>
-                                      <p:to>
-                                        <p:strVal val="hidden"/>
-                                      </p:to>
-                                    </p:set>
                                   </p:childTnLst>
                                 </p:cTn>
                               </p:par>
@@ -13140,11 +12587,14 @@
         </p:cTn>
       </p:par>
     </p:tnLst>
+    <p:bldLst>
+      <p:bldP spid="6" grpId="0" animBg="1"/>
+    </p:bldLst>
   </p:timing>
 </p:sld>
 </file>
 
-<file path=ppt/slides/slide21.xml><?xml version="1.0" encoding="utf-8"?>
+<file path=ppt/slides/slide20.xml><?xml version="1.0" encoding="utf-8"?>
 <p:sld xmlns:a="http://schemas.openxmlformats.org/drawingml/2006/main" xmlns:r="http://schemas.openxmlformats.org/officeDocument/2006/relationships" xmlns:p="http://schemas.openxmlformats.org/presentationml/2006/main">
   <p:cSld>
     <p:spTree>
@@ -13244,13 +12694,6 @@
               </a:rPr>
               <a:t>Wharton</a:t>
             </a:r>
-            <a:endParaRPr lang="en-US" dirty="0" smtClean="0">
-              <a:solidFill>
-                <a:schemeClr val="bg1"/>
-              </a:solidFill>
-              <a:latin typeface="Geneva"/>
-              <a:cs typeface="Geneva"/>
-            </a:endParaRPr>
           </a:p>
           <a:p>
             <a:r>
@@ -13339,17 +12782,7 @@
                 <a:latin typeface="Geneva"/>
                 <a:cs typeface="Geneva"/>
               </a:rPr>
-              <a:t>Ask </a:t>
-            </a:r>
-            <a:r>
-              <a:rPr lang="en-US" dirty="0" smtClean="0">
-                <a:solidFill>
-                  <a:schemeClr val="bg1"/>
-                </a:solidFill>
-                <a:latin typeface="Geneva"/>
-                <a:cs typeface="Geneva"/>
-              </a:rPr>
-              <a:t>me, I have like 1 month of experience, so that’s about 33% of the lifetime of version 1.0.0 beta</a:t>
+              <a:t>Ask me, I have like 1 month of experience, so that’s about 33% of the lifetime of version 1.0.0 beta</a:t>
             </a:r>
           </a:p>
         </p:txBody>
@@ -13680,7 +13113,7 @@
 </p:sld>
 </file>
 
-<file path=ppt/slides/slide22.xml><?xml version="1.0" encoding="utf-8"?>
+<file path=ppt/slides/slide21.xml><?xml version="1.0" encoding="utf-8"?>
 <p:sld xmlns:a="http://schemas.openxmlformats.org/drawingml/2006/main" xmlns:r="http://schemas.openxmlformats.org/officeDocument/2006/relationships" xmlns:p="http://schemas.openxmlformats.org/presentationml/2006/main">
   <p:cSld>
     <p:spTree>
@@ -14813,7 +14246,7 @@
                             </p:stCondLst>
                             <p:childTnLst>
                               <p:par>
-                                <p:cTn id="5" presetID="1" presetClass="entr" presetSubtype="0" fill="hold" grpId="0" nodeType="clickEffect">
+                                <p:cTn id="5" presetID="42" presetClass="entr" presetSubtype="0" fill="hold" grpId="0" nodeType="clickEffect">
                                   <p:stCondLst>
                                     <p:cond delay="0"/>
                                   </p:stCondLst>
@@ -14840,6 +14273,72 @@
                                         <p:strVal val="visible"/>
                                       </p:to>
                                     </p:set>
+                                    <p:animEffect transition="in" filter="fade">
+                                      <p:cBhvr>
+                                        <p:cTn id="7" dur="200"/>
+                                        <p:tgtEl>
+                                          <p:spTgt spid="3">
+                                            <p:txEl>
+                                              <p:pRg st="1" end="1"/>
+                                            </p:txEl>
+                                          </p:spTgt>
+                                        </p:tgtEl>
+                                      </p:cBhvr>
+                                    </p:animEffect>
+                                    <p:anim calcmode="lin" valueType="num">
+                                      <p:cBhvr>
+                                        <p:cTn id="8" dur="200" fill="hold"/>
+                                        <p:tgtEl>
+                                          <p:spTgt spid="3">
+                                            <p:txEl>
+                                              <p:pRg st="1" end="1"/>
+                                            </p:txEl>
+                                          </p:spTgt>
+                                        </p:tgtEl>
+                                        <p:attrNameLst>
+                                          <p:attrName>ppt_x</p:attrName>
+                                        </p:attrNameLst>
+                                      </p:cBhvr>
+                                      <p:tavLst>
+                                        <p:tav tm="0">
+                                          <p:val>
+                                            <p:strVal val="#ppt_x"/>
+                                          </p:val>
+                                        </p:tav>
+                                        <p:tav tm="100000">
+                                          <p:val>
+                                            <p:strVal val="#ppt_x"/>
+                                          </p:val>
+                                        </p:tav>
+                                      </p:tavLst>
+                                    </p:anim>
+                                    <p:anim calcmode="lin" valueType="num">
+                                      <p:cBhvr>
+                                        <p:cTn id="9" dur="200" fill="hold"/>
+                                        <p:tgtEl>
+                                          <p:spTgt spid="3">
+                                            <p:txEl>
+                                              <p:pRg st="1" end="1"/>
+                                            </p:txEl>
+                                          </p:spTgt>
+                                        </p:tgtEl>
+                                        <p:attrNameLst>
+                                          <p:attrName>ppt_y</p:attrName>
+                                        </p:attrNameLst>
+                                      </p:cBhvr>
+                                      <p:tavLst>
+                                        <p:tav tm="0">
+                                          <p:val>
+                                            <p:strVal val="#ppt_y+.1"/>
+                                          </p:val>
+                                        </p:tav>
+                                        <p:tav tm="100000">
+                                          <p:val>
+                                            <p:strVal val="#ppt_y"/>
+                                          </p:val>
+                                        </p:tav>
+                                      </p:tavLst>
+                                    </p:anim>
                                   </p:childTnLst>
                                 </p:cTn>
                               </p:par>
@@ -14850,26 +14349,26 @@
                     </p:cTn>
                   </p:par>
                   <p:par>
-                    <p:cTn id="7" fill="hold">
+                    <p:cTn id="10" fill="hold">
                       <p:stCondLst>
                         <p:cond delay="indefinite"/>
                       </p:stCondLst>
                       <p:childTnLst>
                         <p:par>
-                          <p:cTn id="8" fill="hold">
+                          <p:cTn id="11" fill="hold">
                             <p:stCondLst>
                               <p:cond delay="0"/>
                             </p:stCondLst>
                             <p:childTnLst>
                               <p:par>
-                                <p:cTn id="9" presetID="1" presetClass="entr" presetSubtype="0" fill="hold" grpId="0" nodeType="clickEffect">
+                                <p:cTn id="12" presetID="42" presetClass="entr" presetSubtype="0" fill="hold" grpId="0" nodeType="clickEffect">
                                   <p:stCondLst>
                                     <p:cond delay="0"/>
                                   </p:stCondLst>
                                   <p:childTnLst>
                                     <p:set>
                                       <p:cBhvr>
-                                        <p:cTn id="10" dur="1" fill="hold">
+                                        <p:cTn id="13" dur="1" fill="hold">
                                           <p:stCondLst>
                                             <p:cond delay="0"/>
                                           </p:stCondLst>
@@ -14889,6 +14388,72 @@
                                         <p:strVal val="visible"/>
                                       </p:to>
                                     </p:set>
+                                    <p:animEffect transition="in" filter="fade">
+                                      <p:cBhvr>
+                                        <p:cTn id="14" dur="200"/>
+                                        <p:tgtEl>
+                                          <p:spTgt spid="3">
+                                            <p:txEl>
+                                              <p:pRg st="2" end="2"/>
+                                            </p:txEl>
+                                          </p:spTgt>
+                                        </p:tgtEl>
+                                      </p:cBhvr>
+                                    </p:animEffect>
+                                    <p:anim calcmode="lin" valueType="num">
+                                      <p:cBhvr>
+                                        <p:cTn id="15" dur="200" fill="hold"/>
+                                        <p:tgtEl>
+                                          <p:spTgt spid="3">
+                                            <p:txEl>
+                                              <p:pRg st="2" end="2"/>
+                                            </p:txEl>
+                                          </p:spTgt>
+                                        </p:tgtEl>
+                                        <p:attrNameLst>
+                                          <p:attrName>ppt_x</p:attrName>
+                                        </p:attrNameLst>
+                                      </p:cBhvr>
+                                      <p:tavLst>
+                                        <p:tav tm="0">
+                                          <p:val>
+                                            <p:strVal val="#ppt_x"/>
+                                          </p:val>
+                                        </p:tav>
+                                        <p:tav tm="100000">
+                                          <p:val>
+                                            <p:strVal val="#ppt_x"/>
+                                          </p:val>
+                                        </p:tav>
+                                      </p:tavLst>
+                                    </p:anim>
+                                    <p:anim calcmode="lin" valueType="num">
+                                      <p:cBhvr>
+                                        <p:cTn id="16" dur="200" fill="hold"/>
+                                        <p:tgtEl>
+                                          <p:spTgt spid="3">
+                                            <p:txEl>
+                                              <p:pRg st="2" end="2"/>
+                                            </p:txEl>
+                                          </p:spTgt>
+                                        </p:tgtEl>
+                                        <p:attrNameLst>
+                                          <p:attrName>ppt_y</p:attrName>
+                                        </p:attrNameLst>
+                                      </p:cBhvr>
+                                      <p:tavLst>
+                                        <p:tav tm="0">
+                                          <p:val>
+                                            <p:strVal val="#ppt_y+.1"/>
+                                          </p:val>
+                                        </p:tav>
+                                        <p:tav tm="100000">
+                                          <p:val>
+                                            <p:strVal val="#ppt_y"/>
+                                          </p:val>
+                                        </p:tav>
+                                      </p:tavLst>
+                                    </p:anim>
                                   </p:childTnLst>
                                 </p:cTn>
                               </p:par>
@@ -14899,26 +14464,26 @@
                     </p:cTn>
                   </p:par>
                   <p:par>
-                    <p:cTn id="11" fill="hold">
+                    <p:cTn id="17" fill="hold">
                       <p:stCondLst>
                         <p:cond delay="indefinite"/>
                       </p:stCondLst>
                       <p:childTnLst>
                         <p:par>
-                          <p:cTn id="12" fill="hold">
+                          <p:cTn id="18" fill="hold">
                             <p:stCondLst>
                               <p:cond delay="0"/>
                             </p:stCondLst>
                             <p:childTnLst>
                               <p:par>
-                                <p:cTn id="13" presetID="1" presetClass="entr" presetSubtype="0" fill="hold" grpId="0" nodeType="clickEffect">
+                                <p:cTn id="19" presetID="42" presetClass="entr" presetSubtype="0" fill="hold" grpId="0" nodeType="clickEffect">
                                   <p:stCondLst>
                                     <p:cond delay="0"/>
                                   </p:stCondLst>
                                   <p:childTnLst>
                                     <p:set>
                                       <p:cBhvr>
-                                        <p:cTn id="14" dur="1" fill="hold">
+                                        <p:cTn id="20" dur="1" fill="hold">
                                           <p:stCondLst>
                                             <p:cond delay="0"/>
                                           </p:stCondLst>
@@ -14938,6 +14503,72 @@
                                         <p:strVal val="visible"/>
                                       </p:to>
                                     </p:set>
+                                    <p:animEffect transition="in" filter="fade">
+                                      <p:cBhvr>
+                                        <p:cTn id="21" dur="200"/>
+                                        <p:tgtEl>
+                                          <p:spTgt spid="3">
+                                            <p:txEl>
+                                              <p:pRg st="3" end="3"/>
+                                            </p:txEl>
+                                          </p:spTgt>
+                                        </p:tgtEl>
+                                      </p:cBhvr>
+                                    </p:animEffect>
+                                    <p:anim calcmode="lin" valueType="num">
+                                      <p:cBhvr>
+                                        <p:cTn id="22" dur="200" fill="hold"/>
+                                        <p:tgtEl>
+                                          <p:spTgt spid="3">
+                                            <p:txEl>
+                                              <p:pRg st="3" end="3"/>
+                                            </p:txEl>
+                                          </p:spTgt>
+                                        </p:tgtEl>
+                                        <p:attrNameLst>
+                                          <p:attrName>ppt_x</p:attrName>
+                                        </p:attrNameLst>
+                                      </p:cBhvr>
+                                      <p:tavLst>
+                                        <p:tav tm="0">
+                                          <p:val>
+                                            <p:strVal val="#ppt_x"/>
+                                          </p:val>
+                                        </p:tav>
+                                        <p:tav tm="100000">
+                                          <p:val>
+                                            <p:strVal val="#ppt_x"/>
+                                          </p:val>
+                                        </p:tav>
+                                      </p:tavLst>
+                                    </p:anim>
+                                    <p:anim calcmode="lin" valueType="num">
+                                      <p:cBhvr>
+                                        <p:cTn id="23" dur="200" fill="hold"/>
+                                        <p:tgtEl>
+                                          <p:spTgt spid="3">
+                                            <p:txEl>
+                                              <p:pRg st="3" end="3"/>
+                                            </p:txEl>
+                                          </p:spTgt>
+                                        </p:tgtEl>
+                                        <p:attrNameLst>
+                                          <p:attrName>ppt_y</p:attrName>
+                                        </p:attrNameLst>
+                                      </p:cBhvr>
+                                      <p:tavLst>
+                                        <p:tav tm="0">
+                                          <p:val>
+                                            <p:strVal val="#ppt_y+.1"/>
+                                          </p:val>
+                                        </p:tav>
+                                        <p:tav tm="100000">
+                                          <p:val>
+                                            <p:strVal val="#ppt_y"/>
+                                          </p:val>
+                                        </p:tav>
+                                      </p:tavLst>
+                                    </p:anim>
                                   </p:childTnLst>
                                 </p:cTn>
                               </p:par>
@@ -14948,26 +14579,26 @@
                     </p:cTn>
                   </p:par>
                   <p:par>
-                    <p:cTn id="15" fill="hold">
+                    <p:cTn id="24" fill="hold">
                       <p:stCondLst>
                         <p:cond delay="indefinite"/>
                       </p:stCondLst>
                       <p:childTnLst>
                         <p:par>
-                          <p:cTn id="16" fill="hold">
+                          <p:cTn id="25" fill="hold">
                             <p:stCondLst>
                               <p:cond delay="0"/>
                             </p:stCondLst>
                             <p:childTnLst>
                               <p:par>
-                                <p:cTn id="17" presetID="1" presetClass="entr" presetSubtype="0" fill="hold" grpId="0" nodeType="clickEffect">
+                                <p:cTn id="26" presetID="42" presetClass="entr" presetSubtype="0" fill="hold" grpId="0" nodeType="clickEffect">
                                   <p:stCondLst>
                                     <p:cond delay="0"/>
                                   </p:stCondLst>
                                   <p:childTnLst>
                                     <p:set>
                                       <p:cBhvr>
-                                        <p:cTn id="18" dur="1" fill="hold">
+                                        <p:cTn id="27" dur="1" fill="hold">
                                           <p:stCondLst>
                                             <p:cond delay="0"/>
                                           </p:stCondLst>
@@ -14987,6 +14618,72 @@
                                         <p:strVal val="visible"/>
                                       </p:to>
                                     </p:set>
+                                    <p:animEffect transition="in" filter="fade">
+                                      <p:cBhvr>
+                                        <p:cTn id="28" dur="200"/>
+                                        <p:tgtEl>
+                                          <p:spTgt spid="3">
+                                            <p:txEl>
+                                              <p:pRg st="5" end="5"/>
+                                            </p:txEl>
+                                          </p:spTgt>
+                                        </p:tgtEl>
+                                      </p:cBhvr>
+                                    </p:animEffect>
+                                    <p:anim calcmode="lin" valueType="num">
+                                      <p:cBhvr>
+                                        <p:cTn id="29" dur="200" fill="hold"/>
+                                        <p:tgtEl>
+                                          <p:spTgt spid="3">
+                                            <p:txEl>
+                                              <p:pRg st="5" end="5"/>
+                                            </p:txEl>
+                                          </p:spTgt>
+                                        </p:tgtEl>
+                                        <p:attrNameLst>
+                                          <p:attrName>ppt_x</p:attrName>
+                                        </p:attrNameLst>
+                                      </p:cBhvr>
+                                      <p:tavLst>
+                                        <p:tav tm="0">
+                                          <p:val>
+                                            <p:strVal val="#ppt_x"/>
+                                          </p:val>
+                                        </p:tav>
+                                        <p:tav tm="100000">
+                                          <p:val>
+                                            <p:strVal val="#ppt_x"/>
+                                          </p:val>
+                                        </p:tav>
+                                      </p:tavLst>
+                                    </p:anim>
+                                    <p:anim calcmode="lin" valueType="num">
+                                      <p:cBhvr>
+                                        <p:cTn id="30" dur="200" fill="hold"/>
+                                        <p:tgtEl>
+                                          <p:spTgt spid="3">
+                                            <p:txEl>
+                                              <p:pRg st="5" end="5"/>
+                                            </p:txEl>
+                                          </p:spTgt>
+                                        </p:tgtEl>
+                                        <p:attrNameLst>
+                                          <p:attrName>ppt_y</p:attrName>
+                                        </p:attrNameLst>
+                                      </p:cBhvr>
+                                      <p:tavLst>
+                                        <p:tav tm="0">
+                                          <p:val>
+                                            <p:strVal val="#ppt_y+.1"/>
+                                          </p:val>
+                                        </p:tav>
+                                        <p:tav tm="100000">
+                                          <p:val>
+                                            <p:strVal val="#ppt_y"/>
+                                          </p:val>
+                                        </p:tav>
+                                      </p:tavLst>
+                                    </p:anim>
                                   </p:childTnLst>
                                 </p:cTn>
                               </p:par>
@@ -14997,26 +14694,26 @@
                     </p:cTn>
                   </p:par>
                   <p:par>
-                    <p:cTn id="19" fill="hold">
+                    <p:cTn id="31" fill="hold">
                       <p:stCondLst>
                         <p:cond delay="indefinite"/>
                       </p:stCondLst>
                       <p:childTnLst>
                         <p:par>
-                          <p:cTn id="20" fill="hold">
+                          <p:cTn id="32" fill="hold">
                             <p:stCondLst>
                               <p:cond delay="0"/>
                             </p:stCondLst>
                             <p:childTnLst>
                               <p:par>
-                                <p:cTn id="21" presetID="1" presetClass="entr" presetSubtype="0" fill="hold" grpId="0" nodeType="clickEffect">
+                                <p:cTn id="33" presetID="42" presetClass="entr" presetSubtype="0" fill="hold" grpId="0" nodeType="clickEffect">
                                   <p:stCondLst>
                                     <p:cond delay="0"/>
                                   </p:stCondLst>
                                   <p:childTnLst>
                                     <p:set>
                                       <p:cBhvr>
-                                        <p:cTn id="22" dur="1" fill="hold">
+                                        <p:cTn id="34" dur="1" fill="hold">
                                           <p:stCondLst>
                                             <p:cond delay="0"/>
                                           </p:stCondLst>
@@ -15036,6 +14733,72 @@
                                         <p:strVal val="visible"/>
                                       </p:to>
                                     </p:set>
+                                    <p:animEffect transition="in" filter="fade">
+                                      <p:cBhvr>
+                                        <p:cTn id="35" dur="200"/>
+                                        <p:tgtEl>
+                                          <p:spTgt spid="3">
+                                            <p:txEl>
+                                              <p:pRg st="6" end="6"/>
+                                            </p:txEl>
+                                          </p:spTgt>
+                                        </p:tgtEl>
+                                      </p:cBhvr>
+                                    </p:animEffect>
+                                    <p:anim calcmode="lin" valueType="num">
+                                      <p:cBhvr>
+                                        <p:cTn id="36" dur="200" fill="hold"/>
+                                        <p:tgtEl>
+                                          <p:spTgt spid="3">
+                                            <p:txEl>
+                                              <p:pRg st="6" end="6"/>
+                                            </p:txEl>
+                                          </p:spTgt>
+                                        </p:tgtEl>
+                                        <p:attrNameLst>
+                                          <p:attrName>ppt_x</p:attrName>
+                                        </p:attrNameLst>
+                                      </p:cBhvr>
+                                      <p:tavLst>
+                                        <p:tav tm="0">
+                                          <p:val>
+                                            <p:strVal val="#ppt_x"/>
+                                          </p:val>
+                                        </p:tav>
+                                        <p:tav tm="100000">
+                                          <p:val>
+                                            <p:strVal val="#ppt_x"/>
+                                          </p:val>
+                                        </p:tav>
+                                      </p:tavLst>
+                                    </p:anim>
+                                    <p:anim calcmode="lin" valueType="num">
+                                      <p:cBhvr>
+                                        <p:cTn id="37" dur="200" fill="hold"/>
+                                        <p:tgtEl>
+                                          <p:spTgt spid="3">
+                                            <p:txEl>
+                                              <p:pRg st="6" end="6"/>
+                                            </p:txEl>
+                                          </p:spTgt>
+                                        </p:tgtEl>
+                                        <p:attrNameLst>
+                                          <p:attrName>ppt_y</p:attrName>
+                                        </p:attrNameLst>
+                                      </p:cBhvr>
+                                      <p:tavLst>
+                                        <p:tav tm="0">
+                                          <p:val>
+                                            <p:strVal val="#ppt_y+.1"/>
+                                          </p:val>
+                                        </p:tav>
+                                        <p:tav tm="100000">
+                                          <p:val>
+                                            <p:strVal val="#ppt_y"/>
+                                          </p:val>
+                                        </p:tav>
+                                      </p:tavLst>
+                                    </p:anim>
                                   </p:childTnLst>
                                 </p:cTn>
                               </p:par>
@@ -15046,26 +14809,26 @@
                     </p:cTn>
                   </p:par>
                   <p:par>
-                    <p:cTn id="23" fill="hold">
+                    <p:cTn id="38" fill="hold">
                       <p:stCondLst>
                         <p:cond delay="indefinite"/>
                       </p:stCondLst>
                       <p:childTnLst>
                         <p:par>
-                          <p:cTn id="24" fill="hold">
+                          <p:cTn id="39" fill="hold">
                             <p:stCondLst>
                               <p:cond delay="0"/>
                             </p:stCondLst>
                             <p:childTnLst>
                               <p:par>
-                                <p:cTn id="25" presetID="1" presetClass="entr" presetSubtype="0" fill="hold" grpId="0" nodeType="clickEffect">
+                                <p:cTn id="40" presetID="42" presetClass="entr" presetSubtype="0" fill="hold" grpId="0" nodeType="clickEffect">
                                   <p:stCondLst>
                                     <p:cond delay="0"/>
                                   </p:stCondLst>
                                   <p:childTnLst>
                                     <p:set>
                                       <p:cBhvr>
-                                        <p:cTn id="26" dur="1" fill="hold">
+                                        <p:cTn id="41" dur="1" fill="hold">
                                           <p:stCondLst>
                                             <p:cond delay="0"/>
                                           </p:stCondLst>
@@ -15085,6 +14848,72 @@
                                         <p:strVal val="visible"/>
                                       </p:to>
                                     </p:set>
+                                    <p:animEffect transition="in" filter="fade">
+                                      <p:cBhvr>
+                                        <p:cTn id="42" dur="200"/>
+                                        <p:tgtEl>
+                                          <p:spTgt spid="3">
+                                            <p:txEl>
+                                              <p:pRg st="7" end="7"/>
+                                            </p:txEl>
+                                          </p:spTgt>
+                                        </p:tgtEl>
+                                      </p:cBhvr>
+                                    </p:animEffect>
+                                    <p:anim calcmode="lin" valueType="num">
+                                      <p:cBhvr>
+                                        <p:cTn id="43" dur="200" fill="hold"/>
+                                        <p:tgtEl>
+                                          <p:spTgt spid="3">
+                                            <p:txEl>
+                                              <p:pRg st="7" end="7"/>
+                                            </p:txEl>
+                                          </p:spTgt>
+                                        </p:tgtEl>
+                                        <p:attrNameLst>
+                                          <p:attrName>ppt_x</p:attrName>
+                                        </p:attrNameLst>
+                                      </p:cBhvr>
+                                      <p:tavLst>
+                                        <p:tav tm="0">
+                                          <p:val>
+                                            <p:strVal val="#ppt_x"/>
+                                          </p:val>
+                                        </p:tav>
+                                        <p:tav tm="100000">
+                                          <p:val>
+                                            <p:strVal val="#ppt_x"/>
+                                          </p:val>
+                                        </p:tav>
+                                      </p:tavLst>
+                                    </p:anim>
+                                    <p:anim calcmode="lin" valueType="num">
+                                      <p:cBhvr>
+                                        <p:cTn id="44" dur="200" fill="hold"/>
+                                        <p:tgtEl>
+                                          <p:spTgt spid="3">
+                                            <p:txEl>
+                                              <p:pRg st="7" end="7"/>
+                                            </p:txEl>
+                                          </p:spTgt>
+                                        </p:tgtEl>
+                                        <p:attrNameLst>
+                                          <p:attrName>ppt_y</p:attrName>
+                                        </p:attrNameLst>
+                                      </p:cBhvr>
+                                      <p:tavLst>
+                                        <p:tav tm="0">
+                                          <p:val>
+                                            <p:strVal val="#ppt_y+.1"/>
+                                          </p:val>
+                                        </p:tav>
+                                        <p:tav tm="100000">
+                                          <p:val>
+                                            <p:strVal val="#ppt_y"/>
+                                          </p:val>
+                                        </p:tav>
+                                      </p:tavLst>
+                                    </p:anim>
                                   </p:childTnLst>
                                 </p:cTn>
                               </p:par>
@@ -15095,26 +14924,26 @@
                     </p:cTn>
                   </p:par>
                   <p:par>
-                    <p:cTn id="27" fill="hold">
+                    <p:cTn id="45" fill="hold">
                       <p:stCondLst>
                         <p:cond delay="indefinite"/>
                       </p:stCondLst>
                       <p:childTnLst>
                         <p:par>
-                          <p:cTn id="28" fill="hold">
+                          <p:cTn id="46" fill="hold">
                             <p:stCondLst>
                               <p:cond delay="0"/>
                             </p:stCondLst>
                             <p:childTnLst>
                               <p:par>
-                                <p:cTn id="29" presetID="1" presetClass="entr" presetSubtype="0" fill="hold" grpId="0" nodeType="clickEffect">
+                                <p:cTn id="47" presetID="42" presetClass="entr" presetSubtype="0" fill="hold" grpId="0" nodeType="clickEffect">
                                   <p:stCondLst>
                                     <p:cond delay="0"/>
                                   </p:stCondLst>
                                   <p:childTnLst>
                                     <p:set>
                                       <p:cBhvr>
-                                        <p:cTn id="30" dur="1" fill="hold">
+                                        <p:cTn id="48" dur="1" fill="hold">
                                           <p:stCondLst>
                                             <p:cond delay="0"/>
                                           </p:stCondLst>
@@ -15134,6 +14963,72 @@
                                         <p:strVal val="visible"/>
                                       </p:to>
                                     </p:set>
+                                    <p:animEffect transition="in" filter="fade">
+                                      <p:cBhvr>
+                                        <p:cTn id="49" dur="200"/>
+                                        <p:tgtEl>
+                                          <p:spTgt spid="3">
+                                            <p:txEl>
+                                              <p:pRg st="8" end="8"/>
+                                            </p:txEl>
+                                          </p:spTgt>
+                                        </p:tgtEl>
+                                      </p:cBhvr>
+                                    </p:animEffect>
+                                    <p:anim calcmode="lin" valueType="num">
+                                      <p:cBhvr>
+                                        <p:cTn id="50" dur="200" fill="hold"/>
+                                        <p:tgtEl>
+                                          <p:spTgt spid="3">
+                                            <p:txEl>
+                                              <p:pRg st="8" end="8"/>
+                                            </p:txEl>
+                                          </p:spTgt>
+                                        </p:tgtEl>
+                                        <p:attrNameLst>
+                                          <p:attrName>ppt_x</p:attrName>
+                                        </p:attrNameLst>
+                                      </p:cBhvr>
+                                      <p:tavLst>
+                                        <p:tav tm="0">
+                                          <p:val>
+                                            <p:strVal val="#ppt_x"/>
+                                          </p:val>
+                                        </p:tav>
+                                        <p:tav tm="100000">
+                                          <p:val>
+                                            <p:strVal val="#ppt_x"/>
+                                          </p:val>
+                                        </p:tav>
+                                      </p:tavLst>
+                                    </p:anim>
+                                    <p:anim calcmode="lin" valueType="num">
+                                      <p:cBhvr>
+                                        <p:cTn id="51" dur="200" fill="hold"/>
+                                        <p:tgtEl>
+                                          <p:spTgt spid="3">
+                                            <p:txEl>
+                                              <p:pRg st="8" end="8"/>
+                                            </p:txEl>
+                                          </p:spTgt>
+                                        </p:tgtEl>
+                                        <p:attrNameLst>
+                                          <p:attrName>ppt_y</p:attrName>
+                                        </p:attrNameLst>
+                                      </p:cBhvr>
+                                      <p:tavLst>
+                                        <p:tav tm="0">
+                                          <p:val>
+                                            <p:strVal val="#ppt_y+.1"/>
+                                          </p:val>
+                                        </p:tav>
+                                        <p:tav tm="100000">
+                                          <p:val>
+                                            <p:strVal val="#ppt_y"/>
+                                          </p:val>
+                                        </p:tav>
+                                      </p:tavLst>
+                                    </p:anim>
                                   </p:childTnLst>
                                 </p:cTn>
                               </p:par>
@@ -15165,7 +15060,7 @@
       </p:par>
     </p:tnLst>
     <p:bldLst>
-      <p:bldP spid="3" grpId="0" build="p"/>
+      <p:bldP spid="3" grpId="0" uiExpand="1" build="p"/>
     </p:bldLst>
   </p:timing>
 </p:sld>

--- a/Kotlin.pptx
+++ b/Kotlin.pptx
@@ -1181,8 +1181,17 @@
           <a:p>
             <a:r>
               <a:rPr lang="en-US" baseline="0" dirty="0" smtClean="0"/>
-              <a:t> -&gt; Then show intended use</a:t>
-            </a:r>
+              <a:t> -&gt; Then show intended </a:t>
+            </a:r>
+            <a:r>
+              <a:rPr lang="en-US" baseline="0" dirty="0" smtClean="0"/>
+              <a:t>use </a:t>
+            </a:r>
+            <a:r>
+              <a:rPr lang="en-US" baseline="0" smtClean="0"/>
+              <a:t>of lambda</a:t>
+            </a:r>
+            <a:endParaRPr lang="en-US" baseline="0" dirty="0" smtClean="0"/>
           </a:p>
           <a:p>
             <a:r>

--- a/Kotlin.pptx
+++ b/Kotlin.pptx
@@ -1185,11 +1185,7 @@
             </a:r>
             <a:r>
               <a:rPr lang="en-US" baseline="0" dirty="0" smtClean="0"/>
-              <a:t>use </a:t>
-            </a:r>
-            <a:r>
-              <a:rPr lang="en-US" baseline="0" smtClean="0"/>
-              <a:t>of lambda</a:t>
+              <a:t>use of lambda</a:t>
             </a:r>
             <a:endParaRPr lang="en-US" baseline="0" dirty="0" smtClean="0"/>
           </a:p>
